--- a/baocaoThucTap.pptx
+++ b/baocaoThucTap.pptx
@@ -125,7 +125,7 @@
   </p:defaultTextStyle>
   <p:extLst>
     <p:ext uri="{EFAFB233-063F-42B5-8137-9DF3F51BA10A}">
-      <p15:sldGuideLst xmlns:p15="http://schemas.microsoft.com/office/powerpoint/2012/main">
+      <p15:sldGuideLst xmlns:p15="http://schemas.microsoft.com/office/powerpoint/2012/main" xmlns="">
         <p15:guide id="1" orient="horz" pos="2160">
           <p15:clr>
             <a:srgbClr val="A4A3A4"/>
@@ -224,7 +224,7 @@
           <a:p>
             <a:fld id="{64D42DEA-A48F-A745-81D7-D28B4BDC5024}" type="datetime1">
               <a:rPr lang="en-US" smtClean="0"/>
-              <a:t>7/29/2014</a:t>
+              <a:t>7/29/14</a:t>
             </a:fld>
             <a:endParaRPr lang="en-US"/>
           </a:p>
@@ -390,7 +390,7 @@
           <a:p>
             <a:fld id="{004690D1-ED74-9748-9A5E-B4AE984FB9C8}" type="datetime1">
               <a:rPr lang="en-US" smtClean="0"/>
-              <a:t>7/29/2014</a:t>
+              <a:t>7/29/14</a:t>
             </a:fld>
             <a:endParaRPr lang="en-US"/>
           </a:p>
@@ -1900,7 +1900,7 @@
           <a:p>
             <a:fld id="{A7A9F4CC-21FF-0C49-B576-38080A13A8B8}" type="datetime1">
               <a:rPr lang="en-US" smtClean="0"/>
-              <a:t>7/29/2014</a:t>
+              <a:t>7/29/14</a:t>
             </a:fld>
             <a:endParaRPr lang="en-US"/>
           </a:p>
@@ -2074,7 +2074,7 @@
           <a:p>
             <a:fld id="{96A3CC53-57CC-3D43-B6AF-50BFB63DDDEA}" type="datetime1">
               <a:rPr lang="en-US" smtClean="0"/>
-              <a:t>7/29/2014</a:t>
+              <a:t>7/29/14</a:t>
             </a:fld>
             <a:endParaRPr lang="en-US"/>
           </a:p>
@@ -2258,7 +2258,7 @@
           <a:p>
             <a:fld id="{D49BE7C6-210F-4447-91A5-7F6D5611B966}" type="datetime1">
               <a:rPr lang="en-US" smtClean="0"/>
-              <a:t>7/29/2014</a:t>
+              <a:t>7/29/14</a:t>
             </a:fld>
             <a:endParaRPr lang="en-US"/>
           </a:p>
@@ -2432,7 +2432,7 @@
           <a:p>
             <a:fld id="{0A2B473E-6389-6B4B-840A-27BB3491B863}" type="datetime1">
               <a:rPr lang="en-US" smtClean="0"/>
-              <a:t>7/29/2014</a:t>
+              <a:t>7/29/14</a:t>
             </a:fld>
             <a:endParaRPr lang="en-US"/>
           </a:p>
@@ -2680,7 +2680,7 @@
           <a:p>
             <a:fld id="{92A317C4-38BA-754A-8DE6-F237028CE4CF}" type="datetime1">
               <a:rPr lang="en-US" smtClean="0"/>
-              <a:t>7/29/2014</a:t>
+              <a:t>7/29/14</a:t>
             </a:fld>
             <a:endParaRPr lang="en-US"/>
           </a:p>
@@ -2916,7 +2916,7 @@
           <a:p>
             <a:fld id="{81C2CAE1-6B14-1D4A-AED9-F090CEF1D3BE}" type="datetime1">
               <a:rPr lang="en-US" smtClean="0"/>
-              <a:t>7/29/2014</a:t>
+              <a:t>7/29/14</a:t>
             </a:fld>
             <a:endParaRPr lang="en-US"/>
           </a:p>
@@ -3287,7 +3287,7 @@
           <a:p>
             <a:fld id="{05C7345C-26CF-9649-B502-2C5D5B39B36C}" type="datetime1">
               <a:rPr lang="en-US" smtClean="0"/>
-              <a:t>7/29/2014</a:t>
+              <a:t>7/29/14</a:t>
             </a:fld>
             <a:endParaRPr lang="en-US"/>
           </a:p>
@@ -3409,7 +3409,7 @@
           <a:p>
             <a:fld id="{6A02EDC1-2013-8643-9D1D-44BFFEED3DB1}" type="datetime1">
               <a:rPr lang="en-US" smtClean="0"/>
-              <a:t>7/29/2014</a:t>
+              <a:t>7/29/14</a:t>
             </a:fld>
             <a:endParaRPr lang="en-US"/>
           </a:p>
@@ -3508,7 +3508,7 @@
           <a:p>
             <a:fld id="{7F494F50-EA35-704E-B009-1DBD4188E696}" type="datetime1">
               <a:rPr lang="en-US" smtClean="0"/>
-              <a:t>7/29/2014</a:t>
+              <a:t>7/29/14</a:t>
             </a:fld>
             <a:endParaRPr lang="en-US"/>
           </a:p>
@@ -3789,7 +3789,7 @@
           <a:p>
             <a:fld id="{17B41B3A-73F7-C44B-96C9-3F9600B998DF}" type="datetime1">
               <a:rPr lang="en-US" smtClean="0"/>
-              <a:t>7/29/2014</a:t>
+              <a:t>7/29/14</a:t>
             </a:fld>
             <a:endParaRPr lang="en-US"/>
           </a:p>
@@ -4050,7 +4050,7 @@
           <a:p>
             <a:fld id="{83E04AF0-CBBC-C448-8724-62F4A1EFE45B}" type="datetime1">
               <a:rPr lang="en-US" smtClean="0"/>
-              <a:t>7/29/2014</a:t>
+              <a:t>7/29/14</a:t>
             </a:fld>
             <a:endParaRPr lang="en-US"/>
           </a:p>
@@ -4276,7 +4276,7 @@
           <a:p>
             <a:fld id="{3AF8DF00-8E71-644B-B9BA-4BDE21A88CEE}" type="datetime1">
               <a:rPr lang="en-US" smtClean="0"/>
-              <a:t>7/29/2014</a:t>
+              <a:t>7/29/14</a:t>
             </a:fld>
             <a:endParaRPr lang="en-US"/>
           </a:p>
@@ -4975,22 +4975,13 @@
   <p:clrMapOvr>
     <a:masterClrMapping/>
   </p:clrMapOvr>
-  <mc:AlternateContent xmlns:mc="http://schemas.openxmlformats.org/markup-compatibility/2006" xmlns:p15="http://schemas.microsoft.com/office/powerpoint/2012/main">
-    <mc:Choice Requires="p15">
-      <p:transition xmlns:p14="http://schemas.microsoft.com/office/powerpoint/2010/main" spd="slow" p14:dur="6000">
-        <p15:prstTrans prst="curtains"/>
-      </p:transition>
-    </mc:Choice>
-    <mc:Fallback xmlns="">
-      <p:transition spd="slow">
-        <p:fade/>
-      </p:transition>
-    </mc:Fallback>
-  </mc:AlternateContent>
+  <p:transition xmlns:p14="http://schemas.microsoft.com/office/powerpoint/2010/main" spd="slow">
+    <p:fade/>
+  </p:transition>
   <p:timing>
     <p:tnLst>
       <p:par>
-        <p:cTn id="1" dur="indefinite" restart="never" nodeType="tmRoot"/>
+        <p:cTn xmlns:p14="http://schemas.microsoft.com/office/powerpoint/2010/main" id="1" dur="indefinite" restart="never" nodeType="tmRoot"/>
       </p:par>
     </p:tnLst>
   </p:timing>
@@ -5037,15 +5028,24 @@
           <a:lstStyle/>
           <a:p>
             <a:r>
-              <a:rPr lang="en-US" sz="3000" b="1" smtClean="0">
+              <a:rPr lang="en-US" sz="3000" b="1" dirty="0" smtClean="0">
                 <a:solidFill>
                   <a:schemeClr val="bg1"/>
                 </a:solidFill>
                 <a:latin typeface="Arial" panose="020B0604020202020204" pitchFamily="34" charset="0"/>
               </a:rPr>
-              <a:t>PHÂN TÍCH THIẾT KẾ VÀ TRIỂN KHAI</a:t>
-            </a:r>
-            <a:endParaRPr lang="en-US" sz="3000" b="1">
+              <a:t>PHÂN TÍCH THIẾT KẾ VÀ TRIỂN </a:t>
+            </a:r>
+            <a:r>
+              <a:rPr lang="en-US" sz="3000" b="1" dirty="0" smtClean="0">
+                <a:solidFill>
+                  <a:schemeClr val="bg1"/>
+                </a:solidFill>
+                <a:latin typeface="Arial" panose="020B0604020202020204" pitchFamily="34" charset="0"/>
+              </a:rPr>
+              <a:t>KHAI(2/3)</a:t>
+            </a:r>
+            <a:endParaRPr lang="en-US" sz="3000" b="1" dirty="0">
               <a:solidFill>
                 <a:schemeClr val="bg1"/>
               </a:solidFill>
@@ -5198,22 +5198,13 @@
   <p:clrMapOvr>
     <a:masterClrMapping/>
   </p:clrMapOvr>
-  <mc:AlternateContent xmlns:mc="http://schemas.openxmlformats.org/markup-compatibility/2006" xmlns:p15="http://schemas.microsoft.com/office/powerpoint/2012/main">
-    <mc:Choice Requires="p15">
-      <p:transition xmlns:p14="http://schemas.microsoft.com/office/powerpoint/2010/main" spd="slow" p14:dur="1250">
-        <p15:prstTrans prst="peelOff"/>
-      </p:transition>
-    </mc:Choice>
-    <mc:Fallback xmlns="">
-      <p:transition spd="slow">
-        <p:fade/>
-      </p:transition>
-    </mc:Fallback>
-  </mc:AlternateContent>
+  <p:transition xmlns:p14="http://schemas.microsoft.com/office/powerpoint/2010/main" spd="slow">
+    <p:fade/>
+  </p:transition>
   <p:timing>
     <p:tnLst>
       <p:par>
-        <p:cTn id="1" dur="indefinite" restart="never" nodeType="tmRoot"/>
+        <p:cTn xmlns:p14="http://schemas.microsoft.com/office/powerpoint/2010/main" id="1" dur="indefinite" restart="never" nodeType="tmRoot"/>
       </p:par>
     </p:tnLst>
   </p:timing>
@@ -5260,15 +5251,24 @@
           <a:lstStyle/>
           <a:p>
             <a:r>
-              <a:rPr lang="en-US" sz="3000" b="1" smtClean="0">
+              <a:rPr lang="en-US" sz="3000" b="1" dirty="0" smtClean="0">
                 <a:solidFill>
                   <a:schemeClr val="bg1"/>
                 </a:solidFill>
                 <a:latin typeface="Arial" panose="020B0604020202020204" pitchFamily="34" charset="0"/>
               </a:rPr>
-              <a:t>PHÂN TÍCH THIẾT KẾ VÀ TRIỂN KHAI</a:t>
-            </a:r>
-            <a:endParaRPr lang="en-US" sz="3000" b="1">
+              <a:t>PHÂN TÍCH THIẾT KẾ VÀ TRIỂN </a:t>
+            </a:r>
+            <a:r>
+              <a:rPr lang="en-US" sz="3000" b="1" dirty="0" smtClean="0">
+                <a:solidFill>
+                  <a:schemeClr val="bg1"/>
+                </a:solidFill>
+                <a:latin typeface="Arial" panose="020B0604020202020204" pitchFamily="34" charset="0"/>
+              </a:rPr>
+              <a:t>KHAI(3/3)</a:t>
+            </a:r>
+            <a:endParaRPr lang="en-US" sz="3000" b="1" dirty="0">
               <a:solidFill>
                 <a:schemeClr val="bg1"/>
               </a:solidFill>
@@ -5421,22 +5421,13 @@
   <p:clrMapOvr>
     <a:masterClrMapping/>
   </p:clrMapOvr>
-  <mc:AlternateContent xmlns:mc="http://schemas.openxmlformats.org/markup-compatibility/2006" xmlns:p15="http://schemas.microsoft.com/office/powerpoint/2012/main">
-    <mc:Choice Requires="p15">
-      <p:transition xmlns:p14="http://schemas.microsoft.com/office/powerpoint/2010/main" spd="slow" p14:dur="1250">
-        <p15:prstTrans prst="peelOff"/>
-      </p:transition>
-    </mc:Choice>
-    <mc:Fallback xmlns="">
-      <p:transition spd="slow">
-        <p:fade/>
-      </p:transition>
-    </mc:Fallback>
-  </mc:AlternateContent>
+  <p:transition xmlns:p14="http://schemas.microsoft.com/office/powerpoint/2010/main" spd="slow">
+    <p:fade/>
+  </p:transition>
   <p:timing>
     <p:tnLst>
       <p:par>
-        <p:cTn id="1" dur="indefinite" restart="never" nodeType="tmRoot"/>
+        <p:cTn xmlns:p14="http://schemas.microsoft.com/office/powerpoint/2010/main" id="1" dur="indefinite" restart="never" nodeType="tmRoot"/>
       </p:par>
     </p:tnLst>
   </p:timing>
@@ -5530,7 +5521,15 @@
                   <a:srgbClr val="009900"/>
                 </a:solidFill>
               </a:rPr>
-              <a:t>Sau đây chúng em xin chạy demo phần mềm của nhóm</a:t>
+              <a:t>Sau đây chúng em xin chạy demo phần </a:t>
+            </a:r>
+            <a:r>
+              <a:rPr lang="vi-VN" smtClean="0">
+                <a:solidFill>
+                  <a:srgbClr val="009900"/>
+                </a:solidFill>
+              </a:rPr>
+              <a:t>mềm</a:t>
             </a:r>
             <a:endParaRPr lang="vi-VN" smtClean="0">
               <a:solidFill>
@@ -6302,22 +6301,13 @@
   <p:clrMapOvr>
     <a:masterClrMapping/>
   </p:clrMapOvr>
-  <mc:AlternateContent xmlns:mc="http://schemas.openxmlformats.org/markup-compatibility/2006" xmlns:p15="http://schemas.microsoft.com/office/powerpoint/2012/main">
-    <mc:Choice Requires="p15">
-      <p:transition xmlns:p14="http://schemas.microsoft.com/office/powerpoint/2010/main" spd="slow" p14:dur="1250">
-        <p15:prstTrans prst="peelOff"/>
-      </p:transition>
-    </mc:Choice>
-    <mc:Fallback xmlns="">
-      <p:transition spd="slow">
-        <p:fade/>
-      </p:transition>
-    </mc:Fallback>
-  </mc:AlternateContent>
+  <p:transition xmlns:p14="http://schemas.microsoft.com/office/powerpoint/2010/main" spd="slow">
+    <p:fade/>
+  </p:transition>
   <p:timing>
     <p:tnLst>
       <p:par>
-        <p:cTn id="1" dur="indefinite" restart="never" nodeType="tmRoot">
+        <p:cTn xmlns:p14="http://schemas.microsoft.com/office/powerpoint/2010/main" id="1" dur="indefinite" restart="never" nodeType="tmRoot">
           <p:childTnLst>
             <p:seq concurrent="1" nextAc="seek">
               <p:cTn id="2" dur="indefinite" nodeType="mainSeq">
@@ -6717,12 +6707,12 @@
           <a:bodyPr/>
           <a:lstStyle/>
           <a:p>
-            <a:pPr>
+            <a:pPr algn="just">
               <a:buFont typeface="Wingdings" panose="05000000000000000000" pitchFamily="2" charset="2"/>
               <a:buChar char="§"/>
             </a:pPr>
             <a:r>
-              <a:rPr lang="vi-VN" smtClean="0">
+              <a:rPr lang="vi-VN" dirty="0" smtClean="0">
                 <a:solidFill>
                   <a:srgbClr val="009900"/>
                 </a:solidFill>
@@ -6731,29 +6721,130 @@
             </a:r>
           </a:p>
           <a:p>
-            <a:pPr>
+            <a:pPr algn="just">
               <a:buFont typeface="Wingdings" panose="05000000000000000000" pitchFamily="2" charset="2"/>
               <a:buChar char="§"/>
             </a:pPr>
-            <a:endParaRPr lang="vi-VN" smtClean="0">
+            <a:endParaRPr lang="vi-VN" dirty="0" smtClean="0">
               <a:solidFill>
                 <a:srgbClr val="009900"/>
               </a:solidFill>
             </a:endParaRPr>
           </a:p>
           <a:p>
-            <a:pPr>
+            <a:pPr algn="just">
               <a:buFont typeface="Wingdings" panose="05000000000000000000" pitchFamily="2" charset="2"/>
               <a:buChar char="§"/>
             </a:pPr>
             <a:r>
-              <a:rPr lang="vi-VN" smtClean="0">
+              <a:rPr lang="vi-VN" dirty="0" smtClean="0">
                 <a:solidFill>
                   <a:srgbClr val="009900"/>
                 </a:solidFill>
               </a:rPr>
-              <a:t>Hướng phát triển của phần mềm là làm thêm các chức năng filter và chỉnh sửa ảnh mới lạ, thêm giao diện đẹp mắt và trực quan hơn nữa.</a:t>
-            </a:r>
+              <a:t>Hướng phát triển của phần mềm là làm thêm </a:t>
+            </a:r>
+            <a:r>
+              <a:rPr lang="vi-VN" dirty="0" smtClean="0">
+                <a:solidFill>
+                  <a:srgbClr val="009900"/>
+                </a:solidFill>
+              </a:rPr>
+              <a:t>nhi</a:t>
+            </a:r>
+            <a:r>
+              <a:rPr lang="vi-VN" dirty="0" smtClean="0">
+                <a:solidFill>
+                  <a:srgbClr val="009900"/>
+                </a:solidFill>
+              </a:rPr>
+              <a:t>ều</a:t>
+            </a:r>
+            <a:r>
+              <a:rPr lang="vi-VN" dirty="0" smtClean="0">
+                <a:solidFill>
+                  <a:srgbClr val="009900"/>
+                </a:solidFill>
+              </a:rPr>
+              <a:t> </a:t>
+            </a:r>
+            <a:r>
+              <a:rPr lang="vi-VN" dirty="0" smtClean="0">
+                <a:solidFill>
+                  <a:srgbClr val="009900"/>
+                </a:solidFill>
+              </a:rPr>
+              <a:t>chức năng </a:t>
+            </a:r>
+            <a:r>
+              <a:rPr lang="vi-VN" dirty="0" smtClean="0">
+                <a:solidFill>
+                  <a:srgbClr val="009900"/>
+                </a:solidFill>
+              </a:rPr>
+              <a:t>filter </a:t>
+            </a:r>
+            <a:r>
+              <a:rPr lang="vi-VN" dirty="0" smtClean="0">
+                <a:solidFill>
+                  <a:srgbClr val="009900"/>
+                </a:solidFill>
+              </a:rPr>
+              <a:t>hơn nữa, thêm Tilt-Shift</a:t>
+            </a:r>
+            <a:r>
+              <a:rPr lang="vi-VN" dirty="0" smtClean="0">
+                <a:solidFill>
+                  <a:srgbClr val="009900"/>
+                </a:solidFill>
+              </a:rPr>
+              <a:t> </a:t>
+            </a:r>
+            <a:r>
+              <a:rPr lang="vi-VN" dirty="0" smtClean="0">
+                <a:solidFill>
+                  <a:srgbClr val="009900"/>
+                </a:solidFill>
+              </a:rPr>
+              <a:t>kèm nhiều</a:t>
+            </a:r>
+            <a:r>
+              <a:rPr lang="vi-VN" dirty="0" smtClean="0">
+                <a:solidFill>
+                  <a:srgbClr val="009900"/>
+                </a:solidFill>
+              </a:rPr>
+              <a:t> chỉnh </a:t>
+            </a:r>
+            <a:r>
+              <a:rPr lang="vi-VN" dirty="0" smtClean="0">
+                <a:solidFill>
+                  <a:srgbClr val="009900"/>
+                </a:solidFill>
+              </a:rPr>
+              <a:t>sửa ảnh mới lạ, thêm giao diện đẹp </a:t>
+            </a:r>
+            <a:r>
+              <a:rPr lang="vi-VN" dirty="0" smtClean="0">
+                <a:solidFill>
+                  <a:srgbClr val="009900"/>
+                </a:solidFill>
+              </a:rPr>
+              <a:t>mắt, </a:t>
+            </a:r>
+            <a:r>
+              <a:rPr lang="vi-VN" dirty="0" smtClean="0">
+                <a:solidFill>
+                  <a:srgbClr val="009900"/>
+                </a:solidFill>
+              </a:rPr>
+              <a:t>trực quan, thân thiện người dùng và hướng tới sự hoàn mỹ.</a:t>
+            </a:r>
+            <a:endParaRPr lang="vi-VN" dirty="0" smtClean="0">
+              <a:solidFill>
+                <a:srgbClr val="009900"/>
+              </a:solidFill>
+            </a:endParaRPr>
           </a:p>
         </p:txBody>
       </p:sp>
@@ -6848,22 +6939,13 @@
   <p:clrMapOvr>
     <a:masterClrMapping/>
   </p:clrMapOvr>
-  <mc:AlternateContent xmlns:mc="http://schemas.openxmlformats.org/markup-compatibility/2006" xmlns:p15="http://schemas.microsoft.com/office/powerpoint/2012/main">
-    <mc:Choice Requires="p15">
-      <p:transition xmlns:p14="http://schemas.microsoft.com/office/powerpoint/2010/main" spd="slow" p14:dur="1250">
-        <p15:prstTrans prst="peelOff"/>
-      </p:transition>
-    </mc:Choice>
-    <mc:Fallback xmlns="">
-      <p:transition spd="slow">
-        <p:fade/>
-      </p:transition>
-    </mc:Fallback>
-  </mc:AlternateContent>
+  <p:transition xmlns:p14="http://schemas.microsoft.com/office/powerpoint/2010/main" spd="slow">
+    <p:fade/>
+  </p:transition>
   <p:timing>
     <p:tnLst>
       <p:par>
-        <p:cTn id="1" dur="indefinite" restart="never" nodeType="tmRoot"/>
+        <p:cTn xmlns:p14="http://schemas.microsoft.com/office/powerpoint/2010/main" id="1" dur="indefinite" restart="never" nodeType="tmRoot"/>
       </p:par>
     </p:tnLst>
   </p:timing>
@@ -7095,7 +7177,7 @@
   <p:timing>
     <p:tnLst>
       <p:par>
-        <p:cTn id="1" dur="indefinite" restart="never" nodeType="tmRoot"/>
+        <p:cTn xmlns:p14="http://schemas.microsoft.com/office/powerpoint/2010/main" id="1" dur="indefinite" restart="never" nodeType="tmRoot"/>
       </p:par>
     </p:tnLst>
   </p:timing>
@@ -7481,13 +7563,13 @@
   <p:clrMapOvr>
     <a:masterClrMapping/>
   </p:clrMapOvr>
-  <p:transition spd="slow">
+  <p:transition xmlns:p14="http://schemas.microsoft.com/office/powerpoint/2010/main" spd="slow">
     <p:randomBar dir="vert"/>
   </p:transition>
   <p:timing>
     <p:tnLst>
       <p:par>
-        <p:cTn id="1" dur="indefinite" restart="never" nodeType="tmRoot"/>
+        <p:cTn xmlns:p14="http://schemas.microsoft.com/office/powerpoint/2010/main" id="1" dur="indefinite" restart="never" nodeType="tmRoot"/>
       </p:par>
     </p:tnLst>
   </p:timing>
@@ -7819,13 +7901,13 @@
   <p:clrMapOvr>
     <a:masterClrMapping/>
   </p:clrMapOvr>
-  <p:transition spd="med">
+  <p:transition xmlns:p14="http://schemas.microsoft.com/office/powerpoint/2010/main" spd="med">
     <p:pull/>
   </p:transition>
   <p:timing>
     <p:tnLst>
       <p:par>
-        <p:cTn id="1" dur="indefinite" restart="never" nodeType="tmRoot"/>
+        <p:cTn xmlns:p14="http://schemas.microsoft.com/office/powerpoint/2010/main" id="1" dur="indefinite" restart="never" nodeType="tmRoot"/>
       </p:par>
     </p:tnLst>
   </p:timing>
@@ -8133,22 +8215,13 @@
   <p:clrMapOvr>
     <a:masterClrMapping/>
   </p:clrMapOvr>
-  <mc:AlternateContent xmlns:mc="http://schemas.openxmlformats.org/markup-compatibility/2006" xmlns:p15="http://schemas.microsoft.com/office/powerpoint/2012/main">
-    <mc:Choice Requires="p15">
-      <p:transition xmlns:p14="http://schemas.microsoft.com/office/powerpoint/2010/main" spd="slow" p14:dur="1250">
-        <p15:prstTrans prst="peelOff"/>
-      </p:transition>
-    </mc:Choice>
-    <mc:Fallback xmlns="">
-      <p:transition spd="slow">
-        <p:fade/>
-      </p:transition>
-    </mc:Fallback>
-  </mc:AlternateContent>
+  <p:transition xmlns:p14="http://schemas.microsoft.com/office/powerpoint/2010/main" spd="slow">
+    <p:fade/>
+  </p:transition>
   <p:timing>
     <p:tnLst>
       <p:par>
-        <p:cTn id="1" dur="indefinite" restart="never" nodeType="tmRoot"/>
+        <p:cTn xmlns:p14="http://schemas.microsoft.com/office/powerpoint/2010/main" id="1" dur="indefinite" restart="never" nodeType="tmRoot"/>
       </p:par>
     </p:tnLst>
   </p:timing>
@@ -8484,22 +8557,13 @@
   <p:clrMapOvr>
     <a:masterClrMapping/>
   </p:clrMapOvr>
-  <mc:AlternateContent xmlns:mc="http://schemas.openxmlformats.org/markup-compatibility/2006" xmlns:p15="http://schemas.microsoft.com/office/powerpoint/2012/main">
-    <mc:Choice Requires="p15">
-      <p:transition xmlns:p14="http://schemas.microsoft.com/office/powerpoint/2010/main" spd="slow" p14:dur="1250">
-        <p15:prstTrans prst="peelOff"/>
-      </p:transition>
-    </mc:Choice>
-    <mc:Fallback xmlns="">
-      <p:transition spd="slow">
-        <p:fade/>
-      </p:transition>
-    </mc:Fallback>
-  </mc:AlternateContent>
+  <p:transition xmlns:p14="http://schemas.microsoft.com/office/powerpoint/2010/main" spd="slow">
+    <p:fade/>
+  </p:transition>
   <p:timing>
     <p:tnLst>
       <p:par>
-        <p:cTn id="1" dur="indefinite" restart="never" nodeType="tmRoot"/>
+        <p:cTn xmlns:p14="http://schemas.microsoft.com/office/powerpoint/2010/main" id="1" dur="indefinite" restart="never" nodeType="tmRoot"/>
       </p:par>
     </p:tnLst>
   </p:timing>
@@ -8546,15 +8610,24 @@
           <a:lstStyle/>
           <a:p>
             <a:r>
-              <a:rPr lang="en-US" sz="3000" b="1" smtClean="0">
+              <a:rPr lang="en-US" sz="3000" b="1" dirty="0" smtClean="0">
                 <a:solidFill>
                   <a:schemeClr val="bg1"/>
                 </a:solidFill>
                 <a:latin typeface="Arial" panose="020B0604020202020204" pitchFamily="34" charset="0"/>
               </a:rPr>
-              <a:t>ĐỊNH HƯỚNG VÀ GIẢI PHÁP</a:t>
-            </a:r>
-            <a:endParaRPr lang="en-US" sz="3000" b="1">
+              <a:t>ĐỊNH HƯỚNG VÀ GIẢI </a:t>
+            </a:r>
+            <a:r>
+              <a:rPr lang="en-US" sz="3000" b="1" dirty="0" smtClean="0">
+                <a:solidFill>
+                  <a:schemeClr val="bg1"/>
+                </a:solidFill>
+                <a:latin typeface="Arial" panose="020B0604020202020204" pitchFamily="34" charset="0"/>
+              </a:rPr>
+              <a:t>PHÁP(1/3)</a:t>
+            </a:r>
+            <a:endParaRPr lang="en-US" sz="3000" b="1" dirty="0">
               <a:solidFill>
                 <a:schemeClr val="bg1"/>
               </a:solidFill>
@@ -9940,22 +10013,13 @@
   <p:clrMapOvr>
     <a:masterClrMapping/>
   </p:clrMapOvr>
-  <mc:AlternateContent xmlns:mc="http://schemas.openxmlformats.org/markup-compatibility/2006" xmlns:p15="http://schemas.microsoft.com/office/powerpoint/2012/main">
-    <mc:Choice Requires="p15">
-      <p:transition xmlns:p14="http://schemas.microsoft.com/office/powerpoint/2010/main" spd="slow" p14:dur="1250">
-        <p15:prstTrans prst="peelOff"/>
-      </p:transition>
-    </mc:Choice>
-    <mc:Fallback xmlns="">
-      <p:transition spd="slow">
-        <p:fade/>
-      </p:transition>
-    </mc:Fallback>
-  </mc:AlternateContent>
+  <p:transition xmlns:p14="http://schemas.microsoft.com/office/powerpoint/2010/main" spd="slow">
+    <p:fade/>
+  </p:transition>
   <p:timing>
     <p:tnLst>
       <p:par>
-        <p:cTn id="1" dur="indefinite" restart="never" nodeType="tmRoot"/>
+        <p:cTn xmlns:p14="http://schemas.microsoft.com/office/powerpoint/2010/main" id="1" dur="indefinite" restart="never" nodeType="tmRoot"/>
       </p:par>
     </p:tnLst>
   </p:timing>
@@ -10002,15 +10066,24 @@
           <a:lstStyle/>
           <a:p>
             <a:r>
-              <a:rPr lang="en-US" sz="3000" b="1" smtClean="0">
+              <a:rPr lang="en-US" sz="3000" b="1" dirty="0" smtClean="0">
                 <a:solidFill>
                   <a:schemeClr val="bg1"/>
                 </a:solidFill>
                 <a:latin typeface="Arial" panose="020B0604020202020204" pitchFamily="34" charset="0"/>
               </a:rPr>
-              <a:t>ĐỊNH HƯỚNG VÀ GIẢI PHÁP</a:t>
-            </a:r>
-            <a:endParaRPr lang="en-US" sz="3000" b="1">
+              <a:t>ĐỊNH HƯỚNG VÀ GIẢI </a:t>
+            </a:r>
+            <a:r>
+              <a:rPr lang="en-US" sz="3000" b="1" dirty="0" smtClean="0">
+                <a:solidFill>
+                  <a:schemeClr val="bg1"/>
+                </a:solidFill>
+                <a:latin typeface="Arial" panose="020B0604020202020204" pitchFamily="34" charset="0"/>
+              </a:rPr>
+              <a:t>PHÁP(2/3)</a:t>
+            </a:r>
+            <a:endParaRPr lang="en-US" sz="3000" b="1" dirty="0">
               <a:solidFill>
                 <a:schemeClr val="bg1"/>
               </a:solidFill>
@@ -10251,22 +10324,13 @@
   <p:clrMapOvr>
     <a:masterClrMapping/>
   </p:clrMapOvr>
-  <mc:AlternateContent xmlns:mc="http://schemas.openxmlformats.org/markup-compatibility/2006" xmlns:p15="http://schemas.microsoft.com/office/powerpoint/2012/main">
-    <mc:Choice Requires="p15">
-      <p:transition xmlns:p14="http://schemas.microsoft.com/office/powerpoint/2010/main" spd="slow" p14:dur="1250">
-        <p15:prstTrans prst="peelOff"/>
-      </p:transition>
-    </mc:Choice>
-    <mc:Fallback xmlns="">
-      <p:transition spd="slow">
-        <p:fade/>
-      </p:transition>
-    </mc:Fallback>
-  </mc:AlternateContent>
+  <p:transition xmlns:p14="http://schemas.microsoft.com/office/powerpoint/2010/main" spd="slow">
+    <p:fade/>
+  </p:transition>
   <p:timing>
     <p:tnLst>
       <p:par>
-        <p:cTn id="1" dur="indefinite" restart="never" nodeType="tmRoot"/>
+        <p:cTn xmlns:p14="http://schemas.microsoft.com/office/powerpoint/2010/main" id="1" dur="indefinite" restart="never" nodeType="tmRoot"/>
       </p:par>
     </p:tnLst>
   </p:timing>
@@ -10313,15 +10377,24 @@
           <a:lstStyle/>
           <a:p>
             <a:r>
-              <a:rPr lang="en-US" sz="3000" b="1" smtClean="0">
+              <a:rPr lang="en-US" sz="3000" b="1" dirty="0" smtClean="0">
                 <a:solidFill>
                   <a:schemeClr val="bg1"/>
                 </a:solidFill>
                 <a:latin typeface="Arial" panose="020B0604020202020204" pitchFamily="34" charset="0"/>
               </a:rPr>
-              <a:t>ĐỊNH HƯỚNG VÀ GIẢI PHÁP</a:t>
-            </a:r>
-            <a:endParaRPr lang="en-US" sz="3000" b="1">
+              <a:t>ĐỊNH HƯỚNG VÀ GIẢI </a:t>
+            </a:r>
+            <a:r>
+              <a:rPr lang="en-US" sz="3000" b="1" dirty="0" smtClean="0">
+                <a:solidFill>
+                  <a:schemeClr val="bg1"/>
+                </a:solidFill>
+                <a:latin typeface="Arial" panose="020B0604020202020204" pitchFamily="34" charset="0"/>
+              </a:rPr>
+              <a:t>PHÁP(3/3)</a:t>
+            </a:r>
+            <a:endParaRPr lang="en-US" sz="3000" b="1" dirty="0">
               <a:solidFill>
                 <a:schemeClr val="bg1"/>
               </a:solidFill>
@@ -10637,22 +10710,13 @@
   <p:clrMapOvr>
     <a:masterClrMapping/>
   </p:clrMapOvr>
-  <mc:AlternateContent xmlns:mc="http://schemas.openxmlformats.org/markup-compatibility/2006" xmlns:p15="http://schemas.microsoft.com/office/powerpoint/2012/main">
-    <mc:Choice Requires="p15">
-      <p:transition xmlns:p14="http://schemas.microsoft.com/office/powerpoint/2010/main" spd="slow" p14:dur="1250">
-        <p15:prstTrans prst="peelOff"/>
-      </p:transition>
-    </mc:Choice>
-    <mc:Fallback xmlns="">
-      <p:transition spd="slow">
-        <p:fade/>
-      </p:transition>
-    </mc:Fallback>
-  </mc:AlternateContent>
+  <p:transition xmlns:p14="http://schemas.microsoft.com/office/powerpoint/2010/main" spd="slow">
+    <p:fade/>
+  </p:transition>
   <p:timing>
     <p:tnLst>
       <p:par>
-        <p:cTn id="1" dur="indefinite" restart="never" nodeType="tmRoot"/>
+        <p:cTn xmlns:p14="http://schemas.microsoft.com/office/powerpoint/2010/main" id="1" dur="indefinite" restart="never" nodeType="tmRoot"/>
       </p:par>
     </p:tnLst>
   </p:timing>
@@ -10699,15 +10763,24 @@
           <a:lstStyle/>
           <a:p>
             <a:r>
-              <a:rPr lang="en-US" sz="3000" b="1" smtClean="0">
+              <a:rPr lang="en-US" sz="3000" b="1" dirty="0" smtClean="0">
                 <a:solidFill>
                   <a:schemeClr val="bg1"/>
                 </a:solidFill>
                 <a:latin typeface="Arial" panose="020B0604020202020204" pitchFamily="34" charset="0"/>
               </a:rPr>
-              <a:t>PHÂN TÍCH THIẾT KẾ VÀ TRIỂN KHAI</a:t>
-            </a:r>
-            <a:endParaRPr lang="en-US" sz="3000" b="1">
+              <a:t>PHÂN TÍCH THIẾT KẾ VÀ TRIỂN </a:t>
+            </a:r>
+            <a:r>
+              <a:rPr lang="en-US" sz="3000" b="1" dirty="0" smtClean="0">
+                <a:solidFill>
+                  <a:schemeClr val="bg1"/>
+                </a:solidFill>
+                <a:latin typeface="Arial" panose="020B0604020202020204" pitchFamily="34" charset="0"/>
+              </a:rPr>
+              <a:t>KHAI(1/3)</a:t>
+            </a:r>
+            <a:endParaRPr lang="en-US" sz="3000" b="1" dirty="0">
               <a:solidFill>
                 <a:schemeClr val="bg1"/>
               </a:solidFill>
@@ -10860,22 +10933,13 @@
   <p:clrMapOvr>
     <a:masterClrMapping/>
   </p:clrMapOvr>
-  <mc:AlternateContent xmlns:mc="http://schemas.openxmlformats.org/markup-compatibility/2006" xmlns:p15="http://schemas.microsoft.com/office/powerpoint/2012/main">
-    <mc:Choice Requires="p15">
-      <p:transition xmlns:p14="http://schemas.microsoft.com/office/powerpoint/2010/main" spd="slow" p14:dur="1250">
-        <p15:prstTrans prst="peelOff"/>
-      </p:transition>
-    </mc:Choice>
-    <mc:Fallback xmlns="">
-      <p:transition spd="slow">
-        <p:fade/>
-      </p:transition>
-    </mc:Fallback>
-  </mc:AlternateContent>
+  <p:transition xmlns:p14="http://schemas.microsoft.com/office/powerpoint/2010/main" spd="slow">
+    <p:fade/>
+  </p:transition>
   <p:timing>
     <p:tnLst>
       <p:par>
-        <p:cTn id="1" dur="indefinite" restart="never" nodeType="tmRoot"/>
+        <p:cTn xmlns:p14="http://schemas.microsoft.com/office/powerpoint/2010/main" id="1" dur="indefinite" restart="never" nodeType="tmRoot"/>
       </p:par>
     </p:tnLst>
   </p:timing>
@@ -11137,7 +11201,7 @@
   <a:extraClrSchemeLst/>
   <a:extLst>
     <a:ext uri="{05A4C25C-085E-4340-85A3-A5531E510DB2}">
-      <thm15:themeFamily xmlns:thm15="http://schemas.microsoft.com/office/thememl/2012/main" name="Office Theme" id="{62F939B6-93AF-4DB8-9C6B-D6C7DFDC589F}" vid="{4A3C46E8-61CC-4603-A589-7422A47A8E4A}"/>
+      <thm15:themeFamily xmlns:thm15="http://schemas.microsoft.com/office/thememl/2012/main" xmlns="" name="Office Theme" id="{62F939B6-93AF-4DB8-9C6B-D6C7DFDC589F}" vid="{4A3C46E8-61CC-4603-A589-7422A47A8E4A}"/>
     </a:ext>
   </a:extLst>
 </a:theme>
@@ -11398,7 +11462,7 @@
   <a:extraClrSchemeLst/>
   <a:extLst>
     <a:ext uri="{05A4C25C-085E-4340-85A3-A5531E510DB2}">
-      <thm15:themeFamily xmlns:thm15="http://schemas.microsoft.com/office/thememl/2012/main" name="Office Theme" id="{62F939B6-93AF-4DB8-9C6B-D6C7DFDC589F}" vid="{4A3C46E8-61CC-4603-A589-7422A47A8E4A}"/>
+      <thm15:themeFamily xmlns:thm15="http://schemas.microsoft.com/office/thememl/2012/main" xmlns="" name="Office Theme" id="{62F939B6-93AF-4DB8-9C6B-D6C7DFDC589F}" vid="{4A3C46E8-61CC-4603-A589-7422A47A8E4A}"/>
     </a:ext>
   </a:extLst>
 </a:theme>

--- a/baocaoThucTap.pptx
+++ b/baocaoThucTap.pptx
@@ -224,7 +224,7 @@
           <a:p>
             <a:fld id="{64D42DEA-A48F-A745-81D7-D28B4BDC5024}" type="datetime1">
               <a:rPr lang="en-US" smtClean="0"/>
-              <a:t>7/29/2014</a:t>
+              <a:t>7/31/2014</a:t>
             </a:fld>
             <a:endParaRPr lang="en-US"/>
           </a:p>
@@ -390,7 +390,7 @@
           <a:p>
             <a:fld id="{004690D1-ED74-9748-9A5E-B4AE984FB9C8}" type="datetime1">
               <a:rPr lang="en-US" smtClean="0"/>
-              <a:t>7/29/2014</a:t>
+              <a:t>7/31/2014</a:t>
             </a:fld>
             <a:endParaRPr lang="en-US"/>
           </a:p>
@@ -1900,7 +1900,7 @@
           <a:p>
             <a:fld id="{A7A9F4CC-21FF-0C49-B576-38080A13A8B8}" type="datetime1">
               <a:rPr lang="en-US" smtClean="0"/>
-              <a:t>7/29/2014</a:t>
+              <a:t>7/31/2014</a:t>
             </a:fld>
             <a:endParaRPr lang="en-US"/>
           </a:p>
@@ -2074,7 +2074,7 @@
           <a:p>
             <a:fld id="{96A3CC53-57CC-3D43-B6AF-50BFB63DDDEA}" type="datetime1">
               <a:rPr lang="en-US" smtClean="0"/>
-              <a:t>7/29/2014</a:t>
+              <a:t>7/31/2014</a:t>
             </a:fld>
             <a:endParaRPr lang="en-US"/>
           </a:p>
@@ -2258,7 +2258,7 @@
           <a:p>
             <a:fld id="{D49BE7C6-210F-4447-91A5-7F6D5611B966}" type="datetime1">
               <a:rPr lang="en-US" smtClean="0"/>
-              <a:t>7/29/2014</a:t>
+              <a:t>7/31/2014</a:t>
             </a:fld>
             <a:endParaRPr lang="en-US"/>
           </a:p>
@@ -2432,7 +2432,7 @@
           <a:p>
             <a:fld id="{0A2B473E-6389-6B4B-840A-27BB3491B863}" type="datetime1">
               <a:rPr lang="en-US" smtClean="0"/>
-              <a:t>7/29/2014</a:t>
+              <a:t>7/31/2014</a:t>
             </a:fld>
             <a:endParaRPr lang="en-US"/>
           </a:p>
@@ -2680,7 +2680,7 @@
           <a:p>
             <a:fld id="{92A317C4-38BA-754A-8DE6-F237028CE4CF}" type="datetime1">
               <a:rPr lang="en-US" smtClean="0"/>
-              <a:t>7/29/2014</a:t>
+              <a:t>7/31/2014</a:t>
             </a:fld>
             <a:endParaRPr lang="en-US"/>
           </a:p>
@@ -2916,7 +2916,7 @@
           <a:p>
             <a:fld id="{81C2CAE1-6B14-1D4A-AED9-F090CEF1D3BE}" type="datetime1">
               <a:rPr lang="en-US" smtClean="0"/>
-              <a:t>7/29/2014</a:t>
+              <a:t>7/31/2014</a:t>
             </a:fld>
             <a:endParaRPr lang="en-US"/>
           </a:p>
@@ -3287,7 +3287,7 @@
           <a:p>
             <a:fld id="{05C7345C-26CF-9649-B502-2C5D5B39B36C}" type="datetime1">
               <a:rPr lang="en-US" smtClean="0"/>
-              <a:t>7/29/2014</a:t>
+              <a:t>7/31/2014</a:t>
             </a:fld>
             <a:endParaRPr lang="en-US"/>
           </a:p>
@@ -3409,7 +3409,7 @@
           <a:p>
             <a:fld id="{6A02EDC1-2013-8643-9D1D-44BFFEED3DB1}" type="datetime1">
               <a:rPr lang="en-US" smtClean="0"/>
-              <a:t>7/29/2014</a:t>
+              <a:t>7/31/2014</a:t>
             </a:fld>
             <a:endParaRPr lang="en-US"/>
           </a:p>
@@ -3508,7 +3508,7 @@
           <a:p>
             <a:fld id="{7F494F50-EA35-704E-B009-1DBD4188E696}" type="datetime1">
               <a:rPr lang="en-US" smtClean="0"/>
-              <a:t>7/29/2014</a:t>
+              <a:t>7/31/2014</a:t>
             </a:fld>
             <a:endParaRPr lang="en-US"/>
           </a:p>
@@ -3789,7 +3789,7 @@
           <a:p>
             <a:fld id="{17B41B3A-73F7-C44B-96C9-3F9600B998DF}" type="datetime1">
               <a:rPr lang="en-US" smtClean="0"/>
-              <a:t>7/29/2014</a:t>
+              <a:t>7/31/2014</a:t>
             </a:fld>
             <a:endParaRPr lang="en-US"/>
           </a:p>
@@ -4050,7 +4050,7 @@
           <a:p>
             <a:fld id="{83E04AF0-CBBC-C448-8724-62F4A1EFE45B}" type="datetime1">
               <a:rPr lang="en-US" smtClean="0"/>
-              <a:t>7/29/2014</a:t>
+              <a:t>7/31/2014</a:t>
             </a:fld>
             <a:endParaRPr lang="en-US"/>
           </a:p>
@@ -4276,7 +4276,7 @@
           <a:p>
             <a:fld id="{3AF8DF00-8E71-644B-B9BA-4BDE21A88CEE}" type="datetime1">
               <a:rPr lang="en-US" smtClean="0"/>
-              <a:t>7/29/2014</a:t>
+              <a:t>7/31/2014</a:t>
             </a:fld>
             <a:endParaRPr lang="en-US"/>
           </a:p>
@@ -5092,7 +5092,15 @@
                   <a:srgbClr val="008000"/>
                 </a:solidFill>
               </a:rPr>
-              <a:t> đồ UML</a:t>
+              <a:t> </a:t>
+            </a:r>
+            <a:r>
+              <a:rPr lang="en-US" smtClean="0">
+                <a:solidFill>
+                  <a:srgbClr val="008000"/>
+                </a:solidFill>
+              </a:rPr>
+              <a:t>đồ hoạt động</a:t>
             </a:r>
             <a:endParaRPr lang="vi-VN" smtClean="0">
               <a:solidFill>
@@ -5160,7 +5168,7 @@
       </p:sp>
       <p:pic>
         <p:nvPicPr>
-          <p:cNvPr id="7" name="Picture 6"/>
+          <p:cNvPr id="6" name="Picture 5"/>
           <p:cNvPicPr>
             <a:picLocks noChangeAspect="1"/>
           </p:cNvPicPr>
@@ -5180,8 +5188,8 @@
         </p:blipFill>
         <p:spPr>
           <a:xfrm>
-            <a:off x="20471" y="1323832"/>
-            <a:ext cx="9144000" cy="5131555"/>
+            <a:off x="0" y="1780089"/>
+            <a:ext cx="9144000" cy="4219045"/>
           </a:xfrm>
           <a:prstGeom prst="rect">
             <a:avLst/>
@@ -5403,8 +5411,8 @@
         </p:blipFill>
         <p:spPr>
           <a:xfrm>
-            <a:off x="1652516" y="1239593"/>
-            <a:ext cx="5879910" cy="5300037"/>
+            <a:off x="107774" y="696035"/>
+            <a:ext cx="8969394" cy="6858000"/>
           </a:xfrm>
           <a:prstGeom prst="rect">
             <a:avLst/>
@@ -5596,96 +5604,6 @@
           </a:p>
         </p:txBody>
       </p:sp>
-      <p:pic>
-        <p:nvPicPr>
-          <p:cNvPr id="6" name="Picture 5"/>
-          <p:cNvPicPr>
-            <a:picLocks noChangeAspect="1"/>
-          </p:cNvPicPr>
-          <p:nvPr/>
-        </p:nvPicPr>
-        <p:blipFill>
-          <a:blip r:embed="rId4">
-            <a:extLst>
-              <a:ext uri="{28A0092B-C50C-407E-A947-70E740481C1C}">
-                <a14:useLocalDpi xmlns:a14="http://schemas.microsoft.com/office/drawing/2010/main" val="0"/>
-              </a:ext>
-            </a:extLst>
-          </a:blip>
-          <a:stretch>
-            <a:fillRect/>
-          </a:stretch>
-        </p:blipFill>
-        <p:spPr>
-          <a:xfrm>
-            <a:off x="1688128" y="1936880"/>
-            <a:ext cx="2268728" cy="4418707"/>
-          </a:xfrm>
-          <a:prstGeom prst="rect">
-            <a:avLst/>
-          </a:prstGeom>
-        </p:spPr>
-      </p:pic>
-      <p:pic>
-        <p:nvPicPr>
-          <p:cNvPr id="7" name="Picture 6"/>
-          <p:cNvPicPr>
-            <a:picLocks noChangeAspect="1"/>
-          </p:cNvPicPr>
-          <p:nvPr/>
-        </p:nvPicPr>
-        <p:blipFill>
-          <a:blip r:embed="rId5">
-            <a:extLst>
-              <a:ext uri="{28A0092B-C50C-407E-A947-70E740481C1C}">
-                <a14:useLocalDpi xmlns:a14="http://schemas.microsoft.com/office/drawing/2010/main" val="0"/>
-              </a:ext>
-            </a:extLst>
-          </a:blip>
-          <a:stretch>
-            <a:fillRect/>
-          </a:stretch>
-        </p:blipFill>
-        <p:spPr>
-          <a:xfrm>
-            <a:off x="4073884" y="1883371"/>
-            <a:ext cx="2312770" cy="4418707"/>
-          </a:xfrm>
-          <a:prstGeom prst="rect">
-            <a:avLst/>
-          </a:prstGeom>
-        </p:spPr>
-      </p:pic>
-      <p:pic>
-        <p:nvPicPr>
-          <p:cNvPr id="10" name="Picture 9"/>
-          <p:cNvPicPr>
-            <a:picLocks noChangeAspect="1"/>
-          </p:cNvPicPr>
-          <p:nvPr/>
-        </p:nvPicPr>
-        <p:blipFill>
-          <a:blip r:embed="rId6">
-            <a:extLst>
-              <a:ext uri="{28A0092B-C50C-407E-A947-70E740481C1C}">
-                <a14:useLocalDpi xmlns:a14="http://schemas.microsoft.com/office/drawing/2010/main" val="0"/>
-              </a:ext>
-            </a:extLst>
-          </a:blip>
-          <a:stretch>
-            <a:fillRect/>
-          </a:stretch>
-        </p:blipFill>
-        <p:spPr>
-          <a:xfrm>
-            <a:off x="6503682" y="1883371"/>
-            <a:ext cx="2327395" cy="4405203"/>
-          </a:xfrm>
-          <a:prstGeom prst="rect">
-            <a:avLst/>
-          </a:prstGeom>
-        </p:spPr>
-      </p:pic>
       <p:sp>
         <p:nvSpPr>
           <p:cNvPr id="8" name="Oval 7"/>
@@ -7942,7 +7860,9 @@
           </a:xfrm>
         </p:spPr>
         <p:txBody>
-          <a:bodyPr/>
+          <a:bodyPr>
+            <a:normAutofit lnSpcReduction="10000"/>
+          </a:bodyPr>
           <a:lstStyle/>
           <a:p>
             <a:pPr>
@@ -7954,6 +7874,7 @@
                 <a:solidFill>
                   <a:srgbClr val="009900"/>
                 </a:solidFill>
+                <a:latin typeface="Arial (Body)"/>
               </a:rPr>
               <a:t>Đề tài: Xây dựng phần mềm quản lý ảnh Instagram_Clone</a:t>
             </a:r>
@@ -7961,6 +7882,7 @@
               <a:solidFill>
                 <a:srgbClr val="FF0000"/>
               </a:solidFill>
+              <a:latin typeface="Arial (Body)"/>
             </a:endParaRPr>
           </a:p>
           <a:p>
@@ -7973,6 +7895,7 @@
                 <a:solidFill>
                   <a:srgbClr val="009900"/>
                 </a:solidFill>
+                <a:latin typeface="Arial (Body)"/>
               </a:rPr>
               <a:t>Lý do chọn đề tài:</a:t>
             </a:r>
@@ -7981,6 +7904,7 @@
                 <a:solidFill>
                   <a:srgbClr val="009900"/>
                 </a:solidFill>
+                <a:latin typeface="Arial (Body)"/>
                 <a:sym typeface="Wingdings"/>
               </a:rPr>
               <a:t>(Khách quan)</a:t>
@@ -7989,6 +7913,7 @@
               <a:solidFill>
                 <a:srgbClr val="FFC000"/>
               </a:solidFill>
+              <a:latin typeface="Arial (Body)"/>
             </a:endParaRPr>
           </a:p>
           <a:p>
@@ -7997,19 +7922,27 @@
               <a:buChar char="§"/>
             </a:pPr>
             <a:r>
-              <a:rPr lang="vi-VN" smtClean="0"/>
+              <a:rPr lang="vi-VN" smtClean="0">
+                <a:latin typeface="Arial (Body)"/>
+              </a:rPr>
               <a:t>Các sản phẩm </a:t>
             </a:r>
             <a:r>
-              <a:rPr lang="en-US" smtClean="0"/>
+              <a:rPr lang="en-US" smtClean="0">
+                <a:latin typeface="Arial (Body)"/>
+              </a:rPr>
               <a:t>Mobile công nghệ cao đang</a:t>
             </a:r>
             <a:r>
-              <a:rPr lang="vi-VN" smtClean="0"/>
+              <a:rPr lang="vi-VN" smtClean="0">
+                <a:latin typeface="Arial (Body)"/>
+              </a:rPr>
               <a:t> </a:t>
             </a:r>
             <a:r>
-              <a:rPr lang="en-US" smtClean="0"/>
+              <a:rPr lang="en-US" smtClean="0">
+                <a:latin typeface="Arial (Body)"/>
+              </a:rPr>
               <a:t>không ngừng phát triển, nhu cầu về phần mềm ứng dụng khai thác triệt để các thiết bị công nghệ đó cũng được đòi hỏi cao.</a:t>
             </a:r>
           </a:p>
@@ -8018,7 +7951,9 @@
               <a:buFont typeface="Wingdings" panose="05000000000000000000" pitchFamily="2" charset="2"/>
               <a:buChar char="§"/>
             </a:pPr>
-            <a:endParaRPr lang="en-US" smtClean="0"/>
+            <a:endParaRPr lang="en-US" smtClean="0">
+              <a:latin typeface="Arial (Body)"/>
+            </a:endParaRPr>
           </a:p>
           <a:p>
             <a:pPr lvl="1" algn="just">
@@ -8026,23 +7961,33 @@
               <a:buChar char="§"/>
             </a:pPr>
             <a:r>
-              <a:rPr lang="en-US" smtClean="0"/>
+              <a:rPr lang="en-US" smtClean="0">
+                <a:latin typeface="Arial (Body)"/>
+              </a:rPr>
               <a:t>Đặc biệt Android và iPhone/iPad cũng đã có</a:t>
             </a:r>
             <a:r>
-              <a:rPr lang="vi-VN" smtClean="0"/>
+              <a:rPr lang="vi-VN" smtClean="0">
+                <a:latin typeface="Arial (Body)"/>
+              </a:rPr>
               <a:t> thiết bị chụp ảnh tốt nhất</a:t>
             </a:r>
             <a:r>
-              <a:rPr lang="en-US" smtClean="0"/>
+              <a:rPr lang="en-US" smtClean="0">
+                <a:latin typeface="Arial (Body)"/>
+              </a:rPr>
               <a:t> nên việc </a:t>
             </a:r>
             <a:r>
-              <a:rPr lang="vi-VN" smtClean="0"/>
+              <a:rPr lang="vi-VN" smtClean="0">
+                <a:latin typeface="Arial (Body)"/>
+              </a:rPr>
               <a:t>phát triển ứng dụng xử lý ảnh và lưu lại những khoảnh khắc đáng nhớ trong cuộc sống với những phong cách riêng</a:t>
             </a:r>
             <a:r>
-              <a:rPr lang="en-US" smtClean="0"/>
+              <a:rPr lang="en-US" smtClean="0">
+                <a:latin typeface="Arial (Body)"/>
+              </a:rPr>
               <a:t> được chú trọng hơn.</a:t>
             </a:r>
           </a:p>
@@ -8051,7 +7996,9 @@
               <a:buFont typeface="Wingdings" panose="05000000000000000000" pitchFamily="2" charset="2"/>
               <a:buChar char="§"/>
             </a:pPr>
-            <a:endParaRPr lang="en-US" smtClean="0"/>
+            <a:endParaRPr lang="en-US" smtClean="0">
+              <a:latin typeface="Arial (Body)"/>
+            </a:endParaRPr>
           </a:p>
           <a:p>
             <a:pPr marL="457200" lvl="1" indent="0" algn="just">
@@ -8059,11 +8006,14 @@
             </a:pPr>
             <a:r>
               <a:rPr lang="en-US" smtClean="0">
+                <a:latin typeface="Arial (Body)"/>
                 <a:sym typeface="Wingdings" panose="05000000000000000000" pitchFamily="2" charset="2"/>
               </a:rPr>
               <a:t>quyết định xây dựng phần mềm Instagram_Clone</a:t>
             </a:r>
-            <a:endParaRPr lang="vi-VN" smtClean="0"/>
+            <a:endParaRPr lang="vi-VN" smtClean="0">
+              <a:latin typeface="Arial (Body)"/>
+            </a:endParaRPr>
           </a:p>
         </p:txBody>
       </p:sp>
@@ -8259,6 +8209,7 @@
                 <a:solidFill>
                   <a:srgbClr val="009900"/>
                 </a:solidFill>
+                <a:latin typeface="Arial (Body)"/>
               </a:rPr>
               <a:t>Đề tài: Xây dựng phần mềm quản lý ảnh Instagram_Clone</a:t>
             </a:r>
@@ -8266,6 +8217,7 @@
               <a:solidFill>
                 <a:srgbClr val="FF0000"/>
               </a:solidFill>
+              <a:latin typeface="Arial (Body)"/>
             </a:endParaRPr>
           </a:p>
           <a:p>
@@ -8278,6 +8230,7 @@
                 <a:solidFill>
                   <a:srgbClr val="009900"/>
                 </a:solidFill>
+                <a:latin typeface="Arial (Body)"/>
               </a:rPr>
               <a:t>Lý do chọn đề tài:(Chủ quan)</a:t>
             </a:r>
@@ -8288,26 +8241,38 @@
               <a:buChar char="§"/>
             </a:pPr>
             <a:r>
-              <a:rPr lang="vi-VN" smtClean="0"/>
+              <a:rPr lang="vi-VN" smtClean="0">
+                <a:latin typeface="Arial (Body)"/>
+              </a:rPr>
               <a:t>Tìm hiểu ObjectiveC </a:t>
             </a:r>
             <a:r>
-              <a:rPr lang="en-US" smtClean="0"/>
+              <a:rPr lang="en-US" smtClean="0">
+                <a:latin typeface="Arial (Body)"/>
+              </a:rPr>
               <a:t>với</a:t>
             </a:r>
             <a:r>
-              <a:rPr lang="vi-VN" smtClean="0"/>
+              <a:rPr lang="vi-VN" smtClean="0">
+                <a:latin typeface="Arial (Body)"/>
+              </a:rPr>
               <a:t> Xcode</a:t>
             </a:r>
             <a:r>
-              <a:rPr lang="en-US"/>
+              <a:rPr lang="en-US">
+                <a:latin typeface="Arial (Body)"/>
+              </a:rPr>
               <a:t> </a:t>
             </a:r>
             <a:r>
-              <a:rPr lang="en-US" smtClean="0"/>
-              <a:t>&amp; Android với Android SDK</a:t>
-            </a:r>
-            <a:endParaRPr lang="vi-VN" smtClean="0"/>
+              <a:rPr lang="en-US" smtClean="0">
+                <a:latin typeface="Arial (Body)"/>
+              </a:rPr>
+              <a:t>&amp; Android với Android SDK &amp; RailsAPI, Ruby on rails …</a:t>
+            </a:r>
+            <a:endParaRPr lang="vi-VN" smtClean="0">
+              <a:latin typeface="Arial (Body)"/>
+            </a:endParaRPr>
           </a:p>
           <a:p>
             <a:pPr lvl="1">
@@ -8315,14 +8280,20 @@
               <a:buChar char="§"/>
             </a:pPr>
             <a:r>
-              <a:rPr lang="vi-VN" smtClean="0"/>
+              <a:rPr lang="vi-VN" smtClean="0">
+                <a:latin typeface="Arial (Body)"/>
+              </a:rPr>
               <a:t>Tìm hiểu một số công nghệ hỗ trợ làm ứng dụng trên </a:t>
             </a:r>
             <a:r>
-              <a:rPr lang="en-US" smtClean="0"/>
+              <a:rPr lang="en-US" smtClean="0">
+                <a:latin typeface="Arial (Body)"/>
+              </a:rPr>
               <a:t>Mobile</a:t>
             </a:r>
-            <a:endParaRPr lang="vi-VN" smtClean="0"/>
+            <a:endParaRPr lang="vi-VN" smtClean="0">
+              <a:latin typeface="Arial (Body)"/>
+            </a:endParaRPr>
           </a:p>
           <a:p>
             <a:pPr lvl="1">
@@ -8330,14 +8301,20 @@
               <a:buChar char="§"/>
             </a:pPr>
             <a:r>
-              <a:rPr lang="vi-VN" smtClean="0"/>
+              <a:rPr lang="vi-VN" smtClean="0">
+                <a:latin typeface="Arial (Body)"/>
+              </a:rPr>
               <a:t>Biết cách xây dựng ứng dụng thực tế trên </a:t>
             </a:r>
             <a:r>
-              <a:rPr lang="en-US" smtClean="0"/>
+              <a:rPr lang="en-US" smtClean="0">
+                <a:latin typeface="Arial (Body)"/>
+              </a:rPr>
               <a:t>Mobile</a:t>
             </a:r>
-            <a:endParaRPr lang="vi-VN" smtClean="0"/>
+            <a:endParaRPr lang="vi-VN" smtClean="0">
+              <a:latin typeface="Arial (Body)"/>
+            </a:endParaRPr>
           </a:p>
           <a:p>
             <a:pPr lvl="1">
@@ -8345,7 +8322,9 @@
               <a:buChar char="§"/>
             </a:pPr>
             <a:r>
-              <a:rPr lang="vi-VN" smtClean="0"/>
+              <a:rPr lang="vi-VN" smtClean="0">
+                <a:latin typeface="Arial (Body)"/>
+              </a:rPr>
               <a:t>Rèn luyện các kĩ năng TeamWork</a:t>
             </a:r>
           </a:p>
@@ -10431,6 +10410,15 @@
               </a:rPr>
               <a:t>Android 4.0+ , Eclipse và Android SDK</a:t>
             </a:r>
+          </a:p>
+          <a:p>
+            <a:pPr lvl="1"/>
+            <a:r>
+              <a:rPr lang="en-US" smtClean="0">
+                <a:latin typeface="Arial (Body)"/>
+              </a:rPr>
+              <a:t>Ruby on Rails, Ubuntu.</a:t>
+            </a:r>
             <a:endParaRPr lang="vi-VN">
               <a:latin typeface="Arial (Body)"/>
             </a:endParaRPr>
@@ -10475,6 +10463,15 @@
               </a:rPr>
               <a:t>Java</a:t>
             </a:r>
+          </a:p>
+          <a:p>
+            <a:pPr lvl="1"/>
+            <a:r>
+              <a:rPr lang="en-US" smtClean="0">
+                <a:latin typeface="Arial (Body)"/>
+              </a:rPr>
+              <a:t>Ruby</a:t>
+            </a:r>
             <a:endParaRPr lang="vi-VN">
               <a:latin typeface="Arial (Body)"/>
             </a:endParaRPr>
@@ -10490,7 +10487,7 @@
                 </a:solidFill>
                 <a:latin typeface="Arial (Body)"/>
               </a:rPr>
-              <a:t>­ Thư viện open source: </a:t>
+              <a:t>­ Thư </a:t>
             </a:r>
             <a:r>
               <a:rPr lang="vi-VN" smtClean="0">
@@ -10499,7 +10496,7 @@
                 </a:solidFill>
                 <a:latin typeface="Arial (Body)"/>
               </a:rPr>
-              <a:t>GPUImage</a:t>
+              <a:t>viện: GPUImage</a:t>
             </a:r>
             <a:r>
               <a:rPr lang="en-US" smtClean="0">
@@ -10549,14 +10546,20 @@
               <a:t>iOS</a:t>
             </a:r>
             <a:r>
-              <a:rPr lang="en-US" smtClean="0">
+              <a:rPr lang="en-US">
                 <a:solidFill>
                   <a:srgbClr val="009900"/>
                 </a:solidFill>
                 <a:latin typeface="Arial (Body)"/>
               </a:rPr>
-              <a:t>…</a:t>
-            </a:r>
+              <a:t>, RailsAPI…</a:t>
+            </a:r>
+            <a:endParaRPr lang="en-US" smtClean="0">
+              <a:solidFill>
+                <a:srgbClr val="009900"/>
+              </a:solidFill>
+              <a:latin typeface="Arial (Body)"/>
+            </a:endParaRPr>
           </a:p>
           <a:p>
             <a:pPr marL="0" indent="0">
@@ -10842,8 +10845,8 @@
         </p:blipFill>
         <p:spPr>
           <a:xfrm>
-            <a:off x="621399" y="1323833"/>
-            <a:ext cx="7665167" cy="5239796"/>
+            <a:off x="0" y="782456"/>
+            <a:ext cx="9144000" cy="6075544"/>
           </a:xfrm>
           <a:prstGeom prst="rect">
             <a:avLst/>

--- a/baocaoThucTap.pptx
+++ b/baocaoThucTap.pptx
@@ -16,15 +16,15 @@
     <p:sldId id="259" r:id="rId4"/>
     <p:sldId id="284" r:id="rId5"/>
     <p:sldId id="281" r:id="rId6"/>
-    <p:sldId id="277" r:id="rId7"/>
-    <p:sldId id="282" r:id="rId8"/>
-    <p:sldId id="283" r:id="rId9"/>
-    <p:sldId id="279" r:id="rId10"/>
-    <p:sldId id="285" r:id="rId11"/>
-    <p:sldId id="286" r:id="rId12"/>
-    <p:sldId id="280" r:id="rId13"/>
-    <p:sldId id="287" r:id="rId14"/>
-    <p:sldId id="288" r:id="rId15"/>
+    <p:sldId id="283" r:id="rId7"/>
+    <p:sldId id="277" r:id="rId8"/>
+    <p:sldId id="282" r:id="rId9"/>
+    <p:sldId id="289" r:id="rId10"/>
+    <p:sldId id="290" r:id="rId11"/>
+    <p:sldId id="279" r:id="rId12"/>
+    <p:sldId id="285" r:id="rId13"/>
+    <p:sldId id="286" r:id="rId14"/>
+    <p:sldId id="280" r:id="rId15"/>
     <p:sldId id="274" r:id="rId16"/>
     <p:sldId id="276" r:id="rId17"/>
   </p:sldIdLst>
@@ -226,7 +226,7 @@
           <a:p>
             <a:fld id="{64D42DEA-A48F-A745-81D7-D28B4BDC5024}" type="datetime1">
               <a:rPr lang="en-US" smtClean="0"/>
-              <a:t>8/2/14</a:t>
+              <a:t>8/5/14</a:t>
             </a:fld>
             <a:endParaRPr lang="en-US"/>
           </a:p>
@@ -392,7 +392,7 @@
           <a:p>
             <a:fld id="{004690D1-ED74-9748-9A5E-B4AE984FB9C8}" type="datetime1">
               <a:rPr lang="en-US" smtClean="0"/>
-              <a:t>8/2/14</a:t>
+              <a:t>8/5/14</a:t>
             </a:fld>
             <a:endParaRPr lang="en-US"/>
           </a:p>
@@ -819,7 +819,7 @@
     </p:spTree>
     <p:extLst>
       <p:ext uri="{BB962C8B-B14F-4D97-AF65-F5344CB8AC3E}">
-        <p14:creationId xmlns:p14="http://schemas.microsoft.com/office/powerpoint/2010/main" val="396702225"/>
+        <p14:creationId xmlns:p14="http://schemas.microsoft.com/office/powerpoint/2010/main" val="3162090915"/>
       </p:ext>
     </p:extLst>
   </p:cSld>
@@ -903,7 +903,7 @@
     </p:spTree>
     <p:extLst>
       <p:ext uri="{BB962C8B-B14F-4D97-AF65-F5344CB8AC3E}">
-        <p14:creationId xmlns:p14="http://schemas.microsoft.com/office/powerpoint/2010/main" val="3162090915"/>
+        <p14:creationId xmlns:p14="http://schemas.microsoft.com/office/powerpoint/2010/main" val="1891914007"/>
       </p:ext>
     </p:extLst>
   </p:cSld>
@@ -987,7 +987,7 @@
     </p:spTree>
     <p:extLst>
       <p:ext uri="{BB962C8B-B14F-4D97-AF65-F5344CB8AC3E}">
-        <p14:creationId xmlns:p14="http://schemas.microsoft.com/office/powerpoint/2010/main" val="3162090915"/>
+        <p14:creationId xmlns:p14="http://schemas.microsoft.com/office/powerpoint/2010/main" val="396702225"/>
       </p:ext>
     </p:extLst>
   </p:cSld>
@@ -1593,7 +1593,7 @@
     </p:spTree>
     <p:extLst>
       <p:ext uri="{BB962C8B-B14F-4D97-AF65-F5344CB8AC3E}">
-        <p14:creationId xmlns:p14="http://schemas.microsoft.com/office/powerpoint/2010/main" val="3162090915"/>
+        <p14:creationId xmlns:p14="http://schemas.microsoft.com/office/powerpoint/2010/main" val="1187751937"/>
       </p:ext>
     </p:extLst>
   </p:cSld>
@@ -1677,7 +1677,7 @@
     </p:spTree>
     <p:extLst>
       <p:ext uri="{BB962C8B-B14F-4D97-AF65-F5344CB8AC3E}">
-        <p14:creationId xmlns:p14="http://schemas.microsoft.com/office/powerpoint/2010/main" val="1962961206"/>
+        <p14:creationId xmlns:p14="http://schemas.microsoft.com/office/powerpoint/2010/main" val="3162090915"/>
       </p:ext>
     </p:extLst>
   </p:cSld>
@@ -1761,7 +1761,7 @@
     </p:spTree>
     <p:extLst>
       <p:ext uri="{BB962C8B-B14F-4D97-AF65-F5344CB8AC3E}">
-        <p14:creationId xmlns:p14="http://schemas.microsoft.com/office/powerpoint/2010/main" val="1187751937"/>
+        <p14:creationId xmlns:p14="http://schemas.microsoft.com/office/powerpoint/2010/main" val="1962961206"/>
       </p:ext>
     </p:extLst>
   </p:cSld>
@@ -1845,7 +1845,7 @@
     </p:spTree>
     <p:extLst>
       <p:ext uri="{BB962C8B-B14F-4D97-AF65-F5344CB8AC3E}">
-        <p14:creationId xmlns:p14="http://schemas.microsoft.com/office/powerpoint/2010/main" val="3162090915"/>
+        <p14:creationId xmlns:p14="http://schemas.microsoft.com/office/powerpoint/2010/main" val="1962961206"/>
       </p:ext>
     </p:extLst>
   </p:cSld>
@@ -1929,7 +1929,7 @@
     </p:spTree>
     <p:extLst>
       <p:ext uri="{BB962C8B-B14F-4D97-AF65-F5344CB8AC3E}">
-        <p14:creationId xmlns:p14="http://schemas.microsoft.com/office/powerpoint/2010/main" val="1891914007"/>
+        <p14:creationId xmlns:p14="http://schemas.microsoft.com/office/powerpoint/2010/main" val="1962961206"/>
       </p:ext>
     </p:extLst>
   </p:cSld>
@@ -2070,7 +2070,7 @@
           <a:p>
             <a:fld id="{A7A9F4CC-21FF-0C49-B576-38080A13A8B8}" type="datetime1">
               <a:rPr lang="en-US" smtClean="0"/>
-              <a:t>8/2/14</a:t>
+              <a:t>8/5/14</a:t>
             </a:fld>
             <a:endParaRPr lang="en-US"/>
           </a:p>
@@ -2244,7 +2244,7 @@
           <a:p>
             <a:fld id="{96A3CC53-57CC-3D43-B6AF-50BFB63DDDEA}" type="datetime1">
               <a:rPr lang="en-US" smtClean="0"/>
-              <a:t>8/2/14</a:t>
+              <a:t>8/5/14</a:t>
             </a:fld>
             <a:endParaRPr lang="en-US"/>
           </a:p>
@@ -2428,7 +2428,7 @@
           <a:p>
             <a:fld id="{D49BE7C6-210F-4447-91A5-7F6D5611B966}" type="datetime1">
               <a:rPr lang="en-US" smtClean="0"/>
-              <a:t>8/2/14</a:t>
+              <a:t>8/5/14</a:t>
             </a:fld>
             <a:endParaRPr lang="en-US"/>
           </a:p>
@@ -2602,7 +2602,7 @@
           <a:p>
             <a:fld id="{0A2B473E-6389-6B4B-840A-27BB3491B863}" type="datetime1">
               <a:rPr lang="en-US" smtClean="0"/>
-              <a:t>8/2/14</a:t>
+              <a:t>8/5/14</a:t>
             </a:fld>
             <a:endParaRPr lang="en-US"/>
           </a:p>
@@ -2850,7 +2850,7 @@
           <a:p>
             <a:fld id="{92A317C4-38BA-754A-8DE6-F237028CE4CF}" type="datetime1">
               <a:rPr lang="en-US" smtClean="0"/>
-              <a:t>8/2/14</a:t>
+              <a:t>8/5/14</a:t>
             </a:fld>
             <a:endParaRPr lang="en-US"/>
           </a:p>
@@ -3086,7 +3086,7 @@
           <a:p>
             <a:fld id="{81C2CAE1-6B14-1D4A-AED9-F090CEF1D3BE}" type="datetime1">
               <a:rPr lang="en-US" smtClean="0"/>
-              <a:t>8/2/14</a:t>
+              <a:t>8/5/14</a:t>
             </a:fld>
             <a:endParaRPr lang="en-US"/>
           </a:p>
@@ -3457,7 +3457,7 @@
           <a:p>
             <a:fld id="{05C7345C-26CF-9649-B502-2C5D5B39B36C}" type="datetime1">
               <a:rPr lang="en-US" smtClean="0"/>
-              <a:t>8/2/14</a:t>
+              <a:t>8/5/14</a:t>
             </a:fld>
             <a:endParaRPr lang="en-US"/>
           </a:p>
@@ -3579,7 +3579,7 @@
           <a:p>
             <a:fld id="{6A02EDC1-2013-8643-9D1D-44BFFEED3DB1}" type="datetime1">
               <a:rPr lang="en-US" smtClean="0"/>
-              <a:t>8/2/14</a:t>
+              <a:t>8/5/14</a:t>
             </a:fld>
             <a:endParaRPr lang="en-US"/>
           </a:p>
@@ -3678,7 +3678,7 @@
           <a:p>
             <a:fld id="{7F494F50-EA35-704E-B009-1DBD4188E696}" type="datetime1">
               <a:rPr lang="en-US" smtClean="0"/>
-              <a:t>8/2/14</a:t>
+              <a:t>8/5/14</a:t>
             </a:fld>
             <a:endParaRPr lang="en-US"/>
           </a:p>
@@ -3959,7 +3959,7 @@
           <a:p>
             <a:fld id="{17B41B3A-73F7-C44B-96C9-3F9600B998DF}" type="datetime1">
               <a:rPr lang="en-US" smtClean="0"/>
-              <a:t>8/2/14</a:t>
+              <a:t>8/5/14</a:t>
             </a:fld>
             <a:endParaRPr lang="en-US"/>
           </a:p>
@@ -4220,7 +4220,7 @@
           <a:p>
             <a:fld id="{83E04AF0-CBBC-C448-8724-62F4A1EFE45B}" type="datetime1">
               <a:rPr lang="en-US" smtClean="0"/>
-              <a:t>8/2/14</a:t>
+              <a:t>8/5/14</a:t>
             </a:fld>
             <a:endParaRPr lang="en-US"/>
           </a:p>
@@ -4446,7 +4446,7 @@
           <a:p>
             <a:fld id="{3AF8DF00-8E71-644B-B9BA-4BDE21A88CEE}" type="datetime1">
               <a:rPr lang="en-US" smtClean="0"/>
-              <a:t>8/2/14</a:t>
+              <a:t>8/5/14</a:t>
             </a:fld>
             <a:endParaRPr lang="en-US"/>
           </a:p>
@@ -5198,6 +5198,1358 @@
           <a:lstStyle/>
           <a:p>
             <a:r>
+              <a:rPr lang="en-US" sz="3000" b="1" dirty="0" smtClean="0">
+                <a:solidFill>
+                  <a:schemeClr val="bg1"/>
+                </a:solidFill>
+                <a:latin typeface="Arial" panose="020B0604020202020204" pitchFamily="34" charset="0"/>
+              </a:rPr>
+              <a:t>ĐỊNH HƯỚNG VÀ GIẢI PHÁP</a:t>
+            </a:r>
+            <a:r>
+              <a:rPr lang="en-US" sz="3000" b="1" dirty="0" smtClean="0">
+                <a:solidFill>
+                  <a:schemeClr val="bg1"/>
+                </a:solidFill>
+                <a:latin typeface="Arial" panose="020B0604020202020204" pitchFamily="34" charset="0"/>
+              </a:rPr>
+              <a:t>(5/</a:t>
+            </a:r>
+            <a:r>
+              <a:rPr lang="en-US" sz="3000" b="1" dirty="0" smtClean="0">
+                <a:solidFill>
+                  <a:schemeClr val="bg1"/>
+                </a:solidFill>
+                <a:latin typeface="Arial" panose="020B0604020202020204" pitchFamily="34" charset="0"/>
+              </a:rPr>
+              <a:t>)</a:t>
+            </a:r>
+            <a:endParaRPr lang="en-US" sz="3000" b="1" dirty="0">
+              <a:solidFill>
+                <a:schemeClr val="bg1"/>
+              </a:solidFill>
+              <a:latin typeface="Arial" panose="020B0604020202020204" pitchFamily="34" charset="0"/>
+            </a:endParaRPr>
+          </a:p>
+        </p:txBody>
+      </p:sp>
+      <p:sp>
+        <p:nvSpPr>
+          <p:cNvPr id="3" name="Content Placeholder 2"/>
+          <p:cNvSpPr>
+            <a:spLocks noGrp="1"/>
+          </p:cNvSpPr>
+          <p:nvPr>
+            <p:ph idx="1"/>
+          </p:nvPr>
+        </p:nvSpPr>
+        <p:spPr>
+          <a:xfrm>
+            <a:off x="368490" y="1323833"/>
+            <a:ext cx="8447963" cy="5131558"/>
+          </a:xfrm>
+        </p:spPr>
+        <p:txBody>
+          <a:bodyPr>
+            <a:normAutofit/>
+          </a:bodyPr>
+          <a:lstStyle/>
+          <a:p>
+            <a:r>
+              <a:rPr lang="en-US" dirty="0" err="1" smtClean="0">
+                <a:solidFill>
+                  <a:srgbClr val="008000"/>
+                </a:solidFill>
+                <a:latin typeface="Arial (Body)"/>
+              </a:rPr>
+              <a:t>Giải</a:t>
+            </a:r>
+            <a:r>
+              <a:rPr lang="en-US" dirty="0" smtClean="0">
+                <a:solidFill>
+                  <a:srgbClr val="008000"/>
+                </a:solidFill>
+                <a:latin typeface="Arial (Body)"/>
+              </a:rPr>
+              <a:t> </a:t>
+            </a:r>
+            <a:r>
+              <a:rPr lang="en-US" dirty="0" err="1" smtClean="0">
+                <a:solidFill>
+                  <a:srgbClr val="008000"/>
+                </a:solidFill>
+                <a:latin typeface="Arial (Body)"/>
+              </a:rPr>
+              <a:t>pháp</a:t>
+            </a:r>
+            <a:r>
+              <a:rPr lang="en-US" dirty="0" smtClean="0">
+                <a:solidFill>
+                  <a:srgbClr val="008000"/>
+                </a:solidFill>
+                <a:latin typeface="Arial (Body)"/>
+              </a:rPr>
+              <a:t> </a:t>
+            </a:r>
+            <a:r>
+              <a:rPr lang="en-US" dirty="0" err="1" smtClean="0">
+                <a:solidFill>
+                  <a:srgbClr val="008000"/>
+                </a:solidFill>
+                <a:latin typeface="Arial (Body)"/>
+              </a:rPr>
+              <a:t>lựa</a:t>
+            </a:r>
+            <a:r>
+              <a:rPr lang="en-US" dirty="0" smtClean="0">
+                <a:solidFill>
+                  <a:srgbClr val="008000"/>
+                </a:solidFill>
+                <a:latin typeface="Arial (Body)"/>
+              </a:rPr>
+              <a:t> </a:t>
+            </a:r>
+            <a:r>
+              <a:rPr lang="en-US" dirty="0" err="1" smtClean="0">
+                <a:solidFill>
+                  <a:srgbClr val="008000"/>
+                </a:solidFill>
+                <a:latin typeface="Arial (Body)"/>
+              </a:rPr>
+              <a:t>chọn</a:t>
+            </a:r>
+            <a:r>
+              <a:rPr lang="en-US" dirty="0" smtClean="0">
+                <a:solidFill>
+                  <a:srgbClr val="008000"/>
+                </a:solidFill>
+                <a:latin typeface="Arial (Body)"/>
+              </a:rPr>
+              <a:t>: </a:t>
+            </a:r>
+            <a:r>
+              <a:rPr lang="en-US" dirty="0" err="1" smtClean="0">
+                <a:solidFill>
+                  <a:srgbClr val="008000"/>
+                </a:solidFill>
+                <a:latin typeface="Arial (Body)"/>
+              </a:rPr>
+              <a:t>với</a:t>
+            </a:r>
+            <a:r>
+              <a:rPr lang="en-US" dirty="0" smtClean="0">
+                <a:solidFill>
+                  <a:srgbClr val="008000"/>
+                </a:solidFill>
+                <a:latin typeface="Arial (Body)"/>
+              </a:rPr>
+              <a:t> Android</a:t>
+            </a:r>
+            <a:endParaRPr lang="en-US" dirty="0">
+              <a:solidFill>
+                <a:srgbClr val="008000"/>
+              </a:solidFill>
+              <a:latin typeface="Arial (Body)"/>
+            </a:endParaRPr>
+          </a:p>
+          <a:p>
+            <a:r>
+              <a:rPr lang="en-US" dirty="0" err="1">
+                <a:solidFill>
+                  <a:srgbClr val="000000"/>
+                </a:solidFill>
+                <a:latin typeface="Arial (Body)"/>
+              </a:rPr>
+              <a:t>Sử</a:t>
+            </a:r>
+            <a:r>
+              <a:rPr lang="en-US" dirty="0">
+                <a:solidFill>
+                  <a:srgbClr val="000000"/>
+                </a:solidFill>
+                <a:latin typeface="Arial (Body)"/>
+              </a:rPr>
+              <a:t> </a:t>
+            </a:r>
+            <a:r>
+              <a:rPr lang="en-US" dirty="0" err="1">
+                <a:solidFill>
+                  <a:srgbClr val="000000"/>
+                </a:solidFill>
+                <a:latin typeface="Arial (Body)"/>
+              </a:rPr>
+              <a:t>dụng</a:t>
+            </a:r>
+            <a:r>
+              <a:rPr lang="en-US" dirty="0">
+                <a:solidFill>
+                  <a:srgbClr val="000000"/>
+                </a:solidFill>
+                <a:latin typeface="Arial (Body)"/>
+              </a:rPr>
+              <a:t> </a:t>
+            </a:r>
+            <a:r>
+              <a:rPr lang="en-US" dirty="0" err="1">
+                <a:solidFill>
+                  <a:srgbClr val="000000"/>
+                </a:solidFill>
+                <a:latin typeface="Arial (Body)"/>
+              </a:rPr>
+              <a:t>các</a:t>
+            </a:r>
+            <a:r>
+              <a:rPr lang="en-US" dirty="0">
+                <a:solidFill>
+                  <a:srgbClr val="000000"/>
+                </a:solidFill>
+                <a:latin typeface="Arial (Body)"/>
+              </a:rPr>
+              <a:t> </a:t>
+            </a:r>
+            <a:r>
+              <a:rPr lang="en-US" dirty="0" err="1">
+                <a:solidFill>
+                  <a:srgbClr val="000000"/>
+                </a:solidFill>
+                <a:latin typeface="Arial (Body)"/>
+              </a:rPr>
+              <a:t>thư</a:t>
+            </a:r>
+            <a:r>
+              <a:rPr lang="en-US" dirty="0">
+                <a:solidFill>
+                  <a:srgbClr val="000000"/>
+                </a:solidFill>
+                <a:latin typeface="Arial (Body)"/>
+              </a:rPr>
+              <a:t> </a:t>
+            </a:r>
+            <a:r>
+              <a:rPr lang="en-US" dirty="0" err="1">
+                <a:solidFill>
+                  <a:srgbClr val="000000"/>
+                </a:solidFill>
+                <a:latin typeface="Arial (Body)"/>
+              </a:rPr>
+              <a:t>viện</a:t>
+            </a:r>
+            <a:r>
+              <a:rPr lang="en-US" dirty="0">
+                <a:solidFill>
+                  <a:srgbClr val="000000"/>
+                </a:solidFill>
+                <a:latin typeface="Arial (Body)"/>
+              </a:rPr>
+              <a:t> </a:t>
+            </a:r>
+            <a:r>
+              <a:rPr lang="en-US" dirty="0" err="1">
+                <a:solidFill>
+                  <a:srgbClr val="000000"/>
+                </a:solidFill>
+                <a:latin typeface="Arial (Body)"/>
+              </a:rPr>
+              <a:t>của</a:t>
+            </a:r>
+            <a:r>
+              <a:rPr lang="en-US" dirty="0">
+                <a:solidFill>
+                  <a:srgbClr val="000000"/>
+                </a:solidFill>
+                <a:latin typeface="Arial (Body)"/>
+              </a:rPr>
+              <a:t> android (</a:t>
+            </a:r>
+            <a:r>
+              <a:rPr lang="en-US" dirty="0" err="1">
+                <a:solidFill>
+                  <a:srgbClr val="000000"/>
+                </a:solidFill>
+                <a:latin typeface="Arial (Body)"/>
+              </a:rPr>
+              <a:t>GPUImage</a:t>
+            </a:r>
+            <a:r>
+              <a:rPr lang="en-US" dirty="0">
+                <a:solidFill>
+                  <a:srgbClr val="000000"/>
+                </a:solidFill>
+                <a:latin typeface="Arial (Body)"/>
+              </a:rPr>
+              <a:t> </a:t>
+            </a:r>
+            <a:r>
+              <a:rPr lang="en-US" dirty="0" err="1">
+                <a:solidFill>
+                  <a:srgbClr val="000000"/>
+                </a:solidFill>
+                <a:latin typeface="Arial (Body)"/>
+              </a:rPr>
+              <a:t>để</a:t>
+            </a:r>
+            <a:r>
+              <a:rPr lang="en-US" dirty="0">
+                <a:solidFill>
+                  <a:srgbClr val="000000"/>
+                </a:solidFill>
+                <a:latin typeface="Arial (Body)"/>
+              </a:rPr>
+              <a:t> </a:t>
+            </a:r>
+            <a:r>
+              <a:rPr lang="en-US" dirty="0" err="1">
+                <a:solidFill>
+                  <a:srgbClr val="000000"/>
+                </a:solidFill>
+                <a:latin typeface="Arial (Body)"/>
+              </a:rPr>
+              <a:t>xử</a:t>
+            </a:r>
+            <a:r>
+              <a:rPr lang="en-US" dirty="0">
+                <a:solidFill>
+                  <a:srgbClr val="000000"/>
+                </a:solidFill>
+                <a:latin typeface="Arial (Body)"/>
+              </a:rPr>
+              <a:t> </a:t>
+            </a:r>
+            <a:r>
+              <a:rPr lang="en-US" dirty="0" err="1">
+                <a:solidFill>
+                  <a:srgbClr val="000000"/>
+                </a:solidFill>
+                <a:latin typeface="Arial (Body)"/>
+              </a:rPr>
+              <a:t>lý</a:t>
+            </a:r>
+            <a:r>
+              <a:rPr lang="en-US" dirty="0">
+                <a:solidFill>
+                  <a:srgbClr val="000000"/>
+                </a:solidFill>
+                <a:latin typeface="Arial (Body)"/>
+              </a:rPr>
+              <a:t> filter, </a:t>
+            </a:r>
+            <a:r>
+              <a:rPr lang="en-US" dirty="0" err="1">
+                <a:solidFill>
+                  <a:srgbClr val="000000"/>
+                </a:solidFill>
+                <a:latin typeface="Arial (Body)"/>
+              </a:rPr>
+              <a:t>sáng</a:t>
+            </a:r>
+            <a:r>
+              <a:rPr lang="en-US" dirty="0">
+                <a:solidFill>
+                  <a:srgbClr val="000000"/>
+                </a:solidFill>
+                <a:latin typeface="Arial (Body)"/>
+              </a:rPr>
+              <a:t> </a:t>
+            </a:r>
+            <a:r>
+              <a:rPr lang="en-US" dirty="0" err="1">
+                <a:solidFill>
+                  <a:srgbClr val="000000"/>
+                </a:solidFill>
+                <a:latin typeface="Arial (Body)"/>
+              </a:rPr>
+              <a:t>tối</a:t>
+            </a:r>
+            <a:r>
+              <a:rPr lang="en-US" dirty="0">
+                <a:solidFill>
+                  <a:srgbClr val="000000"/>
+                </a:solidFill>
+                <a:latin typeface="Arial (Body)"/>
+              </a:rPr>
+              <a:t>, </a:t>
+            </a:r>
+            <a:r>
+              <a:rPr lang="en-US" dirty="0" err="1">
+                <a:solidFill>
+                  <a:srgbClr val="000000"/>
+                </a:solidFill>
+                <a:latin typeface="Arial (Body)"/>
+              </a:rPr>
+              <a:t>và</a:t>
+            </a:r>
+            <a:r>
+              <a:rPr lang="en-US" dirty="0">
+                <a:solidFill>
+                  <a:srgbClr val="000000"/>
+                </a:solidFill>
+                <a:latin typeface="Arial (Body)"/>
+              </a:rPr>
+              <a:t> </a:t>
+            </a:r>
+            <a:r>
+              <a:rPr lang="en-US" dirty="0" err="1">
+                <a:solidFill>
+                  <a:srgbClr val="000000"/>
+                </a:solidFill>
+                <a:latin typeface="Arial (Body)"/>
+              </a:rPr>
+              <a:t>cropImage</a:t>
+            </a:r>
+            <a:r>
+              <a:rPr lang="en-US" dirty="0">
+                <a:solidFill>
+                  <a:srgbClr val="000000"/>
+                </a:solidFill>
+                <a:latin typeface="Arial (Body)"/>
+              </a:rPr>
+              <a:t> </a:t>
+            </a:r>
+            <a:r>
+              <a:rPr lang="en-US" dirty="0" err="1">
+                <a:solidFill>
+                  <a:srgbClr val="000000"/>
+                </a:solidFill>
+                <a:latin typeface="Arial (Body)"/>
+              </a:rPr>
+              <a:t>để</a:t>
+            </a:r>
+            <a:r>
+              <a:rPr lang="en-US" dirty="0">
+                <a:solidFill>
+                  <a:srgbClr val="000000"/>
+                </a:solidFill>
+                <a:latin typeface="Arial (Body)"/>
+              </a:rPr>
+              <a:t> crop </a:t>
+            </a:r>
+            <a:r>
+              <a:rPr lang="en-US" dirty="0" err="1">
+                <a:solidFill>
+                  <a:srgbClr val="000000"/>
+                </a:solidFill>
+                <a:latin typeface="Arial (Body)"/>
+              </a:rPr>
+              <a:t>ảnh</a:t>
+            </a:r>
+            <a:r>
+              <a:rPr lang="en-US" dirty="0">
+                <a:solidFill>
+                  <a:srgbClr val="000000"/>
+                </a:solidFill>
+                <a:latin typeface="Arial (Body)"/>
+              </a:rPr>
+              <a:t>)</a:t>
+            </a:r>
+            <a:r>
+              <a:rPr lang="en-US">
+                <a:solidFill>
+                  <a:srgbClr val="000000"/>
+                </a:solidFill>
+                <a:latin typeface="Arial (Body)"/>
+              </a:rPr>
+              <a:t>, </a:t>
+            </a:r>
+            <a:endParaRPr lang="en-US" dirty="0">
+              <a:solidFill>
+                <a:srgbClr val="000000"/>
+              </a:solidFill>
+              <a:latin typeface="Arial (Body)"/>
+            </a:endParaRPr>
+          </a:p>
+          <a:p>
+            <a:r>
+              <a:rPr lang="en-US" dirty="0" err="1">
+                <a:solidFill>
+                  <a:srgbClr val="000000"/>
+                </a:solidFill>
+                <a:latin typeface="Arial (Body)"/>
+              </a:rPr>
+              <a:t>Sử</a:t>
+            </a:r>
+            <a:r>
+              <a:rPr lang="en-US" dirty="0">
+                <a:solidFill>
+                  <a:srgbClr val="000000"/>
+                </a:solidFill>
+                <a:latin typeface="Arial (Body)"/>
+              </a:rPr>
+              <a:t> </a:t>
+            </a:r>
+            <a:r>
+              <a:rPr lang="en-US" dirty="0" err="1">
+                <a:solidFill>
+                  <a:srgbClr val="000000"/>
+                </a:solidFill>
+                <a:latin typeface="Arial (Body)"/>
+              </a:rPr>
+              <a:t>dụng</a:t>
+            </a:r>
+            <a:r>
+              <a:rPr lang="en-US" dirty="0">
+                <a:solidFill>
+                  <a:srgbClr val="000000"/>
+                </a:solidFill>
+                <a:latin typeface="Arial (Body)"/>
+              </a:rPr>
+              <a:t> Intent </a:t>
+            </a:r>
+            <a:r>
+              <a:rPr lang="en-US" dirty="0" err="1">
+                <a:solidFill>
+                  <a:srgbClr val="000000"/>
+                </a:solidFill>
+                <a:latin typeface="Arial (Body)"/>
+              </a:rPr>
+              <a:t>có</a:t>
+            </a:r>
+            <a:r>
+              <a:rPr lang="en-US" dirty="0">
+                <a:solidFill>
+                  <a:srgbClr val="000000"/>
+                </a:solidFill>
+                <a:latin typeface="Arial (Body)"/>
+              </a:rPr>
+              <a:t> </a:t>
+            </a:r>
+            <a:r>
+              <a:rPr lang="en-US" dirty="0" err="1">
+                <a:solidFill>
+                  <a:srgbClr val="000000"/>
+                </a:solidFill>
+                <a:latin typeface="Arial (Body)"/>
+              </a:rPr>
+              <a:t>sẵn</a:t>
+            </a:r>
+            <a:r>
+              <a:rPr lang="en-US" dirty="0">
+                <a:solidFill>
+                  <a:srgbClr val="000000"/>
+                </a:solidFill>
+                <a:latin typeface="Arial (Body)"/>
+              </a:rPr>
+              <a:t> </a:t>
+            </a:r>
+            <a:r>
+              <a:rPr lang="en-US" dirty="0" err="1">
+                <a:solidFill>
+                  <a:srgbClr val="000000"/>
+                </a:solidFill>
+                <a:latin typeface="Arial (Body)"/>
+              </a:rPr>
+              <a:t>của</a:t>
+            </a:r>
+            <a:r>
+              <a:rPr lang="en-US" dirty="0">
+                <a:solidFill>
+                  <a:srgbClr val="000000"/>
+                </a:solidFill>
+                <a:latin typeface="Arial (Body)"/>
+              </a:rPr>
+              <a:t> android </a:t>
+            </a:r>
+            <a:r>
+              <a:rPr lang="en-US" dirty="0" err="1">
+                <a:solidFill>
+                  <a:srgbClr val="000000"/>
+                </a:solidFill>
+                <a:latin typeface="Arial (Body)"/>
+              </a:rPr>
+              <a:t>như</a:t>
+            </a:r>
+            <a:r>
+              <a:rPr lang="en-US" dirty="0">
+                <a:solidFill>
+                  <a:srgbClr val="000000"/>
+                </a:solidFill>
+                <a:latin typeface="Arial (Body)"/>
+              </a:rPr>
+              <a:t>: </a:t>
+            </a:r>
+            <a:r>
+              <a:rPr lang="en-US" dirty="0" err="1">
+                <a:solidFill>
+                  <a:srgbClr val="000000"/>
+                </a:solidFill>
+                <a:latin typeface="Arial (Body)"/>
+              </a:rPr>
+              <a:t>MediaStore.ACTION_IMAGE_CAPTURE</a:t>
+            </a:r>
+            <a:r>
+              <a:rPr lang="en-US" dirty="0">
+                <a:solidFill>
+                  <a:srgbClr val="000000"/>
+                </a:solidFill>
+                <a:latin typeface="Arial (Body)"/>
+              </a:rPr>
+              <a:t>, </a:t>
+            </a:r>
+            <a:r>
+              <a:rPr lang="en-US" dirty="0" err="1">
+                <a:solidFill>
+                  <a:srgbClr val="000000"/>
+                </a:solidFill>
+                <a:latin typeface="Arial (Body)"/>
+              </a:rPr>
+              <a:t>Intent.ACTION_PICK</a:t>
+            </a:r>
+            <a:r>
+              <a:rPr lang="en-US" dirty="0">
+                <a:solidFill>
+                  <a:srgbClr val="000000"/>
+                </a:solidFill>
+                <a:latin typeface="Arial (Body)"/>
+              </a:rPr>
+              <a:t>, </a:t>
+            </a:r>
+            <a:r>
+              <a:rPr lang="en-US" dirty="0" err="1">
+                <a:solidFill>
+                  <a:srgbClr val="000000"/>
+                </a:solidFill>
+                <a:latin typeface="Arial (Body)"/>
+              </a:rPr>
+              <a:t>Intent.ACTION_SEND</a:t>
+            </a:r>
+            <a:endParaRPr lang="en-US" dirty="0">
+              <a:solidFill>
+                <a:srgbClr val="000000"/>
+              </a:solidFill>
+              <a:latin typeface="Arial (Body)"/>
+            </a:endParaRPr>
+          </a:p>
+          <a:p>
+            <a:r>
+              <a:rPr lang="en-US" dirty="0" err="1">
+                <a:solidFill>
+                  <a:srgbClr val="000000"/>
+                </a:solidFill>
+                <a:latin typeface="Arial (Body)"/>
+              </a:rPr>
+              <a:t>Vì</a:t>
+            </a:r>
+            <a:r>
+              <a:rPr lang="en-US" dirty="0">
+                <a:solidFill>
+                  <a:srgbClr val="000000"/>
+                </a:solidFill>
+                <a:latin typeface="Arial (Body)"/>
+              </a:rPr>
+              <a:t> </a:t>
+            </a:r>
+            <a:r>
+              <a:rPr lang="en-US" dirty="0" err="1">
+                <a:solidFill>
+                  <a:srgbClr val="000000"/>
+                </a:solidFill>
+                <a:latin typeface="Arial (Body)"/>
+              </a:rPr>
+              <a:t>bọn</a:t>
+            </a:r>
+            <a:r>
+              <a:rPr lang="en-US" dirty="0">
+                <a:solidFill>
+                  <a:srgbClr val="000000"/>
+                </a:solidFill>
+                <a:latin typeface="Arial (Body)"/>
+              </a:rPr>
+              <a:t> </a:t>
+            </a:r>
+            <a:r>
+              <a:rPr lang="en-US" dirty="0" err="1">
+                <a:solidFill>
+                  <a:srgbClr val="000000"/>
+                </a:solidFill>
+                <a:latin typeface="Arial (Body)"/>
+              </a:rPr>
+              <a:t>em</a:t>
+            </a:r>
+            <a:r>
+              <a:rPr lang="en-US" dirty="0">
+                <a:solidFill>
+                  <a:srgbClr val="000000"/>
+                </a:solidFill>
+                <a:latin typeface="Arial (Body)"/>
+              </a:rPr>
+              <a:t> </a:t>
+            </a:r>
+            <a:r>
+              <a:rPr lang="en-US" dirty="0" err="1">
+                <a:solidFill>
+                  <a:srgbClr val="000000"/>
+                </a:solidFill>
+                <a:latin typeface="Arial (Body)"/>
+              </a:rPr>
+              <a:t>mới</a:t>
+            </a:r>
+            <a:r>
+              <a:rPr lang="en-US" dirty="0">
+                <a:solidFill>
+                  <a:srgbClr val="000000"/>
+                </a:solidFill>
+                <a:latin typeface="Arial (Body)"/>
+              </a:rPr>
+              <a:t> </a:t>
+            </a:r>
+            <a:r>
+              <a:rPr lang="en-US" dirty="0" err="1">
+                <a:solidFill>
+                  <a:srgbClr val="000000"/>
+                </a:solidFill>
+                <a:latin typeface="Arial (Body)"/>
+              </a:rPr>
+              <a:t>tìm</a:t>
+            </a:r>
+            <a:r>
+              <a:rPr lang="en-US" dirty="0">
+                <a:solidFill>
+                  <a:srgbClr val="000000"/>
+                </a:solidFill>
+                <a:latin typeface="Arial (Body)"/>
+              </a:rPr>
+              <a:t> </a:t>
+            </a:r>
+            <a:r>
+              <a:rPr lang="en-US" dirty="0" err="1">
+                <a:solidFill>
+                  <a:srgbClr val="000000"/>
+                </a:solidFill>
+                <a:latin typeface="Arial (Body)"/>
+              </a:rPr>
+              <a:t>hiểu</a:t>
+            </a:r>
+            <a:r>
+              <a:rPr lang="en-US" dirty="0">
+                <a:solidFill>
+                  <a:srgbClr val="000000"/>
+                </a:solidFill>
+                <a:latin typeface="Arial (Body)"/>
+              </a:rPr>
+              <a:t> </a:t>
+            </a:r>
+            <a:r>
+              <a:rPr lang="en-US" dirty="0" err="1">
+                <a:solidFill>
+                  <a:srgbClr val="000000"/>
+                </a:solidFill>
+                <a:latin typeface="Arial (Body)"/>
+              </a:rPr>
+              <a:t>về</a:t>
+            </a:r>
+            <a:r>
+              <a:rPr lang="en-US" dirty="0">
+                <a:solidFill>
+                  <a:srgbClr val="000000"/>
+                </a:solidFill>
+                <a:latin typeface="Arial (Body)"/>
+              </a:rPr>
+              <a:t> android, </a:t>
+            </a:r>
+            <a:r>
+              <a:rPr lang="en-US" dirty="0" err="1">
+                <a:solidFill>
+                  <a:srgbClr val="000000"/>
+                </a:solidFill>
+                <a:latin typeface="Arial (Body)"/>
+              </a:rPr>
+              <a:t>nên</a:t>
+            </a:r>
+            <a:r>
+              <a:rPr lang="en-US" dirty="0">
+                <a:solidFill>
+                  <a:srgbClr val="000000"/>
+                </a:solidFill>
+                <a:latin typeface="Arial (Body)"/>
+              </a:rPr>
+              <a:t> </a:t>
+            </a:r>
+            <a:r>
+              <a:rPr lang="en-US" dirty="0" err="1">
+                <a:solidFill>
+                  <a:srgbClr val="000000"/>
+                </a:solidFill>
+                <a:latin typeface="Arial (Body)"/>
+              </a:rPr>
+              <a:t>chủ</a:t>
+            </a:r>
+            <a:r>
+              <a:rPr lang="en-US" dirty="0">
+                <a:solidFill>
+                  <a:srgbClr val="000000"/>
+                </a:solidFill>
+                <a:latin typeface="Arial (Body)"/>
+              </a:rPr>
+              <a:t> </a:t>
+            </a:r>
+            <a:r>
+              <a:rPr lang="en-US" dirty="0" err="1">
+                <a:solidFill>
+                  <a:srgbClr val="000000"/>
+                </a:solidFill>
+                <a:latin typeface="Arial (Body)"/>
+              </a:rPr>
+              <a:t>yếu</a:t>
+            </a:r>
+            <a:r>
+              <a:rPr lang="en-US" dirty="0">
+                <a:solidFill>
+                  <a:srgbClr val="000000"/>
+                </a:solidFill>
+                <a:latin typeface="Arial (Body)"/>
+              </a:rPr>
+              <a:t> </a:t>
+            </a:r>
+            <a:r>
+              <a:rPr lang="en-US" dirty="0" err="1">
+                <a:solidFill>
+                  <a:srgbClr val="000000"/>
+                </a:solidFill>
+                <a:latin typeface="Arial (Body)"/>
+              </a:rPr>
+              <a:t>bọn</a:t>
+            </a:r>
+            <a:r>
+              <a:rPr lang="en-US" dirty="0">
+                <a:solidFill>
+                  <a:srgbClr val="000000"/>
+                </a:solidFill>
+                <a:latin typeface="Arial (Body)"/>
+              </a:rPr>
+              <a:t> </a:t>
+            </a:r>
+            <a:r>
+              <a:rPr lang="en-US" dirty="0" err="1">
+                <a:solidFill>
+                  <a:srgbClr val="000000"/>
+                </a:solidFill>
+                <a:latin typeface="Arial (Body)"/>
+              </a:rPr>
+              <a:t>em</a:t>
+            </a:r>
+            <a:r>
+              <a:rPr lang="en-US" dirty="0">
+                <a:solidFill>
+                  <a:srgbClr val="000000"/>
+                </a:solidFill>
+                <a:latin typeface="Arial (Body)"/>
+              </a:rPr>
+              <a:t> </a:t>
+            </a:r>
+            <a:r>
+              <a:rPr lang="en-US" dirty="0" err="1">
+                <a:solidFill>
+                  <a:srgbClr val="000000"/>
+                </a:solidFill>
+                <a:latin typeface="Arial (Body)"/>
+              </a:rPr>
+              <a:t>tìm</a:t>
+            </a:r>
+            <a:r>
+              <a:rPr lang="en-US" dirty="0">
+                <a:solidFill>
+                  <a:srgbClr val="000000"/>
+                </a:solidFill>
+                <a:latin typeface="Arial (Body)"/>
+              </a:rPr>
+              <a:t> </a:t>
+            </a:r>
+            <a:r>
+              <a:rPr lang="en-US" dirty="0" err="1">
+                <a:solidFill>
+                  <a:srgbClr val="000000"/>
+                </a:solidFill>
+                <a:latin typeface="Arial (Body)"/>
+              </a:rPr>
+              <a:t>hiểu</a:t>
+            </a:r>
+            <a:r>
+              <a:rPr lang="en-US" dirty="0">
+                <a:solidFill>
+                  <a:srgbClr val="000000"/>
+                </a:solidFill>
+                <a:latin typeface="Arial (Body)"/>
+              </a:rPr>
+              <a:t> </a:t>
+            </a:r>
+            <a:r>
+              <a:rPr lang="en-US" dirty="0" err="1">
+                <a:solidFill>
+                  <a:srgbClr val="000000"/>
+                </a:solidFill>
+                <a:latin typeface="Arial (Body)"/>
+              </a:rPr>
+              <a:t>kiến</a:t>
+            </a:r>
+            <a:r>
+              <a:rPr lang="en-US" dirty="0">
+                <a:solidFill>
+                  <a:srgbClr val="000000"/>
+                </a:solidFill>
+                <a:latin typeface="Arial (Body)"/>
+              </a:rPr>
+              <a:t> </a:t>
+            </a:r>
+            <a:r>
+              <a:rPr lang="en-US" dirty="0" err="1">
+                <a:solidFill>
+                  <a:srgbClr val="000000"/>
+                </a:solidFill>
+                <a:latin typeface="Arial (Body)"/>
+              </a:rPr>
+              <a:t>thức</a:t>
+            </a:r>
+            <a:r>
+              <a:rPr lang="en-US" dirty="0">
+                <a:solidFill>
+                  <a:srgbClr val="000000"/>
+                </a:solidFill>
+                <a:latin typeface="Arial (Body)"/>
+              </a:rPr>
+              <a:t> </a:t>
+            </a:r>
+            <a:r>
+              <a:rPr lang="en-US" dirty="0" err="1">
+                <a:solidFill>
+                  <a:srgbClr val="000000"/>
+                </a:solidFill>
+                <a:latin typeface="Arial (Body)"/>
+              </a:rPr>
+              <a:t>trên</a:t>
+            </a:r>
+            <a:r>
+              <a:rPr lang="en-US" dirty="0">
+                <a:solidFill>
+                  <a:srgbClr val="000000"/>
+                </a:solidFill>
+                <a:latin typeface="Arial (Body)"/>
+              </a:rPr>
+              <a:t> </a:t>
+            </a:r>
+            <a:r>
+              <a:rPr lang="en-US" dirty="0" err="1">
+                <a:solidFill>
+                  <a:srgbClr val="000000"/>
+                </a:solidFill>
+                <a:latin typeface="Arial (Body)"/>
+              </a:rPr>
+              <a:t>mạng</a:t>
+            </a:r>
+            <a:r>
+              <a:rPr lang="en-US" dirty="0">
+                <a:solidFill>
+                  <a:srgbClr val="000000"/>
+                </a:solidFill>
+                <a:latin typeface="Arial (Body)"/>
+              </a:rPr>
+              <a:t>, </a:t>
+            </a:r>
+            <a:r>
+              <a:rPr lang="en-US" dirty="0" err="1">
+                <a:solidFill>
+                  <a:srgbClr val="000000"/>
+                </a:solidFill>
+                <a:latin typeface="Arial (Body)"/>
+              </a:rPr>
+              <a:t>nếu</a:t>
+            </a:r>
+            <a:r>
+              <a:rPr lang="en-US" dirty="0">
+                <a:solidFill>
+                  <a:srgbClr val="000000"/>
+                </a:solidFill>
+                <a:latin typeface="Arial (Body)"/>
+              </a:rPr>
+              <a:t> </a:t>
+            </a:r>
+            <a:r>
+              <a:rPr lang="en-US" dirty="0" err="1">
+                <a:solidFill>
+                  <a:srgbClr val="000000"/>
+                </a:solidFill>
+                <a:latin typeface="Arial (Body)"/>
+              </a:rPr>
+              <a:t>có</a:t>
+            </a:r>
+            <a:r>
+              <a:rPr lang="en-US" dirty="0">
+                <a:solidFill>
+                  <a:srgbClr val="000000"/>
+                </a:solidFill>
+                <a:latin typeface="Arial (Body)"/>
+              </a:rPr>
+              <a:t> </a:t>
+            </a:r>
+            <a:r>
+              <a:rPr lang="en-US" dirty="0" err="1">
+                <a:solidFill>
+                  <a:srgbClr val="000000"/>
+                </a:solidFill>
+                <a:latin typeface="Arial (Body)"/>
+              </a:rPr>
+              <a:t>gì</a:t>
+            </a:r>
+            <a:r>
+              <a:rPr lang="en-US" dirty="0">
+                <a:solidFill>
+                  <a:srgbClr val="000000"/>
+                </a:solidFill>
+                <a:latin typeface="Arial (Body)"/>
+              </a:rPr>
+              <a:t> </a:t>
+            </a:r>
+            <a:r>
+              <a:rPr lang="en-US" dirty="0" err="1">
+                <a:solidFill>
+                  <a:srgbClr val="000000"/>
+                </a:solidFill>
+                <a:latin typeface="Arial (Body)"/>
+              </a:rPr>
+              <a:t>không</a:t>
+            </a:r>
+            <a:r>
+              <a:rPr lang="en-US" dirty="0">
+                <a:solidFill>
+                  <a:srgbClr val="000000"/>
+                </a:solidFill>
+                <a:latin typeface="Arial (Body)"/>
+              </a:rPr>
+              <a:t> </a:t>
+            </a:r>
+            <a:r>
+              <a:rPr lang="en-US" dirty="0" err="1">
+                <a:solidFill>
+                  <a:srgbClr val="000000"/>
+                </a:solidFill>
+                <a:latin typeface="Arial (Body)"/>
+              </a:rPr>
+              <a:t>hiểu</a:t>
+            </a:r>
+            <a:r>
+              <a:rPr lang="en-US" dirty="0">
+                <a:solidFill>
+                  <a:srgbClr val="000000"/>
+                </a:solidFill>
+                <a:latin typeface="Arial (Body)"/>
+              </a:rPr>
+              <a:t> </a:t>
+            </a:r>
+            <a:r>
+              <a:rPr lang="en-US" dirty="0" err="1">
+                <a:solidFill>
+                  <a:srgbClr val="000000"/>
+                </a:solidFill>
+                <a:latin typeface="Arial (Body)"/>
+              </a:rPr>
+              <a:t>bọn</a:t>
+            </a:r>
+            <a:r>
+              <a:rPr lang="en-US" dirty="0">
+                <a:solidFill>
+                  <a:srgbClr val="000000"/>
+                </a:solidFill>
+                <a:latin typeface="Arial (Body)"/>
+              </a:rPr>
+              <a:t> </a:t>
+            </a:r>
+            <a:r>
+              <a:rPr lang="en-US" dirty="0" err="1">
+                <a:solidFill>
+                  <a:srgbClr val="000000"/>
+                </a:solidFill>
+                <a:latin typeface="Arial (Body)"/>
+              </a:rPr>
+              <a:t>em</a:t>
+            </a:r>
+            <a:r>
+              <a:rPr lang="en-US" dirty="0">
+                <a:solidFill>
+                  <a:srgbClr val="000000"/>
+                </a:solidFill>
+                <a:latin typeface="Arial (Body)"/>
+              </a:rPr>
+              <a:t> </a:t>
+            </a:r>
+            <a:r>
+              <a:rPr lang="en-US" dirty="0" err="1">
+                <a:solidFill>
+                  <a:srgbClr val="000000"/>
+                </a:solidFill>
+                <a:latin typeface="Arial (Body)"/>
+              </a:rPr>
+              <a:t>sẽ</a:t>
+            </a:r>
+            <a:r>
+              <a:rPr lang="en-US" dirty="0">
+                <a:solidFill>
+                  <a:srgbClr val="000000"/>
+                </a:solidFill>
+                <a:latin typeface="Arial (Body)"/>
+              </a:rPr>
+              <a:t> </a:t>
+            </a:r>
+            <a:r>
+              <a:rPr lang="en-US" dirty="0" err="1">
+                <a:solidFill>
+                  <a:srgbClr val="000000"/>
+                </a:solidFill>
+                <a:latin typeface="Arial (Body)"/>
+              </a:rPr>
+              <a:t>hỏi</a:t>
+            </a:r>
+            <a:r>
+              <a:rPr lang="en-US" dirty="0">
+                <a:solidFill>
+                  <a:srgbClr val="000000"/>
+                </a:solidFill>
+                <a:latin typeface="Arial (Body)"/>
+              </a:rPr>
+              <a:t> </a:t>
+            </a:r>
+            <a:r>
+              <a:rPr lang="en-US" dirty="0" err="1">
+                <a:solidFill>
+                  <a:srgbClr val="000000"/>
+                </a:solidFill>
+                <a:latin typeface="Arial (Body)"/>
+              </a:rPr>
+              <a:t>các</a:t>
+            </a:r>
+            <a:r>
+              <a:rPr lang="en-US" dirty="0">
+                <a:solidFill>
+                  <a:srgbClr val="000000"/>
+                </a:solidFill>
+                <a:latin typeface="Arial (Body)"/>
+              </a:rPr>
+              <a:t> </a:t>
+            </a:r>
+            <a:r>
+              <a:rPr lang="en-US" dirty="0" err="1">
+                <a:solidFill>
+                  <a:srgbClr val="000000"/>
+                </a:solidFill>
+                <a:latin typeface="Arial (Body)"/>
+              </a:rPr>
+              <a:t>anh</a:t>
+            </a:r>
+            <a:r>
+              <a:rPr lang="en-US" dirty="0">
+                <a:solidFill>
+                  <a:srgbClr val="000000"/>
+                </a:solidFill>
+                <a:latin typeface="Arial (Body)"/>
+              </a:rPr>
+              <a:t> </a:t>
+            </a:r>
+            <a:r>
+              <a:rPr lang="en-US" dirty="0" err="1">
+                <a:solidFill>
+                  <a:srgbClr val="000000"/>
+                </a:solidFill>
+                <a:latin typeface="Arial (Body)"/>
+              </a:rPr>
+              <a:t>hướng</a:t>
+            </a:r>
+            <a:r>
+              <a:rPr lang="en-US" dirty="0">
+                <a:solidFill>
+                  <a:srgbClr val="000000"/>
+                </a:solidFill>
+                <a:latin typeface="Arial (Body)"/>
+              </a:rPr>
+              <a:t> </a:t>
+            </a:r>
+            <a:r>
+              <a:rPr lang="en-US" dirty="0" err="1">
+                <a:solidFill>
+                  <a:srgbClr val="000000"/>
+                </a:solidFill>
+                <a:latin typeface="Arial (Body)"/>
+              </a:rPr>
+              <a:t>dẫn</a:t>
+            </a:r>
+            <a:r>
+              <a:rPr lang="en-US" dirty="0">
+                <a:solidFill>
+                  <a:srgbClr val="000000"/>
+                </a:solidFill>
+                <a:latin typeface="Arial (Body)"/>
+              </a:rPr>
+              <a:t> ( </a:t>
+            </a:r>
+            <a:r>
+              <a:rPr lang="en-US" dirty="0" err="1">
+                <a:solidFill>
+                  <a:srgbClr val="000000"/>
+                </a:solidFill>
+                <a:latin typeface="Arial (Body)"/>
+              </a:rPr>
+              <a:t>anh</a:t>
+            </a:r>
+            <a:r>
+              <a:rPr lang="en-US" dirty="0">
+                <a:solidFill>
+                  <a:srgbClr val="000000"/>
+                </a:solidFill>
+                <a:latin typeface="Arial (Body)"/>
+              </a:rPr>
+              <a:t> Du Du, </a:t>
+            </a:r>
+            <a:r>
+              <a:rPr lang="en-US" dirty="0" err="1">
+                <a:solidFill>
+                  <a:srgbClr val="000000"/>
+                </a:solidFill>
+                <a:latin typeface="Arial (Body)"/>
+              </a:rPr>
+              <a:t>anh</a:t>
+            </a:r>
+            <a:r>
+              <a:rPr lang="en-US" dirty="0">
+                <a:solidFill>
+                  <a:srgbClr val="000000"/>
+                </a:solidFill>
+                <a:latin typeface="Arial (Body)"/>
+              </a:rPr>
+              <a:t> Tony)</a:t>
+            </a:r>
+            <a:r>
+              <a:rPr lang="en-US" dirty="0" smtClean="0">
+                <a:solidFill>
+                  <a:srgbClr val="000000"/>
+                </a:solidFill>
+                <a:latin typeface="Arial (Body)"/>
+              </a:rPr>
+              <a:t>.</a:t>
+            </a:r>
+            <a:endParaRPr lang="vi-VN" dirty="0">
+              <a:solidFill>
+                <a:srgbClr val="000000"/>
+              </a:solidFill>
+              <a:latin typeface="Arial (Body)"/>
+            </a:endParaRPr>
+          </a:p>
+        </p:txBody>
+      </p:sp>
+      <p:sp>
+        <p:nvSpPr>
+          <p:cNvPr id="4" name="Footer Placeholder 3"/>
+          <p:cNvSpPr>
+            <a:spLocks noGrp="1"/>
+          </p:cNvSpPr>
+          <p:nvPr>
+            <p:ph type="ftr" sz="quarter" idx="11"/>
+          </p:nvPr>
+        </p:nvSpPr>
+        <p:spPr>
+          <a:xfrm>
+            <a:off x="0" y="6455389"/>
+            <a:ext cx="5132411" cy="365125"/>
+          </a:xfrm>
+        </p:spPr>
+        <p:txBody>
+          <a:bodyPr/>
+          <a:lstStyle/>
+          <a:p>
+            <a:r>
+              <a:rPr lang="en-US" sz="1600" smtClean="0"/>
+              <a:t>Thực tập kỹ thuật tại LifeTimeTechnology</a:t>
+            </a:r>
+            <a:endParaRPr lang="en-US" sz="1600"/>
+          </a:p>
+        </p:txBody>
+      </p:sp>
+      <p:sp>
+        <p:nvSpPr>
+          <p:cNvPr id="5" name="Slide Number Placeholder 4"/>
+          <p:cNvSpPr>
+            <a:spLocks noGrp="1"/>
+          </p:cNvSpPr>
+          <p:nvPr>
+            <p:ph type="sldNum" sz="quarter" idx="12"/>
+          </p:nvPr>
+        </p:nvSpPr>
+        <p:spPr>
+          <a:xfrm>
+            <a:off x="7133939" y="6455390"/>
+            <a:ext cx="1826241" cy="365125"/>
+          </a:xfrm>
+        </p:spPr>
+        <p:txBody>
+          <a:bodyPr/>
+          <a:lstStyle/>
+          <a:p>
+            <a:fld id="{1F2F577C-CE4A-45E0-8529-A0D5694FEE75}" type="slidenum">
+              <a:rPr lang="en-US" sz="1600" smtClean="0"/>
+              <a:t>10</a:t>
+            </a:fld>
+            <a:endParaRPr lang="en-US" sz="1600"/>
+          </a:p>
+        </p:txBody>
+      </p:sp>
+    </p:spTree>
+    <p:extLst>
+      <p:ext uri="{BB962C8B-B14F-4D97-AF65-F5344CB8AC3E}">
+        <p14:creationId xmlns:p14="http://schemas.microsoft.com/office/powerpoint/2010/main" val="1630109674"/>
+      </p:ext>
+    </p:extLst>
+  </p:cSld>
+  <p:clrMapOvr>
+    <a:masterClrMapping/>
+  </p:clrMapOvr>
+  <p:transition xmlns:p14="http://schemas.microsoft.com/office/powerpoint/2010/main" spd="slow">
+    <p:fade/>
+  </p:transition>
+  <p:timing>
+    <p:tnLst>
+      <p:par>
+        <p:cTn xmlns:p14="http://schemas.microsoft.com/office/powerpoint/2010/main" id="1" dur="indefinite" restart="never" nodeType="tmRoot"/>
+      </p:par>
+    </p:tnLst>
+  </p:timing>
+</p:sld>
+</file>
+
+<file path=ppt/slides/slide11.xml><?xml version="1.0" encoding="utf-8"?>
+<p:sld xmlns:a="http://schemas.openxmlformats.org/drawingml/2006/main" xmlns:r="http://schemas.openxmlformats.org/officeDocument/2006/relationships" xmlns:p="http://schemas.openxmlformats.org/presentationml/2006/main">
+  <p:cSld>
+    <p:spTree>
+      <p:nvGrpSpPr>
+        <p:cNvPr id="1" name=""/>
+        <p:cNvGrpSpPr/>
+        <p:nvPr/>
+      </p:nvGrpSpPr>
+      <p:grpSpPr>
+        <a:xfrm>
+          <a:off x="0" y="0"/>
+          <a:ext cx="0" cy="0"/>
+          <a:chOff x="0" y="0"/>
+          <a:chExt cx="0" cy="0"/>
+        </a:xfrm>
+      </p:grpSpPr>
+      <p:sp>
+        <p:nvSpPr>
+          <p:cNvPr id="2" name="Title 1"/>
+          <p:cNvSpPr>
+            <a:spLocks noGrp="1"/>
+          </p:cNvSpPr>
+          <p:nvPr>
+            <p:ph type="title"/>
+          </p:nvPr>
+        </p:nvSpPr>
+        <p:spPr>
+          <a:xfrm>
+            <a:off x="621399" y="232011"/>
+            <a:ext cx="8761862" cy="464024"/>
+          </a:xfrm>
+        </p:spPr>
+        <p:txBody>
+          <a:bodyPr>
+            <a:noAutofit/>
+          </a:bodyPr>
+          <a:lstStyle/>
+          <a:p>
+            <a:r>
               <a:rPr lang="en-US" sz="3000" b="1" smtClean="0">
                 <a:solidFill>
                   <a:schemeClr val="bg1"/>
@@ -5253,7 +6605,7 @@
                   <a:srgbClr val="008000"/>
                 </a:solidFill>
               </a:rPr>
-              <a:t> đồ hoạt động</a:t>
+              <a:t> đồ UseCase</a:t>
             </a:r>
             <a:endParaRPr lang="vi-VN" smtClean="0">
               <a:solidFill>
@@ -5313,7 +6665,221 @@
           <a:p>
             <a:fld id="{1F2F577C-CE4A-45E0-8529-A0D5694FEE75}" type="slidenum">
               <a:rPr lang="en-US" sz="1600" smtClean="0"/>
-              <a:t>10</a:t>
+              <a:t>11</a:t>
+            </a:fld>
+            <a:endParaRPr lang="en-US" sz="1600"/>
+          </a:p>
+        </p:txBody>
+      </p:sp>
+      <p:pic>
+        <p:nvPicPr>
+          <p:cNvPr id="6" name="Picture 5"/>
+          <p:cNvPicPr>
+            <a:picLocks noChangeAspect="1"/>
+          </p:cNvPicPr>
+          <p:nvPr/>
+        </p:nvPicPr>
+        <p:blipFill>
+          <a:blip r:embed="rId3">
+            <a:extLst>
+              <a:ext uri="{28A0092B-C50C-407E-A947-70E740481C1C}">
+                <a14:useLocalDpi xmlns:a14="http://schemas.microsoft.com/office/drawing/2010/main" val="0"/>
+              </a:ext>
+            </a:extLst>
+          </a:blip>
+          <a:stretch>
+            <a:fillRect/>
+          </a:stretch>
+        </p:blipFill>
+        <p:spPr>
+          <a:xfrm>
+            <a:off x="0" y="782456"/>
+            <a:ext cx="9144000" cy="6075544"/>
+          </a:xfrm>
+          <a:prstGeom prst="rect">
+            <a:avLst/>
+          </a:prstGeom>
+        </p:spPr>
+      </p:pic>
+    </p:spTree>
+    <p:extLst>
+      <p:ext uri="{BB962C8B-B14F-4D97-AF65-F5344CB8AC3E}">
+        <p14:creationId xmlns:p14="http://schemas.microsoft.com/office/powerpoint/2010/main" val="2809761952"/>
+      </p:ext>
+    </p:extLst>
+  </p:cSld>
+  <p:clrMapOvr>
+    <a:masterClrMapping/>
+  </p:clrMapOvr>
+  <p:transition xmlns:p14="http://schemas.microsoft.com/office/powerpoint/2010/main" spd="slow">
+    <p:fade/>
+  </p:transition>
+  <p:timing>
+    <p:tnLst>
+      <p:par>
+        <p:cTn xmlns:p14="http://schemas.microsoft.com/office/powerpoint/2010/main" id="1" dur="indefinite" restart="never" nodeType="tmRoot"/>
+      </p:par>
+    </p:tnLst>
+  </p:timing>
+</p:sld>
+</file>
+
+<file path=ppt/slides/slide12.xml><?xml version="1.0" encoding="utf-8"?>
+<p:sld xmlns:a="http://schemas.openxmlformats.org/drawingml/2006/main" xmlns:r="http://schemas.openxmlformats.org/officeDocument/2006/relationships" xmlns:p="http://schemas.openxmlformats.org/presentationml/2006/main">
+  <p:cSld>
+    <p:spTree>
+      <p:nvGrpSpPr>
+        <p:cNvPr id="1" name=""/>
+        <p:cNvGrpSpPr/>
+        <p:nvPr/>
+      </p:nvGrpSpPr>
+      <p:grpSpPr>
+        <a:xfrm>
+          <a:off x="0" y="0"/>
+          <a:ext cx="0" cy="0"/>
+          <a:chOff x="0" y="0"/>
+          <a:chExt cx="0" cy="0"/>
+        </a:xfrm>
+      </p:grpSpPr>
+      <p:sp>
+        <p:nvSpPr>
+          <p:cNvPr id="2" name="Title 1"/>
+          <p:cNvSpPr>
+            <a:spLocks noGrp="1"/>
+          </p:cNvSpPr>
+          <p:nvPr>
+            <p:ph type="title"/>
+          </p:nvPr>
+        </p:nvSpPr>
+        <p:spPr>
+          <a:xfrm>
+            <a:off x="621399" y="232011"/>
+            <a:ext cx="8761862" cy="464024"/>
+          </a:xfrm>
+        </p:spPr>
+        <p:txBody>
+          <a:bodyPr>
+            <a:noAutofit/>
+          </a:bodyPr>
+          <a:lstStyle/>
+          <a:p>
+            <a:r>
+              <a:rPr lang="en-US" sz="3000" b="1" smtClean="0">
+                <a:solidFill>
+                  <a:schemeClr val="bg1"/>
+                </a:solidFill>
+                <a:latin typeface="Arial" panose="020B0604020202020204" pitchFamily="34" charset="0"/>
+              </a:rPr>
+              <a:t>PHÂN TÍCH THIẾT KẾ VÀ TRIỂN KHAI</a:t>
+            </a:r>
+            <a:endParaRPr lang="en-US" sz="3000" b="1">
+              <a:solidFill>
+                <a:schemeClr val="bg1"/>
+              </a:solidFill>
+              <a:latin typeface="Arial" panose="020B0604020202020204" pitchFamily="34" charset="0"/>
+            </a:endParaRPr>
+          </a:p>
+        </p:txBody>
+      </p:sp>
+      <p:sp>
+        <p:nvSpPr>
+          <p:cNvPr id="3" name="Content Placeholder 2"/>
+          <p:cNvSpPr>
+            <a:spLocks noGrp="1"/>
+          </p:cNvSpPr>
+          <p:nvPr>
+            <p:ph idx="1"/>
+          </p:nvPr>
+        </p:nvSpPr>
+        <p:spPr>
+          <a:xfrm>
+            <a:off x="368490" y="1323833"/>
+            <a:ext cx="8447963" cy="5131558"/>
+          </a:xfrm>
+        </p:spPr>
+        <p:txBody>
+          <a:bodyPr/>
+          <a:lstStyle/>
+          <a:p>
+            <a:pPr>
+              <a:buFont typeface="Wingdings" panose="05000000000000000000" pitchFamily="2" charset="2"/>
+              <a:buChar char="§"/>
+            </a:pPr>
+            <a:r>
+              <a:rPr lang="vi-VN" smtClean="0">
+                <a:solidFill>
+                  <a:srgbClr val="008000"/>
+                </a:solidFill>
+              </a:rPr>
+              <a:t>Sơ</a:t>
+            </a:r>
+            <a:r>
+              <a:rPr lang="en-US" smtClean="0">
+                <a:solidFill>
+                  <a:srgbClr val="008000"/>
+                </a:solidFill>
+              </a:rPr>
+              <a:t> đồ hoạt động</a:t>
+            </a:r>
+            <a:endParaRPr lang="vi-VN" smtClean="0">
+              <a:solidFill>
+                <a:srgbClr val="008000"/>
+              </a:solidFill>
+            </a:endParaRPr>
+          </a:p>
+        </p:txBody>
+      </p:sp>
+      <p:sp>
+        <p:nvSpPr>
+          <p:cNvPr id="4" name="Footer Placeholder 3"/>
+          <p:cNvSpPr>
+            <a:spLocks noGrp="1"/>
+          </p:cNvSpPr>
+          <p:nvPr>
+            <p:ph type="ftr" sz="quarter" idx="11"/>
+          </p:nvPr>
+        </p:nvSpPr>
+        <p:spPr>
+          <a:xfrm>
+            <a:off x="0" y="6455389"/>
+            <a:ext cx="5132411" cy="365125"/>
+          </a:xfrm>
+        </p:spPr>
+        <p:txBody>
+          <a:bodyPr/>
+          <a:lstStyle/>
+          <a:p>
+            <a:r>
+              <a:rPr lang="en-US" sz="1600" smtClean="0"/>
+              <a:t>Thực tập kỹ thuật tại LifeTimeTechnology</a:t>
+            </a:r>
+            <a:endParaRPr lang="en-US" sz="1600"/>
+          </a:p>
+        </p:txBody>
+      </p:sp>
+      <p:sp>
+        <p:nvSpPr>
+          <p:cNvPr id="5" name="Slide Number Placeholder 4"/>
+          <p:cNvSpPr>
+            <a:spLocks noGrp="1"/>
+          </p:cNvSpPr>
+          <p:nvPr>
+            <p:ph type="sldNum" sz="quarter" idx="12"/>
+          </p:nvPr>
+        </p:nvSpPr>
+        <p:spPr>
+          <a:xfrm>
+            <a:off x="7133939" y="6455390"/>
+            <a:ext cx="1826241" cy="365125"/>
+          </a:xfrm>
+        </p:spPr>
+        <p:txBody>
+          <a:bodyPr/>
+          <a:lstStyle/>
+          <a:p>
+            <a:fld id="{1F2F577C-CE4A-45E0-8529-A0D5694FEE75}" type="slidenum">
+              <a:rPr lang="en-US" sz="1600" smtClean="0"/>
+              <a:t>12</a:t>
             </a:fld>
             <a:endParaRPr lang="en-US" sz="1600"/>
           </a:p>
@@ -5372,7 +6938,7 @@
 </p:sld>
 </file>
 
-<file path=ppt/slides/slide11.xml><?xml version="1.0" encoding="utf-8"?>
+<file path=ppt/slides/slide13.xml><?xml version="1.0" encoding="utf-8"?>
 <p:sld xmlns:a="http://schemas.openxmlformats.org/drawingml/2006/main" xmlns:r="http://schemas.openxmlformats.org/officeDocument/2006/relationships" xmlns:p="http://schemas.openxmlformats.org/presentationml/2006/main">
   <p:cSld>
     <p:spTree>
@@ -5527,7 +7093,7 @@
           <a:p>
             <a:fld id="{1F2F577C-CE4A-45E0-8529-A0D5694FEE75}" type="slidenum">
               <a:rPr lang="en-US" sz="1600" smtClean="0"/>
-              <a:t>11</a:t>
+              <a:t>13</a:t>
             </a:fld>
             <a:endParaRPr lang="en-US" sz="1600"/>
           </a:p>
@@ -5586,2322 +7152,6 @@
 </p:sld>
 </file>
 
-<file path=ppt/slides/slide12.xml><?xml version="1.0" encoding="utf-8"?>
-<p:sld xmlns:a="http://schemas.openxmlformats.org/drawingml/2006/main" xmlns:r="http://schemas.openxmlformats.org/officeDocument/2006/relationships" xmlns:p="http://schemas.openxmlformats.org/presentationml/2006/main">
-  <p:cSld>
-    <p:spTree>
-      <p:nvGrpSpPr>
-        <p:cNvPr id="1" name=""/>
-        <p:cNvGrpSpPr/>
-        <p:nvPr/>
-      </p:nvGrpSpPr>
-      <p:grpSpPr>
-        <a:xfrm>
-          <a:off x="0" y="0"/>
-          <a:ext cx="0" cy="0"/>
-          <a:chOff x="0" y="0"/>
-          <a:chExt cx="0" cy="0"/>
-        </a:xfrm>
-      </p:grpSpPr>
-      <p:sp>
-        <p:nvSpPr>
-          <p:cNvPr id="2" name="Title 1"/>
-          <p:cNvSpPr>
-            <a:spLocks noGrp="1"/>
-          </p:cNvSpPr>
-          <p:nvPr>
-            <p:ph type="title"/>
-          </p:nvPr>
-        </p:nvSpPr>
-        <p:spPr>
-          <a:xfrm>
-            <a:off x="621399" y="232011"/>
-            <a:ext cx="8761862" cy="464024"/>
-          </a:xfrm>
-        </p:spPr>
-        <p:txBody>
-          <a:bodyPr>
-            <a:noAutofit/>
-          </a:bodyPr>
-          <a:lstStyle/>
-          <a:p>
-            <a:r>
-              <a:rPr lang="en-US" sz="3000" b="1" smtClean="0">
-                <a:solidFill>
-                  <a:schemeClr val="bg1"/>
-                </a:solidFill>
-                <a:latin typeface="Arial" panose="020B0604020202020204" pitchFamily="34" charset="0"/>
-              </a:rPr>
-              <a:t>DEMO PHẦN MỀM</a:t>
-            </a:r>
-            <a:endParaRPr lang="en-US" sz="3000" b="1">
-              <a:solidFill>
-                <a:schemeClr val="bg1"/>
-              </a:solidFill>
-              <a:latin typeface="Arial" panose="020B0604020202020204" pitchFamily="34" charset="0"/>
-            </a:endParaRPr>
-          </a:p>
-        </p:txBody>
-      </p:sp>
-      <p:sp>
-        <p:nvSpPr>
-          <p:cNvPr id="3" name="Content Placeholder 2"/>
-          <p:cNvSpPr>
-            <a:spLocks noGrp="1"/>
-          </p:cNvSpPr>
-          <p:nvPr>
-            <p:ph idx="1"/>
-          </p:nvPr>
-        </p:nvSpPr>
-        <p:spPr>
-          <a:xfrm>
-            <a:off x="368490" y="1323833"/>
-            <a:ext cx="8447963" cy="5131558"/>
-          </a:xfrm>
-        </p:spPr>
-        <p:txBody>
-          <a:bodyPr/>
-          <a:lstStyle/>
-          <a:p>
-            <a:pPr>
-              <a:buFont typeface="Wingdings" panose="05000000000000000000" pitchFamily="2" charset="2"/>
-              <a:buChar char="§"/>
-            </a:pPr>
-            <a:r>
-              <a:rPr lang="vi-VN" smtClean="0">
-                <a:solidFill>
-                  <a:srgbClr val="009900"/>
-                </a:solidFill>
-              </a:rPr>
-              <a:t>Sau đây chúng em xin chạy demo phần mềm của nhóm</a:t>
-            </a:r>
-            <a:endParaRPr lang="vi-VN" smtClean="0">
-              <a:solidFill>
-                <a:srgbClr val="FFC000"/>
-              </a:solidFill>
-            </a:endParaRPr>
-          </a:p>
-        </p:txBody>
-      </p:sp>
-      <p:sp>
-        <p:nvSpPr>
-          <p:cNvPr id="4" name="Footer Placeholder 3"/>
-          <p:cNvSpPr>
-            <a:spLocks noGrp="1"/>
-          </p:cNvSpPr>
-          <p:nvPr>
-            <p:ph type="ftr" sz="quarter" idx="11"/>
-          </p:nvPr>
-        </p:nvSpPr>
-        <p:spPr>
-          <a:xfrm>
-            <a:off x="0" y="6455389"/>
-            <a:ext cx="5132411" cy="365125"/>
-          </a:xfrm>
-        </p:spPr>
-        <p:txBody>
-          <a:bodyPr/>
-          <a:lstStyle/>
-          <a:p>
-            <a:r>
-              <a:rPr lang="en-US" sz="1600" smtClean="0"/>
-              <a:t>Thực tập kỹ thuật tại LifeTimeTechnology</a:t>
-            </a:r>
-            <a:endParaRPr lang="en-US" sz="1600"/>
-          </a:p>
-        </p:txBody>
-      </p:sp>
-      <p:sp>
-        <p:nvSpPr>
-          <p:cNvPr id="5" name="Slide Number Placeholder 4"/>
-          <p:cNvSpPr>
-            <a:spLocks noGrp="1"/>
-          </p:cNvSpPr>
-          <p:nvPr>
-            <p:ph type="sldNum" sz="quarter" idx="12"/>
-          </p:nvPr>
-        </p:nvSpPr>
-        <p:spPr>
-          <a:xfrm>
-            <a:off x="7133939" y="6455390"/>
-            <a:ext cx="1826241" cy="365125"/>
-          </a:xfrm>
-        </p:spPr>
-        <p:txBody>
-          <a:bodyPr/>
-          <a:lstStyle/>
-          <a:p>
-            <a:fld id="{1F2F577C-CE4A-45E0-8529-A0D5694FEE75}" type="slidenum">
-              <a:rPr lang="en-US" sz="1600" smtClean="0"/>
-              <a:t>12</a:t>
-            </a:fld>
-            <a:endParaRPr lang="en-US" sz="1600"/>
-          </a:p>
-        </p:txBody>
-      </p:sp>
-      <p:sp>
-        <p:nvSpPr>
-          <p:cNvPr id="8" name="Oval 7"/>
-          <p:cNvSpPr/>
-          <p:nvPr/>
-        </p:nvSpPr>
-        <p:spPr>
-          <a:xfrm>
-            <a:off x="180052" y="5622877"/>
-            <a:ext cx="914400" cy="914400"/>
-          </a:xfrm>
-          <a:prstGeom prst="ellipse">
-            <a:avLst/>
-          </a:prstGeom>
-          <a:ln/>
-        </p:spPr>
-        <p:style>
-          <a:lnRef idx="2">
-            <a:schemeClr val="accent5"/>
-          </a:lnRef>
-          <a:fillRef idx="1">
-            <a:schemeClr val="lt1"/>
-          </a:fillRef>
-          <a:effectRef idx="0">
-            <a:schemeClr val="accent5"/>
-          </a:effectRef>
-          <a:fontRef idx="minor">
-            <a:schemeClr val="dk1"/>
-          </a:fontRef>
-        </p:style>
-        <p:txBody>
-          <a:bodyPr rtlCol="0" anchor="ctr">
-            <a:scene3d>
-              <a:camera prst="orthographicFront"/>
-              <a:lightRig rig="soft" dir="t">
-                <a:rot lat="0" lon="0" rev="15600000"/>
-              </a:lightRig>
-            </a:scene3d>
-            <a:sp3d extrusionH="57150" prstMaterial="softEdge">
-              <a:bevelT w="25400" h="38100"/>
-            </a:sp3d>
-          </a:bodyPr>
-          <a:lstStyle/>
-          <a:p>
-            <a:pPr algn="ctr"/>
-            <a:r>
-              <a:rPr lang="en-US" sz="1400" b="1" smtClean="0">
-                <a:ln w="6600">
-                  <a:solidFill>
-                    <a:schemeClr val="accent2"/>
-                  </a:solidFill>
-                  <a:prstDash val="solid"/>
-                </a:ln>
-                <a:solidFill>
-                  <a:srgbClr val="00B050"/>
-                </a:solidFill>
-                <a:effectLst>
-                  <a:outerShdw dist="38100" dir="2700000" algn="tl" rotWithShape="0">
-                    <a:schemeClr val="accent2"/>
-                  </a:outerShdw>
-                </a:effectLst>
-              </a:rPr>
-              <a:t>START</a:t>
-            </a:r>
-            <a:endParaRPr lang="en-US" sz="1400" b="1">
-              <a:ln/>
-              <a:solidFill>
-                <a:srgbClr val="00B050"/>
-              </a:solidFill>
-            </a:endParaRPr>
-          </a:p>
-        </p:txBody>
-      </p:sp>
-      <p:sp>
-        <p:nvSpPr>
-          <p:cNvPr id="11" name="Oval 10"/>
-          <p:cNvSpPr/>
-          <p:nvPr/>
-        </p:nvSpPr>
-        <p:spPr>
-          <a:xfrm>
-            <a:off x="180052" y="5609226"/>
-            <a:ext cx="914400" cy="914400"/>
-          </a:xfrm>
-          <a:prstGeom prst="ellipse">
-            <a:avLst/>
-          </a:prstGeom>
-          <a:ln/>
-        </p:spPr>
-        <p:style>
-          <a:lnRef idx="2">
-            <a:schemeClr val="accent5"/>
-          </a:lnRef>
-          <a:fillRef idx="1">
-            <a:schemeClr val="lt1"/>
-          </a:fillRef>
-          <a:effectRef idx="0">
-            <a:schemeClr val="accent5"/>
-          </a:effectRef>
-          <a:fontRef idx="minor">
-            <a:schemeClr val="dk1"/>
-          </a:fontRef>
-        </p:style>
-        <p:txBody>
-          <a:bodyPr rtlCol="0" anchor="ctr">
-            <a:scene3d>
-              <a:camera prst="orthographicFront"/>
-              <a:lightRig rig="soft" dir="t">
-                <a:rot lat="0" lon="0" rev="15600000"/>
-              </a:lightRig>
-            </a:scene3d>
-            <a:sp3d extrusionH="57150" prstMaterial="softEdge">
-              <a:bevelT w="25400" h="38100"/>
-            </a:sp3d>
-          </a:bodyPr>
-          <a:lstStyle/>
-          <a:p>
-            <a:pPr algn="ctr"/>
-            <a:r>
-              <a:rPr lang="en-US" sz="6000" b="1">
-                <a:ln w="6600">
-                  <a:solidFill>
-                    <a:schemeClr val="accent2"/>
-                  </a:solidFill>
-                  <a:prstDash val="solid"/>
-                </a:ln>
-                <a:solidFill>
-                  <a:srgbClr val="00B050"/>
-                </a:solidFill>
-                <a:effectLst>
-                  <a:outerShdw dist="38100" dir="2700000" algn="tl" rotWithShape="0">
-                    <a:schemeClr val="accent2"/>
-                  </a:outerShdw>
-                </a:effectLst>
-              </a:rPr>
-              <a:t>5</a:t>
-            </a:r>
-            <a:endParaRPr lang="en-US" sz="6000" b="1">
-              <a:ln/>
-              <a:solidFill>
-                <a:srgbClr val="00B050"/>
-              </a:solidFill>
-            </a:endParaRPr>
-          </a:p>
-        </p:txBody>
-      </p:sp>
-      <p:sp>
-        <p:nvSpPr>
-          <p:cNvPr id="12" name="Oval 11"/>
-          <p:cNvSpPr/>
-          <p:nvPr/>
-        </p:nvSpPr>
-        <p:spPr>
-          <a:xfrm>
-            <a:off x="177059" y="5616052"/>
-            <a:ext cx="914400" cy="914400"/>
-          </a:xfrm>
-          <a:prstGeom prst="ellipse">
-            <a:avLst/>
-          </a:prstGeom>
-          <a:ln/>
-        </p:spPr>
-        <p:style>
-          <a:lnRef idx="2">
-            <a:schemeClr val="accent5"/>
-          </a:lnRef>
-          <a:fillRef idx="1">
-            <a:schemeClr val="lt1"/>
-          </a:fillRef>
-          <a:effectRef idx="0">
-            <a:schemeClr val="accent5"/>
-          </a:effectRef>
-          <a:fontRef idx="minor">
-            <a:schemeClr val="dk1"/>
-          </a:fontRef>
-        </p:style>
-        <p:txBody>
-          <a:bodyPr rtlCol="0" anchor="ctr">
-            <a:scene3d>
-              <a:camera prst="orthographicFront"/>
-              <a:lightRig rig="soft" dir="t">
-                <a:rot lat="0" lon="0" rev="15600000"/>
-              </a:lightRig>
-            </a:scene3d>
-            <a:sp3d extrusionH="57150" prstMaterial="softEdge">
-              <a:bevelT w="25400" h="38100"/>
-            </a:sp3d>
-          </a:bodyPr>
-          <a:lstStyle/>
-          <a:p>
-            <a:pPr algn="ctr"/>
-            <a:r>
-              <a:rPr lang="en-US" sz="6000" b="1">
-                <a:ln w="6600">
-                  <a:solidFill>
-                    <a:schemeClr val="accent2"/>
-                  </a:solidFill>
-                  <a:prstDash val="solid"/>
-                </a:ln>
-                <a:solidFill>
-                  <a:srgbClr val="00B050"/>
-                </a:solidFill>
-                <a:effectLst>
-                  <a:outerShdw dist="38100" dir="2700000" algn="tl" rotWithShape="0">
-                    <a:schemeClr val="accent2"/>
-                  </a:outerShdw>
-                </a:effectLst>
-              </a:rPr>
-              <a:t>4</a:t>
-            </a:r>
-            <a:endParaRPr lang="en-US" sz="6000" b="1">
-              <a:ln/>
-              <a:solidFill>
-                <a:srgbClr val="00B050"/>
-              </a:solidFill>
-            </a:endParaRPr>
-          </a:p>
-        </p:txBody>
-      </p:sp>
-      <p:sp>
-        <p:nvSpPr>
-          <p:cNvPr id="13" name="Oval 12"/>
-          <p:cNvSpPr/>
-          <p:nvPr/>
-        </p:nvSpPr>
-        <p:spPr>
-          <a:xfrm>
-            <a:off x="164199" y="5609226"/>
-            <a:ext cx="914400" cy="914400"/>
-          </a:xfrm>
-          <a:prstGeom prst="ellipse">
-            <a:avLst/>
-          </a:prstGeom>
-          <a:ln/>
-        </p:spPr>
-        <p:style>
-          <a:lnRef idx="2">
-            <a:schemeClr val="accent5"/>
-          </a:lnRef>
-          <a:fillRef idx="1">
-            <a:schemeClr val="lt1"/>
-          </a:fillRef>
-          <a:effectRef idx="0">
-            <a:schemeClr val="accent5"/>
-          </a:effectRef>
-          <a:fontRef idx="minor">
-            <a:schemeClr val="dk1"/>
-          </a:fontRef>
-        </p:style>
-        <p:txBody>
-          <a:bodyPr rtlCol="0" anchor="ctr">
-            <a:scene3d>
-              <a:camera prst="orthographicFront"/>
-              <a:lightRig rig="soft" dir="t">
-                <a:rot lat="0" lon="0" rev="15600000"/>
-              </a:lightRig>
-            </a:scene3d>
-            <a:sp3d extrusionH="57150" prstMaterial="softEdge">
-              <a:bevelT w="25400" h="38100"/>
-            </a:sp3d>
-          </a:bodyPr>
-          <a:lstStyle/>
-          <a:p>
-            <a:pPr algn="ctr"/>
-            <a:r>
-              <a:rPr lang="en-US" sz="6000" b="1">
-                <a:ln w="6600">
-                  <a:solidFill>
-                    <a:schemeClr val="accent2"/>
-                  </a:solidFill>
-                  <a:prstDash val="solid"/>
-                </a:ln>
-                <a:solidFill>
-                  <a:srgbClr val="00B050"/>
-                </a:solidFill>
-                <a:effectLst>
-                  <a:outerShdw dist="38100" dir="2700000" algn="tl" rotWithShape="0">
-                    <a:schemeClr val="accent2"/>
-                  </a:outerShdw>
-                </a:effectLst>
-              </a:rPr>
-              <a:t>3</a:t>
-            </a:r>
-            <a:endParaRPr lang="en-US" sz="6000" b="1">
-              <a:ln/>
-              <a:solidFill>
-                <a:srgbClr val="00B050"/>
-              </a:solidFill>
-            </a:endParaRPr>
-          </a:p>
-        </p:txBody>
-      </p:sp>
-      <p:sp>
-        <p:nvSpPr>
-          <p:cNvPr id="14" name="Oval 13"/>
-          <p:cNvSpPr/>
-          <p:nvPr/>
-        </p:nvSpPr>
-        <p:spPr>
-          <a:xfrm>
-            <a:off x="177059" y="5609226"/>
-            <a:ext cx="914400" cy="914400"/>
-          </a:xfrm>
-          <a:prstGeom prst="ellipse">
-            <a:avLst/>
-          </a:prstGeom>
-          <a:ln/>
-        </p:spPr>
-        <p:style>
-          <a:lnRef idx="2">
-            <a:schemeClr val="accent5"/>
-          </a:lnRef>
-          <a:fillRef idx="1">
-            <a:schemeClr val="lt1"/>
-          </a:fillRef>
-          <a:effectRef idx="0">
-            <a:schemeClr val="accent5"/>
-          </a:effectRef>
-          <a:fontRef idx="minor">
-            <a:schemeClr val="dk1"/>
-          </a:fontRef>
-        </p:style>
-        <p:txBody>
-          <a:bodyPr rtlCol="0" anchor="ctr">
-            <a:scene3d>
-              <a:camera prst="orthographicFront"/>
-              <a:lightRig rig="soft" dir="t">
-                <a:rot lat="0" lon="0" rev="15600000"/>
-              </a:lightRig>
-            </a:scene3d>
-            <a:sp3d extrusionH="57150" prstMaterial="softEdge">
-              <a:bevelT w="25400" h="38100"/>
-            </a:sp3d>
-          </a:bodyPr>
-          <a:lstStyle/>
-          <a:p>
-            <a:pPr algn="ctr"/>
-            <a:r>
-              <a:rPr lang="en-US" sz="6000" b="1">
-                <a:ln w="6600">
-                  <a:solidFill>
-                    <a:schemeClr val="accent2"/>
-                  </a:solidFill>
-                  <a:prstDash val="solid"/>
-                </a:ln>
-                <a:solidFill>
-                  <a:srgbClr val="00B050"/>
-                </a:solidFill>
-                <a:effectLst>
-                  <a:outerShdw dist="38100" dir="2700000" algn="tl" rotWithShape="0">
-                    <a:schemeClr val="accent2"/>
-                  </a:outerShdw>
-                </a:effectLst>
-              </a:rPr>
-              <a:t>2</a:t>
-            </a:r>
-            <a:endParaRPr lang="en-US" sz="6000" b="1">
-              <a:ln/>
-              <a:solidFill>
-                <a:srgbClr val="00B050"/>
-              </a:solidFill>
-            </a:endParaRPr>
-          </a:p>
-        </p:txBody>
-      </p:sp>
-      <p:sp>
-        <p:nvSpPr>
-          <p:cNvPr id="15" name="Oval 14"/>
-          <p:cNvSpPr/>
-          <p:nvPr/>
-        </p:nvSpPr>
-        <p:spPr>
-          <a:xfrm>
-            <a:off x="164199" y="5609601"/>
-            <a:ext cx="914400" cy="914400"/>
-          </a:xfrm>
-          <a:prstGeom prst="ellipse">
-            <a:avLst/>
-          </a:prstGeom>
-          <a:ln/>
-        </p:spPr>
-        <p:style>
-          <a:lnRef idx="2">
-            <a:schemeClr val="accent5"/>
-          </a:lnRef>
-          <a:fillRef idx="1">
-            <a:schemeClr val="lt1"/>
-          </a:fillRef>
-          <a:effectRef idx="0">
-            <a:schemeClr val="accent5"/>
-          </a:effectRef>
-          <a:fontRef idx="minor">
-            <a:schemeClr val="dk1"/>
-          </a:fontRef>
-        </p:style>
-        <p:txBody>
-          <a:bodyPr rtlCol="0" anchor="ctr">
-            <a:scene3d>
-              <a:camera prst="orthographicFront"/>
-              <a:lightRig rig="soft" dir="t">
-                <a:rot lat="0" lon="0" rev="15600000"/>
-              </a:lightRig>
-            </a:scene3d>
-            <a:sp3d extrusionH="57150" prstMaterial="softEdge">
-              <a:bevelT w="25400" h="38100"/>
-            </a:sp3d>
-          </a:bodyPr>
-          <a:lstStyle/>
-          <a:p>
-            <a:pPr algn="ctr"/>
-            <a:r>
-              <a:rPr lang="en-US" sz="6000" b="1">
-                <a:ln w="6600">
-                  <a:solidFill>
-                    <a:schemeClr val="accent2"/>
-                  </a:solidFill>
-                  <a:prstDash val="solid"/>
-                </a:ln>
-                <a:solidFill>
-                  <a:srgbClr val="00B050"/>
-                </a:solidFill>
-                <a:effectLst>
-                  <a:outerShdw dist="38100" dir="2700000" algn="tl" rotWithShape="0">
-                    <a:schemeClr val="accent2"/>
-                  </a:outerShdw>
-                </a:effectLst>
-              </a:rPr>
-              <a:t>1</a:t>
-            </a:r>
-            <a:endParaRPr lang="en-US" sz="6000" b="1">
-              <a:ln/>
-              <a:solidFill>
-                <a:srgbClr val="00B050"/>
-              </a:solidFill>
-            </a:endParaRPr>
-          </a:p>
-        </p:txBody>
-      </p:sp>
-      <p:sp>
-        <p:nvSpPr>
-          <p:cNvPr id="16" name="Oval 15"/>
-          <p:cNvSpPr/>
-          <p:nvPr/>
-        </p:nvSpPr>
-        <p:spPr>
-          <a:xfrm>
-            <a:off x="164199" y="5609226"/>
-            <a:ext cx="914400" cy="914400"/>
-          </a:xfrm>
-          <a:prstGeom prst="ellipse">
-            <a:avLst/>
-          </a:prstGeom>
-          <a:ln/>
-        </p:spPr>
-        <p:style>
-          <a:lnRef idx="2">
-            <a:schemeClr val="accent5"/>
-          </a:lnRef>
-          <a:fillRef idx="1">
-            <a:schemeClr val="lt1"/>
-          </a:fillRef>
-          <a:effectRef idx="0">
-            <a:schemeClr val="accent5"/>
-          </a:effectRef>
-          <a:fontRef idx="minor">
-            <a:schemeClr val="dk1"/>
-          </a:fontRef>
-        </p:style>
-        <p:txBody>
-          <a:bodyPr rtlCol="0" anchor="ctr">
-            <a:scene3d>
-              <a:camera prst="orthographicFront"/>
-              <a:lightRig rig="soft" dir="t">
-                <a:rot lat="0" lon="0" rev="15600000"/>
-              </a:lightRig>
-            </a:scene3d>
-            <a:sp3d extrusionH="57150" prstMaterial="softEdge">
-              <a:bevelT w="25400" h="38100"/>
-            </a:sp3d>
-          </a:bodyPr>
-          <a:lstStyle/>
-          <a:p>
-            <a:pPr algn="ctr"/>
-            <a:r>
-              <a:rPr lang="en-US" sz="6000" b="1">
-                <a:ln w="6600">
-                  <a:solidFill>
-                    <a:schemeClr val="accent2"/>
-                  </a:solidFill>
-                  <a:prstDash val="solid"/>
-                </a:ln>
-                <a:solidFill>
-                  <a:srgbClr val="00B050"/>
-                </a:solidFill>
-                <a:effectLst>
-                  <a:outerShdw dist="38100" dir="2700000" algn="tl" rotWithShape="0">
-                    <a:schemeClr val="accent2"/>
-                  </a:outerShdw>
-                </a:effectLst>
-              </a:rPr>
-              <a:t>0</a:t>
-            </a:r>
-            <a:endParaRPr lang="en-US" sz="6000" b="1">
-              <a:ln/>
-              <a:solidFill>
-                <a:srgbClr val="00B050"/>
-              </a:solidFill>
-            </a:endParaRPr>
-          </a:p>
-        </p:txBody>
-      </p:sp>
-      <p:sp>
-        <p:nvSpPr>
-          <p:cNvPr id="17" name="Oval 16"/>
-          <p:cNvSpPr/>
-          <p:nvPr/>
-        </p:nvSpPr>
-        <p:spPr>
-          <a:xfrm>
-            <a:off x="0" y="5232320"/>
-            <a:ext cx="1705906" cy="1518087"/>
-          </a:xfrm>
-          <a:prstGeom prst="ellipse">
-            <a:avLst/>
-          </a:prstGeom>
-          <a:ln/>
-        </p:spPr>
-        <p:style>
-          <a:lnRef idx="2">
-            <a:schemeClr val="accent5"/>
-          </a:lnRef>
-          <a:fillRef idx="1">
-            <a:schemeClr val="lt1"/>
-          </a:fillRef>
-          <a:effectRef idx="0">
-            <a:schemeClr val="accent5"/>
-          </a:effectRef>
-          <a:fontRef idx="minor">
-            <a:schemeClr val="dk1"/>
-          </a:fontRef>
-        </p:style>
-        <p:txBody>
-          <a:bodyPr rtlCol="0" anchor="ctr">
-            <a:scene3d>
-              <a:camera prst="orthographicFront"/>
-              <a:lightRig rig="soft" dir="t">
-                <a:rot lat="0" lon="0" rev="15600000"/>
-              </a:lightRig>
-            </a:scene3d>
-            <a:sp3d extrusionH="57150" prstMaterial="softEdge">
-              <a:bevelT w="25400" h="38100"/>
-            </a:sp3d>
-          </a:bodyPr>
-          <a:lstStyle/>
-          <a:p>
-            <a:pPr algn="ctr"/>
-            <a:r>
-              <a:rPr lang="en-US" sz="3200" b="1" smtClean="0">
-                <a:ln w="6600">
-                  <a:solidFill>
-                    <a:schemeClr val="accent2"/>
-                  </a:solidFill>
-                  <a:prstDash val="solid"/>
-                </a:ln>
-                <a:solidFill>
-                  <a:srgbClr val="00B050"/>
-                </a:solidFill>
-                <a:effectLst>
-                  <a:outerShdw dist="38100" dir="2700000" algn="tl" rotWithShape="0">
-                    <a:schemeClr val="accent2"/>
-                  </a:outerShdw>
-                </a:effectLst>
-              </a:rPr>
-              <a:t>OVER</a:t>
-            </a:r>
-          </a:p>
-          <a:p>
-            <a:pPr algn="ctr"/>
-            <a:r>
-              <a:rPr lang="en-US" sz="3200" b="1" smtClean="0">
-                <a:ln w="6600">
-                  <a:solidFill>
-                    <a:schemeClr val="accent2"/>
-                  </a:solidFill>
-                  <a:prstDash val="solid"/>
-                </a:ln>
-                <a:solidFill>
-                  <a:srgbClr val="00B050"/>
-                </a:solidFill>
-                <a:effectLst>
-                  <a:outerShdw dist="38100" dir="2700000" algn="tl" rotWithShape="0">
-                    <a:schemeClr val="accent2"/>
-                  </a:outerShdw>
-                </a:effectLst>
-              </a:rPr>
-              <a:t>TIME</a:t>
-            </a:r>
-            <a:endParaRPr lang="en-US" sz="3200" b="1">
-              <a:ln/>
-              <a:solidFill>
-                <a:srgbClr val="00B050"/>
-              </a:solidFill>
-            </a:endParaRPr>
-          </a:p>
-        </p:txBody>
-      </p:sp>
-      <p:pic>
-        <p:nvPicPr>
-          <p:cNvPr id="6" name="Picture 5" descr="Screen Shot 2014-08-02 at 5.38.06 PM.png"/>
-          <p:cNvPicPr>
-            <a:picLocks noChangeAspect="1"/>
-          </p:cNvPicPr>
-          <p:nvPr/>
-        </p:nvPicPr>
-        <p:blipFill>
-          <a:blip r:embed="rId4">
-            <a:extLst>
-              <a:ext uri="{28A0092B-C50C-407E-A947-70E740481C1C}">
-                <a14:useLocalDpi xmlns:a14="http://schemas.microsoft.com/office/drawing/2010/main" val="0"/>
-              </a:ext>
-            </a:extLst>
-          </a:blip>
-          <a:stretch>
-            <a:fillRect/>
-          </a:stretch>
-        </p:blipFill>
-        <p:spPr>
-          <a:xfrm>
-            <a:off x="1630947" y="1086393"/>
-            <a:ext cx="3461990" cy="5343818"/>
-          </a:xfrm>
-          <a:prstGeom prst="rect">
-            <a:avLst/>
-          </a:prstGeom>
-        </p:spPr>
-      </p:pic>
-      <p:pic>
-        <p:nvPicPr>
-          <p:cNvPr id="7" name="Picture 6" descr="Screen Shot 2014-08-02 at 5.38.31 PM.png"/>
-          <p:cNvPicPr>
-            <a:picLocks noChangeAspect="1"/>
-          </p:cNvPicPr>
-          <p:nvPr/>
-        </p:nvPicPr>
-        <p:blipFill>
-          <a:blip r:embed="rId5">
-            <a:extLst>
-              <a:ext uri="{28A0092B-C50C-407E-A947-70E740481C1C}">
-                <a14:useLocalDpi xmlns:a14="http://schemas.microsoft.com/office/drawing/2010/main" val="0"/>
-              </a:ext>
-            </a:extLst>
-          </a:blip>
-          <a:stretch>
-            <a:fillRect/>
-          </a:stretch>
-        </p:blipFill>
-        <p:spPr>
-          <a:xfrm>
-            <a:off x="5249394" y="1069474"/>
-            <a:ext cx="3481172" cy="5347368"/>
-          </a:xfrm>
-          <a:prstGeom prst="rect">
-            <a:avLst/>
-          </a:prstGeom>
-        </p:spPr>
-      </p:pic>
-    </p:spTree>
-    <p:extLst>
-      <p:ext uri="{BB962C8B-B14F-4D97-AF65-F5344CB8AC3E}">
-        <p14:creationId xmlns:p14="http://schemas.microsoft.com/office/powerpoint/2010/main" val="398567933"/>
-      </p:ext>
-    </p:extLst>
-  </p:cSld>
-  <p:clrMapOvr>
-    <a:masterClrMapping/>
-  </p:clrMapOvr>
-  <p:transition xmlns:p14="http://schemas.microsoft.com/office/powerpoint/2010/main" spd="slow">
-    <p:fade/>
-  </p:transition>
-  <p:timing>
-    <p:tnLst>
-      <p:par>
-        <p:cTn xmlns:p14="http://schemas.microsoft.com/office/powerpoint/2010/main" id="1" dur="indefinite" restart="never" nodeType="tmRoot">
-          <p:childTnLst>
-            <p:seq concurrent="1" nextAc="seek">
-              <p:cTn id="2" dur="indefinite" nodeType="mainSeq">
-                <p:childTnLst>
-                  <p:par>
-                    <p:cTn id="3" fill="hold">
-                      <p:stCondLst>
-                        <p:cond delay="indefinite"/>
-                      </p:stCondLst>
-                      <p:childTnLst>
-                        <p:par>
-                          <p:cTn id="4" fill="hold">
-                            <p:stCondLst>
-                              <p:cond delay="0"/>
-                            </p:stCondLst>
-                            <p:childTnLst>
-                              <p:par>
-                                <p:cTn id="5" presetID="1" presetClass="entr" presetSubtype="0" fill="hold" grpId="0" nodeType="clickEffect">
-                                  <p:stCondLst>
-                                    <p:cond delay="0"/>
-                                  </p:stCondLst>
-                                  <p:childTnLst>
-                                    <p:set>
-                                      <p:cBhvr>
-                                        <p:cTn id="6" dur="1" fill="hold">
-                                          <p:stCondLst>
-                                            <p:cond delay="0"/>
-                                          </p:stCondLst>
-                                        </p:cTn>
-                                        <p:tgtEl>
-                                          <p:spTgt spid="11"/>
-                                        </p:tgtEl>
-                                        <p:attrNameLst>
-                                          <p:attrName>style.visibility</p:attrName>
-                                        </p:attrNameLst>
-                                      </p:cBhvr>
-                                      <p:to>
-                                        <p:strVal val="visible"/>
-                                      </p:to>
-                                    </p:set>
-                                  </p:childTnLst>
-                                </p:cTn>
-                              </p:par>
-                            </p:childTnLst>
-                          </p:cTn>
-                        </p:par>
-                        <p:par>
-                          <p:cTn id="7" fill="hold">
-                            <p:stCondLst>
-                              <p:cond delay="0"/>
-                            </p:stCondLst>
-                            <p:childTnLst>
-                              <p:par>
-                                <p:cTn id="8" presetID="1" presetClass="entr" presetSubtype="0" fill="hold" grpId="0" nodeType="afterEffect">
-                                  <p:stCondLst>
-                                    <p:cond delay="1000"/>
-                                  </p:stCondLst>
-                                  <p:childTnLst>
-                                    <p:set>
-                                      <p:cBhvr>
-                                        <p:cTn id="9" dur="1" fill="hold">
-                                          <p:stCondLst>
-                                            <p:cond delay="0"/>
-                                          </p:stCondLst>
-                                        </p:cTn>
-                                        <p:tgtEl>
-                                          <p:spTgt spid="12"/>
-                                        </p:tgtEl>
-                                        <p:attrNameLst>
-                                          <p:attrName>style.visibility</p:attrName>
-                                        </p:attrNameLst>
-                                      </p:cBhvr>
-                                      <p:to>
-                                        <p:strVal val="visible"/>
-                                      </p:to>
-                                    </p:set>
-                                  </p:childTnLst>
-                                </p:cTn>
-                              </p:par>
-                            </p:childTnLst>
-                          </p:cTn>
-                        </p:par>
-                        <p:par>
-                          <p:cTn id="10" fill="hold">
-                            <p:stCondLst>
-                              <p:cond delay="1000"/>
-                            </p:stCondLst>
-                            <p:childTnLst>
-                              <p:par>
-                                <p:cTn id="11" presetID="1" presetClass="entr" presetSubtype="0" fill="hold" grpId="0" nodeType="afterEffect">
-                                  <p:stCondLst>
-                                    <p:cond delay="1000"/>
-                                  </p:stCondLst>
-                                  <p:childTnLst>
-                                    <p:set>
-                                      <p:cBhvr>
-                                        <p:cTn id="12" dur="1" fill="hold">
-                                          <p:stCondLst>
-                                            <p:cond delay="0"/>
-                                          </p:stCondLst>
-                                        </p:cTn>
-                                        <p:tgtEl>
-                                          <p:spTgt spid="13"/>
-                                        </p:tgtEl>
-                                        <p:attrNameLst>
-                                          <p:attrName>style.visibility</p:attrName>
-                                        </p:attrNameLst>
-                                      </p:cBhvr>
-                                      <p:to>
-                                        <p:strVal val="visible"/>
-                                      </p:to>
-                                    </p:set>
-                                  </p:childTnLst>
-                                </p:cTn>
-                              </p:par>
-                            </p:childTnLst>
-                          </p:cTn>
-                        </p:par>
-                        <p:par>
-                          <p:cTn id="13" fill="hold">
-                            <p:stCondLst>
-                              <p:cond delay="2000"/>
-                            </p:stCondLst>
-                            <p:childTnLst>
-                              <p:par>
-                                <p:cTn id="14" presetID="1" presetClass="entr" presetSubtype="0" fill="hold" grpId="0" nodeType="afterEffect">
-                                  <p:stCondLst>
-                                    <p:cond delay="1000"/>
-                                  </p:stCondLst>
-                                  <p:childTnLst>
-                                    <p:set>
-                                      <p:cBhvr>
-                                        <p:cTn id="15" dur="1" fill="hold">
-                                          <p:stCondLst>
-                                            <p:cond delay="0"/>
-                                          </p:stCondLst>
-                                        </p:cTn>
-                                        <p:tgtEl>
-                                          <p:spTgt spid="14"/>
-                                        </p:tgtEl>
-                                        <p:attrNameLst>
-                                          <p:attrName>style.visibility</p:attrName>
-                                        </p:attrNameLst>
-                                      </p:cBhvr>
-                                      <p:to>
-                                        <p:strVal val="visible"/>
-                                      </p:to>
-                                    </p:set>
-                                  </p:childTnLst>
-                                </p:cTn>
-                              </p:par>
-                            </p:childTnLst>
-                          </p:cTn>
-                        </p:par>
-                        <p:par>
-                          <p:cTn id="16" fill="hold">
-                            <p:stCondLst>
-                              <p:cond delay="3000"/>
-                            </p:stCondLst>
-                            <p:childTnLst>
-                              <p:par>
-                                <p:cTn id="17" presetID="1" presetClass="entr" presetSubtype="0" fill="hold" grpId="0" nodeType="afterEffect">
-                                  <p:stCondLst>
-                                    <p:cond delay="1000"/>
-                                  </p:stCondLst>
-                                  <p:childTnLst>
-                                    <p:set>
-                                      <p:cBhvr>
-                                        <p:cTn id="18" dur="1" fill="hold">
-                                          <p:stCondLst>
-                                            <p:cond delay="0"/>
-                                          </p:stCondLst>
-                                        </p:cTn>
-                                        <p:tgtEl>
-                                          <p:spTgt spid="15"/>
-                                        </p:tgtEl>
-                                        <p:attrNameLst>
-                                          <p:attrName>style.visibility</p:attrName>
-                                        </p:attrNameLst>
-                                      </p:cBhvr>
-                                      <p:to>
-                                        <p:strVal val="visible"/>
-                                      </p:to>
-                                    </p:set>
-                                  </p:childTnLst>
-                                  <p:subTnLst>
-                                    <p:audio>
-                                      <p:cMediaNode>
-                                        <p:cTn display="0" masterRel="sameClick">
-                                          <p:stCondLst>
-                                            <p:cond evt="begin" delay="0">
-                                              <p:tn val="17"/>
-                                            </p:cond>
-                                          </p:stCondLst>
-                                          <p:endCondLst>
-                                            <p:cond evt="onStopAudio" delay="0">
-                                              <p:tgtEl>
-                                                <p:sldTgt/>
-                                              </p:tgtEl>
-                                            </p:cond>
-                                          </p:endCondLst>
-                                        </p:cTn>
-                                        <p:tgtEl>
-                                          <p:sndTgt r:embed="rId3" name="bomb.wav"/>
-                                        </p:tgtEl>
-                                      </p:cMediaNode>
-                                    </p:audio>
-                                  </p:subTnLst>
-                                </p:cTn>
-                              </p:par>
-                            </p:childTnLst>
-                          </p:cTn>
-                        </p:par>
-                        <p:par>
-                          <p:cTn id="19" fill="hold">
-                            <p:stCondLst>
-                              <p:cond delay="4000"/>
-                            </p:stCondLst>
-                            <p:childTnLst>
-                              <p:par>
-                                <p:cTn id="20" presetID="1" presetClass="entr" presetSubtype="0" fill="hold" grpId="0" nodeType="afterEffect">
-                                  <p:stCondLst>
-                                    <p:cond delay="1000"/>
-                                  </p:stCondLst>
-                                  <p:childTnLst>
-                                    <p:set>
-                                      <p:cBhvr>
-                                        <p:cTn id="21" dur="1" fill="hold">
-                                          <p:stCondLst>
-                                            <p:cond delay="0"/>
-                                          </p:stCondLst>
-                                        </p:cTn>
-                                        <p:tgtEl>
-                                          <p:spTgt spid="16"/>
-                                        </p:tgtEl>
-                                        <p:attrNameLst>
-                                          <p:attrName>style.visibility</p:attrName>
-                                        </p:attrNameLst>
-                                      </p:cBhvr>
-                                      <p:to>
-                                        <p:strVal val="visible"/>
-                                      </p:to>
-                                    </p:set>
-                                  </p:childTnLst>
-                                </p:cTn>
-                              </p:par>
-                            </p:childTnLst>
-                          </p:cTn>
-                        </p:par>
-                        <p:par>
-                          <p:cTn id="22" fill="hold">
-                            <p:stCondLst>
-                              <p:cond delay="5000"/>
-                            </p:stCondLst>
-                            <p:childTnLst>
-                              <p:par>
-                                <p:cTn id="23" presetID="1" presetClass="entr" presetSubtype="0" fill="hold" grpId="0" nodeType="afterEffect">
-                                  <p:stCondLst>
-                                    <p:cond delay="1000"/>
-                                  </p:stCondLst>
-                                  <p:childTnLst>
-                                    <p:set>
-                                      <p:cBhvr>
-                                        <p:cTn id="24" dur="1" fill="hold">
-                                          <p:stCondLst>
-                                            <p:cond delay="0"/>
-                                          </p:stCondLst>
-                                        </p:cTn>
-                                        <p:tgtEl>
-                                          <p:spTgt spid="17"/>
-                                        </p:tgtEl>
-                                        <p:attrNameLst>
-                                          <p:attrName>style.visibility</p:attrName>
-                                        </p:attrNameLst>
-                                      </p:cBhvr>
-                                      <p:to>
-                                        <p:strVal val="visible"/>
-                                      </p:to>
-                                    </p:set>
-                                  </p:childTnLst>
-                                </p:cTn>
-                              </p:par>
-                            </p:childTnLst>
-                          </p:cTn>
-                        </p:par>
-                      </p:childTnLst>
-                    </p:cTn>
-                  </p:par>
-                </p:childTnLst>
-              </p:cTn>
-              <p:prevCondLst>
-                <p:cond evt="onPrev" delay="0">
-                  <p:tgtEl>
-                    <p:sldTgt/>
-                  </p:tgtEl>
-                </p:cond>
-              </p:prevCondLst>
-              <p:nextCondLst>
-                <p:cond evt="onNext" delay="0">
-                  <p:tgtEl>
-                    <p:sldTgt/>
-                  </p:tgtEl>
-                </p:cond>
-              </p:nextCondLst>
-            </p:seq>
-          </p:childTnLst>
-        </p:cTn>
-      </p:par>
-    </p:tnLst>
-    <p:bldLst>
-      <p:bldP spid="11" grpId="0" animBg="1"/>
-      <p:bldP spid="12" grpId="0" animBg="1"/>
-      <p:bldP spid="13" grpId="0" animBg="1"/>
-      <p:bldP spid="14" grpId="0" animBg="1"/>
-      <p:bldP spid="15" grpId="0" animBg="1"/>
-      <p:bldP spid="16" grpId="0" animBg="1"/>
-      <p:bldP spid="17" grpId="0" animBg="1"/>
-    </p:bldLst>
-  </p:timing>
-</p:sld>
-</file>
-
-<file path=ppt/slides/slide13.xml><?xml version="1.0" encoding="utf-8"?>
-<p:sld xmlns:a="http://schemas.openxmlformats.org/drawingml/2006/main" xmlns:r="http://schemas.openxmlformats.org/officeDocument/2006/relationships" xmlns:p="http://schemas.openxmlformats.org/presentationml/2006/main">
-  <p:cSld>
-    <p:spTree>
-      <p:nvGrpSpPr>
-        <p:cNvPr id="1" name=""/>
-        <p:cNvGrpSpPr/>
-        <p:nvPr/>
-      </p:nvGrpSpPr>
-      <p:grpSpPr>
-        <a:xfrm>
-          <a:off x="0" y="0"/>
-          <a:ext cx="0" cy="0"/>
-          <a:chOff x="0" y="0"/>
-          <a:chExt cx="0" cy="0"/>
-        </a:xfrm>
-      </p:grpSpPr>
-      <p:sp>
-        <p:nvSpPr>
-          <p:cNvPr id="2" name="Title 1"/>
-          <p:cNvSpPr>
-            <a:spLocks noGrp="1"/>
-          </p:cNvSpPr>
-          <p:nvPr>
-            <p:ph type="title"/>
-          </p:nvPr>
-        </p:nvSpPr>
-        <p:spPr>
-          <a:xfrm>
-            <a:off x="621399" y="232011"/>
-            <a:ext cx="8761862" cy="464024"/>
-          </a:xfrm>
-        </p:spPr>
-        <p:txBody>
-          <a:bodyPr>
-            <a:noAutofit/>
-          </a:bodyPr>
-          <a:lstStyle/>
-          <a:p>
-            <a:r>
-              <a:rPr lang="en-US" sz="3000" b="1" smtClean="0">
-                <a:solidFill>
-                  <a:schemeClr val="bg1"/>
-                </a:solidFill>
-                <a:latin typeface="Arial" panose="020B0604020202020204" pitchFamily="34" charset="0"/>
-              </a:rPr>
-              <a:t>DEMO PHẦN MỀM</a:t>
-            </a:r>
-            <a:endParaRPr lang="en-US" sz="3000" b="1">
-              <a:solidFill>
-                <a:schemeClr val="bg1"/>
-              </a:solidFill>
-              <a:latin typeface="Arial" panose="020B0604020202020204" pitchFamily="34" charset="0"/>
-            </a:endParaRPr>
-          </a:p>
-        </p:txBody>
-      </p:sp>
-      <p:sp>
-        <p:nvSpPr>
-          <p:cNvPr id="3" name="Content Placeholder 2"/>
-          <p:cNvSpPr>
-            <a:spLocks noGrp="1"/>
-          </p:cNvSpPr>
-          <p:nvPr>
-            <p:ph idx="1"/>
-          </p:nvPr>
-        </p:nvSpPr>
-        <p:spPr>
-          <a:xfrm>
-            <a:off x="368490" y="1323833"/>
-            <a:ext cx="8447963" cy="5131558"/>
-          </a:xfrm>
-        </p:spPr>
-        <p:txBody>
-          <a:bodyPr/>
-          <a:lstStyle/>
-          <a:p>
-            <a:pPr>
-              <a:buFont typeface="Wingdings" panose="05000000000000000000" pitchFamily="2" charset="2"/>
-              <a:buChar char="§"/>
-            </a:pPr>
-            <a:r>
-              <a:rPr lang="vi-VN" smtClean="0">
-                <a:solidFill>
-                  <a:srgbClr val="009900"/>
-                </a:solidFill>
-              </a:rPr>
-              <a:t>Sau đây chúng em xin chạy demo phần mềm của nhóm</a:t>
-            </a:r>
-            <a:endParaRPr lang="vi-VN" smtClean="0">
-              <a:solidFill>
-                <a:srgbClr val="FFC000"/>
-              </a:solidFill>
-            </a:endParaRPr>
-          </a:p>
-        </p:txBody>
-      </p:sp>
-      <p:sp>
-        <p:nvSpPr>
-          <p:cNvPr id="4" name="Footer Placeholder 3"/>
-          <p:cNvSpPr>
-            <a:spLocks noGrp="1"/>
-          </p:cNvSpPr>
-          <p:nvPr>
-            <p:ph type="ftr" sz="quarter" idx="11"/>
-          </p:nvPr>
-        </p:nvSpPr>
-        <p:spPr>
-          <a:xfrm>
-            <a:off x="0" y="6455389"/>
-            <a:ext cx="5132411" cy="365125"/>
-          </a:xfrm>
-        </p:spPr>
-        <p:txBody>
-          <a:bodyPr/>
-          <a:lstStyle/>
-          <a:p>
-            <a:r>
-              <a:rPr lang="en-US" sz="1600" smtClean="0"/>
-              <a:t>Thực tập kỹ thuật tại LifeTimeTechnology</a:t>
-            </a:r>
-            <a:endParaRPr lang="en-US" sz="1600"/>
-          </a:p>
-        </p:txBody>
-      </p:sp>
-      <p:sp>
-        <p:nvSpPr>
-          <p:cNvPr id="5" name="Slide Number Placeholder 4"/>
-          <p:cNvSpPr>
-            <a:spLocks noGrp="1"/>
-          </p:cNvSpPr>
-          <p:nvPr>
-            <p:ph type="sldNum" sz="quarter" idx="12"/>
-          </p:nvPr>
-        </p:nvSpPr>
-        <p:spPr>
-          <a:xfrm>
-            <a:off x="7133939" y="6455390"/>
-            <a:ext cx="1826241" cy="365125"/>
-          </a:xfrm>
-        </p:spPr>
-        <p:txBody>
-          <a:bodyPr/>
-          <a:lstStyle/>
-          <a:p>
-            <a:fld id="{1F2F577C-CE4A-45E0-8529-A0D5694FEE75}" type="slidenum">
-              <a:rPr lang="en-US" sz="1600" smtClean="0"/>
-              <a:t>13</a:t>
-            </a:fld>
-            <a:endParaRPr lang="en-US" sz="1600"/>
-          </a:p>
-        </p:txBody>
-      </p:sp>
-      <p:sp>
-        <p:nvSpPr>
-          <p:cNvPr id="8" name="Oval 7"/>
-          <p:cNvSpPr/>
-          <p:nvPr/>
-        </p:nvSpPr>
-        <p:spPr>
-          <a:xfrm>
-            <a:off x="180052" y="5622877"/>
-            <a:ext cx="914400" cy="914400"/>
-          </a:xfrm>
-          <a:prstGeom prst="ellipse">
-            <a:avLst/>
-          </a:prstGeom>
-          <a:ln/>
-        </p:spPr>
-        <p:style>
-          <a:lnRef idx="2">
-            <a:schemeClr val="accent5"/>
-          </a:lnRef>
-          <a:fillRef idx="1">
-            <a:schemeClr val="lt1"/>
-          </a:fillRef>
-          <a:effectRef idx="0">
-            <a:schemeClr val="accent5"/>
-          </a:effectRef>
-          <a:fontRef idx="minor">
-            <a:schemeClr val="dk1"/>
-          </a:fontRef>
-        </p:style>
-        <p:txBody>
-          <a:bodyPr rtlCol="0" anchor="ctr">
-            <a:scene3d>
-              <a:camera prst="orthographicFront"/>
-              <a:lightRig rig="soft" dir="t">
-                <a:rot lat="0" lon="0" rev="15600000"/>
-              </a:lightRig>
-            </a:scene3d>
-            <a:sp3d extrusionH="57150" prstMaterial="softEdge">
-              <a:bevelT w="25400" h="38100"/>
-            </a:sp3d>
-          </a:bodyPr>
-          <a:lstStyle/>
-          <a:p>
-            <a:pPr algn="ctr"/>
-            <a:r>
-              <a:rPr lang="en-US" sz="1400" b="1" smtClean="0">
-                <a:ln w="6600">
-                  <a:solidFill>
-                    <a:schemeClr val="accent2"/>
-                  </a:solidFill>
-                  <a:prstDash val="solid"/>
-                </a:ln>
-                <a:solidFill>
-                  <a:srgbClr val="00B050"/>
-                </a:solidFill>
-                <a:effectLst>
-                  <a:outerShdw dist="38100" dir="2700000" algn="tl" rotWithShape="0">
-                    <a:schemeClr val="accent2"/>
-                  </a:outerShdw>
-                </a:effectLst>
-              </a:rPr>
-              <a:t>START</a:t>
-            </a:r>
-            <a:endParaRPr lang="en-US" sz="1400" b="1">
-              <a:ln/>
-              <a:solidFill>
-                <a:srgbClr val="00B050"/>
-              </a:solidFill>
-            </a:endParaRPr>
-          </a:p>
-        </p:txBody>
-      </p:sp>
-      <p:sp>
-        <p:nvSpPr>
-          <p:cNvPr id="11" name="Oval 10"/>
-          <p:cNvSpPr/>
-          <p:nvPr/>
-        </p:nvSpPr>
-        <p:spPr>
-          <a:xfrm>
-            <a:off x="180052" y="5609226"/>
-            <a:ext cx="914400" cy="914400"/>
-          </a:xfrm>
-          <a:prstGeom prst="ellipse">
-            <a:avLst/>
-          </a:prstGeom>
-          <a:ln/>
-        </p:spPr>
-        <p:style>
-          <a:lnRef idx="2">
-            <a:schemeClr val="accent5"/>
-          </a:lnRef>
-          <a:fillRef idx="1">
-            <a:schemeClr val="lt1"/>
-          </a:fillRef>
-          <a:effectRef idx="0">
-            <a:schemeClr val="accent5"/>
-          </a:effectRef>
-          <a:fontRef idx="minor">
-            <a:schemeClr val="dk1"/>
-          </a:fontRef>
-        </p:style>
-        <p:txBody>
-          <a:bodyPr rtlCol="0" anchor="ctr">
-            <a:scene3d>
-              <a:camera prst="orthographicFront"/>
-              <a:lightRig rig="soft" dir="t">
-                <a:rot lat="0" lon="0" rev="15600000"/>
-              </a:lightRig>
-            </a:scene3d>
-            <a:sp3d extrusionH="57150" prstMaterial="softEdge">
-              <a:bevelT w="25400" h="38100"/>
-            </a:sp3d>
-          </a:bodyPr>
-          <a:lstStyle/>
-          <a:p>
-            <a:pPr algn="ctr"/>
-            <a:r>
-              <a:rPr lang="en-US" sz="6000" b="1">
-                <a:ln w="6600">
-                  <a:solidFill>
-                    <a:schemeClr val="accent2"/>
-                  </a:solidFill>
-                  <a:prstDash val="solid"/>
-                </a:ln>
-                <a:solidFill>
-                  <a:srgbClr val="00B050"/>
-                </a:solidFill>
-                <a:effectLst>
-                  <a:outerShdw dist="38100" dir="2700000" algn="tl" rotWithShape="0">
-                    <a:schemeClr val="accent2"/>
-                  </a:outerShdw>
-                </a:effectLst>
-              </a:rPr>
-              <a:t>5</a:t>
-            </a:r>
-            <a:endParaRPr lang="en-US" sz="6000" b="1">
-              <a:ln/>
-              <a:solidFill>
-                <a:srgbClr val="00B050"/>
-              </a:solidFill>
-            </a:endParaRPr>
-          </a:p>
-        </p:txBody>
-      </p:sp>
-      <p:sp>
-        <p:nvSpPr>
-          <p:cNvPr id="12" name="Oval 11"/>
-          <p:cNvSpPr/>
-          <p:nvPr/>
-        </p:nvSpPr>
-        <p:spPr>
-          <a:xfrm>
-            <a:off x="177059" y="5616052"/>
-            <a:ext cx="914400" cy="914400"/>
-          </a:xfrm>
-          <a:prstGeom prst="ellipse">
-            <a:avLst/>
-          </a:prstGeom>
-          <a:ln/>
-        </p:spPr>
-        <p:style>
-          <a:lnRef idx="2">
-            <a:schemeClr val="accent5"/>
-          </a:lnRef>
-          <a:fillRef idx="1">
-            <a:schemeClr val="lt1"/>
-          </a:fillRef>
-          <a:effectRef idx="0">
-            <a:schemeClr val="accent5"/>
-          </a:effectRef>
-          <a:fontRef idx="minor">
-            <a:schemeClr val="dk1"/>
-          </a:fontRef>
-        </p:style>
-        <p:txBody>
-          <a:bodyPr rtlCol="0" anchor="ctr">
-            <a:scene3d>
-              <a:camera prst="orthographicFront"/>
-              <a:lightRig rig="soft" dir="t">
-                <a:rot lat="0" lon="0" rev="15600000"/>
-              </a:lightRig>
-            </a:scene3d>
-            <a:sp3d extrusionH="57150" prstMaterial="softEdge">
-              <a:bevelT w="25400" h="38100"/>
-            </a:sp3d>
-          </a:bodyPr>
-          <a:lstStyle/>
-          <a:p>
-            <a:pPr algn="ctr"/>
-            <a:r>
-              <a:rPr lang="en-US" sz="6000" b="1">
-                <a:ln w="6600">
-                  <a:solidFill>
-                    <a:schemeClr val="accent2"/>
-                  </a:solidFill>
-                  <a:prstDash val="solid"/>
-                </a:ln>
-                <a:solidFill>
-                  <a:srgbClr val="00B050"/>
-                </a:solidFill>
-                <a:effectLst>
-                  <a:outerShdw dist="38100" dir="2700000" algn="tl" rotWithShape="0">
-                    <a:schemeClr val="accent2"/>
-                  </a:outerShdw>
-                </a:effectLst>
-              </a:rPr>
-              <a:t>4</a:t>
-            </a:r>
-            <a:endParaRPr lang="en-US" sz="6000" b="1">
-              <a:ln/>
-              <a:solidFill>
-                <a:srgbClr val="00B050"/>
-              </a:solidFill>
-            </a:endParaRPr>
-          </a:p>
-        </p:txBody>
-      </p:sp>
-      <p:sp>
-        <p:nvSpPr>
-          <p:cNvPr id="13" name="Oval 12"/>
-          <p:cNvSpPr/>
-          <p:nvPr/>
-        </p:nvSpPr>
-        <p:spPr>
-          <a:xfrm>
-            <a:off x="164199" y="5609226"/>
-            <a:ext cx="914400" cy="914400"/>
-          </a:xfrm>
-          <a:prstGeom prst="ellipse">
-            <a:avLst/>
-          </a:prstGeom>
-          <a:ln/>
-        </p:spPr>
-        <p:style>
-          <a:lnRef idx="2">
-            <a:schemeClr val="accent5"/>
-          </a:lnRef>
-          <a:fillRef idx="1">
-            <a:schemeClr val="lt1"/>
-          </a:fillRef>
-          <a:effectRef idx="0">
-            <a:schemeClr val="accent5"/>
-          </a:effectRef>
-          <a:fontRef idx="minor">
-            <a:schemeClr val="dk1"/>
-          </a:fontRef>
-        </p:style>
-        <p:txBody>
-          <a:bodyPr rtlCol="0" anchor="ctr">
-            <a:scene3d>
-              <a:camera prst="orthographicFront"/>
-              <a:lightRig rig="soft" dir="t">
-                <a:rot lat="0" lon="0" rev="15600000"/>
-              </a:lightRig>
-            </a:scene3d>
-            <a:sp3d extrusionH="57150" prstMaterial="softEdge">
-              <a:bevelT w="25400" h="38100"/>
-            </a:sp3d>
-          </a:bodyPr>
-          <a:lstStyle/>
-          <a:p>
-            <a:pPr algn="ctr"/>
-            <a:r>
-              <a:rPr lang="en-US" sz="6000" b="1">
-                <a:ln w="6600">
-                  <a:solidFill>
-                    <a:schemeClr val="accent2"/>
-                  </a:solidFill>
-                  <a:prstDash val="solid"/>
-                </a:ln>
-                <a:solidFill>
-                  <a:srgbClr val="00B050"/>
-                </a:solidFill>
-                <a:effectLst>
-                  <a:outerShdw dist="38100" dir="2700000" algn="tl" rotWithShape="0">
-                    <a:schemeClr val="accent2"/>
-                  </a:outerShdw>
-                </a:effectLst>
-              </a:rPr>
-              <a:t>3</a:t>
-            </a:r>
-            <a:endParaRPr lang="en-US" sz="6000" b="1">
-              <a:ln/>
-              <a:solidFill>
-                <a:srgbClr val="00B050"/>
-              </a:solidFill>
-            </a:endParaRPr>
-          </a:p>
-        </p:txBody>
-      </p:sp>
-      <p:sp>
-        <p:nvSpPr>
-          <p:cNvPr id="14" name="Oval 13"/>
-          <p:cNvSpPr/>
-          <p:nvPr/>
-        </p:nvSpPr>
-        <p:spPr>
-          <a:xfrm>
-            <a:off x="177059" y="5609226"/>
-            <a:ext cx="914400" cy="914400"/>
-          </a:xfrm>
-          <a:prstGeom prst="ellipse">
-            <a:avLst/>
-          </a:prstGeom>
-          <a:ln/>
-        </p:spPr>
-        <p:style>
-          <a:lnRef idx="2">
-            <a:schemeClr val="accent5"/>
-          </a:lnRef>
-          <a:fillRef idx="1">
-            <a:schemeClr val="lt1"/>
-          </a:fillRef>
-          <a:effectRef idx="0">
-            <a:schemeClr val="accent5"/>
-          </a:effectRef>
-          <a:fontRef idx="minor">
-            <a:schemeClr val="dk1"/>
-          </a:fontRef>
-        </p:style>
-        <p:txBody>
-          <a:bodyPr rtlCol="0" anchor="ctr">
-            <a:scene3d>
-              <a:camera prst="orthographicFront"/>
-              <a:lightRig rig="soft" dir="t">
-                <a:rot lat="0" lon="0" rev="15600000"/>
-              </a:lightRig>
-            </a:scene3d>
-            <a:sp3d extrusionH="57150" prstMaterial="softEdge">
-              <a:bevelT w="25400" h="38100"/>
-            </a:sp3d>
-          </a:bodyPr>
-          <a:lstStyle/>
-          <a:p>
-            <a:pPr algn="ctr"/>
-            <a:r>
-              <a:rPr lang="en-US" sz="6000" b="1">
-                <a:ln w="6600">
-                  <a:solidFill>
-                    <a:schemeClr val="accent2"/>
-                  </a:solidFill>
-                  <a:prstDash val="solid"/>
-                </a:ln>
-                <a:solidFill>
-                  <a:srgbClr val="00B050"/>
-                </a:solidFill>
-                <a:effectLst>
-                  <a:outerShdw dist="38100" dir="2700000" algn="tl" rotWithShape="0">
-                    <a:schemeClr val="accent2"/>
-                  </a:outerShdw>
-                </a:effectLst>
-              </a:rPr>
-              <a:t>2</a:t>
-            </a:r>
-            <a:endParaRPr lang="en-US" sz="6000" b="1">
-              <a:ln/>
-              <a:solidFill>
-                <a:srgbClr val="00B050"/>
-              </a:solidFill>
-            </a:endParaRPr>
-          </a:p>
-        </p:txBody>
-      </p:sp>
-      <p:sp>
-        <p:nvSpPr>
-          <p:cNvPr id="15" name="Oval 14"/>
-          <p:cNvSpPr/>
-          <p:nvPr/>
-        </p:nvSpPr>
-        <p:spPr>
-          <a:xfrm>
-            <a:off x="164199" y="5609601"/>
-            <a:ext cx="914400" cy="914400"/>
-          </a:xfrm>
-          <a:prstGeom prst="ellipse">
-            <a:avLst/>
-          </a:prstGeom>
-          <a:ln/>
-        </p:spPr>
-        <p:style>
-          <a:lnRef idx="2">
-            <a:schemeClr val="accent5"/>
-          </a:lnRef>
-          <a:fillRef idx="1">
-            <a:schemeClr val="lt1"/>
-          </a:fillRef>
-          <a:effectRef idx="0">
-            <a:schemeClr val="accent5"/>
-          </a:effectRef>
-          <a:fontRef idx="minor">
-            <a:schemeClr val="dk1"/>
-          </a:fontRef>
-        </p:style>
-        <p:txBody>
-          <a:bodyPr rtlCol="0" anchor="ctr">
-            <a:scene3d>
-              <a:camera prst="orthographicFront"/>
-              <a:lightRig rig="soft" dir="t">
-                <a:rot lat="0" lon="0" rev="15600000"/>
-              </a:lightRig>
-            </a:scene3d>
-            <a:sp3d extrusionH="57150" prstMaterial="softEdge">
-              <a:bevelT w="25400" h="38100"/>
-            </a:sp3d>
-          </a:bodyPr>
-          <a:lstStyle/>
-          <a:p>
-            <a:pPr algn="ctr"/>
-            <a:r>
-              <a:rPr lang="en-US" sz="6000" b="1">
-                <a:ln w="6600">
-                  <a:solidFill>
-                    <a:schemeClr val="accent2"/>
-                  </a:solidFill>
-                  <a:prstDash val="solid"/>
-                </a:ln>
-                <a:solidFill>
-                  <a:srgbClr val="00B050"/>
-                </a:solidFill>
-                <a:effectLst>
-                  <a:outerShdw dist="38100" dir="2700000" algn="tl" rotWithShape="0">
-                    <a:schemeClr val="accent2"/>
-                  </a:outerShdw>
-                </a:effectLst>
-              </a:rPr>
-              <a:t>1</a:t>
-            </a:r>
-            <a:endParaRPr lang="en-US" sz="6000" b="1">
-              <a:ln/>
-              <a:solidFill>
-                <a:srgbClr val="00B050"/>
-              </a:solidFill>
-            </a:endParaRPr>
-          </a:p>
-        </p:txBody>
-      </p:sp>
-      <p:sp>
-        <p:nvSpPr>
-          <p:cNvPr id="16" name="Oval 15"/>
-          <p:cNvSpPr/>
-          <p:nvPr/>
-        </p:nvSpPr>
-        <p:spPr>
-          <a:xfrm>
-            <a:off x="164199" y="5609226"/>
-            <a:ext cx="914400" cy="914400"/>
-          </a:xfrm>
-          <a:prstGeom prst="ellipse">
-            <a:avLst/>
-          </a:prstGeom>
-          <a:ln/>
-        </p:spPr>
-        <p:style>
-          <a:lnRef idx="2">
-            <a:schemeClr val="accent5"/>
-          </a:lnRef>
-          <a:fillRef idx="1">
-            <a:schemeClr val="lt1"/>
-          </a:fillRef>
-          <a:effectRef idx="0">
-            <a:schemeClr val="accent5"/>
-          </a:effectRef>
-          <a:fontRef idx="minor">
-            <a:schemeClr val="dk1"/>
-          </a:fontRef>
-        </p:style>
-        <p:txBody>
-          <a:bodyPr rtlCol="0" anchor="ctr">
-            <a:scene3d>
-              <a:camera prst="orthographicFront"/>
-              <a:lightRig rig="soft" dir="t">
-                <a:rot lat="0" lon="0" rev="15600000"/>
-              </a:lightRig>
-            </a:scene3d>
-            <a:sp3d extrusionH="57150" prstMaterial="softEdge">
-              <a:bevelT w="25400" h="38100"/>
-            </a:sp3d>
-          </a:bodyPr>
-          <a:lstStyle/>
-          <a:p>
-            <a:pPr algn="ctr"/>
-            <a:r>
-              <a:rPr lang="en-US" sz="6000" b="1">
-                <a:ln w="6600">
-                  <a:solidFill>
-                    <a:schemeClr val="accent2"/>
-                  </a:solidFill>
-                  <a:prstDash val="solid"/>
-                </a:ln>
-                <a:solidFill>
-                  <a:srgbClr val="00B050"/>
-                </a:solidFill>
-                <a:effectLst>
-                  <a:outerShdw dist="38100" dir="2700000" algn="tl" rotWithShape="0">
-                    <a:schemeClr val="accent2"/>
-                  </a:outerShdw>
-                </a:effectLst>
-              </a:rPr>
-              <a:t>0</a:t>
-            </a:r>
-            <a:endParaRPr lang="en-US" sz="6000" b="1">
-              <a:ln/>
-              <a:solidFill>
-                <a:srgbClr val="00B050"/>
-              </a:solidFill>
-            </a:endParaRPr>
-          </a:p>
-        </p:txBody>
-      </p:sp>
-      <p:sp>
-        <p:nvSpPr>
-          <p:cNvPr id="17" name="Oval 16"/>
-          <p:cNvSpPr/>
-          <p:nvPr/>
-        </p:nvSpPr>
-        <p:spPr>
-          <a:xfrm>
-            <a:off x="0" y="5232320"/>
-            <a:ext cx="1705906" cy="1518087"/>
-          </a:xfrm>
-          <a:prstGeom prst="ellipse">
-            <a:avLst/>
-          </a:prstGeom>
-          <a:ln/>
-        </p:spPr>
-        <p:style>
-          <a:lnRef idx="2">
-            <a:schemeClr val="accent5"/>
-          </a:lnRef>
-          <a:fillRef idx="1">
-            <a:schemeClr val="lt1"/>
-          </a:fillRef>
-          <a:effectRef idx="0">
-            <a:schemeClr val="accent5"/>
-          </a:effectRef>
-          <a:fontRef idx="minor">
-            <a:schemeClr val="dk1"/>
-          </a:fontRef>
-        </p:style>
-        <p:txBody>
-          <a:bodyPr rtlCol="0" anchor="ctr">
-            <a:scene3d>
-              <a:camera prst="orthographicFront"/>
-              <a:lightRig rig="soft" dir="t">
-                <a:rot lat="0" lon="0" rev="15600000"/>
-              </a:lightRig>
-            </a:scene3d>
-            <a:sp3d extrusionH="57150" prstMaterial="softEdge">
-              <a:bevelT w="25400" h="38100"/>
-            </a:sp3d>
-          </a:bodyPr>
-          <a:lstStyle/>
-          <a:p>
-            <a:pPr algn="ctr"/>
-            <a:r>
-              <a:rPr lang="en-US" sz="3200" b="1" smtClean="0">
-                <a:ln w="6600">
-                  <a:solidFill>
-                    <a:schemeClr val="accent2"/>
-                  </a:solidFill>
-                  <a:prstDash val="solid"/>
-                </a:ln>
-                <a:solidFill>
-                  <a:srgbClr val="00B050"/>
-                </a:solidFill>
-                <a:effectLst>
-                  <a:outerShdw dist="38100" dir="2700000" algn="tl" rotWithShape="0">
-                    <a:schemeClr val="accent2"/>
-                  </a:outerShdw>
-                </a:effectLst>
-              </a:rPr>
-              <a:t>OVER</a:t>
-            </a:r>
-          </a:p>
-          <a:p>
-            <a:pPr algn="ctr"/>
-            <a:r>
-              <a:rPr lang="en-US" sz="3200" b="1" smtClean="0">
-                <a:ln w="6600">
-                  <a:solidFill>
-                    <a:schemeClr val="accent2"/>
-                  </a:solidFill>
-                  <a:prstDash val="solid"/>
-                </a:ln>
-                <a:solidFill>
-                  <a:srgbClr val="00B050"/>
-                </a:solidFill>
-                <a:effectLst>
-                  <a:outerShdw dist="38100" dir="2700000" algn="tl" rotWithShape="0">
-                    <a:schemeClr val="accent2"/>
-                  </a:outerShdw>
-                </a:effectLst>
-              </a:rPr>
-              <a:t>TIME</a:t>
-            </a:r>
-            <a:endParaRPr lang="en-US" sz="3200" b="1">
-              <a:ln/>
-              <a:solidFill>
-                <a:srgbClr val="00B050"/>
-              </a:solidFill>
-            </a:endParaRPr>
-          </a:p>
-        </p:txBody>
-      </p:sp>
-      <p:pic>
-        <p:nvPicPr>
-          <p:cNvPr id="6" name="Picture 5" descr="Screen Shot 2014-08-02 at 5.38.42 PM.png"/>
-          <p:cNvPicPr>
-            <a:picLocks noChangeAspect="1"/>
-          </p:cNvPicPr>
-          <p:nvPr/>
-        </p:nvPicPr>
-        <p:blipFill>
-          <a:blip r:embed="rId4">
-            <a:extLst>
-              <a:ext uri="{28A0092B-C50C-407E-A947-70E740481C1C}">
-                <a14:useLocalDpi xmlns:a14="http://schemas.microsoft.com/office/drawing/2010/main" val="0"/>
-              </a:ext>
-            </a:extLst>
-          </a:blip>
-          <a:stretch>
-            <a:fillRect/>
-          </a:stretch>
-        </p:blipFill>
-        <p:spPr>
-          <a:xfrm>
-            <a:off x="133685" y="0"/>
-            <a:ext cx="4464170" cy="6858000"/>
-          </a:xfrm>
-          <a:prstGeom prst="rect">
-            <a:avLst/>
-          </a:prstGeom>
-        </p:spPr>
-      </p:pic>
-      <p:pic>
-        <p:nvPicPr>
-          <p:cNvPr id="7" name="Picture 6" descr="Screen Shot 2014-08-02 at 5.40.45 PM.png"/>
-          <p:cNvPicPr>
-            <a:picLocks noChangeAspect="1"/>
-          </p:cNvPicPr>
-          <p:nvPr/>
-        </p:nvPicPr>
-        <p:blipFill>
-          <a:blip r:embed="rId5">
-            <a:extLst>
-              <a:ext uri="{28A0092B-C50C-407E-A947-70E740481C1C}">
-                <a14:useLocalDpi xmlns:a14="http://schemas.microsoft.com/office/drawing/2010/main" val="0"/>
-              </a:ext>
-            </a:extLst>
-          </a:blip>
-          <a:stretch>
-            <a:fillRect/>
-          </a:stretch>
-        </p:blipFill>
-        <p:spPr>
-          <a:xfrm>
-            <a:off x="4697807" y="0"/>
-            <a:ext cx="4446193" cy="6858000"/>
-          </a:xfrm>
-          <a:prstGeom prst="rect">
-            <a:avLst/>
-          </a:prstGeom>
-        </p:spPr>
-      </p:pic>
-    </p:spTree>
-    <p:extLst>
-      <p:ext uri="{BB962C8B-B14F-4D97-AF65-F5344CB8AC3E}">
-        <p14:creationId xmlns:p14="http://schemas.microsoft.com/office/powerpoint/2010/main" val="1277063147"/>
-      </p:ext>
-    </p:extLst>
-  </p:cSld>
-  <p:clrMapOvr>
-    <a:masterClrMapping/>
-  </p:clrMapOvr>
-  <p:transition xmlns:p14="http://schemas.microsoft.com/office/powerpoint/2010/main" spd="slow">
-    <p:fade/>
-  </p:transition>
-  <p:timing>
-    <p:tnLst>
-      <p:par>
-        <p:cTn xmlns:p14="http://schemas.microsoft.com/office/powerpoint/2010/main" id="1" dur="indefinite" restart="never" nodeType="tmRoot">
-          <p:childTnLst>
-            <p:seq concurrent="1" nextAc="seek">
-              <p:cTn id="2" dur="indefinite" nodeType="mainSeq">
-                <p:childTnLst>
-                  <p:par>
-                    <p:cTn id="3" fill="hold">
-                      <p:stCondLst>
-                        <p:cond delay="indefinite"/>
-                      </p:stCondLst>
-                      <p:childTnLst>
-                        <p:par>
-                          <p:cTn id="4" fill="hold">
-                            <p:stCondLst>
-                              <p:cond delay="0"/>
-                            </p:stCondLst>
-                            <p:childTnLst>
-                              <p:par>
-                                <p:cTn id="5" presetID="1" presetClass="entr" presetSubtype="0" fill="hold" grpId="0" nodeType="clickEffect">
-                                  <p:stCondLst>
-                                    <p:cond delay="0"/>
-                                  </p:stCondLst>
-                                  <p:childTnLst>
-                                    <p:set>
-                                      <p:cBhvr>
-                                        <p:cTn id="6" dur="1" fill="hold">
-                                          <p:stCondLst>
-                                            <p:cond delay="0"/>
-                                          </p:stCondLst>
-                                        </p:cTn>
-                                        <p:tgtEl>
-                                          <p:spTgt spid="11"/>
-                                        </p:tgtEl>
-                                        <p:attrNameLst>
-                                          <p:attrName>style.visibility</p:attrName>
-                                        </p:attrNameLst>
-                                      </p:cBhvr>
-                                      <p:to>
-                                        <p:strVal val="visible"/>
-                                      </p:to>
-                                    </p:set>
-                                  </p:childTnLst>
-                                </p:cTn>
-                              </p:par>
-                            </p:childTnLst>
-                          </p:cTn>
-                        </p:par>
-                        <p:par>
-                          <p:cTn id="7" fill="hold">
-                            <p:stCondLst>
-                              <p:cond delay="0"/>
-                            </p:stCondLst>
-                            <p:childTnLst>
-                              <p:par>
-                                <p:cTn id="8" presetID="1" presetClass="entr" presetSubtype="0" fill="hold" grpId="0" nodeType="afterEffect">
-                                  <p:stCondLst>
-                                    <p:cond delay="1000"/>
-                                  </p:stCondLst>
-                                  <p:childTnLst>
-                                    <p:set>
-                                      <p:cBhvr>
-                                        <p:cTn id="9" dur="1" fill="hold">
-                                          <p:stCondLst>
-                                            <p:cond delay="0"/>
-                                          </p:stCondLst>
-                                        </p:cTn>
-                                        <p:tgtEl>
-                                          <p:spTgt spid="12"/>
-                                        </p:tgtEl>
-                                        <p:attrNameLst>
-                                          <p:attrName>style.visibility</p:attrName>
-                                        </p:attrNameLst>
-                                      </p:cBhvr>
-                                      <p:to>
-                                        <p:strVal val="visible"/>
-                                      </p:to>
-                                    </p:set>
-                                  </p:childTnLst>
-                                </p:cTn>
-                              </p:par>
-                            </p:childTnLst>
-                          </p:cTn>
-                        </p:par>
-                        <p:par>
-                          <p:cTn id="10" fill="hold">
-                            <p:stCondLst>
-                              <p:cond delay="1000"/>
-                            </p:stCondLst>
-                            <p:childTnLst>
-                              <p:par>
-                                <p:cTn id="11" presetID="1" presetClass="entr" presetSubtype="0" fill="hold" grpId="0" nodeType="afterEffect">
-                                  <p:stCondLst>
-                                    <p:cond delay="1000"/>
-                                  </p:stCondLst>
-                                  <p:childTnLst>
-                                    <p:set>
-                                      <p:cBhvr>
-                                        <p:cTn id="12" dur="1" fill="hold">
-                                          <p:stCondLst>
-                                            <p:cond delay="0"/>
-                                          </p:stCondLst>
-                                        </p:cTn>
-                                        <p:tgtEl>
-                                          <p:spTgt spid="13"/>
-                                        </p:tgtEl>
-                                        <p:attrNameLst>
-                                          <p:attrName>style.visibility</p:attrName>
-                                        </p:attrNameLst>
-                                      </p:cBhvr>
-                                      <p:to>
-                                        <p:strVal val="visible"/>
-                                      </p:to>
-                                    </p:set>
-                                  </p:childTnLst>
-                                </p:cTn>
-                              </p:par>
-                            </p:childTnLst>
-                          </p:cTn>
-                        </p:par>
-                        <p:par>
-                          <p:cTn id="13" fill="hold">
-                            <p:stCondLst>
-                              <p:cond delay="2000"/>
-                            </p:stCondLst>
-                            <p:childTnLst>
-                              <p:par>
-                                <p:cTn id="14" presetID="1" presetClass="entr" presetSubtype="0" fill="hold" grpId="0" nodeType="afterEffect">
-                                  <p:stCondLst>
-                                    <p:cond delay="1000"/>
-                                  </p:stCondLst>
-                                  <p:childTnLst>
-                                    <p:set>
-                                      <p:cBhvr>
-                                        <p:cTn id="15" dur="1" fill="hold">
-                                          <p:stCondLst>
-                                            <p:cond delay="0"/>
-                                          </p:stCondLst>
-                                        </p:cTn>
-                                        <p:tgtEl>
-                                          <p:spTgt spid="14"/>
-                                        </p:tgtEl>
-                                        <p:attrNameLst>
-                                          <p:attrName>style.visibility</p:attrName>
-                                        </p:attrNameLst>
-                                      </p:cBhvr>
-                                      <p:to>
-                                        <p:strVal val="visible"/>
-                                      </p:to>
-                                    </p:set>
-                                  </p:childTnLst>
-                                </p:cTn>
-                              </p:par>
-                            </p:childTnLst>
-                          </p:cTn>
-                        </p:par>
-                        <p:par>
-                          <p:cTn id="16" fill="hold">
-                            <p:stCondLst>
-                              <p:cond delay="3000"/>
-                            </p:stCondLst>
-                            <p:childTnLst>
-                              <p:par>
-                                <p:cTn id="17" presetID="1" presetClass="entr" presetSubtype="0" fill="hold" grpId="0" nodeType="afterEffect">
-                                  <p:stCondLst>
-                                    <p:cond delay="1000"/>
-                                  </p:stCondLst>
-                                  <p:childTnLst>
-                                    <p:set>
-                                      <p:cBhvr>
-                                        <p:cTn id="18" dur="1" fill="hold">
-                                          <p:stCondLst>
-                                            <p:cond delay="0"/>
-                                          </p:stCondLst>
-                                        </p:cTn>
-                                        <p:tgtEl>
-                                          <p:spTgt spid="15"/>
-                                        </p:tgtEl>
-                                        <p:attrNameLst>
-                                          <p:attrName>style.visibility</p:attrName>
-                                        </p:attrNameLst>
-                                      </p:cBhvr>
-                                      <p:to>
-                                        <p:strVal val="visible"/>
-                                      </p:to>
-                                    </p:set>
-                                  </p:childTnLst>
-                                  <p:subTnLst>
-                                    <p:audio>
-                                      <p:cMediaNode>
-                                        <p:cTn display="0" masterRel="sameClick">
-                                          <p:stCondLst>
-                                            <p:cond evt="begin" delay="0">
-                                              <p:tn val="17"/>
-                                            </p:cond>
-                                          </p:stCondLst>
-                                          <p:endCondLst>
-                                            <p:cond evt="onStopAudio" delay="0">
-                                              <p:tgtEl>
-                                                <p:sldTgt/>
-                                              </p:tgtEl>
-                                            </p:cond>
-                                          </p:endCondLst>
-                                        </p:cTn>
-                                        <p:tgtEl>
-                                          <p:sndTgt r:embed="rId3" name="bomb.wav"/>
-                                        </p:tgtEl>
-                                      </p:cMediaNode>
-                                    </p:audio>
-                                  </p:subTnLst>
-                                </p:cTn>
-                              </p:par>
-                            </p:childTnLst>
-                          </p:cTn>
-                        </p:par>
-                        <p:par>
-                          <p:cTn id="19" fill="hold">
-                            <p:stCondLst>
-                              <p:cond delay="4000"/>
-                            </p:stCondLst>
-                            <p:childTnLst>
-                              <p:par>
-                                <p:cTn id="20" presetID="1" presetClass="entr" presetSubtype="0" fill="hold" grpId="0" nodeType="afterEffect">
-                                  <p:stCondLst>
-                                    <p:cond delay="1000"/>
-                                  </p:stCondLst>
-                                  <p:childTnLst>
-                                    <p:set>
-                                      <p:cBhvr>
-                                        <p:cTn id="21" dur="1" fill="hold">
-                                          <p:stCondLst>
-                                            <p:cond delay="0"/>
-                                          </p:stCondLst>
-                                        </p:cTn>
-                                        <p:tgtEl>
-                                          <p:spTgt spid="16"/>
-                                        </p:tgtEl>
-                                        <p:attrNameLst>
-                                          <p:attrName>style.visibility</p:attrName>
-                                        </p:attrNameLst>
-                                      </p:cBhvr>
-                                      <p:to>
-                                        <p:strVal val="visible"/>
-                                      </p:to>
-                                    </p:set>
-                                  </p:childTnLst>
-                                </p:cTn>
-                              </p:par>
-                            </p:childTnLst>
-                          </p:cTn>
-                        </p:par>
-                        <p:par>
-                          <p:cTn id="22" fill="hold">
-                            <p:stCondLst>
-                              <p:cond delay="5000"/>
-                            </p:stCondLst>
-                            <p:childTnLst>
-                              <p:par>
-                                <p:cTn id="23" presetID="1" presetClass="entr" presetSubtype="0" fill="hold" grpId="0" nodeType="afterEffect">
-                                  <p:stCondLst>
-                                    <p:cond delay="1000"/>
-                                  </p:stCondLst>
-                                  <p:childTnLst>
-                                    <p:set>
-                                      <p:cBhvr>
-                                        <p:cTn id="24" dur="1" fill="hold">
-                                          <p:stCondLst>
-                                            <p:cond delay="0"/>
-                                          </p:stCondLst>
-                                        </p:cTn>
-                                        <p:tgtEl>
-                                          <p:spTgt spid="17"/>
-                                        </p:tgtEl>
-                                        <p:attrNameLst>
-                                          <p:attrName>style.visibility</p:attrName>
-                                        </p:attrNameLst>
-                                      </p:cBhvr>
-                                      <p:to>
-                                        <p:strVal val="visible"/>
-                                      </p:to>
-                                    </p:set>
-                                  </p:childTnLst>
-                                </p:cTn>
-                              </p:par>
-                            </p:childTnLst>
-                          </p:cTn>
-                        </p:par>
-                      </p:childTnLst>
-                    </p:cTn>
-                  </p:par>
-                </p:childTnLst>
-              </p:cTn>
-              <p:prevCondLst>
-                <p:cond evt="onPrev" delay="0">
-                  <p:tgtEl>
-                    <p:sldTgt/>
-                  </p:tgtEl>
-                </p:cond>
-              </p:prevCondLst>
-              <p:nextCondLst>
-                <p:cond evt="onNext" delay="0">
-                  <p:tgtEl>
-                    <p:sldTgt/>
-                  </p:tgtEl>
-                </p:cond>
-              </p:nextCondLst>
-            </p:seq>
-          </p:childTnLst>
-        </p:cTn>
-      </p:par>
-    </p:tnLst>
-    <p:bldLst>
-      <p:bldP spid="11" grpId="0" animBg="1"/>
-      <p:bldP spid="12" grpId="0" animBg="1"/>
-      <p:bldP spid="13" grpId="0" animBg="1"/>
-      <p:bldP spid="14" grpId="0" animBg="1"/>
-      <p:bldP spid="15" grpId="0" animBg="1"/>
-      <p:bldP spid="16" grpId="0" animBg="1"/>
-      <p:bldP spid="17" grpId="0" animBg="1"/>
-    </p:bldLst>
-  </p:timing>
-</p:sld>
-</file>
-
 <file path=ppt/slides/slide14.xml><?xml version="1.0" encoding="utf-8"?>
 <p:sld xmlns:a="http://schemas.openxmlformats.org/drawingml/2006/main" xmlns:r="http://schemas.openxmlformats.org/officeDocument/2006/relationships" xmlns:p="http://schemas.openxmlformats.org/presentationml/2006/main">
   <p:cSld>
@@ -8055,706 +7305,10 @@
           </a:p>
         </p:txBody>
       </p:sp>
-      <p:sp>
-        <p:nvSpPr>
-          <p:cNvPr id="8" name="Oval 7"/>
-          <p:cNvSpPr/>
-          <p:nvPr/>
-        </p:nvSpPr>
-        <p:spPr>
-          <a:xfrm>
-            <a:off x="180052" y="5622877"/>
-            <a:ext cx="914400" cy="914400"/>
-          </a:xfrm>
-          <a:prstGeom prst="ellipse">
-            <a:avLst/>
-          </a:prstGeom>
-          <a:ln/>
-        </p:spPr>
-        <p:style>
-          <a:lnRef idx="2">
-            <a:schemeClr val="accent5"/>
-          </a:lnRef>
-          <a:fillRef idx="1">
-            <a:schemeClr val="lt1"/>
-          </a:fillRef>
-          <a:effectRef idx="0">
-            <a:schemeClr val="accent5"/>
-          </a:effectRef>
-          <a:fontRef idx="minor">
-            <a:schemeClr val="dk1"/>
-          </a:fontRef>
-        </p:style>
-        <p:txBody>
-          <a:bodyPr rtlCol="0" anchor="ctr">
-            <a:scene3d>
-              <a:camera prst="orthographicFront"/>
-              <a:lightRig rig="soft" dir="t">
-                <a:rot lat="0" lon="0" rev="15600000"/>
-              </a:lightRig>
-            </a:scene3d>
-            <a:sp3d extrusionH="57150" prstMaterial="softEdge">
-              <a:bevelT w="25400" h="38100"/>
-            </a:sp3d>
-          </a:bodyPr>
-          <a:lstStyle/>
-          <a:p>
-            <a:pPr algn="ctr"/>
-            <a:r>
-              <a:rPr lang="en-US" sz="1400" b="1" smtClean="0">
-                <a:ln w="6600">
-                  <a:solidFill>
-                    <a:schemeClr val="accent2"/>
-                  </a:solidFill>
-                  <a:prstDash val="solid"/>
-                </a:ln>
-                <a:solidFill>
-                  <a:srgbClr val="00B050"/>
-                </a:solidFill>
-                <a:effectLst>
-                  <a:outerShdw dist="38100" dir="2700000" algn="tl" rotWithShape="0">
-                    <a:schemeClr val="accent2"/>
-                  </a:outerShdw>
-                </a:effectLst>
-              </a:rPr>
-              <a:t>START</a:t>
-            </a:r>
-            <a:endParaRPr lang="en-US" sz="1400" b="1">
-              <a:ln/>
-              <a:solidFill>
-                <a:srgbClr val="00B050"/>
-              </a:solidFill>
-            </a:endParaRPr>
-          </a:p>
-        </p:txBody>
-      </p:sp>
-      <p:sp>
-        <p:nvSpPr>
-          <p:cNvPr id="11" name="Oval 10"/>
-          <p:cNvSpPr/>
-          <p:nvPr/>
-        </p:nvSpPr>
-        <p:spPr>
-          <a:xfrm>
-            <a:off x="180052" y="5609226"/>
-            <a:ext cx="914400" cy="914400"/>
-          </a:xfrm>
-          <a:prstGeom prst="ellipse">
-            <a:avLst/>
-          </a:prstGeom>
-          <a:ln/>
-        </p:spPr>
-        <p:style>
-          <a:lnRef idx="2">
-            <a:schemeClr val="accent5"/>
-          </a:lnRef>
-          <a:fillRef idx="1">
-            <a:schemeClr val="lt1"/>
-          </a:fillRef>
-          <a:effectRef idx="0">
-            <a:schemeClr val="accent5"/>
-          </a:effectRef>
-          <a:fontRef idx="minor">
-            <a:schemeClr val="dk1"/>
-          </a:fontRef>
-        </p:style>
-        <p:txBody>
-          <a:bodyPr rtlCol="0" anchor="ctr">
-            <a:scene3d>
-              <a:camera prst="orthographicFront"/>
-              <a:lightRig rig="soft" dir="t">
-                <a:rot lat="0" lon="0" rev="15600000"/>
-              </a:lightRig>
-            </a:scene3d>
-            <a:sp3d extrusionH="57150" prstMaterial="softEdge">
-              <a:bevelT w="25400" h="38100"/>
-            </a:sp3d>
-          </a:bodyPr>
-          <a:lstStyle/>
-          <a:p>
-            <a:pPr algn="ctr"/>
-            <a:r>
-              <a:rPr lang="en-US" sz="6000" b="1">
-                <a:ln w="6600">
-                  <a:solidFill>
-                    <a:schemeClr val="accent2"/>
-                  </a:solidFill>
-                  <a:prstDash val="solid"/>
-                </a:ln>
-                <a:solidFill>
-                  <a:srgbClr val="00B050"/>
-                </a:solidFill>
-                <a:effectLst>
-                  <a:outerShdw dist="38100" dir="2700000" algn="tl" rotWithShape="0">
-                    <a:schemeClr val="accent2"/>
-                  </a:outerShdw>
-                </a:effectLst>
-              </a:rPr>
-              <a:t>5</a:t>
-            </a:r>
-            <a:endParaRPr lang="en-US" sz="6000" b="1">
-              <a:ln/>
-              <a:solidFill>
-                <a:srgbClr val="00B050"/>
-              </a:solidFill>
-            </a:endParaRPr>
-          </a:p>
-        </p:txBody>
-      </p:sp>
-      <p:sp>
-        <p:nvSpPr>
-          <p:cNvPr id="12" name="Oval 11"/>
-          <p:cNvSpPr/>
-          <p:nvPr/>
-        </p:nvSpPr>
-        <p:spPr>
-          <a:xfrm>
-            <a:off x="177059" y="5616052"/>
-            <a:ext cx="914400" cy="914400"/>
-          </a:xfrm>
-          <a:prstGeom prst="ellipse">
-            <a:avLst/>
-          </a:prstGeom>
-          <a:ln/>
-        </p:spPr>
-        <p:style>
-          <a:lnRef idx="2">
-            <a:schemeClr val="accent5"/>
-          </a:lnRef>
-          <a:fillRef idx="1">
-            <a:schemeClr val="lt1"/>
-          </a:fillRef>
-          <a:effectRef idx="0">
-            <a:schemeClr val="accent5"/>
-          </a:effectRef>
-          <a:fontRef idx="minor">
-            <a:schemeClr val="dk1"/>
-          </a:fontRef>
-        </p:style>
-        <p:txBody>
-          <a:bodyPr rtlCol="0" anchor="ctr">
-            <a:scene3d>
-              <a:camera prst="orthographicFront"/>
-              <a:lightRig rig="soft" dir="t">
-                <a:rot lat="0" lon="0" rev="15600000"/>
-              </a:lightRig>
-            </a:scene3d>
-            <a:sp3d extrusionH="57150" prstMaterial="softEdge">
-              <a:bevelT w="25400" h="38100"/>
-            </a:sp3d>
-          </a:bodyPr>
-          <a:lstStyle/>
-          <a:p>
-            <a:pPr algn="ctr"/>
-            <a:r>
-              <a:rPr lang="en-US" sz="6000" b="1">
-                <a:ln w="6600">
-                  <a:solidFill>
-                    <a:schemeClr val="accent2"/>
-                  </a:solidFill>
-                  <a:prstDash val="solid"/>
-                </a:ln>
-                <a:solidFill>
-                  <a:srgbClr val="00B050"/>
-                </a:solidFill>
-                <a:effectLst>
-                  <a:outerShdw dist="38100" dir="2700000" algn="tl" rotWithShape="0">
-                    <a:schemeClr val="accent2"/>
-                  </a:outerShdw>
-                </a:effectLst>
-              </a:rPr>
-              <a:t>4</a:t>
-            </a:r>
-            <a:endParaRPr lang="en-US" sz="6000" b="1">
-              <a:ln/>
-              <a:solidFill>
-                <a:srgbClr val="00B050"/>
-              </a:solidFill>
-            </a:endParaRPr>
-          </a:p>
-        </p:txBody>
-      </p:sp>
-      <p:sp>
-        <p:nvSpPr>
-          <p:cNvPr id="13" name="Oval 12"/>
-          <p:cNvSpPr/>
-          <p:nvPr/>
-        </p:nvSpPr>
-        <p:spPr>
-          <a:xfrm>
-            <a:off x="164199" y="5609226"/>
-            <a:ext cx="914400" cy="914400"/>
-          </a:xfrm>
-          <a:prstGeom prst="ellipse">
-            <a:avLst/>
-          </a:prstGeom>
-          <a:ln/>
-        </p:spPr>
-        <p:style>
-          <a:lnRef idx="2">
-            <a:schemeClr val="accent5"/>
-          </a:lnRef>
-          <a:fillRef idx="1">
-            <a:schemeClr val="lt1"/>
-          </a:fillRef>
-          <a:effectRef idx="0">
-            <a:schemeClr val="accent5"/>
-          </a:effectRef>
-          <a:fontRef idx="minor">
-            <a:schemeClr val="dk1"/>
-          </a:fontRef>
-        </p:style>
-        <p:txBody>
-          <a:bodyPr rtlCol="0" anchor="ctr">
-            <a:scene3d>
-              <a:camera prst="orthographicFront"/>
-              <a:lightRig rig="soft" dir="t">
-                <a:rot lat="0" lon="0" rev="15600000"/>
-              </a:lightRig>
-            </a:scene3d>
-            <a:sp3d extrusionH="57150" prstMaterial="softEdge">
-              <a:bevelT w="25400" h="38100"/>
-            </a:sp3d>
-          </a:bodyPr>
-          <a:lstStyle/>
-          <a:p>
-            <a:pPr algn="ctr"/>
-            <a:r>
-              <a:rPr lang="en-US" sz="6000" b="1">
-                <a:ln w="6600">
-                  <a:solidFill>
-                    <a:schemeClr val="accent2"/>
-                  </a:solidFill>
-                  <a:prstDash val="solid"/>
-                </a:ln>
-                <a:solidFill>
-                  <a:srgbClr val="00B050"/>
-                </a:solidFill>
-                <a:effectLst>
-                  <a:outerShdw dist="38100" dir="2700000" algn="tl" rotWithShape="0">
-                    <a:schemeClr val="accent2"/>
-                  </a:outerShdw>
-                </a:effectLst>
-              </a:rPr>
-              <a:t>3</a:t>
-            </a:r>
-            <a:endParaRPr lang="en-US" sz="6000" b="1">
-              <a:ln/>
-              <a:solidFill>
-                <a:srgbClr val="00B050"/>
-              </a:solidFill>
-            </a:endParaRPr>
-          </a:p>
-        </p:txBody>
-      </p:sp>
-      <p:sp>
-        <p:nvSpPr>
-          <p:cNvPr id="14" name="Oval 13"/>
-          <p:cNvSpPr/>
-          <p:nvPr/>
-        </p:nvSpPr>
-        <p:spPr>
-          <a:xfrm>
-            <a:off x="177059" y="5609226"/>
-            <a:ext cx="914400" cy="914400"/>
-          </a:xfrm>
-          <a:prstGeom prst="ellipse">
-            <a:avLst/>
-          </a:prstGeom>
-          <a:ln/>
-        </p:spPr>
-        <p:style>
-          <a:lnRef idx="2">
-            <a:schemeClr val="accent5"/>
-          </a:lnRef>
-          <a:fillRef idx="1">
-            <a:schemeClr val="lt1"/>
-          </a:fillRef>
-          <a:effectRef idx="0">
-            <a:schemeClr val="accent5"/>
-          </a:effectRef>
-          <a:fontRef idx="minor">
-            <a:schemeClr val="dk1"/>
-          </a:fontRef>
-        </p:style>
-        <p:txBody>
-          <a:bodyPr rtlCol="0" anchor="ctr">
-            <a:scene3d>
-              <a:camera prst="orthographicFront"/>
-              <a:lightRig rig="soft" dir="t">
-                <a:rot lat="0" lon="0" rev="15600000"/>
-              </a:lightRig>
-            </a:scene3d>
-            <a:sp3d extrusionH="57150" prstMaterial="softEdge">
-              <a:bevelT w="25400" h="38100"/>
-            </a:sp3d>
-          </a:bodyPr>
-          <a:lstStyle/>
-          <a:p>
-            <a:pPr algn="ctr"/>
-            <a:r>
-              <a:rPr lang="en-US" sz="6000" b="1">
-                <a:ln w="6600">
-                  <a:solidFill>
-                    <a:schemeClr val="accent2"/>
-                  </a:solidFill>
-                  <a:prstDash val="solid"/>
-                </a:ln>
-                <a:solidFill>
-                  <a:srgbClr val="00B050"/>
-                </a:solidFill>
-                <a:effectLst>
-                  <a:outerShdw dist="38100" dir="2700000" algn="tl" rotWithShape="0">
-                    <a:schemeClr val="accent2"/>
-                  </a:outerShdw>
-                </a:effectLst>
-              </a:rPr>
-              <a:t>2</a:t>
-            </a:r>
-            <a:endParaRPr lang="en-US" sz="6000" b="1">
-              <a:ln/>
-              <a:solidFill>
-                <a:srgbClr val="00B050"/>
-              </a:solidFill>
-            </a:endParaRPr>
-          </a:p>
-        </p:txBody>
-      </p:sp>
-      <p:sp>
-        <p:nvSpPr>
-          <p:cNvPr id="15" name="Oval 14"/>
-          <p:cNvSpPr/>
-          <p:nvPr/>
-        </p:nvSpPr>
-        <p:spPr>
-          <a:xfrm>
-            <a:off x="164199" y="5609601"/>
-            <a:ext cx="914400" cy="914400"/>
-          </a:xfrm>
-          <a:prstGeom prst="ellipse">
-            <a:avLst/>
-          </a:prstGeom>
-          <a:ln/>
-        </p:spPr>
-        <p:style>
-          <a:lnRef idx="2">
-            <a:schemeClr val="accent5"/>
-          </a:lnRef>
-          <a:fillRef idx="1">
-            <a:schemeClr val="lt1"/>
-          </a:fillRef>
-          <a:effectRef idx="0">
-            <a:schemeClr val="accent5"/>
-          </a:effectRef>
-          <a:fontRef idx="minor">
-            <a:schemeClr val="dk1"/>
-          </a:fontRef>
-        </p:style>
-        <p:txBody>
-          <a:bodyPr rtlCol="0" anchor="ctr">
-            <a:scene3d>
-              <a:camera prst="orthographicFront"/>
-              <a:lightRig rig="soft" dir="t">
-                <a:rot lat="0" lon="0" rev="15600000"/>
-              </a:lightRig>
-            </a:scene3d>
-            <a:sp3d extrusionH="57150" prstMaterial="softEdge">
-              <a:bevelT w="25400" h="38100"/>
-            </a:sp3d>
-          </a:bodyPr>
-          <a:lstStyle/>
-          <a:p>
-            <a:pPr algn="ctr"/>
-            <a:r>
-              <a:rPr lang="en-US" sz="6000" b="1">
-                <a:ln w="6600">
-                  <a:solidFill>
-                    <a:schemeClr val="accent2"/>
-                  </a:solidFill>
-                  <a:prstDash val="solid"/>
-                </a:ln>
-                <a:solidFill>
-                  <a:srgbClr val="00B050"/>
-                </a:solidFill>
-                <a:effectLst>
-                  <a:outerShdw dist="38100" dir="2700000" algn="tl" rotWithShape="0">
-                    <a:schemeClr val="accent2"/>
-                  </a:outerShdw>
-                </a:effectLst>
-              </a:rPr>
-              <a:t>1</a:t>
-            </a:r>
-            <a:endParaRPr lang="en-US" sz="6000" b="1">
-              <a:ln/>
-              <a:solidFill>
-                <a:srgbClr val="00B050"/>
-              </a:solidFill>
-            </a:endParaRPr>
-          </a:p>
-        </p:txBody>
-      </p:sp>
-      <p:sp>
-        <p:nvSpPr>
-          <p:cNvPr id="16" name="Oval 15"/>
-          <p:cNvSpPr/>
-          <p:nvPr/>
-        </p:nvSpPr>
-        <p:spPr>
-          <a:xfrm>
-            <a:off x="164199" y="5609226"/>
-            <a:ext cx="914400" cy="914400"/>
-          </a:xfrm>
-          <a:prstGeom prst="ellipse">
-            <a:avLst/>
-          </a:prstGeom>
-          <a:ln/>
-        </p:spPr>
-        <p:style>
-          <a:lnRef idx="2">
-            <a:schemeClr val="accent5"/>
-          </a:lnRef>
-          <a:fillRef idx="1">
-            <a:schemeClr val="lt1"/>
-          </a:fillRef>
-          <a:effectRef idx="0">
-            <a:schemeClr val="accent5"/>
-          </a:effectRef>
-          <a:fontRef idx="minor">
-            <a:schemeClr val="dk1"/>
-          </a:fontRef>
-        </p:style>
-        <p:txBody>
-          <a:bodyPr rtlCol="0" anchor="ctr">
-            <a:scene3d>
-              <a:camera prst="orthographicFront"/>
-              <a:lightRig rig="soft" dir="t">
-                <a:rot lat="0" lon="0" rev="15600000"/>
-              </a:lightRig>
-            </a:scene3d>
-            <a:sp3d extrusionH="57150" prstMaterial="softEdge">
-              <a:bevelT w="25400" h="38100"/>
-            </a:sp3d>
-          </a:bodyPr>
-          <a:lstStyle/>
-          <a:p>
-            <a:pPr algn="ctr"/>
-            <a:r>
-              <a:rPr lang="en-US" sz="6000" b="1">
-                <a:ln w="6600">
-                  <a:solidFill>
-                    <a:schemeClr val="accent2"/>
-                  </a:solidFill>
-                  <a:prstDash val="solid"/>
-                </a:ln>
-                <a:solidFill>
-                  <a:srgbClr val="00B050"/>
-                </a:solidFill>
-                <a:effectLst>
-                  <a:outerShdw dist="38100" dir="2700000" algn="tl" rotWithShape="0">
-                    <a:schemeClr val="accent2"/>
-                  </a:outerShdw>
-                </a:effectLst>
-              </a:rPr>
-              <a:t>0</a:t>
-            </a:r>
-            <a:endParaRPr lang="en-US" sz="6000" b="1">
-              <a:ln/>
-              <a:solidFill>
-                <a:srgbClr val="00B050"/>
-              </a:solidFill>
-            </a:endParaRPr>
-          </a:p>
-        </p:txBody>
-      </p:sp>
-      <p:sp>
-        <p:nvSpPr>
-          <p:cNvPr id="17" name="Oval 16"/>
-          <p:cNvSpPr/>
-          <p:nvPr/>
-        </p:nvSpPr>
-        <p:spPr>
-          <a:xfrm>
-            <a:off x="0" y="5232320"/>
-            <a:ext cx="1705906" cy="1518087"/>
-          </a:xfrm>
-          <a:prstGeom prst="ellipse">
-            <a:avLst/>
-          </a:prstGeom>
-          <a:ln/>
-        </p:spPr>
-        <p:style>
-          <a:lnRef idx="2">
-            <a:schemeClr val="accent5"/>
-          </a:lnRef>
-          <a:fillRef idx="1">
-            <a:schemeClr val="lt1"/>
-          </a:fillRef>
-          <a:effectRef idx="0">
-            <a:schemeClr val="accent5"/>
-          </a:effectRef>
-          <a:fontRef idx="minor">
-            <a:schemeClr val="dk1"/>
-          </a:fontRef>
-        </p:style>
-        <p:txBody>
-          <a:bodyPr rtlCol="0" anchor="ctr">
-            <a:scene3d>
-              <a:camera prst="orthographicFront"/>
-              <a:lightRig rig="soft" dir="t">
-                <a:rot lat="0" lon="0" rev="15600000"/>
-              </a:lightRig>
-            </a:scene3d>
-            <a:sp3d extrusionH="57150" prstMaterial="softEdge">
-              <a:bevelT w="25400" h="38100"/>
-            </a:sp3d>
-          </a:bodyPr>
-          <a:lstStyle/>
-          <a:p>
-            <a:pPr algn="ctr"/>
-            <a:r>
-              <a:rPr lang="en-US" sz="3200" b="1" smtClean="0">
-                <a:ln w="6600">
-                  <a:solidFill>
-                    <a:schemeClr val="accent2"/>
-                  </a:solidFill>
-                  <a:prstDash val="solid"/>
-                </a:ln>
-                <a:solidFill>
-                  <a:srgbClr val="00B050"/>
-                </a:solidFill>
-                <a:effectLst>
-                  <a:outerShdw dist="38100" dir="2700000" algn="tl" rotWithShape="0">
-                    <a:schemeClr val="accent2"/>
-                  </a:outerShdw>
-                </a:effectLst>
-              </a:rPr>
-              <a:t>OVER</a:t>
-            </a:r>
-          </a:p>
-          <a:p>
-            <a:pPr algn="ctr"/>
-            <a:r>
-              <a:rPr lang="en-US" sz="3200" b="1" smtClean="0">
-                <a:ln w="6600">
-                  <a:solidFill>
-                    <a:schemeClr val="accent2"/>
-                  </a:solidFill>
-                  <a:prstDash val="solid"/>
-                </a:ln>
-                <a:solidFill>
-                  <a:srgbClr val="00B050"/>
-                </a:solidFill>
-                <a:effectLst>
-                  <a:outerShdw dist="38100" dir="2700000" algn="tl" rotWithShape="0">
-                    <a:schemeClr val="accent2"/>
-                  </a:outerShdw>
-                </a:effectLst>
-              </a:rPr>
-              <a:t>TIME</a:t>
-            </a:r>
-            <a:endParaRPr lang="en-US" sz="3200" b="1">
-              <a:ln/>
-              <a:solidFill>
-                <a:srgbClr val="00B050"/>
-              </a:solidFill>
-            </a:endParaRPr>
-          </a:p>
-        </p:txBody>
-      </p:sp>
-      <p:pic>
-        <p:nvPicPr>
-          <p:cNvPr id="6" name="Picture 5" descr="Screen Shot 2014-08-02 at 5.42.08 PM.png"/>
-          <p:cNvPicPr>
-            <a:picLocks noChangeAspect="1"/>
-          </p:cNvPicPr>
-          <p:nvPr/>
-        </p:nvPicPr>
-        <p:blipFill>
-          <a:blip r:embed="rId4">
-            <a:extLst>
-              <a:ext uri="{28A0092B-C50C-407E-A947-70E740481C1C}">
-                <a14:useLocalDpi xmlns:a14="http://schemas.microsoft.com/office/drawing/2010/main" val="0"/>
-              </a:ext>
-            </a:extLst>
-          </a:blip>
-          <a:stretch>
-            <a:fillRect/>
-          </a:stretch>
-        </p:blipFill>
-        <p:spPr>
-          <a:xfrm>
-            <a:off x="-1" y="880517"/>
-            <a:ext cx="3034632" cy="4680747"/>
-          </a:xfrm>
-          <a:prstGeom prst="rect">
-            <a:avLst/>
-          </a:prstGeom>
-        </p:spPr>
-      </p:pic>
-      <p:pic>
-        <p:nvPicPr>
-          <p:cNvPr id="7" name="Picture 6" descr="Screen Shot 2014-08-02 at 5.44.01 PM.png"/>
-          <p:cNvPicPr>
-            <a:picLocks noChangeAspect="1"/>
-          </p:cNvPicPr>
-          <p:nvPr/>
-        </p:nvPicPr>
-        <p:blipFill>
-          <a:blip r:embed="rId5">
-            <a:extLst>
-              <a:ext uri="{28A0092B-C50C-407E-A947-70E740481C1C}">
-                <a14:useLocalDpi xmlns:a14="http://schemas.microsoft.com/office/drawing/2010/main" val="0"/>
-              </a:ext>
-            </a:extLst>
-          </a:blip>
-          <a:stretch>
-            <a:fillRect/>
-          </a:stretch>
-        </p:blipFill>
-        <p:spPr>
-          <a:xfrm>
-            <a:off x="6112746" y="882317"/>
-            <a:ext cx="3031254" cy="4678947"/>
-          </a:xfrm>
-          <a:prstGeom prst="rect">
-            <a:avLst/>
-          </a:prstGeom>
-        </p:spPr>
-      </p:pic>
-      <p:pic>
-        <p:nvPicPr>
-          <p:cNvPr id="9" name="Picture 8" descr="Screen Shot 2014-08-02 at 5.44.18 PM.png"/>
-          <p:cNvPicPr>
-            <a:picLocks noChangeAspect="1"/>
-          </p:cNvPicPr>
-          <p:nvPr/>
-        </p:nvPicPr>
-        <p:blipFill>
-          <a:blip r:embed="rId6">
-            <a:extLst>
-              <a:ext uri="{28A0092B-C50C-407E-A947-70E740481C1C}">
-                <a14:useLocalDpi xmlns:a14="http://schemas.microsoft.com/office/drawing/2010/main" val="0"/>
-              </a:ext>
-            </a:extLst>
-          </a:blip>
-          <a:stretch>
-            <a:fillRect/>
-          </a:stretch>
-        </p:blipFill>
-        <p:spPr>
-          <a:xfrm>
-            <a:off x="3034036" y="882317"/>
-            <a:ext cx="3060525" cy="4678948"/>
-          </a:xfrm>
-          <a:prstGeom prst="rect">
-            <a:avLst/>
-          </a:prstGeom>
-        </p:spPr>
-      </p:pic>
     </p:spTree>
     <p:extLst>
       <p:ext uri="{BB962C8B-B14F-4D97-AF65-F5344CB8AC3E}">
-        <p14:creationId xmlns:p14="http://schemas.microsoft.com/office/powerpoint/2010/main" val="4056517952"/>
+        <p14:creationId xmlns:p14="http://schemas.microsoft.com/office/powerpoint/2010/main" val="398567933"/>
       </p:ext>
     </p:extLst>
   </p:cSld>
@@ -8767,325 +7321,9 @@
   <p:timing>
     <p:tnLst>
       <p:par>
-        <p:cTn xmlns:p14="http://schemas.microsoft.com/office/powerpoint/2010/main" id="1" dur="indefinite" restart="never" nodeType="tmRoot">
-          <p:childTnLst>
-            <p:seq concurrent="1" nextAc="seek">
-              <p:cTn id="2" dur="indefinite" nodeType="mainSeq">
-                <p:childTnLst>
-                  <p:par>
-                    <p:cTn id="3" fill="hold">
-                      <p:stCondLst>
-                        <p:cond delay="indefinite"/>
-                      </p:stCondLst>
-                      <p:childTnLst>
-                        <p:par>
-                          <p:cTn id="4" fill="hold">
-                            <p:stCondLst>
-                              <p:cond delay="0"/>
-                            </p:stCondLst>
-                            <p:childTnLst>
-                              <p:par>
-                                <p:cTn id="5" presetID="1" presetClass="entr" presetSubtype="0" fill="hold" grpId="0" nodeType="clickEffect">
-                                  <p:stCondLst>
-                                    <p:cond delay="0"/>
-                                  </p:stCondLst>
-                                  <p:childTnLst>
-                                    <p:set>
-                                      <p:cBhvr>
-                                        <p:cTn id="6" dur="1" fill="hold">
-                                          <p:stCondLst>
-                                            <p:cond delay="0"/>
-                                          </p:stCondLst>
-                                        </p:cTn>
-                                        <p:tgtEl>
-                                          <p:spTgt spid="11"/>
-                                        </p:tgtEl>
-                                        <p:attrNameLst>
-                                          <p:attrName>style.visibility</p:attrName>
-                                        </p:attrNameLst>
-                                      </p:cBhvr>
-                                      <p:to>
-                                        <p:strVal val="visible"/>
-                                      </p:to>
-                                    </p:set>
-                                  </p:childTnLst>
-                                </p:cTn>
-                              </p:par>
-                            </p:childTnLst>
-                          </p:cTn>
-                        </p:par>
-                        <p:par>
-                          <p:cTn id="7" fill="hold">
-                            <p:stCondLst>
-                              <p:cond delay="0"/>
-                            </p:stCondLst>
-                            <p:childTnLst>
-                              <p:par>
-                                <p:cTn id="8" presetID="1" presetClass="entr" presetSubtype="0" fill="hold" grpId="0" nodeType="afterEffect">
-                                  <p:stCondLst>
-                                    <p:cond delay="1000"/>
-                                  </p:stCondLst>
-                                  <p:childTnLst>
-                                    <p:set>
-                                      <p:cBhvr>
-                                        <p:cTn id="9" dur="1" fill="hold">
-                                          <p:stCondLst>
-                                            <p:cond delay="0"/>
-                                          </p:stCondLst>
-                                        </p:cTn>
-                                        <p:tgtEl>
-                                          <p:spTgt spid="12"/>
-                                        </p:tgtEl>
-                                        <p:attrNameLst>
-                                          <p:attrName>style.visibility</p:attrName>
-                                        </p:attrNameLst>
-                                      </p:cBhvr>
-                                      <p:to>
-                                        <p:strVal val="visible"/>
-                                      </p:to>
-                                    </p:set>
-                                  </p:childTnLst>
-                                </p:cTn>
-                              </p:par>
-                            </p:childTnLst>
-                          </p:cTn>
-                        </p:par>
-                        <p:par>
-                          <p:cTn id="10" fill="hold">
-                            <p:stCondLst>
-                              <p:cond delay="1000"/>
-                            </p:stCondLst>
-                            <p:childTnLst>
-                              <p:par>
-                                <p:cTn id="11" presetID="1" presetClass="entr" presetSubtype="0" fill="hold" grpId="0" nodeType="afterEffect">
-                                  <p:stCondLst>
-                                    <p:cond delay="1000"/>
-                                  </p:stCondLst>
-                                  <p:childTnLst>
-                                    <p:set>
-                                      <p:cBhvr>
-                                        <p:cTn id="12" dur="1" fill="hold">
-                                          <p:stCondLst>
-                                            <p:cond delay="0"/>
-                                          </p:stCondLst>
-                                        </p:cTn>
-                                        <p:tgtEl>
-                                          <p:spTgt spid="13"/>
-                                        </p:tgtEl>
-                                        <p:attrNameLst>
-                                          <p:attrName>style.visibility</p:attrName>
-                                        </p:attrNameLst>
-                                      </p:cBhvr>
-                                      <p:to>
-                                        <p:strVal val="visible"/>
-                                      </p:to>
-                                    </p:set>
-                                  </p:childTnLst>
-                                </p:cTn>
-                              </p:par>
-                            </p:childTnLst>
-                          </p:cTn>
-                        </p:par>
-                        <p:par>
-                          <p:cTn id="13" fill="hold">
-                            <p:stCondLst>
-                              <p:cond delay="2000"/>
-                            </p:stCondLst>
-                            <p:childTnLst>
-                              <p:par>
-                                <p:cTn id="14" presetID="1" presetClass="entr" presetSubtype="0" fill="hold" grpId="0" nodeType="afterEffect">
-                                  <p:stCondLst>
-                                    <p:cond delay="1000"/>
-                                  </p:stCondLst>
-                                  <p:childTnLst>
-                                    <p:set>
-                                      <p:cBhvr>
-                                        <p:cTn id="15" dur="1" fill="hold">
-                                          <p:stCondLst>
-                                            <p:cond delay="0"/>
-                                          </p:stCondLst>
-                                        </p:cTn>
-                                        <p:tgtEl>
-                                          <p:spTgt spid="14"/>
-                                        </p:tgtEl>
-                                        <p:attrNameLst>
-                                          <p:attrName>style.visibility</p:attrName>
-                                        </p:attrNameLst>
-                                      </p:cBhvr>
-                                      <p:to>
-                                        <p:strVal val="visible"/>
-                                      </p:to>
-                                    </p:set>
-                                  </p:childTnLst>
-                                </p:cTn>
-                              </p:par>
-                            </p:childTnLst>
-                          </p:cTn>
-                        </p:par>
-                        <p:par>
-                          <p:cTn id="16" fill="hold">
-                            <p:stCondLst>
-                              <p:cond delay="3000"/>
-                            </p:stCondLst>
-                            <p:childTnLst>
-                              <p:par>
-                                <p:cTn id="17" presetID="1" presetClass="entr" presetSubtype="0" fill="hold" grpId="0" nodeType="afterEffect">
-                                  <p:stCondLst>
-                                    <p:cond delay="1000"/>
-                                  </p:stCondLst>
-                                  <p:childTnLst>
-                                    <p:set>
-                                      <p:cBhvr>
-                                        <p:cTn id="18" dur="1" fill="hold">
-                                          <p:stCondLst>
-                                            <p:cond delay="0"/>
-                                          </p:stCondLst>
-                                        </p:cTn>
-                                        <p:tgtEl>
-                                          <p:spTgt spid="15"/>
-                                        </p:tgtEl>
-                                        <p:attrNameLst>
-                                          <p:attrName>style.visibility</p:attrName>
-                                        </p:attrNameLst>
-                                      </p:cBhvr>
-                                      <p:to>
-                                        <p:strVal val="visible"/>
-                                      </p:to>
-                                    </p:set>
-                                  </p:childTnLst>
-                                  <p:subTnLst>
-                                    <p:audio>
-                                      <p:cMediaNode>
-                                        <p:cTn display="0" masterRel="sameClick">
-                                          <p:stCondLst>
-                                            <p:cond evt="begin" delay="0">
-                                              <p:tn val="17"/>
-                                            </p:cond>
-                                          </p:stCondLst>
-                                          <p:endCondLst>
-                                            <p:cond evt="onStopAudio" delay="0">
-                                              <p:tgtEl>
-                                                <p:sldTgt/>
-                                              </p:tgtEl>
-                                            </p:cond>
-                                          </p:endCondLst>
-                                        </p:cTn>
-                                        <p:tgtEl>
-                                          <p:sndTgt r:embed="rId3" name="bomb.wav"/>
-                                        </p:tgtEl>
-                                      </p:cMediaNode>
-                                    </p:audio>
-                                  </p:subTnLst>
-                                </p:cTn>
-                              </p:par>
-                            </p:childTnLst>
-                          </p:cTn>
-                        </p:par>
-                        <p:par>
-                          <p:cTn id="19" fill="hold">
-                            <p:stCondLst>
-                              <p:cond delay="4000"/>
-                            </p:stCondLst>
-                            <p:childTnLst>
-                              <p:par>
-                                <p:cTn id="20" presetID="1" presetClass="entr" presetSubtype="0" fill="hold" grpId="0" nodeType="afterEffect">
-                                  <p:stCondLst>
-                                    <p:cond delay="1000"/>
-                                  </p:stCondLst>
-                                  <p:childTnLst>
-                                    <p:set>
-                                      <p:cBhvr>
-                                        <p:cTn id="21" dur="1" fill="hold">
-                                          <p:stCondLst>
-                                            <p:cond delay="0"/>
-                                          </p:stCondLst>
-                                        </p:cTn>
-                                        <p:tgtEl>
-                                          <p:spTgt spid="16"/>
-                                        </p:tgtEl>
-                                        <p:attrNameLst>
-                                          <p:attrName>style.visibility</p:attrName>
-                                        </p:attrNameLst>
-                                      </p:cBhvr>
-                                      <p:to>
-                                        <p:strVal val="visible"/>
-                                      </p:to>
-                                    </p:set>
-                                  </p:childTnLst>
-                                </p:cTn>
-                              </p:par>
-                            </p:childTnLst>
-                          </p:cTn>
-                        </p:par>
-                        <p:par>
-                          <p:cTn id="22" fill="hold">
-                            <p:stCondLst>
-                              <p:cond delay="5000"/>
-                            </p:stCondLst>
-                            <p:childTnLst>
-                              <p:par>
-                                <p:cTn id="23" presetID="1" presetClass="entr" presetSubtype="0" fill="hold" grpId="0" nodeType="afterEffect">
-                                  <p:stCondLst>
-                                    <p:cond delay="1000"/>
-                                  </p:stCondLst>
-                                  <p:childTnLst>
-                                    <p:set>
-                                      <p:cBhvr>
-                                        <p:cTn id="24" dur="1" fill="hold">
-                                          <p:stCondLst>
-                                            <p:cond delay="0"/>
-                                          </p:stCondLst>
-                                        </p:cTn>
-                                        <p:tgtEl>
-                                          <p:spTgt spid="17"/>
-                                        </p:tgtEl>
-                                        <p:attrNameLst>
-                                          <p:attrName>style.visibility</p:attrName>
-                                        </p:attrNameLst>
-                                      </p:cBhvr>
-                                      <p:to>
-                                        <p:strVal val="visible"/>
-                                      </p:to>
-                                    </p:set>
-                                  </p:childTnLst>
-                                </p:cTn>
-                              </p:par>
-                            </p:childTnLst>
-                          </p:cTn>
-                        </p:par>
-                      </p:childTnLst>
-                    </p:cTn>
-                  </p:par>
-                </p:childTnLst>
-              </p:cTn>
-              <p:prevCondLst>
-                <p:cond evt="onPrev" delay="0">
-                  <p:tgtEl>
-                    <p:sldTgt/>
-                  </p:tgtEl>
-                </p:cond>
-              </p:prevCondLst>
-              <p:nextCondLst>
-                <p:cond evt="onNext" delay="0">
-                  <p:tgtEl>
-                    <p:sldTgt/>
-                  </p:tgtEl>
-                </p:cond>
-              </p:nextCondLst>
-            </p:seq>
-          </p:childTnLst>
-        </p:cTn>
+        <p:cTn xmlns:p14="http://schemas.microsoft.com/office/powerpoint/2010/main" id="1" dur="indefinite" restart="never" nodeType="tmRoot"/>
       </p:par>
     </p:tnLst>
-    <p:bldLst>
-      <p:bldP spid="11" grpId="0" animBg="1"/>
-      <p:bldP spid="12" grpId="0" animBg="1"/>
-      <p:bldP spid="13" grpId="0" animBg="1"/>
-      <p:bldP spid="14" grpId="0" animBg="1"/>
-      <p:bldP spid="15" grpId="0" animBg="1"/>
-      <p:bldP spid="16" grpId="0" animBg="1"/>
-      <p:bldP spid="17" grpId="0" animBg="1"/>
-    </p:bldLst>
   </p:timing>
 </p:sld>
 </file>
@@ -11030,15 +9268,15 @@
           <a:lstStyle/>
           <a:p>
             <a:r>
-              <a:rPr lang="en-US" sz="3000" b="1" smtClean="0">
+              <a:rPr lang="en-US" sz="3000" b="1" dirty="0" smtClean="0">
                 <a:solidFill>
                   <a:schemeClr val="bg1"/>
                 </a:solidFill>
                 <a:latin typeface="Arial" panose="020B0604020202020204" pitchFamily="34" charset="0"/>
               </a:rPr>
-              <a:t>ĐỊNH HƯỚNG VÀ GIẢI PHÁP</a:t>
-            </a:r>
-            <a:endParaRPr lang="en-US" sz="3000" b="1">
+              <a:t>ĐỊNH HƯỚNG VÀ GIẢI PHÁP(1/)</a:t>
+            </a:r>
+            <a:endParaRPr lang="en-US" sz="3000" b="1" dirty="0">
               <a:solidFill>
                 <a:schemeClr val="bg1"/>
               </a:solidFill>
@@ -11064,1295 +9302,297 @@
           </a:xfrm>
         </p:spPr>
         <p:txBody>
-          <a:bodyPr>
-            <a:normAutofit/>
-          </a:bodyPr>
-          <a:lstStyle/>
-          <a:p>
-            <a:r>
-              <a:rPr lang="en-US" err="1" smtClean="0">
-                <a:solidFill>
-                  <a:srgbClr val="008000"/>
-                </a:solidFill>
-                <a:latin typeface="Arial (Body)"/>
-              </a:rPr>
-              <a:t>Tham</a:t>
-            </a:r>
-            <a:r>
-              <a:rPr lang="en-US" smtClean="0">
-                <a:solidFill>
-                  <a:srgbClr val="008000"/>
-                </a:solidFill>
-                <a:latin typeface="Arial (Body)"/>
-              </a:rPr>
-              <a:t> </a:t>
-            </a:r>
-            <a:r>
-              <a:rPr lang="en-US" err="1" smtClean="0">
-                <a:solidFill>
-                  <a:srgbClr val="008000"/>
-                </a:solidFill>
-                <a:latin typeface="Arial (Body)"/>
-              </a:rPr>
-              <a:t>khảo</a:t>
-            </a:r>
-            <a:r>
-              <a:rPr lang="en-US" smtClean="0">
-                <a:solidFill>
-                  <a:srgbClr val="008000"/>
-                </a:solidFill>
-                <a:latin typeface="Arial (Body)"/>
-              </a:rPr>
-              <a:t> </a:t>
-            </a:r>
-            <a:r>
-              <a:rPr lang="en-US" err="1" smtClean="0">
-                <a:solidFill>
-                  <a:srgbClr val="008000"/>
-                </a:solidFill>
+          <a:bodyPr/>
+          <a:lstStyle/>
+          <a:p>
+            <a:pPr marL="0" indent="0">
+              <a:buNone/>
+            </a:pPr>
+            <a:r>
+              <a:rPr lang="vi-VN" dirty="0" smtClean="0">
+                <a:solidFill>
+                  <a:srgbClr val="009900"/>
+                </a:solidFill>
+                <a:latin typeface="Arial (Body)"/>
+              </a:rPr>
+              <a:t>Môi </a:t>
+            </a:r>
+            <a:r>
+              <a:rPr lang="vi-VN" dirty="0">
+                <a:solidFill>
+                  <a:srgbClr val="009900"/>
+                </a:solidFill>
+                <a:latin typeface="Arial (Body)"/>
+              </a:rPr>
+              <a:t>trường phát triển: </a:t>
+            </a:r>
+            <a:endParaRPr lang="en-US" dirty="0" smtClean="0">
+              <a:solidFill>
+                <a:srgbClr val="009900"/>
+              </a:solidFill>
+              <a:latin typeface="Arial (Body)"/>
+            </a:endParaRPr>
+          </a:p>
+          <a:p>
+            <a:pPr lvl="1"/>
+            <a:r>
+              <a:rPr lang="vi-VN" dirty="0" smtClean="0">
+                <a:latin typeface="Arial (Body)"/>
+              </a:rPr>
+              <a:t>Mac </a:t>
+            </a:r>
+            <a:r>
+              <a:rPr lang="vi-VN" dirty="0">
+                <a:latin typeface="Arial (Body)"/>
+              </a:rPr>
+              <a:t>OS </a:t>
+            </a:r>
+            <a:r>
+              <a:rPr lang="en-US" dirty="0" smtClean="0">
+                <a:latin typeface="Arial (Body)"/>
+              </a:rPr>
+              <a:t>X 10.8+</a:t>
+            </a:r>
+            <a:r>
+              <a:rPr lang="vi-VN" dirty="0" smtClean="0">
+                <a:latin typeface="Arial (Body)"/>
+              </a:rPr>
+              <a:t>, </a:t>
+            </a:r>
+            <a:r>
+              <a:rPr lang="vi-VN" dirty="0">
+                <a:latin typeface="Arial (Body)"/>
+              </a:rPr>
+              <a:t>Xcode </a:t>
+            </a:r>
+            <a:r>
+              <a:rPr lang="vi-VN" dirty="0" smtClean="0">
+                <a:latin typeface="Arial (Body)"/>
+              </a:rPr>
+              <a:t>5.</a:t>
+            </a:r>
+            <a:r>
+              <a:rPr lang="en-US" dirty="0" smtClean="0">
+                <a:latin typeface="Arial (Body)"/>
+              </a:rPr>
+              <a:t>1</a:t>
+            </a:r>
+          </a:p>
+          <a:p>
+            <a:pPr lvl="1"/>
+            <a:r>
+              <a:rPr lang="en-US" dirty="0" smtClean="0">
+                <a:latin typeface="Arial (Body)"/>
+              </a:rPr>
+              <a:t>Android 4.0+ , Eclipse </a:t>
+            </a:r>
+            <a:r>
+              <a:rPr lang="en-US" dirty="0" err="1" smtClean="0">
                 <a:latin typeface="Arial (Body)"/>
               </a:rPr>
               <a:t>và</a:t>
             </a:r>
             <a:r>
-              <a:rPr lang="en-US" smtClean="0">
-                <a:solidFill>
-                  <a:srgbClr val="008000"/>
-                </a:solidFill>
-                <a:latin typeface="Arial (Body)"/>
-              </a:rPr>
-              <a:t> </a:t>
-            </a:r>
-            <a:r>
-              <a:rPr lang="en-US" err="1" smtClean="0">
-                <a:solidFill>
-                  <a:srgbClr val="008000"/>
-                </a:solidFill>
-                <a:latin typeface="Arial (Body)"/>
-              </a:rPr>
-              <a:t>vận</a:t>
-            </a:r>
-            <a:r>
-              <a:rPr lang="en-US" smtClean="0">
-                <a:solidFill>
-                  <a:srgbClr val="008000"/>
-                </a:solidFill>
-                <a:latin typeface="Arial (Body)"/>
-              </a:rPr>
-              <a:t> </a:t>
-            </a:r>
-            <a:r>
-              <a:rPr lang="en-US" err="1" smtClean="0">
-                <a:solidFill>
-                  <a:srgbClr val="008000"/>
-                </a:solidFill>
-                <a:latin typeface="Arial (Body)"/>
-              </a:rPr>
-              <a:t>dụng</a:t>
-            </a:r>
-            <a:r>
-              <a:rPr lang="en-US" smtClean="0">
-                <a:solidFill>
-                  <a:srgbClr val="008000"/>
-                </a:solidFill>
-                <a:latin typeface="Arial (Body)"/>
-              </a:rPr>
-              <a:t> </a:t>
-            </a:r>
-            <a:r>
-              <a:rPr lang="en-US" err="1" smtClean="0">
-                <a:solidFill>
-                  <a:srgbClr val="008000"/>
-                </a:solidFill>
-                <a:latin typeface="Arial (Body)"/>
-              </a:rPr>
-              <a:t>theo</a:t>
-            </a:r>
-            <a:r>
-              <a:rPr lang="en-US" smtClean="0">
-                <a:solidFill>
-                  <a:srgbClr val="008000"/>
-                </a:solidFill>
-                <a:latin typeface="Arial (Body)"/>
-              </a:rPr>
-              <a:t> </a:t>
-            </a:r>
-            <a:r>
-              <a:rPr lang="en-US" err="1" smtClean="0">
-                <a:solidFill>
-                  <a:srgbClr val="008000"/>
-                </a:solidFill>
-                <a:latin typeface="Arial (Body)"/>
-              </a:rPr>
-              <a:t>phần</a:t>
-            </a:r>
-            <a:r>
-              <a:rPr lang="en-US" smtClean="0">
-                <a:solidFill>
-                  <a:srgbClr val="008000"/>
-                </a:solidFill>
-                <a:latin typeface="Arial (Body)"/>
-              </a:rPr>
-              <a:t> </a:t>
-            </a:r>
-            <a:r>
-              <a:rPr lang="en-US" err="1" smtClean="0">
-                <a:solidFill>
-                  <a:srgbClr val="008000"/>
-                </a:solidFill>
-                <a:latin typeface="Arial (Body)"/>
-              </a:rPr>
-              <a:t>mềm</a:t>
-            </a:r>
-            <a:r>
-              <a:rPr lang="en-US" smtClean="0">
-                <a:solidFill>
-                  <a:srgbClr val="008000"/>
-                </a:solidFill>
-                <a:latin typeface="Arial (Body)"/>
-              </a:rPr>
-              <a:t> INSTAGRAM </a:t>
-            </a:r>
-          </a:p>
-          <a:p>
-            <a:pPr algn="just"/>
-            <a:r>
-              <a:rPr lang="en-US" sz="2400" smtClean="0">
-                <a:latin typeface="Arial (Body)"/>
-              </a:rPr>
-              <a:t>Instagram </a:t>
-            </a:r>
-            <a:r>
-              <a:rPr lang="en-US" sz="2400" err="1">
-                <a:latin typeface="Arial (Body)"/>
-              </a:rPr>
-              <a:t>là</a:t>
-            </a:r>
-            <a:r>
-              <a:rPr lang="en-US" sz="2400">
-                <a:latin typeface="Arial (Body)"/>
-              </a:rPr>
-              <a:t> </a:t>
-            </a:r>
-            <a:r>
-              <a:rPr lang="en-US" sz="2400" err="1">
-                <a:latin typeface="Arial (Body)"/>
-              </a:rPr>
-              <a:t>ứng</a:t>
-            </a:r>
-            <a:r>
-              <a:rPr lang="en-US" sz="2400">
-                <a:latin typeface="Arial (Body)"/>
-              </a:rPr>
-              <a:t> </a:t>
-            </a:r>
-            <a:r>
-              <a:rPr lang="en-US" sz="2400" err="1">
-                <a:latin typeface="Arial (Body)"/>
-              </a:rPr>
-              <a:t>dụng</a:t>
-            </a:r>
-            <a:r>
-              <a:rPr lang="en-US" sz="2400">
-                <a:latin typeface="Arial (Body)"/>
-              </a:rPr>
-              <a:t> </a:t>
-            </a:r>
-            <a:r>
-              <a:rPr lang="en-US" sz="2400" smtClean="0">
-                <a:latin typeface="Arial (Body)"/>
-              </a:rPr>
-              <a:t>miễn </a:t>
-            </a:r>
-            <a:r>
-              <a:rPr lang="en-US" sz="2400" err="1">
-                <a:latin typeface="Arial (Body)"/>
-              </a:rPr>
-              <a:t>và</a:t>
-            </a:r>
-            <a:r>
-              <a:rPr lang="en-US" sz="2400">
-                <a:latin typeface="Arial (Body)"/>
-              </a:rPr>
-              <a:t> </a:t>
-            </a:r>
-            <a:r>
-              <a:rPr lang="en-US" sz="2400" err="1">
-                <a:latin typeface="Arial (Body)"/>
-              </a:rPr>
-              <a:t>vui</a:t>
-            </a:r>
-            <a:r>
-              <a:rPr lang="en-US" sz="2400">
-                <a:latin typeface="Arial (Body)"/>
-              </a:rPr>
-              <a:t> </a:t>
-            </a:r>
-            <a:r>
-              <a:rPr lang="en-US" sz="2400" err="1">
-                <a:latin typeface="Arial (Body)"/>
-              </a:rPr>
-              <a:t>nhộn</a:t>
-            </a:r>
-            <a:r>
-              <a:rPr lang="en-US" sz="2400">
-                <a:latin typeface="Arial (Body)"/>
-              </a:rPr>
-              <a:t> </a:t>
-            </a:r>
-            <a:r>
-              <a:rPr lang="en-US" sz="2400" err="1">
-                <a:latin typeface="Arial (Body)"/>
-              </a:rPr>
-              <a:t>để</a:t>
-            </a:r>
-            <a:r>
-              <a:rPr lang="en-US" sz="2400">
-                <a:latin typeface="Arial (Body)"/>
-              </a:rPr>
-              <a:t> </a:t>
-            </a:r>
-            <a:r>
-              <a:rPr lang="en-US" sz="2400" err="1">
-                <a:latin typeface="Arial (Body)"/>
-              </a:rPr>
-              <a:t>tổ</a:t>
-            </a:r>
-            <a:r>
-              <a:rPr lang="en-US" sz="2400">
-                <a:latin typeface="Arial (Body)"/>
-              </a:rPr>
-              <a:t> </a:t>
-            </a:r>
-            <a:r>
-              <a:rPr lang="en-US" sz="2400" err="1">
-                <a:latin typeface="Arial (Body)"/>
-              </a:rPr>
-              <a:t>chức</a:t>
-            </a:r>
-            <a:r>
-              <a:rPr lang="en-US" sz="2400">
-                <a:latin typeface="Arial (Body)"/>
-              </a:rPr>
-              <a:t> </a:t>
-            </a:r>
-            <a:r>
-              <a:rPr lang="en-US" sz="2400" err="1">
-                <a:latin typeface="Arial (Body)"/>
-              </a:rPr>
-              <a:t>và</a:t>
-            </a:r>
-            <a:r>
-              <a:rPr lang="en-US" sz="2400">
-                <a:latin typeface="Arial (Body)"/>
-              </a:rPr>
-              <a:t> chia </a:t>
-            </a:r>
-            <a:r>
-              <a:rPr lang="en-US" sz="2400" err="1">
-                <a:latin typeface="Arial (Body)"/>
-              </a:rPr>
-              <a:t>sẻ</a:t>
-            </a:r>
-            <a:r>
-              <a:rPr lang="en-US" sz="2400">
-                <a:latin typeface="Arial (Body)"/>
-              </a:rPr>
-              <a:t> </a:t>
-            </a:r>
-            <a:r>
-              <a:rPr lang="en-US" sz="2400" err="1">
-                <a:latin typeface="Arial (Body)"/>
-              </a:rPr>
-              <a:t>ảnh</a:t>
-            </a:r>
-            <a:r>
-              <a:rPr lang="en-US" sz="2400">
-                <a:latin typeface="Arial (Body)"/>
-              </a:rPr>
-              <a:t> </a:t>
-            </a:r>
-            <a:r>
-              <a:rPr lang="en-US" sz="2400" err="1">
-                <a:latin typeface="Arial (Body)"/>
-              </a:rPr>
-              <a:t>trên</a:t>
-            </a:r>
-            <a:r>
-              <a:rPr lang="en-US" sz="2400">
-                <a:latin typeface="Arial (Body)"/>
-              </a:rPr>
-              <a:t> iPhone. </a:t>
-            </a:r>
-            <a:r>
-              <a:rPr lang="en-US" sz="2400" err="1">
-                <a:latin typeface="Arial (Body)"/>
-              </a:rPr>
-              <a:t>Chọn</a:t>
-            </a:r>
-            <a:r>
-              <a:rPr lang="en-US" sz="2400">
-                <a:latin typeface="Arial (Body)"/>
-              </a:rPr>
-              <a:t> </a:t>
-            </a:r>
-            <a:r>
-              <a:rPr lang="en-US" sz="2400" err="1">
-                <a:latin typeface="Arial (Body)"/>
-              </a:rPr>
-              <a:t>một</a:t>
-            </a:r>
-            <a:r>
-              <a:rPr lang="en-US" sz="2400">
-                <a:latin typeface="Arial (Body)"/>
-              </a:rPr>
-              <a:t> </a:t>
-            </a:r>
-            <a:r>
-              <a:rPr lang="en-US" sz="2400" err="1">
-                <a:latin typeface="Arial (Body)"/>
-              </a:rPr>
-              <a:t>trong</a:t>
-            </a:r>
-            <a:r>
-              <a:rPr lang="en-US" sz="2400">
-                <a:latin typeface="Arial (Body)"/>
-              </a:rPr>
-              <a:t> </a:t>
-            </a:r>
-            <a:r>
-              <a:rPr lang="en-US" sz="2400" err="1">
-                <a:latin typeface="Arial (Body)"/>
-              </a:rPr>
-              <a:t>nhiều</a:t>
-            </a:r>
-            <a:r>
-              <a:rPr lang="en-US" sz="2400">
-                <a:latin typeface="Arial (Body)"/>
-              </a:rPr>
-              <a:t> </a:t>
-            </a:r>
-            <a:r>
-              <a:rPr lang="en-US" sz="2400" err="1">
-                <a:latin typeface="Arial (Body)"/>
-              </a:rPr>
-              <a:t>hiệu</a:t>
-            </a:r>
-            <a:r>
-              <a:rPr lang="en-US" sz="2400">
-                <a:latin typeface="Arial (Body)"/>
-              </a:rPr>
-              <a:t> </a:t>
-            </a:r>
-            <a:r>
-              <a:rPr lang="en-US" sz="2400" err="1">
-                <a:latin typeface="Arial (Body)"/>
-              </a:rPr>
-              <a:t>ứng</a:t>
-            </a:r>
-            <a:r>
-              <a:rPr lang="en-US" sz="2400">
-                <a:latin typeface="Arial (Body)"/>
-              </a:rPr>
-              <a:t> </a:t>
-            </a:r>
-            <a:r>
-              <a:rPr lang="en-US" sz="2400" err="1">
-                <a:latin typeface="Arial (Body)"/>
-              </a:rPr>
-              <a:t>và</a:t>
-            </a:r>
-            <a:r>
-              <a:rPr lang="en-US" sz="2400">
-                <a:latin typeface="Arial (Body)"/>
-              </a:rPr>
-              <a:t> </a:t>
-            </a:r>
-            <a:r>
-              <a:rPr lang="en-US" sz="2400" err="1">
-                <a:latin typeface="Arial (Body)"/>
-              </a:rPr>
-              <a:t>bộ</a:t>
-            </a:r>
-            <a:r>
-              <a:rPr lang="en-US" sz="2400">
-                <a:latin typeface="Arial (Body)"/>
-              </a:rPr>
-              <a:t> </a:t>
-            </a:r>
-            <a:r>
-              <a:rPr lang="en-US" sz="2400" err="1">
-                <a:latin typeface="Arial (Body)"/>
-              </a:rPr>
-              <a:t>lọc</a:t>
-            </a:r>
-            <a:r>
-              <a:rPr lang="en-US" sz="2400">
-                <a:latin typeface="Arial (Body)"/>
-              </a:rPr>
-              <a:t> </a:t>
-            </a:r>
-            <a:r>
-              <a:rPr lang="en-US" sz="2400" err="1">
-                <a:latin typeface="Arial (Body)"/>
-              </a:rPr>
-              <a:t>tuyệt</a:t>
-            </a:r>
-            <a:r>
-              <a:rPr lang="en-US" sz="2400">
-                <a:latin typeface="Arial (Body)"/>
-              </a:rPr>
-              <a:t> </a:t>
-            </a:r>
-            <a:r>
-              <a:rPr lang="en-US" sz="2400" err="1">
-                <a:latin typeface="Arial (Body)"/>
-              </a:rPr>
-              <a:t>đẹp</a:t>
-            </a:r>
-            <a:r>
-              <a:rPr lang="en-US" sz="2400">
-                <a:latin typeface="Arial (Body)"/>
-              </a:rPr>
-              <a:t> </a:t>
-            </a:r>
-            <a:r>
-              <a:rPr lang="en-US" sz="2400" err="1">
-                <a:latin typeface="Arial (Body)"/>
-              </a:rPr>
-              <a:t>hoặc</a:t>
-            </a:r>
-            <a:r>
-              <a:rPr lang="en-US" sz="2400">
-                <a:latin typeface="Arial (Body)"/>
-              </a:rPr>
-              <a:t> </a:t>
-            </a:r>
-            <a:r>
-              <a:rPr lang="en-US" sz="2400" err="1">
-                <a:latin typeface="Arial (Body)"/>
-              </a:rPr>
-              <a:t>tính</a:t>
-            </a:r>
-            <a:r>
-              <a:rPr lang="en-US" sz="2400">
-                <a:latin typeface="Arial (Body)"/>
-              </a:rPr>
-              <a:t> </a:t>
-            </a:r>
-            <a:r>
-              <a:rPr lang="en-US" sz="2400" err="1">
-                <a:latin typeface="Arial (Body)"/>
-              </a:rPr>
-              <a:t>năng</a:t>
-            </a:r>
-            <a:r>
-              <a:rPr lang="en-US" sz="2400">
-                <a:latin typeface="Arial (Body)"/>
-              </a:rPr>
-              <a:t> </a:t>
-            </a:r>
-            <a:r>
-              <a:rPr lang="en-US" sz="2400" err="1">
-                <a:latin typeface="Arial (Body)"/>
-              </a:rPr>
-              <a:t>làm</a:t>
-            </a:r>
-            <a:r>
-              <a:rPr lang="en-US" sz="2400">
-                <a:latin typeface="Arial (Body)"/>
-              </a:rPr>
-              <a:t> </a:t>
-            </a:r>
-            <a:r>
-              <a:rPr lang="en-US" sz="2400" err="1">
-                <a:latin typeface="Arial (Body)"/>
-              </a:rPr>
-              <a:t>mờ</a:t>
-            </a:r>
-            <a:r>
-              <a:rPr lang="en-US" sz="2400">
-                <a:latin typeface="Arial (Body)"/>
-              </a:rPr>
-              <a:t> </a:t>
-            </a:r>
-            <a:r>
-              <a:rPr lang="en-US" sz="2400" err="1">
-                <a:latin typeface="Arial (Body)"/>
-              </a:rPr>
-              <a:t>để</a:t>
-            </a:r>
-            <a:r>
-              <a:rPr lang="en-US" sz="2400">
-                <a:latin typeface="Arial (Body)"/>
-              </a:rPr>
-              <a:t> ‘</a:t>
-            </a:r>
-            <a:r>
-              <a:rPr lang="en-US" sz="2400" err="1">
-                <a:latin typeface="Arial (Body)"/>
-              </a:rPr>
-              <a:t>làm</a:t>
-            </a:r>
-            <a:r>
-              <a:rPr lang="en-US" sz="2400">
-                <a:latin typeface="Arial (Body)"/>
-              </a:rPr>
-              <a:t> </a:t>
-            </a:r>
-            <a:r>
-              <a:rPr lang="en-US" sz="2400" err="1">
-                <a:latin typeface="Arial (Body)"/>
-              </a:rPr>
-              <a:t>mới</a:t>
-            </a:r>
-            <a:r>
-              <a:rPr lang="en-US" sz="2400">
-                <a:latin typeface="Arial (Body)"/>
-              </a:rPr>
-              <a:t>’ </a:t>
-            </a:r>
-            <a:r>
-              <a:rPr lang="en-US" sz="2400" err="1">
-                <a:latin typeface="Arial (Body)"/>
-              </a:rPr>
-              <a:t>những</a:t>
-            </a:r>
-            <a:r>
-              <a:rPr lang="en-US" sz="2400">
-                <a:latin typeface="Arial (Body)"/>
-              </a:rPr>
-              <a:t> </a:t>
-            </a:r>
-            <a:r>
-              <a:rPr lang="en-US" sz="2400" err="1">
-                <a:latin typeface="Arial (Body)"/>
-              </a:rPr>
-              <a:t>bức</a:t>
-            </a:r>
-            <a:r>
-              <a:rPr lang="en-US" sz="2400">
-                <a:latin typeface="Arial (Body)"/>
-              </a:rPr>
-              <a:t> </a:t>
-            </a:r>
-            <a:r>
-              <a:rPr lang="en-US" sz="2400" err="1">
-                <a:latin typeface="Arial (Body)"/>
-              </a:rPr>
-              <a:t>ảnh</a:t>
-            </a:r>
-            <a:r>
-              <a:rPr lang="en-US" sz="2400">
-                <a:latin typeface="Arial (Body)"/>
-              </a:rPr>
-              <a:t> </a:t>
-            </a:r>
-            <a:r>
-              <a:rPr lang="en-US" sz="2400" err="1">
-                <a:latin typeface="Arial (Body)"/>
-              </a:rPr>
-              <a:t>trên</a:t>
-            </a:r>
-            <a:r>
-              <a:rPr lang="en-US" sz="2400">
-                <a:latin typeface="Arial (Body)"/>
-              </a:rPr>
-              <a:t> di </a:t>
-            </a:r>
-            <a:r>
-              <a:rPr lang="en-US" sz="2400" err="1" smtClean="0">
-                <a:latin typeface="Arial (Body)"/>
-              </a:rPr>
-              <a:t>động</a:t>
-            </a:r>
-            <a:r>
-              <a:rPr lang="en-US" sz="2400" smtClean="0">
-                <a:latin typeface="Arial (Body)"/>
-              </a:rPr>
-              <a:t>. </a:t>
-            </a:r>
-            <a:r>
-              <a:rPr lang="en-US" sz="2400" err="1">
-                <a:latin typeface="Arial (Body)"/>
-              </a:rPr>
-              <a:t>Chuyển</a:t>
-            </a:r>
-            <a:r>
-              <a:rPr lang="en-US" sz="2400">
-                <a:latin typeface="Arial (Body)"/>
-              </a:rPr>
-              <a:t> </a:t>
-            </a:r>
-            <a:r>
-              <a:rPr lang="en-US" sz="2400" err="1">
-                <a:latin typeface="Arial (Body)"/>
-              </a:rPr>
-              <a:t>tải</a:t>
-            </a:r>
-            <a:r>
-              <a:rPr lang="en-US" sz="2400">
-                <a:latin typeface="Arial (Body)"/>
-              </a:rPr>
-              <a:t> </a:t>
-            </a:r>
-            <a:r>
-              <a:rPr lang="en-US" sz="2400" err="1">
-                <a:latin typeface="Arial (Body)"/>
-              </a:rPr>
-              <a:t>mỗi</a:t>
-            </a:r>
-            <a:r>
-              <a:rPr lang="en-US" sz="2400">
-                <a:latin typeface="Arial (Body)"/>
-              </a:rPr>
-              <a:t> </a:t>
-            </a:r>
-            <a:r>
-              <a:rPr lang="en-US" sz="2400" err="1">
-                <a:latin typeface="Arial (Body)"/>
-              </a:rPr>
-              <a:t>khoảnh</a:t>
-            </a:r>
-            <a:r>
-              <a:rPr lang="en-US" sz="2400">
-                <a:latin typeface="Arial (Body)"/>
-              </a:rPr>
-              <a:t> </a:t>
-            </a:r>
-            <a:r>
-              <a:rPr lang="en-US" sz="2400" err="1">
-                <a:latin typeface="Arial (Body)"/>
-              </a:rPr>
-              <a:t>khắc</a:t>
-            </a:r>
-            <a:r>
-              <a:rPr lang="en-US" sz="2400">
-                <a:latin typeface="Arial (Body)"/>
-              </a:rPr>
-              <a:t> </a:t>
-            </a:r>
-            <a:r>
-              <a:rPr lang="en-US" sz="2400" err="1">
-                <a:latin typeface="Arial (Body)"/>
-              </a:rPr>
-              <a:t>nghệ</a:t>
-            </a:r>
-            <a:r>
-              <a:rPr lang="en-US" sz="2400">
-                <a:latin typeface="Arial (Body)"/>
-              </a:rPr>
-              <a:t> </a:t>
-            </a:r>
-            <a:r>
-              <a:rPr lang="en-US" sz="2400" smtClean="0">
-                <a:latin typeface="Arial (Body)"/>
-              </a:rPr>
-              <a:t>thuật </a:t>
-            </a:r>
-            <a:r>
-              <a:rPr lang="en-US" sz="2400" err="1">
-                <a:latin typeface="Arial (Body)"/>
-              </a:rPr>
-              <a:t>cho</a:t>
-            </a:r>
-            <a:r>
-              <a:rPr lang="en-US" sz="2400">
-                <a:latin typeface="Arial (Body)"/>
-              </a:rPr>
-              <a:t> </a:t>
-            </a:r>
-            <a:r>
-              <a:rPr lang="en-US" sz="2400" err="1">
-                <a:latin typeface="Arial (Body)"/>
-              </a:rPr>
-              <a:t>bạn</a:t>
-            </a:r>
-            <a:r>
-              <a:rPr lang="en-US" sz="2400">
-                <a:latin typeface="Arial (Body)"/>
-              </a:rPr>
-              <a:t> </a:t>
-            </a:r>
-            <a:r>
-              <a:rPr lang="en-US" sz="2400" err="1">
-                <a:latin typeface="Arial (Body)"/>
-              </a:rPr>
-              <a:t>bè</a:t>
-            </a:r>
-            <a:r>
-              <a:rPr lang="en-US" sz="2400">
-                <a:latin typeface="Arial (Body)"/>
-              </a:rPr>
-              <a:t> </a:t>
-            </a:r>
-            <a:r>
-              <a:rPr lang="en-US" sz="2400" err="1">
-                <a:latin typeface="Arial (Body)"/>
-              </a:rPr>
-              <a:t>và</a:t>
-            </a:r>
-            <a:r>
-              <a:rPr lang="en-US" sz="2400">
-                <a:latin typeface="Arial (Body)"/>
-              </a:rPr>
-              <a:t> </a:t>
-            </a:r>
-            <a:r>
-              <a:rPr lang="en-US" sz="2400" err="1">
-                <a:latin typeface="Arial (Body)"/>
-              </a:rPr>
-              <a:t>người</a:t>
-            </a:r>
-            <a:r>
-              <a:rPr lang="en-US" sz="2400">
-                <a:latin typeface="Arial (Body)"/>
-              </a:rPr>
-              <a:t> </a:t>
-            </a:r>
-            <a:r>
-              <a:rPr lang="en-US" sz="2400" err="1">
-                <a:latin typeface="Arial (Body)"/>
-              </a:rPr>
-              <a:t>thân</a:t>
-            </a:r>
-            <a:r>
-              <a:rPr lang="en-US" sz="2400">
-                <a:latin typeface="Arial (Body)"/>
-              </a:rPr>
-              <a:t> </a:t>
-            </a:r>
-            <a:r>
-              <a:rPr lang="en-US" sz="2400" smtClean="0">
-                <a:latin typeface="Arial (Body)"/>
-              </a:rPr>
-              <a:t>bằng </a:t>
-            </a:r>
-            <a:r>
-              <a:rPr lang="en-US" sz="2400" err="1">
-                <a:latin typeface="Arial (Body)"/>
-              </a:rPr>
-              <a:t>tính</a:t>
-            </a:r>
-            <a:r>
-              <a:rPr lang="en-US" sz="2400">
-                <a:latin typeface="Arial (Body)"/>
-              </a:rPr>
-              <a:t> </a:t>
-            </a:r>
-            <a:r>
-              <a:rPr lang="en-US" sz="2400" err="1">
-                <a:latin typeface="Arial (Body)"/>
-              </a:rPr>
-              <a:t>năng</a:t>
-            </a:r>
-            <a:r>
-              <a:rPr lang="en-US" sz="2400">
-                <a:latin typeface="Arial (Body)"/>
-              </a:rPr>
-              <a:t> chia </a:t>
-            </a:r>
-            <a:r>
-              <a:rPr lang="en-US" sz="2400" err="1">
-                <a:latin typeface="Arial (Body)"/>
-              </a:rPr>
-              <a:t>sẻ</a:t>
-            </a:r>
-            <a:r>
-              <a:rPr lang="en-US" sz="2400">
-                <a:latin typeface="Arial (Body)"/>
-              </a:rPr>
-              <a:t> </a:t>
-            </a:r>
-            <a:r>
-              <a:rPr lang="en-US" sz="2400" err="1">
-                <a:latin typeface="Arial (Body)"/>
-              </a:rPr>
-              <a:t>của</a:t>
-            </a:r>
-            <a:r>
-              <a:rPr lang="en-US" sz="2400">
-                <a:latin typeface="Arial (Body)"/>
-              </a:rPr>
-              <a:t> </a:t>
-            </a:r>
-            <a:r>
-              <a:rPr lang="en-US" sz="2400" err="1">
-                <a:latin typeface="Arial (Body)"/>
-              </a:rPr>
-              <a:t>phần</a:t>
-            </a:r>
-            <a:r>
-              <a:rPr lang="en-US" sz="2400">
-                <a:latin typeface="Arial (Body)"/>
-              </a:rPr>
-              <a:t> </a:t>
-            </a:r>
-            <a:r>
-              <a:rPr lang="en-US" sz="2400" err="1">
-                <a:latin typeface="Arial (Body)"/>
-              </a:rPr>
-              <a:t>mềm</a:t>
-            </a:r>
-            <a:r>
-              <a:rPr lang="en-US" sz="2400">
-                <a:latin typeface="Arial (Body)"/>
-              </a:rPr>
-              <a:t>.</a:t>
-            </a:r>
-          </a:p>
-          <a:p>
-            <a:r>
-              <a:rPr lang="en-US" sz="2400" smtClean="0">
-                <a:latin typeface="Arial (Body)"/>
-              </a:rPr>
-              <a:t>Chia </a:t>
-            </a:r>
-            <a:r>
-              <a:rPr lang="en-US" sz="2400" err="1" smtClean="0">
-                <a:latin typeface="Arial (Body)"/>
-              </a:rPr>
-              <a:t>sẻ</a:t>
-            </a:r>
-            <a:r>
-              <a:rPr lang="en-US" sz="2400" smtClean="0">
-                <a:latin typeface="Arial (Body)"/>
-              </a:rPr>
-              <a:t> </a:t>
-            </a:r>
-            <a:r>
-              <a:rPr lang="en-US" sz="2400" err="1" smtClean="0">
-                <a:latin typeface="Arial (Body)"/>
-              </a:rPr>
-              <a:t>ảnh</a:t>
-            </a:r>
-            <a:r>
-              <a:rPr lang="en-US" sz="2400" smtClean="0">
-                <a:latin typeface="Arial (Body)"/>
-              </a:rPr>
-              <a:t> </a:t>
-            </a:r>
-            <a:r>
-              <a:rPr lang="en-US" sz="2400" err="1" smtClean="0">
-                <a:latin typeface="Arial (Body)"/>
-              </a:rPr>
-              <a:t>dễ</a:t>
-            </a:r>
-            <a:r>
-              <a:rPr lang="en-US" sz="2400" smtClean="0">
-                <a:latin typeface="Arial (Body)"/>
-              </a:rPr>
-              <a:t> </a:t>
-            </a:r>
-            <a:r>
-              <a:rPr lang="en-US" sz="2400" err="1" smtClean="0">
-                <a:latin typeface="Arial (Body)"/>
-              </a:rPr>
-              <a:t>dàng</a:t>
-            </a:r>
-            <a:r>
-              <a:rPr lang="en-US" sz="2400" smtClean="0">
-                <a:latin typeface="Arial (Body)"/>
-              </a:rPr>
-              <a:t> </a:t>
-            </a:r>
-            <a:r>
-              <a:rPr lang="en-US" sz="2400" err="1" smtClean="0">
-                <a:latin typeface="Arial (Body)"/>
-              </a:rPr>
-              <a:t>với</a:t>
-            </a:r>
-            <a:r>
-              <a:rPr lang="en-US" sz="2400" smtClean="0">
-                <a:latin typeface="Arial (Body)"/>
-              </a:rPr>
-              <a:t> </a:t>
-            </a:r>
-            <a:r>
-              <a:rPr lang="en-US" sz="2400" err="1" smtClean="0">
-                <a:latin typeface="Arial (Body)"/>
-              </a:rPr>
-              <a:t>mọi</a:t>
-            </a:r>
-            <a:r>
-              <a:rPr lang="en-US" sz="2400" smtClean="0">
-                <a:latin typeface="Arial (Body)"/>
-              </a:rPr>
-              <a:t> </a:t>
-            </a:r>
-            <a:r>
-              <a:rPr lang="en-US" sz="2400" err="1" smtClean="0">
-                <a:latin typeface="Arial (Body)"/>
-              </a:rPr>
-              <a:t>người</a:t>
-            </a:r>
-            <a:r>
-              <a:rPr lang="en-US" sz="2400" smtClean="0">
-                <a:latin typeface="Arial (Body)"/>
-              </a:rPr>
-              <a:t> – </a:t>
-            </a:r>
-            <a:r>
-              <a:rPr lang="en-US" sz="2400" err="1" smtClean="0">
-                <a:latin typeface="Arial (Body)"/>
-              </a:rPr>
-              <a:t>đồng</a:t>
-            </a:r>
-            <a:r>
-              <a:rPr lang="en-US" sz="2400" smtClean="0">
-                <a:latin typeface="Arial (Body)"/>
-              </a:rPr>
-              <a:t> </a:t>
-            </a:r>
-            <a:r>
-              <a:rPr lang="en-US" sz="2400" err="1" smtClean="0">
-                <a:latin typeface="Arial (Body)"/>
-              </a:rPr>
-              <a:t>thời</a:t>
-            </a:r>
-            <a:r>
-              <a:rPr lang="en-US" sz="2400" smtClean="0">
-                <a:latin typeface="Arial (Body)"/>
-              </a:rPr>
-              <a:t> </a:t>
-            </a:r>
-            <a:r>
-              <a:rPr lang="en-US" sz="2400" err="1" smtClean="0">
-                <a:latin typeface="Arial (Body)"/>
-              </a:rPr>
-              <a:t>chiêm</a:t>
-            </a:r>
-            <a:r>
-              <a:rPr lang="en-US" sz="2400" smtClean="0">
-                <a:latin typeface="Arial (Body)"/>
-              </a:rPr>
-              <a:t> </a:t>
-            </a:r>
-            <a:r>
-              <a:rPr lang="en-US" sz="2400" err="1" smtClean="0">
-                <a:latin typeface="Arial (Body)"/>
-              </a:rPr>
-              <a:t>ngưỡng</a:t>
-            </a:r>
-            <a:r>
-              <a:rPr lang="en-US" sz="2400" smtClean="0">
-                <a:latin typeface="Arial (Body)"/>
-              </a:rPr>
-              <a:t> </a:t>
-            </a:r>
-            <a:r>
-              <a:rPr lang="en-US" sz="2400" err="1" smtClean="0">
-                <a:latin typeface="Arial (Body)"/>
-              </a:rPr>
-              <a:t>ảnh</a:t>
-            </a:r>
-            <a:r>
-              <a:rPr lang="en-US" sz="2400" smtClean="0">
-                <a:latin typeface="Arial (Body)"/>
-              </a:rPr>
-              <a:t> </a:t>
-            </a:r>
-            <a:r>
-              <a:rPr lang="en-US" sz="2400" err="1" smtClean="0">
-                <a:latin typeface="Arial (Body)"/>
-              </a:rPr>
-              <a:t>bạn</a:t>
-            </a:r>
-            <a:r>
-              <a:rPr lang="en-US" sz="2400" smtClean="0">
-                <a:latin typeface="Arial (Body)"/>
-              </a:rPr>
-              <a:t> </a:t>
-            </a:r>
-            <a:r>
-              <a:rPr lang="en-US" sz="2400" err="1" smtClean="0">
-                <a:latin typeface="Arial (Body)"/>
-              </a:rPr>
-              <a:t>bè</a:t>
-            </a:r>
-            <a:r>
-              <a:rPr lang="en-US" sz="2400" smtClean="0">
-                <a:latin typeface="Arial (Body)"/>
-              </a:rPr>
-              <a:t> </a:t>
-            </a:r>
-            <a:r>
-              <a:rPr lang="en-US" sz="2400" err="1" smtClean="0">
-                <a:latin typeface="Arial (Body)"/>
-              </a:rPr>
-              <a:t>chỉ</a:t>
-            </a:r>
-            <a:r>
-              <a:rPr lang="en-US" sz="2400" smtClean="0">
-                <a:latin typeface="Arial (Body)"/>
-              </a:rPr>
-              <a:t> </a:t>
-            </a:r>
-            <a:r>
-              <a:rPr lang="en-US" sz="2400" err="1" smtClean="0">
-                <a:latin typeface="Arial (Body)"/>
-              </a:rPr>
-              <a:t>với</a:t>
-            </a:r>
-            <a:r>
-              <a:rPr lang="en-US" sz="2400" smtClean="0">
-                <a:latin typeface="Arial (Body)"/>
-              </a:rPr>
-              <a:t> </a:t>
-            </a:r>
-            <a:r>
-              <a:rPr lang="en-US" sz="2400" err="1" smtClean="0">
-                <a:latin typeface="Arial (Body)"/>
-              </a:rPr>
-              <a:t>một</a:t>
-            </a:r>
-            <a:r>
-              <a:rPr lang="en-US" sz="2400" smtClean="0">
-                <a:latin typeface="Arial (Body)"/>
-              </a:rPr>
-              <a:t> </a:t>
-            </a:r>
-            <a:r>
-              <a:rPr lang="en-US" sz="2400" err="1" smtClean="0">
-                <a:latin typeface="Arial (Body)"/>
-              </a:rPr>
-              <a:t>cú</a:t>
-            </a:r>
-            <a:r>
-              <a:rPr lang="en-US" sz="2400" smtClean="0">
-                <a:latin typeface="Arial (Body)"/>
-              </a:rPr>
-              <a:t> click. </a:t>
-            </a:r>
-            <a:r>
-              <a:rPr lang="en-US" sz="2400" err="1" smtClean="0">
-                <a:latin typeface="Arial (Body)"/>
-              </a:rPr>
-              <a:t>Mỗi</a:t>
-            </a:r>
-            <a:r>
-              <a:rPr lang="en-US" sz="2400" smtClean="0">
-                <a:latin typeface="Arial (Body)"/>
-              </a:rPr>
-              <a:t> </a:t>
-            </a:r>
-            <a:r>
-              <a:rPr lang="en-US" sz="2400" err="1" smtClean="0">
-                <a:latin typeface="Arial (Body)"/>
-              </a:rPr>
-              <a:t>khi</a:t>
-            </a:r>
-            <a:r>
-              <a:rPr lang="en-US" sz="2400" smtClean="0">
-                <a:latin typeface="Arial (Body)"/>
-              </a:rPr>
-              <a:t> </a:t>
-            </a:r>
-            <a:r>
-              <a:rPr lang="en-US" sz="2400" err="1" smtClean="0">
-                <a:latin typeface="Arial (Body)"/>
-              </a:rPr>
-              <a:t>mở</a:t>
-            </a:r>
-            <a:r>
-              <a:rPr lang="en-US" sz="2400" smtClean="0">
-                <a:latin typeface="Arial (Body)"/>
-              </a:rPr>
-              <a:t> </a:t>
-            </a:r>
-            <a:r>
-              <a:rPr lang="en-US" sz="2400" err="1" smtClean="0">
-                <a:latin typeface="Arial (Body)"/>
-              </a:rPr>
-              <a:t>InstagramClone</a:t>
-            </a:r>
-            <a:r>
-              <a:rPr lang="en-US" sz="2400" smtClean="0">
+              <a:rPr lang="en-US" dirty="0" smtClean="0">
+                <a:latin typeface="Arial (Body)"/>
+              </a:rPr>
+              <a:t> Android SDK</a:t>
+            </a:r>
+          </a:p>
+          <a:p>
+            <a:pPr lvl="1"/>
+            <a:r>
+              <a:rPr lang="en-US" dirty="0" smtClean="0">
+                <a:latin typeface="Arial (Body)"/>
+              </a:rPr>
+              <a:t>Ruby on Rails, Ubuntu.</a:t>
+            </a:r>
+            <a:endParaRPr lang="vi-VN" dirty="0">
+              <a:latin typeface="Arial (Body)"/>
+            </a:endParaRPr>
+          </a:p>
+          <a:p>
+            <a:pPr marL="0" indent="0">
+              <a:buNone/>
+            </a:pPr>
+            <a:r>
+              <a:rPr lang="vi-VN" dirty="0">
+                <a:solidFill>
+                  <a:srgbClr val="009900"/>
+                </a:solidFill>
+                <a:latin typeface="Arial (Body)"/>
+              </a:rPr>
+              <a:t>­ Ngôn ngữ: </a:t>
+            </a:r>
+            <a:endParaRPr lang="en-US" dirty="0" smtClean="0">
+              <a:solidFill>
+                <a:srgbClr val="009900"/>
+              </a:solidFill>
+              <a:latin typeface="Arial (Body)"/>
+            </a:endParaRPr>
+          </a:p>
+          <a:p>
+            <a:pPr lvl="1"/>
+            <a:r>
+              <a:rPr lang="vi-VN" dirty="0" smtClean="0">
+                <a:latin typeface="Arial (Body)"/>
+              </a:rPr>
+              <a:t>Objective­C.  </a:t>
+            </a:r>
+            <a:endParaRPr lang="en-US" dirty="0" smtClean="0">
+              <a:latin typeface="Arial (Body)"/>
+            </a:endParaRPr>
+          </a:p>
+          <a:p>
+            <a:pPr lvl="1"/>
+            <a:r>
+              <a:rPr lang="en-US" dirty="0" smtClean="0">
+                <a:latin typeface="Arial (Body)"/>
+              </a:rPr>
+              <a:t>Java</a:t>
+            </a:r>
+          </a:p>
+          <a:p>
+            <a:pPr lvl="1"/>
+            <a:r>
+              <a:rPr lang="en-US" dirty="0" smtClean="0">
+                <a:latin typeface="Arial (Body)"/>
+              </a:rPr>
+              <a:t>Ruby</a:t>
+            </a:r>
+            <a:endParaRPr lang="vi-VN" dirty="0">
+              <a:latin typeface="Arial (Body)"/>
+            </a:endParaRPr>
+          </a:p>
+          <a:p>
+            <a:pPr marL="0" indent="0">
+              <a:buNone/>
+            </a:pPr>
+            <a:r>
+              <a:rPr lang="vi-VN" dirty="0">
+                <a:solidFill>
+                  <a:srgbClr val="009900"/>
+                </a:solidFill>
+                <a:latin typeface="Arial (Body)"/>
+              </a:rPr>
+              <a:t>­ Thư </a:t>
+            </a:r>
+            <a:r>
+              <a:rPr lang="vi-VN" dirty="0" smtClean="0">
+                <a:solidFill>
+                  <a:srgbClr val="009900"/>
+                </a:solidFill>
+                <a:latin typeface="Arial (Body)"/>
+              </a:rPr>
+              <a:t>viện: GPUImage</a:t>
+            </a:r>
+            <a:r>
+              <a:rPr lang="en-US" dirty="0" smtClean="0">
+                <a:solidFill>
+                  <a:srgbClr val="009900"/>
+                </a:solidFill>
                 <a:latin typeface="Arial (Body)"/>
               </a:rPr>
               <a:t>, </a:t>
             </a:r>
             <a:r>
-              <a:rPr lang="en-US" sz="2400" err="1" smtClean="0">
-                <a:latin typeface="Arial (Body)"/>
-              </a:rPr>
-              <a:t>bạn</a:t>
-            </a:r>
-            <a:r>
-              <a:rPr lang="en-US" sz="2400" smtClean="0">
-                <a:latin typeface="Arial (Body)"/>
-              </a:rPr>
-              <a:t> </a:t>
-            </a:r>
-            <a:r>
-              <a:rPr lang="en-US" sz="2400" err="1" smtClean="0">
-                <a:latin typeface="Arial (Body)"/>
-              </a:rPr>
-              <a:t>sẽ</a:t>
-            </a:r>
-            <a:r>
-              <a:rPr lang="en-US" sz="2400" smtClean="0">
-                <a:latin typeface="Arial (Body)"/>
-              </a:rPr>
-              <a:t> </a:t>
-            </a:r>
-            <a:r>
-              <a:rPr lang="en-US" sz="2400" err="1" smtClean="0">
-                <a:latin typeface="Arial (Body)"/>
-              </a:rPr>
-              <a:t>thấy</a:t>
-            </a:r>
-            <a:r>
-              <a:rPr lang="en-US" sz="2400" smtClean="0">
-                <a:latin typeface="Arial (Body)"/>
-              </a:rPr>
-              <a:t> </a:t>
-            </a:r>
-            <a:r>
-              <a:rPr lang="en-US" sz="2400" err="1" smtClean="0">
-                <a:latin typeface="Arial (Body)"/>
-              </a:rPr>
-              <a:t>những</a:t>
-            </a:r>
-            <a:r>
-              <a:rPr lang="en-US" sz="2400" smtClean="0">
-                <a:latin typeface="Arial (Body)"/>
-              </a:rPr>
-              <a:t> </a:t>
-            </a:r>
-            <a:r>
-              <a:rPr lang="en-US" sz="2400" err="1" smtClean="0">
-                <a:latin typeface="Arial (Body)"/>
-              </a:rPr>
-              <a:t>bức</a:t>
-            </a:r>
-            <a:r>
-              <a:rPr lang="en-US" sz="2400" smtClean="0">
-                <a:latin typeface="Arial (Body)"/>
-              </a:rPr>
-              <a:t> </a:t>
-            </a:r>
-            <a:r>
-              <a:rPr lang="en-US" sz="2400" err="1" smtClean="0">
-                <a:latin typeface="Arial (Body)"/>
-              </a:rPr>
-              <a:t>ảnh</a:t>
-            </a:r>
-            <a:r>
-              <a:rPr lang="en-US" sz="2400" smtClean="0">
-                <a:latin typeface="Arial (Body)"/>
-              </a:rPr>
-              <a:t> </a:t>
-            </a:r>
-            <a:r>
-              <a:rPr lang="en-US" sz="2400" err="1" smtClean="0">
-                <a:latin typeface="Arial (Body)"/>
-              </a:rPr>
-              <a:t>mới</a:t>
-            </a:r>
-            <a:r>
-              <a:rPr lang="en-US" sz="2400" smtClean="0">
-                <a:latin typeface="Arial (Body)"/>
-              </a:rPr>
-              <a:t> </a:t>
-            </a:r>
-            <a:r>
-              <a:rPr lang="en-US" sz="2400" err="1" smtClean="0">
-                <a:latin typeface="Arial (Body)"/>
-              </a:rPr>
-              <a:t>của</a:t>
-            </a:r>
-            <a:r>
-              <a:rPr lang="en-US" sz="2400" smtClean="0">
-                <a:latin typeface="Arial (Body)"/>
-              </a:rPr>
-              <a:t> </a:t>
-            </a:r>
-            <a:r>
-              <a:rPr lang="en-US" sz="2400" err="1" smtClean="0">
-                <a:latin typeface="Arial (Body)"/>
-              </a:rPr>
-              <a:t>mọi</a:t>
-            </a:r>
-            <a:r>
-              <a:rPr lang="en-US" sz="2400" smtClean="0">
-                <a:latin typeface="Arial (Body)"/>
-              </a:rPr>
-              <a:t> </a:t>
-            </a:r>
-            <a:r>
-              <a:rPr lang="en-US" sz="2400" err="1" smtClean="0">
-                <a:latin typeface="Arial (Body)"/>
-              </a:rPr>
-              <a:t>người</a:t>
-            </a:r>
-            <a:r>
-              <a:rPr lang="en-US" sz="2400" smtClean="0">
+              <a:rPr lang="en-US" dirty="0" err="1" smtClean="0">
+                <a:solidFill>
+                  <a:srgbClr val="009900"/>
+                </a:solidFill>
+                <a:latin typeface="Arial (Body)"/>
+              </a:rPr>
+              <a:t>CoreImage</a:t>
+            </a:r>
+            <a:r>
+              <a:rPr lang="en-US" dirty="0" smtClean="0">
+                <a:solidFill>
+                  <a:srgbClr val="009900"/>
+                </a:solidFill>
+                <a:latin typeface="Arial (Body)"/>
+              </a:rPr>
+              <a:t>,</a:t>
+            </a:r>
+            <a:r>
+              <a:rPr lang="vi-VN" dirty="0" smtClean="0">
+                <a:solidFill>
+                  <a:srgbClr val="009900"/>
+                </a:solidFill>
+                <a:latin typeface="Arial (Body)"/>
+              </a:rPr>
+              <a:t> </a:t>
+            </a:r>
+            <a:endParaRPr lang="vi-VN" dirty="0">
+              <a:solidFill>
+                <a:srgbClr val="009900"/>
+              </a:solidFill>
+              <a:latin typeface="Arial (Body)"/>
+            </a:endParaRPr>
+          </a:p>
+          <a:p>
+            <a:pPr marL="0" indent="0">
+              <a:buNone/>
+            </a:pPr>
+            <a:r>
+              <a:rPr lang="vi-VN" dirty="0">
+                <a:solidFill>
+                  <a:srgbClr val="009900"/>
+                </a:solidFill>
+                <a:latin typeface="Arial (Body)"/>
+              </a:rPr>
+              <a:t>­ Facebook SDK, Twitter Framework </a:t>
+            </a:r>
+            <a:r>
+              <a:rPr lang="vi-VN" dirty="0" smtClean="0">
+                <a:solidFill>
+                  <a:srgbClr val="009900"/>
+                </a:solidFill>
+                <a:latin typeface="Arial (Body)"/>
+              </a:rPr>
+              <a:t>iOS</a:t>
+            </a:r>
+            <a:r>
+              <a:rPr lang="en-US" dirty="0">
+                <a:solidFill>
+                  <a:srgbClr val="009900"/>
+                </a:solidFill>
                 <a:latin typeface="Arial (Body)"/>
               </a:rPr>
               <a:t>, </a:t>
             </a:r>
             <a:r>
-              <a:rPr lang="en-US" sz="2400" err="1" smtClean="0">
-                <a:latin typeface="Arial (Body)"/>
-              </a:rPr>
-              <a:t>cũng</a:t>
-            </a:r>
-            <a:r>
-              <a:rPr lang="en-US" sz="2400" smtClean="0">
-                <a:latin typeface="Arial (Body)"/>
-              </a:rPr>
-              <a:t> </a:t>
-            </a:r>
-            <a:r>
-              <a:rPr lang="en-US" sz="2400" err="1" smtClean="0">
-                <a:latin typeface="Arial (Body)"/>
-              </a:rPr>
-              <a:t>như</a:t>
-            </a:r>
-            <a:r>
-              <a:rPr lang="en-US" sz="2400" smtClean="0">
-                <a:latin typeface="Arial (Body)"/>
-              </a:rPr>
-              <a:t> </a:t>
-            </a:r>
-            <a:r>
-              <a:rPr lang="en-US" sz="2400" err="1" smtClean="0">
-                <a:latin typeface="Arial (Body)"/>
-              </a:rPr>
-              <a:t>bạn</a:t>
-            </a:r>
-            <a:r>
-              <a:rPr lang="en-US" sz="2400" smtClean="0">
-                <a:latin typeface="Arial (Body)"/>
-              </a:rPr>
-              <a:t> </a:t>
-            </a:r>
-            <a:r>
-              <a:rPr lang="en-US" sz="2400" err="1" smtClean="0">
-                <a:latin typeface="Arial (Body)"/>
-              </a:rPr>
-              <a:t>bè</a:t>
-            </a:r>
-            <a:r>
-              <a:rPr lang="en-US" sz="2400" smtClean="0">
-                <a:latin typeface="Arial (Body)"/>
-              </a:rPr>
-              <a:t> </a:t>
-            </a:r>
-            <a:r>
-              <a:rPr lang="en-US" sz="2400" err="1" smtClean="0">
-                <a:latin typeface="Arial (Body)"/>
-              </a:rPr>
-              <a:t>trên</a:t>
-            </a:r>
-            <a:r>
-              <a:rPr lang="en-US" sz="2400" smtClean="0">
-                <a:latin typeface="Arial (Body)"/>
-              </a:rPr>
-              <a:t> Internet. </a:t>
-            </a:r>
-            <a:endParaRPr lang="vi-VN" sz="2400" smtClean="0">
+              <a:rPr lang="en-US" dirty="0" err="1">
+                <a:solidFill>
+                  <a:srgbClr val="009900"/>
+                </a:solidFill>
+                <a:latin typeface="Arial (Body)"/>
+              </a:rPr>
+              <a:t>RailsAPI</a:t>
+            </a:r>
+            <a:r>
+              <a:rPr lang="en-US" dirty="0">
+                <a:solidFill>
+                  <a:srgbClr val="009900"/>
+                </a:solidFill>
+                <a:latin typeface="Arial (Body)"/>
+              </a:rPr>
+              <a:t>…</a:t>
+            </a:r>
+            <a:endParaRPr lang="en-US" dirty="0" smtClean="0">
+              <a:solidFill>
+                <a:srgbClr val="009900"/>
+              </a:solidFill>
+              <a:latin typeface="Arial (Body)"/>
+            </a:endParaRPr>
+          </a:p>
+          <a:p>
+            <a:pPr marL="0" indent="0">
+              <a:buNone/>
+            </a:pPr>
+            <a:endParaRPr lang="vi-VN" dirty="0" smtClean="0">
+              <a:solidFill>
+                <a:srgbClr val="008000"/>
+              </a:solidFill>
               <a:latin typeface="Arial (Body)"/>
             </a:endParaRPr>
           </a:p>
@@ -12417,7 +9657,7 @@
     </p:spTree>
     <p:extLst>
       <p:ext uri="{BB962C8B-B14F-4D97-AF65-F5344CB8AC3E}">
-        <p14:creationId xmlns:p14="http://schemas.microsoft.com/office/powerpoint/2010/main" val="4100855962"/>
+        <p14:creationId xmlns:p14="http://schemas.microsoft.com/office/powerpoint/2010/main" val="3113774399"/>
       </p:ext>
     </p:extLst>
   </p:cSld>
@@ -12477,15 +9717,15 @@
           <a:lstStyle/>
           <a:p>
             <a:r>
-              <a:rPr lang="en-US" sz="3000" b="1" smtClean="0">
+              <a:rPr lang="en-US" sz="3000" b="1" dirty="0" smtClean="0">
                 <a:solidFill>
                   <a:schemeClr val="bg1"/>
                 </a:solidFill>
                 <a:latin typeface="Arial" panose="020B0604020202020204" pitchFamily="34" charset="0"/>
               </a:rPr>
-              <a:t>ĐỊNH HƯỚNG VÀ GIẢI PHÁP</a:t>
-            </a:r>
-            <a:endParaRPr lang="en-US" sz="3000" b="1">
+              <a:t>ĐỊNH HƯỚNG VÀ GIẢI PHÁP(2/)</a:t>
+            </a:r>
+            <a:endParaRPr lang="en-US" sz="3000" b="1" dirty="0">
               <a:solidFill>
                 <a:schemeClr val="bg1"/>
               </a:solidFill>
@@ -12511,150 +9751,381 @@
           </a:xfrm>
         </p:spPr>
         <p:txBody>
-          <a:bodyPr/>
-          <a:lstStyle/>
-          <a:p>
-            <a:r>
-              <a:rPr lang="en-US" smtClean="0">
+          <a:bodyPr>
+            <a:normAutofit/>
+          </a:bodyPr>
+          <a:lstStyle/>
+          <a:p>
+            <a:r>
+              <a:rPr lang="en-US" sz="3200" dirty="0" err="1" smtClean="0">
                 <a:solidFill>
                   <a:srgbClr val="008000"/>
                 </a:solidFill>
                 <a:latin typeface="Arial (Body)"/>
               </a:rPr>
-              <a:t>Tạo một ứng dụng Instagram_Clone đảm bảo các tính năng như:</a:t>
-            </a:r>
-          </a:p>
-          <a:p>
-            <a:pPr lvl="1"/>
-            <a:r>
-              <a:rPr lang="en-US" smtClean="0">
-                <a:latin typeface="Arial (Body)"/>
-              </a:rPr>
-              <a:t>Cho phép chụp ảnh và chọn ảnh từ thư viện ảnh.</a:t>
-            </a:r>
-          </a:p>
-          <a:p>
-            <a:pPr lvl="1"/>
-            <a:r>
-              <a:rPr lang="vi-VN" smtClean="0">
-                <a:latin typeface="Arial (Body)"/>
-              </a:rPr>
-              <a:t>Cung </a:t>
-            </a:r>
-            <a:r>
-              <a:rPr lang="vi-VN">
-                <a:latin typeface="Arial (Body)"/>
-              </a:rPr>
-              <a:t>cấp các bộ lọc ảnh được thiết kế tùy chỉnh: bao </a:t>
-            </a:r>
-            <a:r>
-              <a:rPr lang="vi-VN" smtClean="0">
-                <a:latin typeface="Arial (Body)"/>
-              </a:rPr>
-              <a:t>gồm</a:t>
-            </a:r>
-            <a:r>
-              <a:rPr lang="en-US" smtClean="0">
-                <a:latin typeface="Arial (Body)"/>
-              </a:rPr>
-              <a:t> tùy chỉnh sáng tối, sắc nét,tương phản&amp;chỉnh màu…</a:t>
-            </a:r>
-            <a:endParaRPr lang="vi-VN">
+              <a:t>Tham</a:t>
+            </a:r>
+            <a:r>
+              <a:rPr lang="en-US" sz="3200" dirty="0" smtClean="0">
+                <a:solidFill>
+                  <a:srgbClr val="008000"/>
+                </a:solidFill>
+                <a:latin typeface="Arial (Body)"/>
+              </a:rPr>
+              <a:t> </a:t>
+            </a:r>
+            <a:r>
+              <a:rPr lang="en-US" sz="3200" dirty="0" err="1" smtClean="0">
+                <a:solidFill>
+                  <a:srgbClr val="008000"/>
+                </a:solidFill>
+                <a:latin typeface="Arial (Body)"/>
+              </a:rPr>
+              <a:t>khảo</a:t>
+            </a:r>
+            <a:r>
+              <a:rPr lang="en-US" sz="3200" dirty="0" smtClean="0">
+                <a:solidFill>
+                  <a:srgbClr val="008000"/>
+                </a:solidFill>
+                <a:latin typeface="Arial (Body)"/>
+              </a:rPr>
+              <a:t> </a:t>
+            </a:r>
+            <a:r>
+              <a:rPr lang="en-US" sz="3200" dirty="0" err="1" smtClean="0">
+                <a:solidFill>
+                  <a:srgbClr val="008000"/>
+                </a:solidFill>
+                <a:latin typeface="Arial (Body)"/>
+              </a:rPr>
+              <a:t>và</a:t>
+            </a:r>
+            <a:r>
+              <a:rPr lang="en-US" sz="3200" dirty="0" smtClean="0">
+                <a:solidFill>
+                  <a:srgbClr val="008000"/>
+                </a:solidFill>
+                <a:latin typeface="Arial (Body)"/>
+              </a:rPr>
+              <a:t> </a:t>
+            </a:r>
+            <a:r>
+              <a:rPr lang="en-US" sz="3200" dirty="0" err="1" smtClean="0">
+                <a:solidFill>
+                  <a:srgbClr val="008000"/>
+                </a:solidFill>
+                <a:latin typeface="Arial (Body)"/>
+              </a:rPr>
+              <a:t>vận</a:t>
+            </a:r>
+            <a:r>
+              <a:rPr lang="en-US" sz="3200" dirty="0" smtClean="0">
+                <a:solidFill>
+                  <a:srgbClr val="008000"/>
+                </a:solidFill>
+                <a:latin typeface="Arial (Body)"/>
+              </a:rPr>
+              <a:t> </a:t>
+            </a:r>
+            <a:r>
+              <a:rPr lang="en-US" sz="3200" dirty="0" err="1" smtClean="0">
+                <a:solidFill>
+                  <a:srgbClr val="008000"/>
+                </a:solidFill>
+                <a:latin typeface="Arial (Body)"/>
+              </a:rPr>
+              <a:t>dụng</a:t>
+            </a:r>
+            <a:r>
+              <a:rPr lang="en-US" sz="3200" dirty="0" smtClean="0">
+                <a:solidFill>
+                  <a:srgbClr val="008000"/>
+                </a:solidFill>
+                <a:latin typeface="Arial (Body)"/>
+              </a:rPr>
+              <a:t> </a:t>
+            </a:r>
+            <a:r>
+              <a:rPr lang="en-US" sz="3200" dirty="0" err="1" smtClean="0">
+                <a:solidFill>
+                  <a:srgbClr val="008000"/>
+                </a:solidFill>
+                <a:latin typeface="Arial (Body)"/>
+              </a:rPr>
+              <a:t>theo</a:t>
+            </a:r>
+            <a:r>
+              <a:rPr lang="en-US" sz="3200" dirty="0" smtClean="0">
+                <a:solidFill>
+                  <a:srgbClr val="008000"/>
+                </a:solidFill>
+                <a:latin typeface="Arial (Body)"/>
+              </a:rPr>
+              <a:t> </a:t>
+            </a:r>
+            <a:r>
+              <a:rPr lang="en-US" sz="3200" dirty="0" err="1" smtClean="0">
+                <a:solidFill>
+                  <a:srgbClr val="008000"/>
+                </a:solidFill>
+                <a:latin typeface="Arial (Body)"/>
+              </a:rPr>
+              <a:t>phần</a:t>
+            </a:r>
+            <a:r>
+              <a:rPr lang="en-US" sz="3200" dirty="0" smtClean="0">
+                <a:solidFill>
+                  <a:srgbClr val="008000"/>
+                </a:solidFill>
+                <a:latin typeface="Arial (Body)"/>
+              </a:rPr>
+              <a:t> </a:t>
+            </a:r>
+            <a:r>
+              <a:rPr lang="en-US" sz="3200" dirty="0" err="1" smtClean="0">
+                <a:solidFill>
+                  <a:srgbClr val="008000"/>
+                </a:solidFill>
+                <a:latin typeface="Arial (Body)"/>
+              </a:rPr>
+              <a:t>mềm</a:t>
+            </a:r>
+            <a:r>
+              <a:rPr lang="en-US" sz="3200" dirty="0" smtClean="0">
+                <a:solidFill>
+                  <a:srgbClr val="008000"/>
+                </a:solidFill>
+                <a:latin typeface="Arial (Body)"/>
+              </a:rPr>
+              <a:t> INSTAGRAM </a:t>
+            </a:r>
+          </a:p>
+          <a:p>
+            <a:pPr algn="just"/>
+            <a:r>
+              <a:rPr lang="en-US" dirty="0" err="1" smtClean="0">
+                <a:latin typeface="Arial (Body)"/>
+              </a:rPr>
+              <a:t>Instagram</a:t>
+            </a:r>
+            <a:r>
+              <a:rPr lang="en-US" dirty="0" smtClean="0">
+                <a:latin typeface="Arial (Body)"/>
+              </a:rPr>
+              <a:t>: </a:t>
+            </a:r>
+          </a:p>
+          <a:p>
+            <a:pPr lvl="1" algn="just"/>
+            <a:r>
+              <a:rPr lang="en-US" sz="2800" dirty="0" err="1" smtClean="0">
+                <a:latin typeface="Arial (Body)"/>
+              </a:rPr>
+              <a:t>Miễn</a:t>
+            </a:r>
+            <a:r>
+              <a:rPr lang="en-US" sz="2800" dirty="0" smtClean="0">
+                <a:latin typeface="Arial (Body)"/>
+              </a:rPr>
+              <a:t> </a:t>
+            </a:r>
+            <a:r>
+              <a:rPr lang="en-US" sz="2800" dirty="0" err="1" smtClean="0">
+                <a:latin typeface="Arial (Body)"/>
+              </a:rPr>
+              <a:t>phí</a:t>
+            </a:r>
+            <a:endParaRPr lang="en-US" sz="2800" dirty="0" smtClean="0">
               <a:latin typeface="Arial (Body)"/>
             </a:endParaRPr>
           </a:p>
           <a:p>
-            <a:pPr lvl="1"/>
-            <a:r>
-              <a:rPr lang="vi-VN">
-                <a:latin typeface="Arial (Body)"/>
-              </a:rPr>
-              <a:t>Hỗ trợ chia sẻ ảnh và video tức thời lên các mạng xã hội phổ biến như Facebook, </a:t>
-            </a:r>
-            <a:r>
-              <a:rPr lang="vi-VN" smtClean="0">
-                <a:latin typeface="Arial (Body)"/>
-              </a:rPr>
-              <a:t>Twitter</a:t>
-            </a:r>
-            <a:r>
-              <a:rPr lang="en-US" smtClean="0">
-                <a:latin typeface="Arial (Body)"/>
-              </a:rPr>
-              <a:t>, server LTT_Team8 (tự xây dựng).</a:t>
-            </a:r>
-            <a:endParaRPr lang="vi-VN">
-              <a:latin typeface="Arial (Body)"/>
-            </a:endParaRPr>
-          </a:p>
-          <a:p>
-            <a:pPr lvl="1"/>
-            <a:r>
-              <a:rPr lang="vi-VN">
-                <a:latin typeface="Arial (Body)"/>
-              </a:rPr>
-              <a:t>Cho phép </a:t>
-            </a:r>
-            <a:r>
-              <a:rPr lang="en-US" smtClean="0">
-                <a:latin typeface="Arial (Body)"/>
-              </a:rPr>
-              <a:t>upload</a:t>
-            </a:r>
-            <a:r>
-              <a:rPr lang="vi-VN" smtClean="0">
-                <a:latin typeface="Arial (Body)"/>
-              </a:rPr>
-              <a:t> </a:t>
-            </a:r>
-            <a:r>
-              <a:rPr lang="vi-VN">
-                <a:latin typeface="Arial (Body)"/>
-              </a:rPr>
-              <a:t>không giới hạn.</a:t>
-            </a:r>
-          </a:p>
-          <a:p>
-            <a:pPr lvl="1"/>
-            <a:r>
-              <a:rPr lang="vi-VN">
-                <a:latin typeface="Arial (Body)"/>
-              </a:rPr>
-              <a:t>Hỗ trợ camera </a:t>
-            </a:r>
-            <a:r>
-              <a:rPr lang="en-US" smtClean="0">
-                <a:latin typeface="Arial (Body)"/>
-              </a:rPr>
-              <a:t>trước và sau.</a:t>
-            </a:r>
-          </a:p>
-          <a:p>
-            <a:pPr lvl="1"/>
-            <a:r>
-              <a:rPr lang="en-US" smtClean="0">
-                <a:latin typeface="Arial (Body)"/>
-              </a:rPr>
-              <a:t>Hỗ trợ flash.</a:t>
-            </a:r>
-          </a:p>
-          <a:p>
-            <a:pPr lvl="1"/>
-            <a:r>
-              <a:rPr lang="en-US" smtClean="0">
-                <a:latin typeface="Arial (Body)"/>
-              </a:rPr>
-              <a:t>Tham gia vào mạng xã hội</a:t>
-            </a:r>
-          </a:p>
-          <a:p>
-            <a:pPr marL="0" indent="0">
-              <a:buNone/>
-            </a:pPr>
-            <a:endParaRPr lang="vi-VN" smtClean="0">
-              <a:solidFill>
-                <a:srgbClr val="008000"/>
-              </a:solidFill>
+            <a:pPr lvl="1" algn="just"/>
+            <a:r>
+              <a:rPr lang="en-US" sz="2800" dirty="0" err="1" smtClean="0">
+                <a:latin typeface="Arial (Body)"/>
+              </a:rPr>
+              <a:t>Hấp</a:t>
+            </a:r>
+            <a:r>
+              <a:rPr lang="en-US" sz="2800" dirty="0" smtClean="0">
+                <a:latin typeface="Arial (Body)"/>
+              </a:rPr>
+              <a:t> </a:t>
+            </a:r>
+            <a:r>
+              <a:rPr lang="en-US" sz="2800" dirty="0" err="1" smtClean="0">
+                <a:latin typeface="Arial (Body)"/>
+              </a:rPr>
+              <a:t>dẫn</a:t>
+            </a:r>
+            <a:r>
+              <a:rPr lang="en-US" sz="2800" dirty="0" smtClean="0">
+                <a:latin typeface="Arial (Body)"/>
+              </a:rPr>
+              <a:t>: </a:t>
+            </a:r>
+            <a:r>
+              <a:rPr lang="en-US" sz="2800" dirty="0" err="1" smtClean="0">
+                <a:latin typeface="Arial (Body)"/>
+              </a:rPr>
+              <a:t>chỉnh</a:t>
+            </a:r>
+            <a:r>
+              <a:rPr lang="en-US" sz="2800" dirty="0" smtClean="0">
+                <a:latin typeface="Arial (Body)"/>
+              </a:rPr>
+              <a:t> </a:t>
+            </a:r>
+            <a:r>
+              <a:rPr lang="en-US" sz="2800" dirty="0" err="1" smtClean="0">
+                <a:latin typeface="Arial (Body)"/>
+              </a:rPr>
+              <a:t>sửa</a:t>
+            </a:r>
+            <a:r>
+              <a:rPr lang="en-US" sz="2800" dirty="0" smtClean="0">
+                <a:latin typeface="Arial (Body)"/>
+              </a:rPr>
+              <a:t> </a:t>
+            </a:r>
+            <a:r>
+              <a:rPr lang="en-US" sz="2800" dirty="0" err="1" smtClean="0">
+                <a:latin typeface="Arial (Body)"/>
+              </a:rPr>
+              <a:t>ảnh</a:t>
+            </a:r>
+            <a:r>
+              <a:rPr lang="en-US" sz="2800" dirty="0" smtClean="0">
+                <a:latin typeface="Arial (Body)"/>
+              </a:rPr>
+              <a:t>, </a:t>
+            </a:r>
+            <a:r>
+              <a:rPr lang="en-US" sz="2800" dirty="0" err="1" smtClean="0">
+                <a:latin typeface="Arial (Body)"/>
+              </a:rPr>
+              <a:t>lưu</a:t>
+            </a:r>
+            <a:r>
+              <a:rPr lang="en-US" sz="2800" dirty="0" smtClean="0">
+                <a:latin typeface="Arial (Body)"/>
+              </a:rPr>
+              <a:t> </a:t>
+            </a:r>
+            <a:r>
+              <a:rPr lang="en-US" sz="2800" dirty="0" err="1" smtClean="0">
+                <a:latin typeface="Arial (Body)"/>
+              </a:rPr>
+              <a:t>ảnh</a:t>
+            </a:r>
+            <a:r>
+              <a:rPr lang="en-US" sz="2800" dirty="0" smtClean="0">
+                <a:latin typeface="Arial (Body)"/>
+              </a:rPr>
+              <a:t>, chia </a:t>
+            </a:r>
+            <a:r>
+              <a:rPr lang="en-US" sz="2800" dirty="0" err="1" smtClean="0">
+                <a:latin typeface="Arial (Body)"/>
+              </a:rPr>
+              <a:t>sẻ</a:t>
+            </a:r>
+            <a:r>
+              <a:rPr lang="en-US" sz="2800" dirty="0" smtClean="0">
+                <a:latin typeface="Arial (Body)"/>
+              </a:rPr>
+              <a:t> </a:t>
+            </a:r>
+            <a:r>
+              <a:rPr lang="en-US" sz="2800" dirty="0" err="1" smtClean="0">
+                <a:latin typeface="Arial (Body)"/>
+              </a:rPr>
+              <a:t>với</a:t>
+            </a:r>
+            <a:r>
+              <a:rPr lang="en-US" sz="2800" dirty="0" smtClean="0">
+                <a:latin typeface="Arial (Body)"/>
+              </a:rPr>
+              <a:t> </a:t>
+            </a:r>
+            <a:r>
+              <a:rPr lang="en-US" sz="2800" dirty="0" err="1" smtClean="0">
+                <a:latin typeface="Arial (Body)"/>
+              </a:rPr>
+              <a:t>bạn</a:t>
+            </a:r>
+            <a:r>
+              <a:rPr lang="en-US" sz="2800" dirty="0" smtClean="0">
+                <a:latin typeface="Arial (Body)"/>
+              </a:rPr>
+              <a:t> </a:t>
+            </a:r>
+            <a:r>
+              <a:rPr lang="en-US" sz="2800" dirty="0" err="1" smtClean="0">
+                <a:latin typeface="Arial (Body)"/>
+              </a:rPr>
+              <a:t>bè</a:t>
+            </a:r>
+            <a:r>
+              <a:rPr lang="en-US" sz="2800" dirty="0" smtClean="0">
+                <a:latin typeface="Arial (Body)"/>
+              </a:rPr>
+              <a:t>.</a:t>
+            </a:r>
+          </a:p>
+          <a:p>
+            <a:pPr lvl="1" algn="just"/>
+            <a:r>
+              <a:rPr lang="en-US" sz="2800" dirty="0" smtClean="0">
+                <a:latin typeface="Arial (Body)"/>
+              </a:rPr>
+              <a:t>Upload </a:t>
+            </a:r>
+            <a:r>
+              <a:rPr lang="en-US" sz="2800" dirty="0" err="1" smtClean="0">
+                <a:latin typeface="Arial (Body)"/>
+              </a:rPr>
+              <a:t>ảnh</a:t>
+            </a:r>
+            <a:r>
+              <a:rPr lang="en-US" sz="2800" dirty="0" smtClean="0">
+                <a:latin typeface="Arial (Body)"/>
+              </a:rPr>
+              <a:t> </a:t>
+            </a:r>
+            <a:r>
+              <a:rPr lang="en-US" sz="2800" dirty="0" err="1" smtClean="0">
+                <a:latin typeface="Arial (Body)"/>
+              </a:rPr>
+              <a:t>không</a:t>
+            </a:r>
+            <a:r>
+              <a:rPr lang="en-US" sz="2800" dirty="0" smtClean="0">
+                <a:latin typeface="Arial (Body)"/>
+              </a:rPr>
+              <a:t> </a:t>
+            </a:r>
+            <a:r>
+              <a:rPr lang="en-US" sz="2800" dirty="0" err="1" smtClean="0">
+                <a:latin typeface="Arial (Body)"/>
+              </a:rPr>
+              <a:t>giới</a:t>
+            </a:r>
+            <a:r>
+              <a:rPr lang="en-US" sz="2800" dirty="0" smtClean="0">
+                <a:latin typeface="Arial (Body)"/>
+              </a:rPr>
+              <a:t> </a:t>
+            </a:r>
+            <a:r>
+              <a:rPr lang="en-US" sz="2800" dirty="0" err="1" smtClean="0">
+                <a:latin typeface="Arial (Body)"/>
+              </a:rPr>
+              <a:t>hạn</a:t>
+            </a:r>
+            <a:endParaRPr lang="vi-VN" sz="2800" dirty="0" smtClean="0">
               <a:latin typeface="Arial (Body)"/>
             </a:endParaRPr>
           </a:p>
@@ -12719,7 +10190,7 @@
     </p:spTree>
     <p:extLst>
       <p:ext uri="{BB962C8B-B14F-4D97-AF65-F5344CB8AC3E}">
-        <p14:creationId xmlns:p14="http://schemas.microsoft.com/office/powerpoint/2010/main" val="3796118520"/>
+        <p14:creationId xmlns:p14="http://schemas.microsoft.com/office/powerpoint/2010/main" val="4100855962"/>
       </p:ext>
     </p:extLst>
   </p:cSld>
@@ -12779,15 +10250,15 @@
           <a:lstStyle/>
           <a:p>
             <a:r>
-              <a:rPr lang="en-US" sz="3000" b="1" smtClean="0">
+              <a:rPr lang="en-US" sz="3000" b="1" dirty="0" smtClean="0">
                 <a:solidFill>
                   <a:schemeClr val="bg1"/>
                 </a:solidFill>
                 <a:latin typeface="Arial" panose="020B0604020202020204" pitchFamily="34" charset="0"/>
               </a:rPr>
-              <a:t>ĐỊNH HƯỚNG VÀ GIẢI PHÁP</a:t>
-            </a:r>
-            <a:endParaRPr lang="en-US" sz="3000" b="1">
+              <a:t>ĐỊNH HƯỚNG VÀ GIẢI PHÁP(3/)</a:t>
+            </a:r>
+            <a:endParaRPr lang="en-US" sz="3000" b="1" dirty="0">
               <a:solidFill>
                 <a:schemeClr val="bg1"/>
               </a:solidFill>
@@ -12816,243 +10287,696 @@
           <a:bodyPr/>
           <a:lstStyle/>
           <a:p>
+            <a:r>
+              <a:rPr lang="en-US" dirty="0" err="1" smtClean="0">
+                <a:solidFill>
+                  <a:srgbClr val="008000"/>
+                </a:solidFill>
+                <a:latin typeface="Arial (Body)"/>
+              </a:rPr>
+              <a:t>Tạo</a:t>
+            </a:r>
+            <a:r>
+              <a:rPr lang="en-US" dirty="0" smtClean="0">
+                <a:solidFill>
+                  <a:srgbClr val="008000"/>
+                </a:solidFill>
+                <a:latin typeface="Arial (Body)"/>
+              </a:rPr>
+              <a:t> </a:t>
+            </a:r>
+            <a:r>
+              <a:rPr lang="en-US" dirty="0" err="1" smtClean="0">
+                <a:solidFill>
+                  <a:srgbClr val="008000"/>
+                </a:solidFill>
+                <a:latin typeface="Arial (Body)"/>
+              </a:rPr>
+              <a:t>một</a:t>
+            </a:r>
+            <a:r>
+              <a:rPr lang="en-US" dirty="0" smtClean="0">
+                <a:solidFill>
+                  <a:srgbClr val="008000"/>
+                </a:solidFill>
+                <a:latin typeface="Arial (Body)"/>
+              </a:rPr>
+              <a:t> </a:t>
+            </a:r>
+            <a:r>
+              <a:rPr lang="en-US" dirty="0" err="1" smtClean="0">
+                <a:solidFill>
+                  <a:srgbClr val="008000"/>
+                </a:solidFill>
+                <a:latin typeface="Arial (Body)"/>
+              </a:rPr>
+              <a:t>ứng</a:t>
+            </a:r>
+            <a:r>
+              <a:rPr lang="en-US" dirty="0" smtClean="0">
+                <a:solidFill>
+                  <a:srgbClr val="008000"/>
+                </a:solidFill>
+                <a:latin typeface="Arial (Body)"/>
+              </a:rPr>
+              <a:t> </a:t>
+            </a:r>
+            <a:r>
+              <a:rPr lang="en-US" dirty="0" err="1" smtClean="0">
+                <a:solidFill>
+                  <a:srgbClr val="008000"/>
+                </a:solidFill>
+                <a:latin typeface="Arial (Body)"/>
+              </a:rPr>
+              <a:t>dụng</a:t>
+            </a:r>
+            <a:r>
+              <a:rPr lang="en-US" dirty="0" smtClean="0">
+                <a:solidFill>
+                  <a:srgbClr val="008000"/>
+                </a:solidFill>
+                <a:latin typeface="Arial (Body)"/>
+              </a:rPr>
+              <a:t> </a:t>
+            </a:r>
+            <a:r>
+              <a:rPr lang="en-US" dirty="0" err="1" smtClean="0">
+                <a:solidFill>
+                  <a:srgbClr val="008000"/>
+                </a:solidFill>
+                <a:latin typeface="Arial (Body)"/>
+              </a:rPr>
+              <a:t>Instagram_Clone</a:t>
+            </a:r>
+            <a:r>
+              <a:rPr lang="en-US" dirty="0" smtClean="0">
+                <a:solidFill>
+                  <a:srgbClr val="008000"/>
+                </a:solidFill>
+                <a:latin typeface="Arial (Body)"/>
+              </a:rPr>
+              <a:t> </a:t>
+            </a:r>
+            <a:r>
+              <a:rPr lang="en-US" dirty="0" err="1" smtClean="0">
+                <a:solidFill>
+                  <a:srgbClr val="008000"/>
+                </a:solidFill>
+                <a:latin typeface="Arial (Body)"/>
+              </a:rPr>
+              <a:t>đảm</a:t>
+            </a:r>
+            <a:r>
+              <a:rPr lang="en-US" dirty="0" smtClean="0">
+                <a:solidFill>
+                  <a:srgbClr val="008000"/>
+                </a:solidFill>
+                <a:latin typeface="Arial (Body)"/>
+              </a:rPr>
+              <a:t> </a:t>
+            </a:r>
+            <a:r>
+              <a:rPr lang="en-US" dirty="0" err="1" smtClean="0">
+                <a:solidFill>
+                  <a:srgbClr val="008000"/>
+                </a:solidFill>
+                <a:latin typeface="Arial (Body)"/>
+              </a:rPr>
+              <a:t>bảo</a:t>
+            </a:r>
+            <a:r>
+              <a:rPr lang="en-US" dirty="0" smtClean="0">
+                <a:solidFill>
+                  <a:srgbClr val="008000"/>
+                </a:solidFill>
+                <a:latin typeface="Arial (Body)"/>
+              </a:rPr>
+              <a:t> </a:t>
+            </a:r>
+            <a:r>
+              <a:rPr lang="en-US" dirty="0" err="1" smtClean="0">
+                <a:solidFill>
+                  <a:srgbClr val="008000"/>
+                </a:solidFill>
+                <a:latin typeface="Arial (Body)"/>
+              </a:rPr>
+              <a:t>các</a:t>
+            </a:r>
+            <a:r>
+              <a:rPr lang="en-US" dirty="0" smtClean="0">
+                <a:solidFill>
+                  <a:srgbClr val="008000"/>
+                </a:solidFill>
+                <a:latin typeface="Arial (Body)"/>
+              </a:rPr>
+              <a:t> </a:t>
+            </a:r>
+            <a:r>
+              <a:rPr lang="en-US" dirty="0" err="1" smtClean="0">
+                <a:solidFill>
+                  <a:srgbClr val="008000"/>
+                </a:solidFill>
+                <a:latin typeface="Arial (Body)"/>
+              </a:rPr>
+              <a:t>tính</a:t>
+            </a:r>
+            <a:r>
+              <a:rPr lang="en-US" dirty="0" smtClean="0">
+                <a:solidFill>
+                  <a:srgbClr val="008000"/>
+                </a:solidFill>
+                <a:latin typeface="Arial (Body)"/>
+              </a:rPr>
+              <a:t> </a:t>
+            </a:r>
+            <a:r>
+              <a:rPr lang="en-US" dirty="0" err="1" smtClean="0">
+                <a:solidFill>
+                  <a:srgbClr val="008000"/>
+                </a:solidFill>
+                <a:latin typeface="Arial (Body)"/>
+              </a:rPr>
+              <a:t>năng</a:t>
+            </a:r>
+            <a:r>
+              <a:rPr lang="en-US" dirty="0" smtClean="0">
+                <a:solidFill>
+                  <a:srgbClr val="008000"/>
+                </a:solidFill>
+                <a:latin typeface="Arial (Body)"/>
+              </a:rPr>
+              <a:t> </a:t>
+            </a:r>
+            <a:r>
+              <a:rPr lang="en-US" dirty="0" err="1" smtClean="0">
+                <a:solidFill>
+                  <a:srgbClr val="008000"/>
+                </a:solidFill>
+                <a:latin typeface="Arial (Body)"/>
+              </a:rPr>
+              <a:t>như</a:t>
+            </a:r>
+            <a:r>
+              <a:rPr lang="en-US" dirty="0" smtClean="0">
+                <a:solidFill>
+                  <a:srgbClr val="008000"/>
+                </a:solidFill>
+                <a:latin typeface="Arial (Body)"/>
+              </a:rPr>
+              <a:t>:</a:t>
+            </a:r>
+          </a:p>
+          <a:p>
+            <a:pPr lvl="1"/>
+            <a:r>
+              <a:rPr lang="en-US" dirty="0" smtClean="0">
+                <a:latin typeface="Arial (Body)"/>
+              </a:rPr>
+              <a:t>Cho </a:t>
+            </a:r>
+            <a:r>
+              <a:rPr lang="en-US" dirty="0" err="1" smtClean="0">
+                <a:latin typeface="Arial (Body)"/>
+              </a:rPr>
+              <a:t>phép</a:t>
+            </a:r>
+            <a:r>
+              <a:rPr lang="en-US" dirty="0" smtClean="0">
+                <a:latin typeface="Arial (Body)"/>
+              </a:rPr>
+              <a:t> </a:t>
+            </a:r>
+            <a:r>
+              <a:rPr lang="en-US" dirty="0" err="1" smtClean="0">
+                <a:latin typeface="Arial (Body)"/>
+              </a:rPr>
+              <a:t>chụp</a:t>
+            </a:r>
+            <a:r>
+              <a:rPr lang="en-US" dirty="0" smtClean="0">
+                <a:latin typeface="Arial (Body)"/>
+              </a:rPr>
+              <a:t> </a:t>
+            </a:r>
+            <a:r>
+              <a:rPr lang="en-US" dirty="0" err="1" smtClean="0">
+                <a:latin typeface="Arial (Body)"/>
+              </a:rPr>
+              <a:t>ảnh</a:t>
+            </a:r>
+            <a:r>
+              <a:rPr lang="en-US" dirty="0" smtClean="0">
+                <a:latin typeface="Arial (Body)"/>
+              </a:rPr>
+              <a:t> </a:t>
+            </a:r>
+            <a:r>
+              <a:rPr lang="en-US" dirty="0" err="1" smtClean="0">
+                <a:latin typeface="Arial (Body)"/>
+              </a:rPr>
+              <a:t>và</a:t>
+            </a:r>
+            <a:r>
+              <a:rPr lang="en-US" dirty="0" smtClean="0">
+                <a:latin typeface="Arial (Body)"/>
+              </a:rPr>
+              <a:t> </a:t>
+            </a:r>
+            <a:r>
+              <a:rPr lang="en-US" dirty="0" err="1" smtClean="0">
+                <a:latin typeface="Arial (Body)"/>
+              </a:rPr>
+              <a:t>chọn</a:t>
+            </a:r>
+            <a:r>
+              <a:rPr lang="en-US" dirty="0" smtClean="0">
+                <a:latin typeface="Arial (Body)"/>
+              </a:rPr>
+              <a:t> </a:t>
+            </a:r>
+            <a:r>
+              <a:rPr lang="en-US" dirty="0" err="1" smtClean="0">
+                <a:latin typeface="Arial (Body)"/>
+              </a:rPr>
+              <a:t>ảnh</a:t>
+            </a:r>
+            <a:r>
+              <a:rPr lang="en-US" dirty="0" smtClean="0">
+                <a:latin typeface="Arial (Body)"/>
+              </a:rPr>
+              <a:t> </a:t>
+            </a:r>
+            <a:r>
+              <a:rPr lang="en-US" dirty="0" err="1" smtClean="0">
+                <a:latin typeface="Arial (Body)"/>
+              </a:rPr>
+              <a:t>từ</a:t>
+            </a:r>
+            <a:r>
+              <a:rPr lang="en-US" dirty="0" smtClean="0">
+                <a:latin typeface="Arial (Body)"/>
+              </a:rPr>
+              <a:t> </a:t>
+            </a:r>
+            <a:r>
+              <a:rPr lang="en-US" dirty="0" err="1" smtClean="0">
+                <a:latin typeface="Arial (Body)"/>
+              </a:rPr>
+              <a:t>thư</a:t>
+            </a:r>
+            <a:r>
+              <a:rPr lang="en-US" dirty="0" smtClean="0">
+                <a:latin typeface="Arial (Body)"/>
+              </a:rPr>
+              <a:t> </a:t>
+            </a:r>
+            <a:r>
+              <a:rPr lang="en-US" dirty="0" err="1" smtClean="0">
+                <a:latin typeface="Arial (Body)"/>
+              </a:rPr>
+              <a:t>viện</a:t>
+            </a:r>
+            <a:r>
+              <a:rPr lang="en-US" dirty="0" smtClean="0">
+                <a:latin typeface="Arial (Body)"/>
+              </a:rPr>
+              <a:t> </a:t>
+            </a:r>
+            <a:r>
+              <a:rPr lang="en-US" dirty="0" err="1" smtClean="0">
+                <a:latin typeface="Arial (Body)"/>
+              </a:rPr>
+              <a:t>ảnh</a:t>
+            </a:r>
+            <a:r>
+              <a:rPr lang="en-US" dirty="0" smtClean="0">
+                <a:latin typeface="Arial (Body)"/>
+              </a:rPr>
+              <a:t>.</a:t>
+            </a:r>
+          </a:p>
+          <a:p>
+            <a:pPr lvl="1"/>
+            <a:r>
+              <a:rPr lang="vi-VN" dirty="0" smtClean="0">
+                <a:latin typeface="Arial (Body)"/>
+              </a:rPr>
+              <a:t>Cung </a:t>
+            </a:r>
+            <a:r>
+              <a:rPr lang="vi-VN" dirty="0">
+                <a:latin typeface="Arial (Body)"/>
+              </a:rPr>
+              <a:t>cấp các bộ lọc ảnh được thiết kế tùy chỉnh: bao </a:t>
+            </a:r>
+            <a:r>
+              <a:rPr lang="vi-VN" dirty="0" smtClean="0">
+                <a:latin typeface="Arial (Body)"/>
+              </a:rPr>
+              <a:t>gồm</a:t>
+            </a:r>
+            <a:r>
+              <a:rPr lang="en-US" dirty="0" smtClean="0">
+                <a:latin typeface="Arial (Body)"/>
+              </a:rPr>
+              <a:t> </a:t>
+            </a:r>
+            <a:r>
+              <a:rPr lang="en-US" dirty="0" err="1" smtClean="0">
+                <a:latin typeface="Arial (Body)"/>
+              </a:rPr>
+              <a:t>tùy</a:t>
+            </a:r>
+            <a:r>
+              <a:rPr lang="en-US" dirty="0" smtClean="0">
+                <a:latin typeface="Arial (Body)"/>
+              </a:rPr>
+              <a:t> </a:t>
+            </a:r>
+            <a:r>
+              <a:rPr lang="en-US" dirty="0" err="1" smtClean="0">
+                <a:latin typeface="Arial (Body)"/>
+              </a:rPr>
+              <a:t>chỉnh</a:t>
+            </a:r>
+            <a:r>
+              <a:rPr lang="en-US" dirty="0" smtClean="0">
+                <a:latin typeface="Arial (Body)"/>
+              </a:rPr>
+              <a:t> </a:t>
+            </a:r>
+            <a:r>
+              <a:rPr lang="en-US" dirty="0" err="1" smtClean="0">
+                <a:latin typeface="Arial (Body)"/>
+              </a:rPr>
+              <a:t>sáng</a:t>
+            </a:r>
+            <a:r>
+              <a:rPr lang="en-US" dirty="0" smtClean="0">
+                <a:latin typeface="Arial (Body)"/>
+              </a:rPr>
+              <a:t> </a:t>
+            </a:r>
+            <a:r>
+              <a:rPr lang="en-US" dirty="0" err="1" smtClean="0">
+                <a:latin typeface="Arial (Body)"/>
+              </a:rPr>
+              <a:t>tối</a:t>
+            </a:r>
+            <a:r>
+              <a:rPr lang="en-US" dirty="0" smtClean="0">
+                <a:latin typeface="Arial (Body)"/>
+              </a:rPr>
+              <a:t>, </a:t>
+            </a:r>
+            <a:r>
+              <a:rPr lang="en-US" dirty="0" err="1" smtClean="0">
+                <a:latin typeface="Arial (Body)"/>
+              </a:rPr>
+              <a:t>sắc</a:t>
+            </a:r>
+            <a:r>
+              <a:rPr lang="en-US" dirty="0" smtClean="0">
+                <a:latin typeface="Arial (Body)"/>
+              </a:rPr>
+              <a:t> </a:t>
+            </a:r>
+            <a:r>
+              <a:rPr lang="en-US" dirty="0" err="1" smtClean="0">
+                <a:latin typeface="Arial (Body)"/>
+              </a:rPr>
+              <a:t>nét,tương</a:t>
+            </a:r>
+            <a:r>
+              <a:rPr lang="en-US" dirty="0" smtClean="0">
+                <a:latin typeface="Arial (Body)"/>
+              </a:rPr>
+              <a:t> </a:t>
+            </a:r>
+            <a:r>
+              <a:rPr lang="en-US" dirty="0" err="1" smtClean="0">
+                <a:latin typeface="Arial (Body)"/>
+              </a:rPr>
+              <a:t>phản&amp;chỉnh</a:t>
+            </a:r>
+            <a:r>
+              <a:rPr lang="en-US" dirty="0" smtClean="0">
+                <a:latin typeface="Arial (Body)"/>
+              </a:rPr>
+              <a:t> </a:t>
+            </a:r>
+            <a:r>
+              <a:rPr lang="en-US" dirty="0" err="1" smtClean="0">
+                <a:latin typeface="Arial (Body)"/>
+              </a:rPr>
+              <a:t>màu</a:t>
+            </a:r>
+            <a:r>
+              <a:rPr lang="en-US" dirty="0" smtClean="0">
+                <a:latin typeface="Arial (Body)"/>
+              </a:rPr>
+              <a:t>…</a:t>
+            </a:r>
+            <a:endParaRPr lang="vi-VN" dirty="0">
+              <a:latin typeface="Arial (Body)"/>
+            </a:endParaRPr>
+          </a:p>
+          <a:p>
+            <a:pPr lvl="1"/>
+            <a:r>
+              <a:rPr lang="vi-VN" dirty="0">
+                <a:latin typeface="Arial (Body)"/>
+              </a:rPr>
+              <a:t>Hỗ trợ chia sẻ ảnh và video tức thời lên các mạng xã hội phổ biến như Facebook, </a:t>
+            </a:r>
+            <a:r>
+              <a:rPr lang="vi-VN" dirty="0" smtClean="0">
+                <a:latin typeface="Arial (Body)"/>
+              </a:rPr>
+              <a:t>Twitter</a:t>
+            </a:r>
+            <a:r>
+              <a:rPr lang="en-US" dirty="0" smtClean="0">
+                <a:latin typeface="Arial (Body)"/>
+              </a:rPr>
+              <a:t>, server LTT_Team8 (</a:t>
+            </a:r>
+            <a:r>
+              <a:rPr lang="en-US" dirty="0" err="1" smtClean="0">
+                <a:latin typeface="Arial (Body)"/>
+              </a:rPr>
+              <a:t>tự</a:t>
+            </a:r>
+            <a:r>
+              <a:rPr lang="en-US" dirty="0" smtClean="0">
+                <a:latin typeface="Arial (Body)"/>
+              </a:rPr>
+              <a:t> </a:t>
+            </a:r>
+            <a:r>
+              <a:rPr lang="en-US" dirty="0" err="1" smtClean="0">
+                <a:latin typeface="Arial (Body)"/>
+              </a:rPr>
+              <a:t>xây</a:t>
+            </a:r>
+            <a:r>
+              <a:rPr lang="en-US" dirty="0" smtClean="0">
+                <a:latin typeface="Arial (Body)"/>
+              </a:rPr>
+              <a:t> </a:t>
+            </a:r>
+            <a:r>
+              <a:rPr lang="en-US" dirty="0" err="1" smtClean="0">
+                <a:latin typeface="Arial (Body)"/>
+              </a:rPr>
+              <a:t>dựng</a:t>
+            </a:r>
+            <a:r>
+              <a:rPr lang="en-US" dirty="0" smtClean="0">
+                <a:latin typeface="Arial (Body)"/>
+              </a:rPr>
+              <a:t>).</a:t>
+            </a:r>
+            <a:endParaRPr lang="vi-VN" dirty="0">
+              <a:latin typeface="Arial (Body)"/>
+            </a:endParaRPr>
+          </a:p>
+          <a:p>
+            <a:pPr lvl="1"/>
+            <a:r>
+              <a:rPr lang="vi-VN" dirty="0">
+                <a:latin typeface="Arial (Body)"/>
+              </a:rPr>
+              <a:t>Cho phép </a:t>
+            </a:r>
+            <a:r>
+              <a:rPr lang="en-US" dirty="0" smtClean="0">
+                <a:latin typeface="Arial (Body)"/>
+              </a:rPr>
+              <a:t>upload</a:t>
+            </a:r>
+            <a:r>
+              <a:rPr lang="vi-VN" dirty="0" smtClean="0">
+                <a:latin typeface="Arial (Body)"/>
+              </a:rPr>
+              <a:t> </a:t>
+            </a:r>
+            <a:r>
+              <a:rPr lang="vi-VN" dirty="0">
+                <a:latin typeface="Arial (Body)"/>
+              </a:rPr>
+              <a:t>không giới hạn.</a:t>
+            </a:r>
+          </a:p>
+          <a:p>
+            <a:pPr lvl="1"/>
+            <a:r>
+              <a:rPr lang="vi-VN" dirty="0">
+                <a:latin typeface="Arial (Body)"/>
+              </a:rPr>
+              <a:t>Hỗ trợ camera </a:t>
+            </a:r>
+            <a:r>
+              <a:rPr lang="en-US" dirty="0" err="1" smtClean="0">
+                <a:latin typeface="Arial (Body)"/>
+              </a:rPr>
+              <a:t>trước</a:t>
+            </a:r>
+            <a:r>
+              <a:rPr lang="en-US" dirty="0" smtClean="0">
+                <a:latin typeface="Arial (Body)"/>
+              </a:rPr>
+              <a:t> </a:t>
+            </a:r>
+            <a:r>
+              <a:rPr lang="en-US" dirty="0" err="1" smtClean="0">
+                <a:latin typeface="Arial (Body)"/>
+              </a:rPr>
+              <a:t>và</a:t>
+            </a:r>
+            <a:r>
+              <a:rPr lang="en-US" dirty="0" smtClean="0">
+                <a:latin typeface="Arial (Body)"/>
+              </a:rPr>
+              <a:t> </a:t>
+            </a:r>
+            <a:r>
+              <a:rPr lang="en-US" dirty="0" err="1" smtClean="0">
+                <a:latin typeface="Arial (Body)"/>
+              </a:rPr>
+              <a:t>sau</a:t>
+            </a:r>
+            <a:r>
+              <a:rPr lang="en-US" dirty="0" smtClean="0">
+                <a:latin typeface="Arial (Body)"/>
+              </a:rPr>
+              <a:t>.</a:t>
+            </a:r>
+          </a:p>
+          <a:p>
+            <a:pPr lvl="1"/>
+            <a:r>
+              <a:rPr lang="en-US" dirty="0" err="1" smtClean="0">
+                <a:latin typeface="Arial (Body)"/>
+              </a:rPr>
+              <a:t>Hỗ</a:t>
+            </a:r>
+            <a:r>
+              <a:rPr lang="en-US" dirty="0" smtClean="0">
+                <a:latin typeface="Arial (Body)"/>
+              </a:rPr>
+              <a:t> </a:t>
+            </a:r>
+            <a:r>
+              <a:rPr lang="en-US" dirty="0" err="1" smtClean="0">
+                <a:latin typeface="Arial (Body)"/>
+              </a:rPr>
+              <a:t>trợ</a:t>
+            </a:r>
+            <a:r>
+              <a:rPr lang="en-US" dirty="0" smtClean="0">
+                <a:latin typeface="Arial (Body)"/>
+              </a:rPr>
+              <a:t> flash.</a:t>
+            </a:r>
+          </a:p>
+          <a:p>
+            <a:pPr lvl="1"/>
+            <a:r>
+              <a:rPr lang="en-US" dirty="0" err="1" smtClean="0">
+                <a:latin typeface="Arial (Body)"/>
+              </a:rPr>
+              <a:t>Tham</a:t>
+            </a:r>
+            <a:r>
+              <a:rPr lang="en-US" dirty="0" smtClean="0">
+                <a:latin typeface="Arial (Body)"/>
+              </a:rPr>
+              <a:t> </a:t>
+            </a:r>
+            <a:r>
+              <a:rPr lang="en-US" dirty="0" err="1" smtClean="0">
+                <a:latin typeface="Arial (Body)"/>
+              </a:rPr>
+              <a:t>gia</a:t>
+            </a:r>
+            <a:r>
+              <a:rPr lang="en-US" dirty="0" smtClean="0">
+                <a:latin typeface="Arial (Body)"/>
+              </a:rPr>
+              <a:t> </a:t>
+            </a:r>
+            <a:r>
+              <a:rPr lang="en-US" dirty="0" err="1" smtClean="0">
+                <a:latin typeface="Arial (Body)"/>
+              </a:rPr>
+              <a:t>vào</a:t>
+            </a:r>
+            <a:r>
+              <a:rPr lang="en-US" dirty="0" smtClean="0">
+                <a:latin typeface="Arial (Body)"/>
+              </a:rPr>
+              <a:t> </a:t>
+            </a:r>
+            <a:r>
+              <a:rPr lang="en-US" dirty="0" err="1" smtClean="0">
+                <a:latin typeface="Arial (Body)"/>
+              </a:rPr>
+              <a:t>mạng</a:t>
+            </a:r>
+            <a:r>
+              <a:rPr lang="en-US" dirty="0" smtClean="0">
+                <a:latin typeface="Arial (Body)"/>
+              </a:rPr>
+              <a:t> </a:t>
+            </a:r>
+            <a:r>
+              <a:rPr lang="en-US" dirty="0" err="1" smtClean="0">
+                <a:latin typeface="Arial (Body)"/>
+              </a:rPr>
+              <a:t>xã</a:t>
+            </a:r>
+            <a:r>
+              <a:rPr lang="en-US" dirty="0" smtClean="0">
+                <a:latin typeface="Arial (Body)"/>
+              </a:rPr>
+              <a:t> </a:t>
+            </a:r>
+            <a:r>
+              <a:rPr lang="en-US" dirty="0" err="1" smtClean="0">
+                <a:latin typeface="Arial (Body)"/>
+              </a:rPr>
+              <a:t>hội</a:t>
+            </a:r>
+            <a:endParaRPr lang="en-US" dirty="0" smtClean="0">
+              <a:latin typeface="Arial (Body)"/>
+            </a:endParaRPr>
+          </a:p>
+          <a:p>
             <a:pPr marL="0" indent="0">
               <a:buNone/>
             </a:pPr>
-            <a:r>
-              <a:rPr lang="vi-VN" smtClean="0">
-                <a:solidFill>
-                  <a:srgbClr val="009900"/>
-                </a:solidFill>
-                <a:latin typeface="Arial (Body)"/>
-              </a:rPr>
-              <a:t>Môi </a:t>
-            </a:r>
-            <a:r>
-              <a:rPr lang="vi-VN">
-                <a:solidFill>
-                  <a:srgbClr val="009900"/>
-                </a:solidFill>
-                <a:latin typeface="Arial (Body)"/>
-              </a:rPr>
-              <a:t>trường phát triển: </a:t>
-            </a:r>
-            <a:endParaRPr lang="en-US" smtClean="0">
-              <a:solidFill>
-                <a:srgbClr val="009900"/>
-              </a:solidFill>
-              <a:latin typeface="Arial (Body)"/>
-            </a:endParaRPr>
-          </a:p>
-          <a:p>
-            <a:pPr lvl="1"/>
-            <a:r>
-              <a:rPr lang="vi-VN" smtClean="0">
-                <a:latin typeface="Arial (Body)"/>
-              </a:rPr>
-              <a:t>Mac </a:t>
-            </a:r>
-            <a:r>
-              <a:rPr lang="vi-VN">
-                <a:latin typeface="Arial (Body)"/>
-              </a:rPr>
-              <a:t>OS </a:t>
-            </a:r>
-            <a:r>
-              <a:rPr lang="en-US" smtClean="0">
-                <a:latin typeface="Arial (Body)"/>
-              </a:rPr>
-              <a:t>X 10.8+</a:t>
-            </a:r>
-            <a:r>
-              <a:rPr lang="vi-VN" smtClean="0">
-                <a:latin typeface="Arial (Body)"/>
-              </a:rPr>
-              <a:t>, </a:t>
-            </a:r>
-            <a:r>
-              <a:rPr lang="vi-VN">
-                <a:latin typeface="Arial (Body)"/>
-              </a:rPr>
-              <a:t>Xcode </a:t>
-            </a:r>
-            <a:r>
-              <a:rPr lang="vi-VN" smtClean="0">
-                <a:latin typeface="Arial (Body)"/>
-              </a:rPr>
-              <a:t>5.</a:t>
-            </a:r>
-            <a:r>
-              <a:rPr lang="en-US" smtClean="0">
-                <a:latin typeface="Arial (Body)"/>
-              </a:rPr>
-              <a:t>1</a:t>
-            </a:r>
-          </a:p>
-          <a:p>
-            <a:pPr lvl="1"/>
-            <a:r>
-              <a:rPr lang="en-US" smtClean="0">
-                <a:latin typeface="Arial (Body)"/>
-              </a:rPr>
-              <a:t>Android 4.0+ , Eclipse và Android SDK</a:t>
-            </a:r>
-          </a:p>
-          <a:p>
-            <a:pPr lvl="1"/>
-            <a:r>
-              <a:rPr lang="en-US" smtClean="0">
-                <a:latin typeface="Arial (Body)"/>
-              </a:rPr>
-              <a:t>Ruby on Rails, Ubuntu.</a:t>
-            </a:r>
-            <a:endParaRPr lang="vi-VN">
-              <a:latin typeface="Arial (Body)"/>
-            </a:endParaRPr>
-          </a:p>
-          <a:p>
-            <a:pPr marL="0" indent="0">
-              <a:buNone/>
-            </a:pPr>
-            <a:r>
-              <a:rPr lang="vi-VN">
-                <a:solidFill>
-                  <a:srgbClr val="009900"/>
-                </a:solidFill>
-                <a:latin typeface="Arial (Body)"/>
-              </a:rPr>
-              <a:t>­ Ngôn ngữ: </a:t>
-            </a:r>
-            <a:endParaRPr lang="en-US" smtClean="0">
-              <a:solidFill>
-                <a:srgbClr val="009900"/>
-              </a:solidFill>
-              <a:latin typeface="Arial (Body)"/>
-            </a:endParaRPr>
-          </a:p>
-          <a:p>
-            <a:pPr lvl="1"/>
-            <a:r>
-              <a:rPr lang="vi-VN" smtClean="0">
-                <a:latin typeface="Arial (Body)"/>
-              </a:rPr>
-              <a:t>Objective­C.  </a:t>
-            </a:r>
-            <a:endParaRPr lang="en-US" smtClean="0">
-              <a:latin typeface="Arial (Body)"/>
-            </a:endParaRPr>
-          </a:p>
-          <a:p>
-            <a:pPr lvl="1"/>
-            <a:r>
-              <a:rPr lang="en-US" smtClean="0">
-                <a:latin typeface="Arial (Body)"/>
-              </a:rPr>
-              <a:t>Java</a:t>
-            </a:r>
-          </a:p>
-          <a:p>
-            <a:pPr lvl="1"/>
-            <a:r>
-              <a:rPr lang="en-US" smtClean="0">
-                <a:latin typeface="Arial (Body)"/>
-              </a:rPr>
-              <a:t>Ruby</a:t>
-            </a:r>
-            <a:endParaRPr lang="vi-VN">
-              <a:latin typeface="Arial (Body)"/>
-            </a:endParaRPr>
-          </a:p>
-          <a:p>
-            <a:pPr marL="0" indent="0">
-              <a:buNone/>
-            </a:pPr>
-            <a:r>
-              <a:rPr lang="vi-VN">
-                <a:solidFill>
-                  <a:srgbClr val="009900"/>
-                </a:solidFill>
-                <a:latin typeface="Arial (Body)"/>
-              </a:rPr>
-              <a:t>­ Thư </a:t>
-            </a:r>
-            <a:r>
-              <a:rPr lang="vi-VN" smtClean="0">
-                <a:solidFill>
-                  <a:srgbClr val="009900"/>
-                </a:solidFill>
-                <a:latin typeface="Arial (Body)"/>
-              </a:rPr>
-              <a:t>viện: GPUImage</a:t>
-            </a:r>
-            <a:r>
-              <a:rPr lang="en-US" smtClean="0">
-                <a:solidFill>
-                  <a:srgbClr val="009900"/>
-                </a:solidFill>
-                <a:latin typeface="Arial (Body)"/>
-              </a:rPr>
-              <a:t>, CoreImage,</a:t>
-            </a:r>
-            <a:r>
-              <a:rPr lang="vi-VN" smtClean="0">
-                <a:solidFill>
-                  <a:srgbClr val="009900"/>
-                </a:solidFill>
-                <a:latin typeface="Arial (Body)"/>
-              </a:rPr>
-              <a:t> </a:t>
-            </a:r>
-            <a:endParaRPr lang="vi-VN">
-              <a:solidFill>
-                <a:srgbClr val="009900"/>
-              </a:solidFill>
-              <a:latin typeface="Arial (Body)"/>
-            </a:endParaRPr>
-          </a:p>
-          <a:p>
-            <a:pPr marL="0" indent="0">
-              <a:buNone/>
-            </a:pPr>
-            <a:r>
-              <a:rPr lang="vi-VN">
-                <a:solidFill>
-                  <a:srgbClr val="009900"/>
-                </a:solidFill>
-                <a:latin typeface="Arial (Body)"/>
-              </a:rPr>
-              <a:t>­ Facebook SDK, Twitter Framework </a:t>
-            </a:r>
-            <a:r>
-              <a:rPr lang="vi-VN" smtClean="0">
-                <a:solidFill>
-                  <a:srgbClr val="009900"/>
-                </a:solidFill>
-                <a:latin typeface="Arial (Body)"/>
-              </a:rPr>
-              <a:t>iOS</a:t>
-            </a:r>
-            <a:r>
-              <a:rPr lang="en-US">
-                <a:solidFill>
-                  <a:srgbClr val="009900"/>
-                </a:solidFill>
-                <a:latin typeface="Arial (Body)"/>
-              </a:rPr>
-              <a:t>, RailsAPI…</a:t>
-            </a:r>
-            <a:endParaRPr lang="en-US" smtClean="0">
-              <a:solidFill>
-                <a:srgbClr val="009900"/>
-              </a:solidFill>
-              <a:latin typeface="Arial (Body)"/>
-            </a:endParaRPr>
-          </a:p>
-          <a:p>
-            <a:pPr marL="0" indent="0">
-              <a:buNone/>
-            </a:pPr>
-            <a:endParaRPr lang="vi-VN" smtClean="0">
+            <a:endParaRPr lang="vi-VN" dirty="0" smtClean="0">
               <a:solidFill>
                 <a:srgbClr val="008000"/>
               </a:solidFill>
@@ -13120,7 +11044,7 @@
     </p:spTree>
     <p:extLst>
       <p:ext uri="{BB962C8B-B14F-4D97-AF65-F5344CB8AC3E}">
-        <p14:creationId xmlns:p14="http://schemas.microsoft.com/office/powerpoint/2010/main" val="3113774399"/>
+        <p14:creationId xmlns:p14="http://schemas.microsoft.com/office/powerpoint/2010/main" val="3796118520"/>
       </p:ext>
     </p:extLst>
   </p:cSld>
@@ -13180,15 +11104,15 @@
           <a:lstStyle/>
           <a:p>
             <a:r>
-              <a:rPr lang="en-US" sz="3000" b="1" smtClean="0">
+              <a:rPr lang="en-US" sz="3000" b="1" dirty="0" smtClean="0">
                 <a:solidFill>
                   <a:schemeClr val="bg1"/>
                 </a:solidFill>
                 <a:latin typeface="Arial" panose="020B0604020202020204" pitchFamily="34" charset="0"/>
               </a:rPr>
-              <a:t>PHÂN TÍCH THIẾT KẾ VÀ TRIỂN KHAI</a:t>
-            </a:r>
-            <a:endParaRPr lang="en-US" sz="3000" b="1">
+              <a:t>ĐỊNH HƯỚNG VÀ GIẢI PHÁP(4/)</a:t>
+            </a:r>
+            <a:endParaRPr lang="en-US" sz="3000" b="1" dirty="0">
               <a:solidFill>
                 <a:schemeClr val="bg1"/>
               </a:solidFill>
@@ -13217,30 +11141,664 @@
           <a:bodyPr/>
           <a:lstStyle/>
           <a:p>
-            <a:pPr>
-              <a:buFont typeface="Wingdings" panose="05000000000000000000" pitchFamily="2" charset="2"/>
-              <a:buChar char="§"/>
-            </a:pPr>
-            <a:r>
-              <a:rPr lang="vi-VN" smtClean="0">
+            <a:r>
+              <a:rPr lang="en-US" dirty="0" err="1" smtClean="0">
                 <a:solidFill>
                   <a:srgbClr val="008000"/>
                 </a:solidFill>
-              </a:rPr>
-              <a:t>Sơ</a:t>
-            </a:r>
-            <a:r>
-              <a:rPr lang="en-US" smtClean="0">
+                <a:latin typeface="Arial (Body)"/>
+              </a:rPr>
+              <a:t>Giải</a:t>
+            </a:r>
+            <a:r>
+              <a:rPr lang="en-US" dirty="0" smtClean="0">
                 <a:solidFill>
                   <a:srgbClr val="008000"/>
                 </a:solidFill>
-              </a:rPr>
-              <a:t> đồ UseCase</a:t>
-            </a:r>
-            <a:endParaRPr lang="vi-VN" smtClean="0">
+                <a:latin typeface="Arial (Body)"/>
+              </a:rPr>
+              <a:t> </a:t>
+            </a:r>
+            <a:r>
+              <a:rPr lang="en-US" dirty="0" err="1" smtClean="0">
+                <a:solidFill>
+                  <a:srgbClr val="008000"/>
+                </a:solidFill>
+                <a:latin typeface="Arial (Body)"/>
+              </a:rPr>
+              <a:t>pháp</a:t>
+            </a:r>
+            <a:r>
+              <a:rPr lang="en-US" dirty="0" smtClean="0">
+                <a:solidFill>
+                  <a:srgbClr val="008000"/>
+                </a:solidFill>
+                <a:latin typeface="Arial (Body)"/>
+              </a:rPr>
+              <a:t> </a:t>
+            </a:r>
+            <a:r>
+              <a:rPr lang="en-US" dirty="0" err="1" smtClean="0">
+                <a:solidFill>
+                  <a:srgbClr val="008000"/>
+                </a:solidFill>
+                <a:latin typeface="Arial (Body)"/>
+              </a:rPr>
+              <a:t>lựa</a:t>
+            </a:r>
+            <a:r>
+              <a:rPr lang="en-US" dirty="0" smtClean="0">
+                <a:solidFill>
+                  <a:srgbClr val="008000"/>
+                </a:solidFill>
+                <a:latin typeface="Arial (Body)"/>
+              </a:rPr>
+              <a:t> </a:t>
+            </a:r>
+            <a:r>
+              <a:rPr lang="en-US" dirty="0" err="1" smtClean="0">
+                <a:solidFill>
+                  <a:srgbClr val="008000"/>
+                </a:solidFill>
+                <a:latin typeface="Arial (Body)"/>
+              </a:rPr>
+              <a:t>chọn</a:t>
+            </a:r>
+            <a:r>
+              <a:rPr lang="en-US" dirty="0" smtClean="0">
+                <a:solidFill>
+                  <a:srgbClr val="008000"/>
+                </a:solidFill>
+                <a:latin typeface="Arial (Body)"/>
+              </a:rPr>
+              <a:t>: </a:t>
+            </a:r>
+            <a:r>
+              <a:rPr lang="en-US" dirty="0" err="1" smtClean="0">
+                <a:solidFill>
+                  <a:srgbClr val="008000"/>
+                </a:solidFill>
+                <a:latin typeface="Arial (Body)"/>
+              </a:rPr>
+              <a:t>với</a:t>
+            </a:r>
+            <a:r>
+              <a:rPr lang="en-US" dirty="0" smtClean="0">
+                <a:solidFill>
+                  <a:srgbClr val="008000"/>
+                </a:solidFill>
+                <a:latin typeface="Arial (Body)"/>
+              </a:rPr>
+              <a:t> </a:t>
+            </a:r>
+            <a:r>
+              <a:rPr lang="en-US" dirty="0" err="1" smtClean="0">
+                <a:solidFill>
+                  <a:srgbClr val="008000"/>
+                </a:solidFill>
+                <a:latin typeface="Arial (Body)"/>
+              </a:rPr>
+              <a:t>iOS</a:t>
+            </a:r>
+            <a:endParaRPr lang="en-US" dirty="0" smtClean="0">
               <a:solidFill>
                 <a:srgbClr val="008000"/>
               </a:solidFill>
+              <a:latin typeface="Arial (Body)"/>
+            </a:endParaRPr>
+          </a:p>
+          <a:p>
+            <a:pPr lvl="1"/>
+            <a:r>
+              <a:rPr lang="en-US" dirty="0" err="1" smtClean="0">
+                <a:latin typeface="Arial (Body)"/>
+              </a:rPr>
+              <a:t>Chụp</a:t>
+            </a:r>
+            <a:r>
+              <a:rPr lang="en-US" dirty="0" smtClean="0">
+                <a:latin typeface="Arial (Body)"/>
+              </a:rPr>
+              <a:t> </a:t>
+            </a:r>
+            <a:r>
+              <a:rPr lang="en-US" dirty="0" err="1" smtClean="0">
+                <a:latin typeface="Arial (Body)"/>
+              </a:rPr>
+              <a:t>ảnh</a:t>
+            </a:r>
+            <a:r>
+              <a:rPr lang="en-US" dirty="0" smtClean="0">
+                <a:latin typeface="Arial (Body)"/>
+              </a:rPr>
+              <a:t>, </a:t>
+            </a:r>
+            <a:r>
+              <a:rPr lang="en-US" dirty="0" err="1" smtClean="0">
+                <a:latin typeface="Arial (Body)"/>
+              </a:rPr>
+              <a:t>chọn</a:t>
+            </a:r>
+            <a:r>
+              <a:rPr lang="en-US" dirty="0" smtClean="0">
+                <a:latin typeface="Arial (Body)"/>
+              </a:rPr>
+              <a:t> </a:t>
+            </a:r>
+            <a:r>
+              <a:rPr lang="en-US" dirty="0" err="1" smtClean="0">
+                <a:latin typeface="Arial (Body)"/>
+              </a:rPr>
+              <a:t>ảnh</a:t>
+            </a:r>
+            <a:r>
+              <a:rPr lang="en-US" dirty="0" smtClean="0">
+                <a:latin typeface="Arial (Body)"/>
+              </a:rPr>
+              <a:t>: </a:t>
+            </a:r>
+            <a:r>
+              <a:rPr lang="en-US" dirty="0" err="1" smtClean="0">
+                <a:solidFill>
+                  <a:srgbClr val="FF0000"/>
+                </a:solidFill>
+                <a:latin typeface="Arial (Body)"/>
+              </a:rPr>
+              <a:t>UIImagePicker</a:t>
+            </a:r>
+            <a:r>
+              <a:rPr lang="en-US" dirty="0">
+                <a:latin typeface="Arial (Body)"/>
+              </a:rPr>
+              <a:t>, </a:t>
+            </a:r>
+            <a:r>
+              <a:rPr lang="en-US" dirty="0" err="1" smtClean="0">
+                <a:latin typeface="Arial (Body)"/>
+              </a:rPr>
+              <a:t>AVFoundation.framework</a:t>
+            </a:r>
+            <a:r>
+              <a:rPr lang="en-US" dirty="0">
+                <a:latin typeface="Arial (Body)"/>
+              </a:rPr>
+              <a:t> (camera), </a:t>
+            </a:r>
+            <a:r>
+              <a:rPr lang="en-US" dirty="0" err="1" smtClean="0">
+                <a:latin typeface="Arial (Body)"/>
+              </a:rPr>
+              <a:t>AssetsLibrary.framework</a:t>
+            </a:r>
+            <a:r>
+              <a:rPr lang="en-US" dirty="0" smtClean="0">
+                <a:latin typeface="Arial (Body)"/>
+              </a:rPr>
+              <a:t> (choose image).</a:t>
+            </a:r>
+          </a:p>
+          <a:p>
+            <a:pPr lvl="1"/>
+            <a:r>
+              <a:rPr lang="en-US" dirty="0" smtClean="0">
+                <a:latin typeface="Arial (Body)"/>
+              </a:rPr>
+              <a:t>Crop </a:t>
+            </a:r>
+            <a:r>
+              <a:rPr lang="en-US" dirty="0" err="1" smtClean="0">
+                <a:latin typeface="Arial (Body)"/>
+              </a:rPr>
+              <a:t>và</a:t>
+            </a:r>
+            <a:r>
+              <a:rPr lang="en-US" dirty="0" smtClean="0">
+                <a:latin typeface="Arial (Body)"/>
+              </a:rPr>
+              <a:t> resize </a:t>
+            </a:r>
+            <a:r>
+              <a:rPr lang="en-US" dirty="0" err="1" smtClean="0">
+                <a:latin typeface="Arial (Body)"/>
+              </a:rPr>
+              <a:t>ảnh:</a:t>
+            </a:r>
+            <a:r>
+              <a:rPr lang="en-US" dirty="0" err="1">
+                <a:solidFill>
+                  <a:srgbClr val="FF0000"/>
+                </a:solidFill>
+                <a:sym typeface="Wingdings"/>
+              </a:rPr>
+              <a:t>CGImageRef</a:t>
+            </a:r>
+            <a:r>
+              <a:rPr lang="en-US" dirty="0">
+                <a:sym typeface="Wingdings"/>
+              </a:rPr>
+              <a:t>(crop logic)</a:t>
+            </a:r>
+            <a:r>
+              <a:rPr lang="en-US" dirty="0" smtClean="0">
+                <a:latin typeface="Arial (Body)"/>
+              </a:rPr>
+              <a:t> &lt;=&gt;</a:t>
+            </a:r>
+            <a:r>
+              <a:rPr lang="en-US" dirty="0" err="1" smtClean="0">
+                <a:solidFill>
+                  <a:srgbClr val="FF0000"/>
+                </a:solidFill>
+              </a:rPr>
+              <a:t>CGImageCreateWithImageInRect</a:t>
+            </a:r>
+            <a:r>
+              <a:rPr lang="en-US" dirty="0" smtClean="0">
+                <a:solidFill>
+                  <a:srgbClr val="FF0000"/>
+                </a:solidFill>
+              </a:rPr>
+              <a:t> </a:t>
+            </a:r>
+            <a:r>
+              <a:rPr lang="en-US" dirty="0" smtClean="0">
+                <a:solidFill>
+                  <a:srgbClr val="000000"/>
+                </a:solidFill>
+              </a:rPr>
+              <a:t>(crop)</a:t>
+            </a:r>
+            <a:r>
+              <a:rPr lang="en-US" dirty="0" smtClean="0">
+                <a:solidFill>
+                  <a:srgbClr val="FF0000"/>
+                </a:solidFill>
+              </a:rPr>
+              <a:t> , </a:t>
+            </a:r>
+            <a:r>
+              <a:rPr lang="en-US" dirty="0" err="1" smtClean="0">
+                <a:solidFill>
+                  <a:srgbClr val="FF0000"/>
+                </a:solidFill>
+              </a:rPr>
+              <a:t>drawInRect</a:t>
+            </a:r>
+            <a:r>
+              <a:rPr lang="en-US" dirty="0" smtClean="0">
+                <a:solidFill>
+                  <a:srgbClr val="000000"/>
+                </a:solidFill>
+              </a:rPr>
+              <a:t> (method of </a:t>
+            </a:r>
+            <a:r>
+              <a:rPr lang="en-US" dirty="0" err="1" smtClean="0">
+                <a:solidFill>
+                  <a:srgbClr val="000000"/>
+                </a:solidFill>
+              </a:rPr>
+              <a:t>UIImage</a:t>
+            </a:r>
+            <a:r>
+              <a:rPr lang="en-US" dirty="0" smtClean="0">
+                <a:solidFill>
+                  <a:srgbClr val="000000"/>
+                </a:solidFill>
+              </a:rPr>
+              <a:t>)-resize,</a:t>
+            </a:r>
+            <a:r>
+              <a:rPr lang="en-US" dirty="0"/>
+              <a:t> </a:t>
+            </a:r>
+            <a:r>
+              <a:rPr lang="en-US" dirty="0" err="1" smtClean="0">
+                <a:solidFill>
+                  <a:srgbClr val="FF0000"/>
+                </a:solidFill>
+              </a:rPr>
+              <a:t>UIGraphics</a:t>
+            </a:r>
+            <a:r>
+              <a:rPr lang="en-US" dirty="0" smtClean="0">
+                <a:solidFill>
+                  <a:srgbClr val="000000"/>
+                </a:solidFill>
+              </a:rPr>
+              <a:t>, </a:t>
+            </a:r>
+            <a:r>
+              <a:rPr lang="en-US" dirty="0" err="1" smtClean="0">
+                <a:solidFill>
+                  <a:srgbClr val="000000"/>
+                </a:solidFill>
+              </a:rPr>
+              <a:t>CGBitmapContext</a:t>
+            </a:r>
+            <a:r>
+              <a:rPr lang="en-US" dirty="0" smtClean="0">
+                <a:solidFill>
+                  <a:srgbClr val="000000"/>
+                </a:solidFill>
+              </a:rPr>
+              <a:t>, </a:t>
+            </a:r>
+            <a:r>
+              <a:rPr lang="en-US" dirty="0" err="1" smtClean="0">
+                <a:solidFill>
+                  <a:srgbClr val="000000"/>
+                </a:solidFill>
+              </a:rPr>
+              <a:t>CGContextDrawImage</a:t>
+            </a:r>
+            <a:r>
+              <a:rPr lang="en-US" dirty="0">
+                <a:solidFill>
+                  <a:srgbClr val="000000"/>
+                </a:solidFill>
+              </a:rPr>
+              <a:t> </a:t>
+            </a:r>
+            <a:r>
+              <a:rPr lang="en-US" dirty="0" smtClean="0">
+                <a:solidFill>
+                  <a:srgbClr val="000000"/>
+                </a:solidFill>
+                <a:sym typeface="Wingdings"/>
+              </a:rPr>
+              <a:t>scale and resize , </a:t>
+            </a:r>
+            <a:r>
+              <a:rPr lang="en-US" dirty="0" err="1" smtClean="0">
+                <a:solidFill>
+                  <a:srgbClr val="000000"/>
+                </a:solidFill>
+                <a:sym typeface="Wingdings"/>
+              </a:rPr>
+              <a:t>BJImageCroper</a:t>
+            </a:r>
+            <a:r>
+              <a:rPr lang="en-US" dirty="0">
+                <a:solidFill>
+                  <a:srgbClr val="000000"/>
+                </a:solidFill>
+                <a:sym typeface="Wingdings"/>
+              </a:rPr>
+              <a:t> (Barrett Jacobsen), </a:t>
+            </a:r>
+            <a:r>
+              <a:rPr lang="en-US" dirty="0" err="1" smtClean="0">
+                <a:solidFill>
+                  <a:srgbClr val="000000"/>
+                </a:solidFill>
+                <a:sym typeface="Wingdings"/>
+              </a:rPr>
+              <a:t>NYXImagesKit</a:t>
+            </a:r>
+            <a:r>
+              <a:rPr lang="en-US" smtClean="0">
+                <a:solidFill>
+                  <a:srgbClr val="000000"/>
+                </a:solidFill>
+                <a:sym typeface="Wingdings"/>
+              </a:rPr>
+              <a:t>(Benjamin Godard-2011)</a:t>
+            </a:r>
+            <a:endParaRPr lang="vi-VN" dirty="0">
+              <a:solidFill>
+                <a:srgbClr val="FF0000"/>
+              </a:solidFill>
+              <a:latin typeface="Arial (Body)"/>
+            </a:endParaRPr>
+          </a:p>
+          <a:p>
+            <a:pPr lvl="1"/>
+            <a:r>
+              <a:rPr lang="en-US" dirty="0" smtClean="0">
+                <a:latin typeface="Arial (Body)"/>
+              </a:rPr>
+              <a:t>Chia </a:t>
+            </a:r>
+            <a:r>
+              <a:rPr lang="en-US" dirty="0" err="1" smtClean="0">
+                <a:latin typeface="Arial (Body)"/>
+              </a:rPr>
+              <a:t>sẻ</a:t>
+            </a:r>
+            <a:r>
+              <a:rPr lang="en-US" dirty="0" smtClean="0">
+                <a:latin typeface="Arial (Body)"/>
+              </a:rPr>
+              <a:t> </a:t>
+            </a:r>
+            <a:r>
+              <a:rPr lang="en-US" dirty="0" err="1" smtClean="0">
+                <a:latin typeface="Arial (Body)"/>
+              </a:rPr>
+              <a:t>lên</a:t>
+            </a:r>
+            <a:r>
+              <a:rPr lang="en-US" dirty="0" smtClean="0">
+                <a:latin typeface="Arial (Body)"/>
+              </a:rPr>
+              <a:t> </a:t>
+            </a:r>
+            <a:r>
+              <a:rPr lang="en-US" dirty="0" err="1" smtClean="0">
+                <a:latin typeface="Arial (Body)"/>
+              </a:rPr>
+              <a:t>mạng</a:t>
+            </a:r>
+            <a:r>
+              <a:rPr lang="en-US" dirty="0" smtClean="0">
+                <a:latin typeface="Arial (Body)"/>
+              </a:rPr>
+              <a:t> </a:t>
+            </a:r>
+            <a:r>
+              <a:rPr lang="en-US" dirty="0" err="1" smtClean="0">
+                <a:latin typeface="Arial (Body)"/>
+              </a:rPr>
+              <a:t>xã</a:t>
+            </a:r>
+            <a:r>
+              <a:rPr lang="en-US" dirty="0" smtClean="0">
+                <a:latin typeface="Arial (Body)"/>
+              </a:rPr>
+              <a:t> </a:t>
+            </a:r>
+            <a:r>
+              <a:rPr lang="en-US" dirty="0" err="1" smtClean="0">
+                <a:latin typeface="Arial (Body)"/>
+              </a:rPr>
+              <a:t>hội</a:t>
+            </a:r>
+            <a:r>
+              <a:rPr lang="en-US" dirty="0">
+                <a:latin typeface="Arial (Body)"/>
+              </a:rPr>
+              <a:t>: </a:t>
+            </a:r>
+            <a:r>
+              <a:rPr lang="en-US" dirty="0" err="1" smtClean="0">
+                <a:solidFill>
+                  <a:srgbClr val="FF0000"/>
+                </a:solidFill>
+                <a:latin typeface="Arial (Body)"/>
+              </a:rPr>
+              <a:t>Social.framework</a:t>
+            </a:r>
+            <a:r>
+              <a:rPr lang="en-US" dirty="0" smtClean="0">
+                <a:latin typeface="Arial (Body)"/>
+              </a:rPr>
+              <a:t>, Facebook SDK, Twitter </a:t>
+            </a:r>
+            <a:r>
+              <a:rPr lang="en-US" dirty="0" err="1" smtClean="0">
+                <a:latin typeface="Arial (Body)"/>
+              </a:rPr>
+              <a:t>Framwork</a:t>
+            </a:r>
+            <a:r>
+              <a:rPr lang="en-US" dirty="0" smtClean="0">
+                <a:latin typeface="Arial (Body)"/>
+              </a:rPr>
+              <a:t>,…</a:t>
+            </a:r>
+          </a:p>
+          <a:p>
+            <a:pPr lvl="1"/>
+            <a:r>
+              <a:rPr lang="en-US" dirty="0" err="1" smtClean="0">
+                <a:solidFill>
+                  <a:srgbClr val="000000"/>
+                </a:solidFill>
+                <a:latin typeface="Arial (Body)"/>
+              </a:rPr>
+              <a:t>Giao</a:t>
+            </a:r>
+            <a:r>
+              <a:rPr lang="en-US" dirty="0" smtClean="0">
+                <a:solidFill>
+                  <a:srgbClr val="000000"/>
+                </a:solidFill>
+                <a:latin typeface="Arial (Body)"/>
+              </a:rPr>
+              <a:t> </a:t>
+            </a:r>
+            <a:r>
+              <a:rPr lang="en-US" dirty="0" err="1" smtClean="0">
+                <a:solidFill>
+                  <a:srgbClr val="000000"/>
+                </a:solidFill>
+                <a:latin typeface="Arial (Body)"/>
+              </a:rPr>
+              <a:t>diện</a:t>
+            </a:r>
+            <a:r>
+              <a:rPr lang="en-US" dirty="0" smtClean="0">
+                <a:solidFill>
+                  <a:srgbClr val="000000"/>
+                </a:solidFill>
+                <a:latin typeface="Arial (Body)"/>
+              </a:rPr>
+              <a:t> </a:t>
+            </a:r>
+            <a:r>
+              <a:rPr lang="en-US" dirty="0" err="1" smtClean="0">
+                <a:solidFill>
+                  <a:srgbClr val="000000"/>
+                </a:solidFill>
+                <a:latin typeface="Arial (Body)"/>
+              </a:rPr>
+              <a:t>càng</a:t>
+            </a:r>
+            <a:r>
+              <a:rPr lang="en-US" dirty="0" smtClean="0">
+                <a:solidFill>
+                  <a:srgbClr val="000000"/>
+                </a:solidFill>
+                <a:latin typeface="Arial (Body)"/>
+              </a:rPr>
+              <a:t> </a:t>
+            </a:r>
+            <a:r>
+              <a:rPr lang="en-US" dirty="0" err="1" smtClean="0">
+                <a:solidFill>
+                  <a:srgbClr val="000000"/>
+                </a:solidFill>
+                <a:latin typeface="Arial (Body)"/>
+              </a:rPr>
+              <a:t>giống</a:t>
+            </a:r>
+            <a:r>
+              <a:rPr lang="en-US" dirty="0" smtClean="0">
+                <a:solidFill>
+                  <a:srgbClr val="000000"/>
+                </a:solidFill>
+                <a:latin typeface="Arial (Body)"/>
+              </a:rPr>
+              <a:t> </a:t>
+            </a:r>
+            <a:r>
+              <a:rPr lang="en-US" dirty="0" err="1" smtClean="0">
+                <a:solidFill>
+                  <a:srgbClr val="000000"/>
+                </a:solidFill>
+                <a:latin typeface="Arial (Body)"/>
+              </a:rPr>
+              <a:t>với</a:t>
+            </a:r>
+            <a:r>
+              <a:rPr lang="en-US" dirty="0" smtClean="0">
+                <a:solidFill>
+                  <a:srgbClr val="000000"/>
+                </a:solidFill>
+                <a:latin typeface="Arial (Body)"/>
+              </a:rPr>
+              <a:t> </a:t>
+            </a:r>
+            <a:r>
+              <a:rPr lang="en-US" dirty="0" err="1" smtClean="0">
+                <a:solidFill>
+                  <a:srgbClr val="000000"/>
+                </a:solidFill>
+                <a:latin typeface="Arial (Body)"/>
+              </a:rPr>
+              <a:t>instagram</a:t>
+            </a:r>
+            <a:r>
+              <a:rPr lang="en-US" dirty="0" smtClean="0">
+                <a:solidFill>
+                  <a:srgbClr val="000000"/>
+                </a:solidFill>
+                <a:latin typeface="Arial (Body)"/>
+              </a:rPr>
+              <a:t> </a:t>
+            </a:r>
+            <a:r>
+              <a:rPr lang="en-US" dirty="0" err="1" smtClean="0">
+                <a:solidFill>
+                  <a:srgbClr val="000000"/>
+                </a:solidFill>
+                <a:latin typeface="Arial (Body)"/>
+              </a:rPr>
+              <a:t>càng</a:t>
+            </a:r>
+            <a:r>
+              <a:rPr lang="en-US" dirty="0" smtClean="0">
+                <a:solidFill>
+                  <a:srgbClr val="000000"/>
+                </a:solidFill>
+                <a:latin typeface="Arial (Body)"/>
+              </a:rPr>
+              <a:t> </a:t>
+            </a:r>
+            <a:r>
+              <a:rPr lang="en-US" dirty="0" err="1" smtClean="0">
+                <a:solidFill>
+                  <a:srgbClr val="000000"/>
+                </a:solidFill>
+                <a:latin typeface="Arial (Body)"/>
+              </a:rPr>
+              <a:t>tốt</a:t>
+            </a:r>
+            <a:r>
+              <a:rPr lang="en-US" dirty="0" smtClean="0">
+                <a:solidFill>
+                  <a:srgbClr val="000000"/>
+                </a:solidFill>
+                <a:latin typeface="Arial (Body)"/>
+              </a:rPr>
+              <a:t>.</a:t>
+            </a:r>
+            <a:endParaRPr lang="vi-VN" dirty="0" smtClean="0">
+              <a:solidFill>
+                <a:srgbClr val="000000"/>
+              </a:solidFill>
+              <a:latin typeface="Arial (Body)"/>
             </a:endParaRPr>
           </a:p>
         </p:txBody>
@@ -13301,40 +11859,10 @@
           </a:p>
         </p:txBody>
       </p:sp>
-      <p:pic>
-        <p:nvPicPr>
-          <p:cNvPr id="6" name="Picture 5"/>
-          <p:cNvPicPr>
-            <a:picLocks noChangeAspect="1"/>
-          </p:cNvPicPr>
-          <p:nvPr/>
-        </p:nvPicPr>
-        <p:blipFill>
-          <a:blip r:embed="rId3">
-            <a:extLst>
-              <a:ext uri="{28A0092B-C50C-407E-A947-70E740481C1C}">
-                <a14:useLocalDpi xmlns:a14="http://schemas.microsoft.com/office/drawing/2010/main" val="0"/>
-              </a:ext>
-            </a:extLst>
-          </a:blip>
-          <a:stretch>
-            <a:fillRect/>
-          </a:stretch>
-        </p:blipFill>
-        <p:spPr>
-          <a:xfrm>
-            <a:off x="0" y="782456"/>
-            <a:ext cx="9144000" cy="6075544"/>
-          </a:xfrm>
-          <a:prstGeom prst="rect">
-            <a:avLst/>
-          </a:prstGeom>
-        </p:spPr>
-      </p:pic>
     </p:spTree>
     <p:extLst>
       <p:ext uri="{BB962C8B-B14F-4D97-AF65-F5344CB8AC3E}">
-        <p14:creationId xmlns:p14="http://schemas.microsoft.com/office/powerpoint/2010/main" val="2809761952"/>
+        <p14:creationId xmlns:p14="http://schemas.microsoft.com/office/powerpoint/2010/main" val="1006764191"/>
       </p:ext>
     </p:extLst>
   </p:cSld>

--- a/baocaoThucTap.pptx
+++ b/baocaoThucTap.pptx
@@ -124,7 +124,7 @@
   </p:defaultTextStyle>
   <p:extLst>
     <p:ext uri="{EFAFB233-063F-42B5-8137-9DF3F51BA10A}">
-      <p15:sldGuideLst xmlns="" xmlns:p15="http://schemas.microsoft.com/office/powerpoint/2012/main">
+      <p15:sldGuideLst xmlns:p15="http://schemas.microsoft.com/office/powerpoint/2012/main" xmlns="">
         <p15:guide id="1" orient="horz" pos="2160">
           <p15:clr>
             <a:srgbClr val="A4A3A4"/>
@@ -4628,26 +4628,36 @@
         <p:spPr>
           <a:xfrm>
             <a:off x="2060812" y="358254"/>
-            <a:ext cx="5368688" cy="859809"/>
+            <a:ext cx="7083188" cy="859809"/>
           </a:xfrm>
         </p:spPr>
         <p:txBody>
           <a:bodyPr>
-            <a:normAutofit/>
+            <a:normAutofit fontScale="90000"/>
           </a:bodyPr>
           <a:lstStyle/>
           <a:p>
             <a:r>
-              <a:rPr lang="vi-VN" sz="3600" b="1" smtClean="0">
+              <a:rPr lang="vi-VN" sz="3600" b="1" dirty="0" smtClean="0">
                 <a:solidFill>
                   <a:schemeClr val="bg1"/>
                 </a:solidFill>
                 <a:latin typeface="Arial" panose="020B0604020202020204" pitchFamily="34" charset="0"/>
                 <a:cs typeface="Arial" panose="020B0604020202020204" pitchFamily="34" charset="0"/>
               </a:rPr>
-              <a:t>BÁO CÁO THỰC TẬP</a:t>
-            </a:r>
-            <a:endParaRPr lang="en-US" sz="3600" b="1">
+              <a:t>                      BÁO </a:t>
+            </a:r>
+            <a:r>
+              <a:rPr lang="vi-VN" sz="3600" b="1" dirty="0" smtClean="0">
+                <a:solidFill>
+                  <a:schemeClr val="bg1"/>
+                </a:solidFill>
+                <a:latin typeface="Arial" panose="020B0604020202020204" pitchFamily="34" charset="0"/>
+                <a:cs typeface="Arial" panose="020B0604020202020204" pitchFamily="34" charset="0"/>
+              </a:rPr>
+              <a:t>CÁO THỰC TẬP</a:t>
+            </a:r>
+            <a:endParaRPr lang="en-US" sz="3600" b="1" dirty="0">
               <a:solidFill>
                 <a:schemeClr val="bg1"/>
               </a:solidFill>
@@ -4685,31 +4695,7 @@
                   <a:srgbClr val="009900"/>
                 </a:solidFill>
               </a:rPr>
-              <a:t>Đề tài: Xây dựng phần mềm </a:t>
-            </a:r>
-            <a:r>
-              <a:rPr lang="vi-VN" sz="3200" b="1" dirty="0" smtClean="0">
-                <a:solidFill>
-                  <a:srgbClr val="009900"/>
-                </a:solidFill>
-              </a:rPr>
-              <a:t>chia sẻ</a:t>
-            </a:r>
-            <a:r>
-              <a:rPr lang="vi-VN" sz="3200" b="1" dirty="0" smtClean="0">
-                <a:solidFill>
-                  <a:srgbClr val="009900"/>
-                </a:solidFill>
-              </a:rPr>
-              <a:t> </a:t>
-            </a:r>
-            <a:r>
-              <a:rPr lang="vi-VN" sz="3200" b="1" dirty="0" smtClean="0">
-                <a:solidFill>
-                  <a:srgbClr val="009900"/>
-                </a:solidFill>
-              </a:rPr>
-              <a:t>ảnh InstagramClone</a:t>
+              <a:t>Đề tài: Xây dựng phần mềm chia sẻ ảnh InstagramClone</a:t>
             </a:r>
             <a:endParaRPr lang="en-US" sz="3200" b="1" dirty="0">
               <a:solidFill>
@@ -4742,8 +4728,12 @@
           <a:lstStyle/>
           <a:p>
             <a:r>
-              <a:rPr lang="vi-VN" i="1" smtClean="0"/>
-              <a:t>Học phần: Thực tập kỹ thuật</a:t>
+              <a:rPr lang="vi-VN" i="1" dirty="0" smtClean="0"/>
+              <a:t>                                              Học </a:t>
+            </a:r>
+            <a:r>
+              <a:rPr lang="vi-VN" i="1" dirty="0" smtClean="0"/>
+              <a:t>phần: Thực tập kỹ thuật</a:t>
             </a:r>
           </a:p>
         </p:txBody>
@@ -4810,7 +4800,6 @@
               <a:rPr lang="en-US" sz="800" dirty="0" smtClean="0"/>
               <a:t>	</a:t>
             </a:r>
-            <a:endParaRPr lang="en-US" sz="800" dirty="0" smtClean="0"/>
           </a:p>
           <a:p>
             <a:endParaRPr lang="en-US" sz="2400" dirty="0"/>
@@ -5119,6 +5108,36 @@
           </a:p>
         </p:txBody>
       </p:sp>
+      <p:pic>
+        <p:nvPicPr>
+          <p:cNvPr id="10" name="Picture 9" descr="LTT_Logo.png"/>
+          <p:cNvPicPr>
+            <a:picLocks noChangeAspect="1"/>
+          </p:cNvPicPr>
+          <p:nvPr/>
+        </p:nvPicPr>
+        <p:blipFill>
+          <a:blip r:embed="rId3">
+            <a:extLst>
+              <a:ext uri="{28A0092B-C50C-407E-A947-70E740481C1C}">
+                <a14:useLocalDpi xmlns:a14="http://schemas.microsoft.com/office/drawing/2010/main" val="0"/>
+              </a:ext>
+            </a:extLst>
+          </a:blip>
+          <a:stretch>
+            <a:fillRect/>
+          </a:stretch>
+        </p:blipFill>
+        <p:spPr>
+          <a:xfrm>
+            <a:off x="0" y="366462"/>
+            <a:ext cx="4620596" cy="1408777"/>
+          </a:xfrm>
+          <a:prstGeom prst="rect">
+            <a:avLst/>
+          </a:prstGeom>
+        </p:spPr>
+      </p:pic>
     </p:spTree>
     <p:extLst>
       <p:ext uri="{BB962C8B-B14F-4D97-AF65-F5344CB8AC3E}">
@@ -5649,11 +5668,6 @@
               </a:rPr>
               <a:t>Hướng phát triển trong tương lai:</a:t>
             </a:r>
-            <a:endParaRPr lang="vi-VN" dirty="0" smtClean="0">
-              <a:solidFill>
-                <a:srgbClr val="009900"/>
-              </a:solidFill>
-            </a:endParaRPr>
           </a:p>
         </p:txBody>
       </p:sp>
@@ -6979,13 +6993,7 @@
               <a:rPr lang="en-US" dirty="0" smtClean="0">
                 <a:latin typeface="Arial (Body)"/>
               </a:rPr>
-              <a:t>)</a:t>
-            </a:r>
-            <a:r>
-              <a:rPr lang="en-US" dirty="0" smtClean="0">
-                <a:latin typeface="Arial (Body)"/>
-              </a:rPr>
-              <a:t>.</a:t>
+              <a:t>).</a:t>
             </a:r>
           </a:p>
           <a:p>
@@ -7346,58 +7354,40 @@
               <a:rPr lang="en-US" dirty="0" smtClean="0">
                 <a:latin typeface="Arial (Body)"/>
               </a:rPr>
-              <a:t>X </a:t>
+              <a:t>X 10.8.4+</a:t>
+            </a:r>
+            <a:r>
+              <a:rPr lang="vi-VN" dirty="0" smtClean="0">
+                <a:latin typeface="Arial (Body)"/>
+              </a:rPr>
+              <a:t>, </a:t>
+            </a:r>
+            <a:r>
+              <a:rPr lang="vi-VN" dirty="0">
+                <a:latin typeface="Arial (Body)"/>
+              </a:rPr>
+              <a:t>Xcode </a:t>
+            </a:r>
+            <a:r>
+              <a:rPr lang="vi-VN" dirty="0" smtClean="0">
+                <a:latin typeface="Arial (Body)"/>
+              </a:rPr>
+              <a:t>5.</a:t>
             </a:r>
             <a:r>
               <a:rPr lang="en-US" dirty="0" smtClean="0">
                 <a:latin typeface="Arial (Body)"/>
               </a:rPr>
-              <a:t>10.8.4+</a:t>
-            </a:r>
-            <a:r>
-              <a:rPr lang="vi-VN" dirty="0" smtClean="0">
-                <a:latin typeface="Arial (Body)"/>
-              </a:rPr>
-              <a:t>, </a:t>
-            </a:r>
-            <a:r>
-              <a:rPr lang="vi-VN" dirty="0">
-                <a:latin typeface="Arial (Body)"/>
-              </a:rPr>
-              <a:t>Xcode </a:t>
-            </a:r>
-            <a:r>
-              <a:rPr lang="vi-VN" dirty="0" smtClean="0">
-                <a:latin typeface="Arial (Body)"/>
-              </a:rPr>
-              <a:t>5.</a:t>
-            </a:r>
+              <a:t>1</a:t>
+            </a:r>
+          </a:p>
+          <a:p>
+            <a:pPr lvl="1"/>
             <a:r>
               <a:rPr lang="en-US" dirty="0" smtClean="0">
                 <a:latin typeface="Arial (Body)"/>
               </a:rPr>
-              <a:t>1</a:t>
-            </a:r>
-          </a:p>
-          <a:p>
-            <a:pPr lvl="1"/>
-            <a:r>
-              <a:rPr lang="en-US" dirty="0" smtClean="0">
-                <a:latin typeface="Arial (Body)"/>
-              </a:rPr>
-              <a:t>Android </a:t>
-            </a:r>
-            <a:r>
-              <a:rPr lang="en-US" dirty="0" smtClean="0">
-                <a:latin typeface="Arial (Body)"/>
-              </a:rPr>
-              <a:t>4.2+ </a:t>
-            </a:r>
-            <a:r>
-              <a:rPr lang="en-US" dirty="0" smtClean="0">
-                <a:latin typeface="Arial (Body)"/>
-              </a:rPr>
-              <a:t>, Eclipse </a:t>
+              <a:t>Android 4.2+ , Eclipse </a:t>
             </a:r>
             <a:r>
               <a:rPr lang="en-US" dirty="0" err="1" smtClean="0">
@@ -7508,12 +7498,6 @@
               </a:rPr>
               <a:t>open source.</a:t>
             </a:r>
-            <a:endParaRPr lang="en-US" dirty="0" smtClean="0">
-              <a:solidFill>
-                <a:srgbClr val="009900"/>
-              </a:solidFill>
-              <a:latin typeface="Arial (Body)"/>
-            </a:endParaRPr>
           </a:p>
           <a:p>
             <a:pPr marL="0" indent="0">
@@ -7707,12 +7691,6 @@
               </a:rPr>
               <a:t>:</a:t>
             </a:r>
-            <a:endParaRPr lang="en-US" dirty="0" smtClean="0">
-              <a:solidFill>
-                <a:srgbClr val="008000"/>
-              </a:solidFill>
-              <a:latin typeface="Arial (Body)"/>
-            </a:endParaRPr>
           </a:p>
           <a:p>
             <a:r>
@@ -7912,13 +7890,7 @@
               <a:rPr lang="en-US" dirty="0" smtClean="0">
                 <a:latin typeface="Arial (Body)"/>
               </a:rPr>
-              <a:t> (choose image)</a:t>
-            </a:r>
-            <a:r>
-              <a:rPr lang="en-US" dirty="0" smtClean="0">
-                <a:latin typeface="Arial (Body)"/>
-              </a:rPr>
-              <a:t>.</a:t>
+              <a:t> (choose image).</a:t>
             </a:r>
           </a:p>
           <a:p>
@@ -8083,23 +8055,7 @@
                   <a:srgbClr val="000000"/>
                 </a:solidFill>
               </a:rPr>
-              <a:t>)-</a:t>
-            </a:r>
-            <a:r>
-              <a:rPr lang="en-US" dirty="0" smtClean="0">
-                <a:solidFill>
-                  <a:srgbClr val="000000"/>
-                </a:solidFill>
-              </a:rPr>
-              <a:t>resize</a:t>
-            </a:r>
-            <a:r>
-              <a:rPr lang="en-US" dirty="0" smtClean="0">
-                <a:solidFill>
-                  <a:srgbClr val="000000"/>
-                </a:solidFill>
-              </a:rPr>
-              <a:t>.</a:t>
+              <a:t>)-resize.</a:t>
             </a:r>
           </a:p>
           <a:p>
@@ -8210,25 +8166,7 @@
               <a:rPr lang="en-US" dirty="0" smtClean="0">
                 <a:latin typeface="Arial (Body)"/>
               </a:rPr>
-              <a:t>Twitter Fram</a:t>
-            </a:r>
-            <a:r>
-              <a:rPr lang="en-US" dirty="0" smtClean="0">
-                <a:latin typeface="Arial (Body)"/>
-              </a:rPr>
-              <a:t>e</a:t>
-            </a:r>
-            <a:r>
-              <a:rPr lang="en-US" dirty="0" smtClean="0">
-                <a:latin typeface="Arial (Body)"/>
-              </a:rPr>
-              <a:t>wor</a:t>
-            </a:r>
-            <a:r>
-              <a:rPr lang="en-US" dirty="0" smtClean="0">
-                <a:latin typeface="Arial (Body)"/>
-              </a:rPr>
-              <a:t>k.</a:t>
+              <a:t>Twitter Framework.</a:t>
             </a:r>
           </a:p>
           <a:p>
@@ -8561,23 +8499,8 @@
                 </a:solidFill>
                 <a:latin typeface="Arial (Body)"/>
               </a:rPr>
-              <a:t>Android</a:t>
-            </a:r>
-            <a:r>
-              <a:rPr lang="en-US" dirty="0" smtClean="0">
-                <a:solidFill>
-                  <a:srgbClr val="008000"/>
-                </a:solidFill>
-                <a:latin typeface="Arial (Body)"/>
-              </a:rPr>
-              <a:t>: </a:t>
-            </a:r>
-            <a:endParaRPr lang="en-US" dirty="0" smtClean="0">
-              <a:solidFill>
-                <a:srgbClr val="008000"/>
-              </a:solidFill>
-              <a:latin typeface="Arial (Body)"/>
-            </a:endParaRPr>
+              <a:t>Android: </a:t>
+            </a:r>
           </a:p>
           <a:p>
             <a:pPr lvl="2"/>
@@ -8669,13 +8592,7 @@
               <a:rPr lang="en-US" dirty="0" err="1" smtClean="0">
                 <a:latin typeface="Arial (Body)"/>
               </a:rPr>
-              <a:t>ảnh:</a:t>
-            </a:r>
-            <a:r>
-              <a:rPr lang="en-US" dirty="0" err="1" smtClean="0">
-                <a:latin typeface="Arial (Body)"/>
-              </a:rPr>
-              <a:t>Thắng</a:t>
+              <a:t>ảnh:Thắng</a:t>
             </a:r>
             <a:endParaRPr lang="en-US" dirty="0" smtClean="0">
               <a:solidFill>
@@ -8765,13 +8682,7 @@
               <a:rPr lang="en-US" dirty="0" err="1" smtClean="0">
                 <a:latin typeface="Arial (Body)"/>
               </a:rPr>
-              <a:t>hội:</a:t>
-            </a:r>
-            <a:r>
-              <a:rPr lang="en-US" dirty="0" err="1" smtClean="0">
-                <a:latin typeface="Arial (Body)"/>
-              </a:rPr>
-              <a:t>Thắng</a:t>
+              <a:t>hội:Thắng</a:t>
             </a:r>
             <a:endParaRPr lang="en-US" dirty="0" smtClean="0">
               <a:latin typeface="Arial (Body)"/>
@@ -9103,12 +9014,6 @@
               </a:rPr>
               <a:t> </a:t>
             </a:r>
-            <a:endParaRPr lang="en-US" sz="1600" dirty="0" smtClean="0">
-              <a:solidFill>
-                <a:srgbClr val="FF0000"/>
-              </a:solidFill>
-              <a:latin typeface="Arial (Body)"/>
-            </a:endParaRPr>
           </a:p>
         </p:txBody>
       </p:sp>
@@ -9277,34 +9182,16 @@
                 </a:solidFill>
                 <a:latin typeface="Arial (Body)"/>
               </a:rPr>
-              <a:t>Ruby:</a:t>
-            </a:r>
-            <a:r>
-              <a:rPr lang="en-US" dirty="0" smtClean="0">
+              <a:t>Ruby: </a:t>
+            </a:r>
+            <a:r>
+              <a:rPr lang="en-US" dirty="0" err="1" smtClean="0">
                 <a:solidFill>
                   <a:srgbClr val="008000"/>
                 </a:solidFill>
                 <a:latin typeface="Arial (Body)"/>
               </a:rPr>
-              <a:t> </a:t>
-            </a:r>
-            <a:r>
-              <a:rPr lang="en-US" dirty="0" err="1" smtClean="0">
-                <a:solidFill>
-                  <a:srgbClr val="008000"/>
-                </a:solidFill>
-                <a:latin typeface="Arial (Body)"/>
-              </a:rPr>
-              <a:t>L</a:t>
-            </a:r>
-            <a:r>
-              <a:rPr lang="en-US" dirty="0" err="1" smtClean="0">
-                <a:solidFill>
-                  <a:srgbClr val="008000"/>
-                </a:solidFill>
-                <a:latin typeface="Arial (Body)"/>
-              </a:rPr>
-              <a:t>ợi</a:t>
+              <a:t>Lợi</a:t>
             </a:r>
             <a:endParaRPr lang="vi-VN" dirty="0">
               <a:solidFill>
@@ -9557,7 +9444,7 @@
       </p:sp>
       <p:pic>
         <p:nvPicPr>
-          <p:cNvPr id="6" name="Picture 5"/>
+          <p:cNvPr id="7" name="Picture 6" descr="userCase.png"/>
           <p:cNvPicPr>
             <a:picLocks noChangeAspect="1"/>
           </p:cNvPicPr>
@@ -10077,7 +9964,7 @@
   <a:extraClrSchemeLst/>
   <a:extLst>
     <a:ext uri="{05A4C25C-085E-4340-85A3-A5531E510DB2}">
-      <thm15:themeFamily xmlns="" xmlns:thm15="http://schemas.microsoft.com/office/thememl/2012/main" name="Office Theme" id="{62F939B6-93AF-4DB8-9C6B-D6C7DFDC589F}" vid="{4A3C46E8-61CC-4603-A589-7422A47A8E4A}"/>
+      <thm15:themeFamily xmlns:thm15="http://schemas.microsoft.com/office/thememl/2012/main" xmlns="" name="Office Theme" id="{62F939B6-93AF-4DB8-9C6B-D6C7DFDC589F}" vid="{4A3C46E8-61CC-4603-A589-7422A47A8E4A}"/>
     </a:ext>
   </a:extLst>
 </a:theme>
@@ -10338,7 +10225,7 @@
   <a:extraClrSchemeLst/>
   <a:extLst>
     <a:ext uri="{05A4C25C-085E-4340-85A3-A5531E510DB2}">
-      <thm15:themeFamily xmlns="" xmlns:thm15="http://schemas.microsoft.com/office/thememl/2012/main" name="Office Theme" id="{62F939B6-93AF-4DB8-9C6B-D6C7DFDC589F}" vid="{4A3C46E8-61CC-4603-A589-7422A47A8E4A}"/>
+      <thm15:themeFamily xmlns:thm15="http://schemas.microsoft.com/office/thememl/2012/main" xmlns="" name="Office Theme" id="{62F939B6-93AF-4DB8-9C6B-D6C7DFDC589F}" vid="{4A3C46E8-61CC-4603-A589-7422A47A8E4A}"/>
     </a:ext>
   </a:extLst>
 </a:theme>

--- a/baocaoThucTap.pptx
+++ b/baocaoThucTap.pptx
@@ -5,28 +5,25 @@
     <p:sldMasterId id="2147483660" r:id="rId1"/>
   </p:sldMasterIdLst>
   <p:notesMasterIdLst>
-    <p:notesMasterId r:id="rId18"/>
+    <p:notesMasterId r:id="rId15"/>
   </p:notesMasterIdLst>
   <p:handoutMasterIdLst>
-    <p:handoutMasterId r:id="rId19"/>
+    <p:handoutMasterId r:id="rId16"/>
   </p:handoutMasterIdLst>
   <p:sldIdLst>
     <p:sldId id="256" r:id="rId2"/>
     <p:sldId id="258" r:id="rId3"/>
-    <p:sldId id="259" r:id="rId4"/>
-    <p:sldId id="284" r:id="rId5"/>
-    <p:sldId id="281" r:id="rId6"/>
-    <p:sldId id="283" r:id="rId7"/>
-    <p:sldId id="277" r:id="rId8"/>
-    <p:sldId id="282" r:id="rId9"/>
-    <p:sldId id="289" r:id="rId10"/>
-    <p:sldId id="290" r:id="rId11"/>
-    <p:sldId id="279" r:id="rId12"/>
-    <p:sldId id="285" r:id="rId13"/>
-    <p:sldId id="286" r:id="rId14"/>
-    <p:sldId id="280" r:id="rId15"/>
-    <p:sldId id="274" r:id="rId16"/>
-    <p:sldId id="276" r:id="rId17"/>
+    <p:sldId id="282" r:id="rId4"/>
+    <p:sldId id="283" r:id="rId5"/>
+    <p:sldId id="289" r:id="rId6"/>
+    <p:sldId id="291" r:id="rId7"/>
+    <p:sldId id="290" r:id="rId8"/>
+    <p:sldId id="279" r:id="rId9"/>
+    <p:sldId id="285" r:id="rId10"/>
+    <p:sldId id="286" r:id="rId11"/>
+    <p:sldId id="280" r:id="rId12"/>
+    <p:sldId id="274" r:id="rId13"/>
+    <p:sldId id="276" r:id="rId14"/>
   </p:sldIdLst>
   <p:sldSz cx="9144000" cy="6858000" type="screen4x3"/>
   <p:notesSz cx="6858000" cy="9144000"/>
@@ -226,7 +223,7 @@
           <a:p>
             <a:fld id="{64D42DEA-A48F-A745-81D7-D28B4BDC5024}" type="datetime1">
               <a:rPr lang="en-US" smtClean="0"/>
-              <a:t>8/5/14</a:t>
+              <a:t>8/6/14</a:t>
             </a:fld>
             <a:endParaRPr lang="en-US"/>
           </a:p>
@@ -392,7 +389,7 @@
           <a:p>
             <a:fld id="{004690D1-ED74-9748-9A5E-B4AE984FB9C8}" type="datetime1">
               <a:rPr lang="en-US" smtClean="0"/>
-              <a:t>8/5/14</a:t>
+              <a:t>8/6/14</a:t>
             </a:fld>
             <a:endParaRPr lang="en-US"/>
           </a:p>
@@ -893,17 +890,26 @@
           <a:lstStyle/>
           <a:p>
             <a:fld id="{71899119-051B-49E9-9B83-518F333CEB1F}" type="slidenum">
-              <a:rPr lang="en-US" smtClean="0"/>
+              <a:rPr lang="en-US" smtClean="0">
+                <a:solidFill>
+                  <a:prstClr val="black"/>
+                </a:solidFill>
+              </a:rPr>
+              <a:pPr/>
               <a:t>12</a:t>
             </a:fld>
-            <a:endParaRPr lang="en-US"/>
+            <a:endParaRPr lang="en-US">
+              <a:solidFill>
+                <a:prstClr val="black"/>
+              </a:solidFill>
+            </a:endParaRPr>
           </a:p>
         </p:txBody>
       </p:sp>
     </p:spTree>
     <p:extLst>
       <p:ext uri="{BB962C8B-B14F-4D97-AF65-F5344CB8AC3E}">
-        <p14:creationId xmlns:p14="http://schemas.microsoft.com/office/powerpoint/2010/main" val="1891914007"/>
+        <p14:creationId xmlns:p14="http://schemas.microsoft.com/office/powerpoint/2010/main" val="2015826012"/>
       </p:ext>
     </p:extLst>
   </p:cSld>
@@ -977,274 +983,13 @@
           <a:lstStyle/>
           <a:p>
             <a:fld id="{71899119-051B-49E9-9B83-518F333CEB1F}" type="slidenum">
-              <a:rPr lang="en-US" smtClean="0"/>
+              <a:rPr lang="en-US" smtClean="0">
+                <a:solidFill>
+                  <a:prstClr val="black"/>
+                </a:solidFill>
+              </a:rPr>
+              <a:pPr/>
               <a:t>13</a:t>
-            </a:fld>
-            <a:endParaRPr lang="en-US"/>
-          </a:p>
-        </p:txBody>
-      </p:sp>
-    </p:spTree>
-    <p:extLst>
-      <p:ext uri="{BB962C8B-B14F-4D97-AF65-F5344CB8AC3E}">
-        <p14:creationId xmlns:p14="http://schemas.microsoft.com/office/powerpoint/2010/main" val="396702225"/>
-      </p:ext>
-    </p:extLst>
-  </p:cSld>
-  <p:clrMapOvr>
-    <a:masterClrMapping/>
-  </p:clrMapOvr>
-</p:notes>
-</file>
-
-<file path=ppt/notesSlides/notesSlide13.xml><?xml version="1.0" encoding="utf-8"?>
-<p:notes xmlns:a="http://schemas.openxmlformats.org/drawingml/2006/main" xmlns:r="http://schemas.openxmlformats.org/officeDocument/2006/relationships" xmlns:p="http://schemas.openxmlformats.org/presentationml/2006/main">
-  <p:cSld>
-    <p:spTree>
-      <p:nvGrpSpPr>
-        <p:cNvPr id="1" name=""/>
-        <p:cNvGrpSpPr/>
-        <p:nvPr/>
-      </p:nvGrpSpPr>
-      <p:grpSpPr>
-        <a:xfrm>
-          <a:off x="0" y="0"/>
-          <a:ext cx="0" cy="0"/>
-          <a:chOff x="0" y="0"/>
-          <a:chExt cx="0" cy="0"/>
-        </a:xfrm>
-      </p:grpSpPr>
-      <p:sp>
-        <p:nvSpPr>
-          <p:cNvPr id="2" name="Slide Image Placeholder 1"/>
-          <p:cNvSpPr>
-            <a:spLocks noGrp="1" noRot="1" noChangeAspect="1"/>
-          </p:cNvSpPr>
-          <p:nvPr>
-            <p:ph type="sldImg"/>
-          </p:nvPr>
-        </p:nvSpPr>
-        <p:spPr/>
-      </p:sp>
-      <p:sp>
-        <p:nvSpPr>
-          <p:cNvPr id="3" name="Notes Placeholder 2"/>
-          <p:cNvSpPr>
-            <a:spLocks noGrp="1"/>
-          </p:cNvSpPr>
-          <p:nvPr>
-            <p:ph type="body" idx="1"/>
-          </p:nvPr>
-        </p:nvSpPr>
-        <p:spPr/>
-        <p:txBody>
-          <a:bodyPr/>
-          <a:lstStyle/>
-          <a:p>
-            <a:endParaRPr lang="en-US"/>
-          </a:p>
-        </p:txBody>
-      </p:sp>
-      <p:sp>
-        <p:nvSpPr>
-          <p:cNvPr id="4" name="Slide Number Placeholder 3"/>
-          <p:cNvSpPr>
-            <a:spLocks noGrp="1"/>
-          </p:cNvSpPr>
-          <p:nvPr>
-            <p:ph type="sldNum" sz="quarter" idx="10"/>
-          </p:nvPr>
-        </p:nvSpPr>
-        <p:spPr/>
-        <p:txBody>
-          <a:bodyPr/>
-          <a:lstStyle/>
-          <a:p>
-            <a:fld id="{71899119-051B-49E9-9B83-518F333CEB1F}" type="slidenum">
-              <a:rPr lang="en-US" smtClean="0"/>
-              <a:t>14</a:t>
-            </a:fld>
-            <a:endParaRPr lang="en-US"/>
-          </a:p>
-        </p:txBody>
-      </p:sp>
-    </p:spTree>
-    <p:extLst>
-      <p:ext uri="{BB962C8B-B14F-4D97-AF65-F5344CB8AC3E}">
-        <p14:creationId xmlns:p14="http://schemas.microsoft.com/office/powerpoint/2010/main" val="3162090915"/>
-      </p:ext>
-    </p:extLst>
-  </p:cSld>
-  <p:clrMapOvr>
-    <a:masterClrMapping/>
-  </p:clrMapOvr>
-</p:notes>
-</file>
-
-<file path=ppt/notesSlides/notesSlide14.xml><?xml version="1.0" encoding="utf-8"?>
-<p:notes xmlns:a="http://schemas.openxmlformats.org/drawingml/2006/main" xmlns:r="http://schemas.openxmlformats.org/officeDocument/2006/relationships" xmlns:p="http://schemas.openxmlformats.org/presentationml/2006/main">
-  <p:cSld>
-    <p:spTree>
-      <p:nvGrpSpPr>
-        <p:cNvPr id="1" name=""/>
-        <p:cNvGrpSpPr/>
-        <p:nvPr/>
-      </p:nvGrpSpPr>
-      <p:grpSpPr>
-        <a:xfrm>
-          <a:off x="0" y="0"/>
-          <a:ext cx="0" cy="0"/>
-          <a:chOff x="0" y="0"/>
-          <a:chExt cx="0" cy="0"/>
-        </a:xfrm>
-      </p:grpSpPr>
-      <p:sp>
-        <p:nvSpPr>
-          <p:cNvPr id="2" name="Slide Image Placeholder 1"/>
-          <p:cNvSpPr>
-            <a:spLocks noGrp="1" noRot="1" noChangeAspect="1"/>
-          </p:cNvSpPr>
-          <p:nvPr>
-            <p:ph type="sldImg"/>
-          </p:nvPr>
-        </p:nvSpPr>
-        <p:spPr/>
-      </p:sp>
-      <p:sp>
-        <p:nvSpPr>
-          <p:cNvPr id="3" name="Notes Placeholder 2"/>
-          <p:cNvSpPr>
-            <a:spLocks noGrp="1"/>
-          </p:cNvSpPr>
-          <p:nvPr>
-            <p:ph type="body" idx="1"/>
-          </p:nvPr>
-        </p:nvSpPr>
-        <p:spPr/>
-        <p:txBody>
-          <a:bodyPr/>
-          <a:lstStyle/>
-          <a:p>
-            <a:endParaRPr lang="en-US"/>
-          </a:p>
-        </p:txBody>
-      </p:sp>
-      <p:sp>
-        <p:nvSpPr>
-          <p:cNvPr id="4" name="Slide Number Placeholder 3"/>
-          <p:cNvSpPr>
-            <a:spLocks noGrp="1"/>
-          </p:cNvSpPr>
-          <p:nvPr>
-            <p:ph type="sldNum" sz="quarter" idx="10"/>
-          </p:nvPr>
-        </p:nvSpPr>
-        <p:spPr/>
-        <p:txBody>
-          <a:bodyPr/>
-          <a:lstStyle/>
-          <a:p>
-            <a:fld id="{71899119-051B-49E9-9B83-518F333CEB1F}" type="slidenum">
-              <a:rPr lang="en-US" smtClean="0">
-                <a:solidFill>
-                  <a:prstClr val="black"/>
-                </a:solidFill>
-              </a:rPr>
-              <a:pPr/>
-              <a:t>15</a:t>
-            </a:fld>
-            <a:endParaRPr lang="en-US">
-              <a:solidFill>
-                <a:prstClr val="black"/>
-              </a:solidFill>
-            </a:endParaRPr>
-          </a:p>
-        </p:txBody>
-      </p:sp>
-    </p:spTree>
-    <p:extLst>
-      <p:ext uri="{BB962C8B-B14F-4D97-AF65-F5344CB8AC3E}">
-        <p14:creationId xmlns:p14="http://schemas.microsoft.com/office/powerpoint/2010/main" val="2015826012"/>
-      </p:ext>
-    </p:extLst>
-  </p:cSld>
-  <p:clrMapOvr>
-    <a:masterClrMapping/>
-  </p:clrMapOvr>
-</p:notes>
-</file>
-
-<file path=ppt/notesSlides/notesSlide15.xml><?xml version="1.0" encoding="utf-8"?>
-<p:notes xmlns:a="http://schemas.openxmlformats.org/drawingml/2006/main" xmlns:r="http://schemas.openxmlformats.org/officeDocument/2006/relationships" xmlns:p="http://schemas.openxmlformats.org/presentationml/2006/main">
-  <p:cSld>
-    <p:spTree>
-      <p:nvGrpSpPr>
-        <p:cNvPr id="1" name=""/>
-        <p:cNvGrpSpPr/>
-        <p:nvPr/>
-      </p:nvGrpSpPr>
-      <p:grpSpPr>
-        <a:xfrm>
-          <a:off x="0" y="0"/>
-          <a:ext cx="0" cy="0"/>
-          <a:chOff x="0" y="0"/>
-          <a:chExt cx="0" cy="0"/>
-        </a:xfrm>
-      </p:grpSpPr>
-      <p:sp>
-        <p:nvSpPr>
-          <p:cNvPr id="2" name="Slide Image Placeholder 1"/>
-          <p:cNvSpPr>
-            <a:spLocks noGrp="1" noRot="1" noChangeAspect="1"/>
-          </p:cNvSpPr>
-          <p:nvPr>
-            <p:ph type="sldImg"/>
-          </p:nvPr>
-        </p:nvSpPr>
-        <p:spPr/>
-      </p:sp>
-      <p:sp>
-        <p:nvSpPr>
-          <p:cNvPr id="3" name="Notes Placeholder 2"/>
-          <p:cNvSpPr>
-            <a:spLocks noGrp="1"/>
-          </p:cNvSpPr>
-          <p:nvPr>
-            <p:ph type="body" idx="1"/>
-          </p:nvPr>
-        </p:nvSpPr>
-        <p:spPr/>
-        <p:txBody>
-          <a:bodyPr/>
-          <a:lstStyle/>
-          <a:p>
-            <a:endParaRPr lang="en-US"/>
-          </a:p>
-        </p:txBody>
-      </p:sp>
-      <p:sp>
-        <p:nvSpPr>
-          <p:cNvPr id="4" name="Slide Number Placeholder 3"/>
-          <p:cNvSpPr>
-            <a:spLocks noGrp="1"/>
-          </p:cNvSpPr>
-          <p:nvPr>
-            <p:ph type="sldNum" sz="quarter" idx="10"/>
-          </p:nvPr>
-        </p:nvSpPr>
-        <p:spPr/>
-        <p:txBody>
-          <a:bodyPr/>
-          <a:lstStyle/>
-          <a:p>
-            <a:fld id="{71899119-051B-49E9-9B83-518F333CEB1F}" type="slidenum">
-              <a:rPr lang="en-US" smtClean="0">
-                <a:solidFill>
-                  <a:prstClr val="black"/>
-                </a:solidFill>
-              </a:rPr>
-              <a:pPr/>
-              <a:t>16</a:t>
             </a:fld>
             <a:endParaRPr lang="en-US">
               <a:solidFill>
@@ -1341,7 +1086,7 @@
     </p:spTree>
     <p:extLst>
       <p:ext uri="{BB962C8B-B14F-4D97-AF65-F5344CB8AC3E}">
-        <p14:creationId xmlns:p14="http://schemas.microsoft.com/office/powerpoint/2010/main" val="3162090915"/>
+        <p14:creationId xmlns:p14="http://schemas.microsoft.com/office/powerpoint/2010/main" val="1962961206"/>
       </p:ext>
     </p:extLst>
   </p:cSld>
@@ -1425,7 +1170,7 @@
     </p:spTree>
     <p:extLst>
       <p:ext uri="{BB962C8B-B14F-4D97-AF65-F5344CB8AC3E}">
-        <p14:creationId xmlns:p14="http://schemas.microsoft.com/office/powerpoint/2010/main" val="3864850577"/>
+        <p14:creationId xmlns:p14="http://schemas.microsoft.com/office/powerpoint/2010/main" val="1187751937"/>
       </p:ext>
     </p:extLst>
   </p:cSld>
@@ -1509,7 +1254,7 @@
     </p:spTree>
     <p:extLst>
       <p:ext uri="{BB962C8B-B14F-4D97-AF65-F5344CB8AC3E}">
-        <p14:creationId xmlns:p14="http://schemas.microsoft.com/office/powerpoint/2010/main" val="3162090915"/>
+        <p14:creationId xmlns:p14="http://schemas.microsoft.com/office/powerpoint/2010/main" val="1962961206"/>
       </p:ext>
     </p:extLst>
   </p:cSld>
@@ -1593,7 +1338,7 @@
     </p:spTree>
     <p:extLst>
       <p:ext uri="{BB962C8B-B14F-4D97-AF65-F5344CB8AC3E}">
-        <p14:creationId xmlns:p14="http://schemas.microsoft.com/office/powerpoint/2010/main" val="1187751937"/>
+        <p14:creationId xmlns:p14="http://schemas.microsoft.com/office/powerpoint/2010/main" val="1962961206"/>
       </p:ext>
     </p:extLst>
   </p:cSld>
@@ -1677,7 +1422,7 @@
     </p:spTree>
     <p:extLst>
       <p:ext uri="{BB962C8B-B14F-4D97-AF65-F5344CB8AC3E}">
-        <p14:creationId xmlns:p14="http://schemas.microsoft.com/office/powerpoint/2010/main" val="3162090915"/>
+        <p14:creationId xmlns:p14="http://schemas.microsoft.com/office/powerpoint/2010/main" val="1962961206"/>
       </p:ext>
     </p:extLst>
   </p:cSld>
@@ -1761,7 +1506,7 @@
     </p:spTree>
     <p:extLst>
       <p:ext uri="{BB962C8B-B14F-4D97-AF65-F5344CB8AC3E}">
-        <p14:creationId xmlns:p14="http://schemas.microsoft.com/office/powerpoint/2010/main" val="1962961206"/>
+        <p14:creationId xmlns:p14="http://schemas.microsoft.com/office/powerpoint/2010/main" val="3162090915"/>
       </p:ext>
     </p:extLst>
   </p:cSld>
@@ -1845,7 +1590,7 @@
     </p:spTree>
     <p:extLst>
       <p:ext uri="{BB962C8B-B14F-4D97-AF65-F5344CB8AC3E}">
-        <p14:creationId xmlns:p14="http://schemas.microsoft.com/office/powerpoint/2010/main" val="1962961206"/>
+        <p14:creationId xmlns:p14="http://schemas.microsoft.com/office/powerpoint/2010/main" val="1891914007"/>
       </p:ext>
     </p:extLst>
   </p:cSld>
@@ -1929,7 +1674,7 @@
     </p:spTree>
     <p:extLst>
       <p:ext uri="{BB962C8B-B14F-4D97-AF65-F5344CB8AC3E}">
-        <p14:creationId xmlns:p14="http://schemas.microsoft.com/office/powerpoint/2010/main" val="1962961206"/>
+        <p14:creationId xmlns:p14="http://schemas.microsoft.com/office/powerpoint/2010/main" val="396702225"/>
       </p:ext>
     </p:extLst>
   </p:cSld>
@@ -2070,7 +1815,7 @@
           <a:p>
             <a:fld id="{A7A9F4CC-21FF-0C49-B576-38080A13A8B8}" type="datetime1">
               <a:rPr lang="en-US" smtClean="0"/>
-              <a:t>8/5/14</a:t>
+              <a:t>8/6/14</a:t>
             </a:fld>
             <a:endParaRPr lang="en-US"/>
           </a:p>
@@ -2244,7 +1989,7 @@
           <a:p>
             <a:fld id="{96A3CC53-57CC-3D43-B6AF-50BFB63DDDEA}" type="datetime1">
               <a:rPr lang="en-US" smtClean="0"/>
-              <a:t>8/5/14</a:t>
+              <a:t>8/6/14</a:t>
             </a:fld>
             <a:endParaRPr lang="en-US"/>
           </a:p>
@@ -2428,7 +2173,7 @@
           <a:p>
             <a:fld id="{D49BE7C6-210F-4447-91A5-7F6D5611B966}" type="datetime1">
               <a:rPr lang="en-US" smtClean="0"/>
-              <a:t>8/5/14</a:t>
+              <a:t>8/6/14</a:t>
             </a:fld>
             <a:endParaRPr lang="en-US"/>
           </a:p>
@@ -2602,7 +2347,7 @@
           <a:p>
             <a:fld id="{0A2B473E-6389-6B4B-840A-27BB3491B863}" type="datetime1">
               <a:rPr lang="en-US" smtClean="0"/>
-              <a:t>8/5/14</a:t>
+              <a:t>8/6/14</a:t>
             </a:fld>
             <a:endParaRPr lang="en-US"/>
           </a:p>
@@ -2850,7 +2595,7 @@
           <a:p>
             <a:fld id="{92A317C4-38BA-754A-8DE6-F237028CE4CF}" type="datetime1">
               <a:rPr lang="en-US" smtClean="0"/>
-              <a:t>8/5/14</a:t>
+              <a:t>8/6/14</a:t>
             </a:fld>
             <a:endParaRPr lang="en-US"/>
           </a:p>
@@ -3086,7 +2831,7 @@
           <a:p>
             <a:fld id="{81C2CAE1-6B14-1D4A-AED9-F090CEF1D3BE}" type="datetime1">
               <a:rPr lang="en-US" smtClean="0"/>
-              <a:t>8/5/14</a:t>
+              <a:t>8/6/14</a:t>
             </a:fld>
             <a:endParaRPr lang="en-US"/>
           </a:p>
@@ -3457,7 +3202,7 @@
           <a:p>
             <a:fld id="{05C7345C-26CF-9649-B502-2C5D5B39B36C}" type="datetime1">
               <a:rPr lang="en-US" smtClean="0"/>
-              <a:t>8/5/14</a:t>
+              <a:t>8/6/14</a:t>
             </a:fld>
             <a:endParaRPr lang="en-US"/>
           </a:p>
@@ -3579,7 +3324,7 @@
           <a:p>
             <a:fld id="{6A02EDC1-2013-8643-9D1D-44BFFEED3DB1}" type="datetime1">
               <a:rPr lang="en-US" smtClean="0"/>
-              <a:t>8/5/14</a:t>
+              <a:t>8/6/14</a:t>
             </a:fld>
             <a:endParaRPr lang="en-US"/>
           </a:p>
@@ -3678,7 +3423,7 @@
           <a:p>
             <a:fld id="{7F494F50-EA35-704E-B009-1DBD4188E696}" type="datetime1">
               <a:rPr lang="en-US" smtClean="0"/>
-              <a:t>8/5/14</a:t>
+              <a:t>8/6/14</a:t>
             </a:fld>
             <a:endParaRPr lang="en-US"/>
           </a:p>
@@ -3959,7 +3704,7 @@
           <a:p>
             <a:fld id="{17B41B3A-73F7-C44B-96C9-3F9600B998DF}" type="datetime1">
               <a:rPr lang="en-US" smtClean="0"/>
-              <a:t>8/5/14</a:t>
+              <a:t>8/6/14</a:t>
             </a:fld>
             <a:endParaRPr lang="en-US"/>
           </a:p>
@@ -4220,7 +3965,7 @@
           <a:p>
             <a:fld id="{83E04AF0-CBBC-C448-8724-62F4A1EFE45B}" type="datetime1">
               <a:rPr lang="en-US" smtClean="0"/>
-              <a:t>8/5/14</a:t>
+              <a:t>8/6/14</a:t>
             </a:fld>
             <a:endParaRPr lang="en-US"/>
           </a:p>
@@ -4446,7 +4191,7 @@
           <a:p>
             <a:fld id="{3AF8DF00-8E71-644B-B9BA-4BDE21A88CEE}" type="datetime1">
               <a:rPr lang="en-US" smtClean="0"/>
-              <a:t>8/5/14</a:t>
+              <a:t>8/6/14</a:t>
             </a:fld>
             <a:endParaRPr lang="en-US"/>
           </a:p>
@@ -4883,26 +4628,36 @@
         <p:spPr>
           <a:xfrm>
             <a:off x="2060812" y="358254"/>
-            <a:ext cx="5368688" cy="859809"/>
+            <a:ext cx="7083188" cy="859809"/>
           </a:xfrm>
         </p:spPr>
         <p:txBody>
           <a:bodyPr>
-            <a:normAutofit/>
+            <a:normAutofit fontScale="90000"/>
           </a:bodyPr>
           <a:lstStyle/>
           <a:p>
             <a:r>
-              <a:rPr lang="vi-VN" sz="3600" b="1" smtClean="0">
+              <a:rPr lang="vi-VN" sz="3600" b="1" dirty="0" smtClean="0">
                 <a:solidFill>
                   <a:schemeClr val="bg1"/>
                 </a:solidFill>
                 <a:latin typeface="Arial" panose="020B0604020202020204" pitchFamily="34" charset="0"/>
                 <a:cs typeface="Arial" panose="020B0604020202020204" pitchFamily="34" charset="0"/>
               </a:rPr>
-              <a:t>BÁO CÁO THỰC TẬP</a:t>
-            </a:r>
-            <a:endParaRPr lang="en-US" sz="3600" b="1">
+              <a:t>                      BÁO </a:t>
+            </a:r>
+            <a:r>
+              <a:rPr lang="vi-VN" sz="3600" b="1" dirty="0" smtClean="0">
+                <a:solidFill>
+                  <a:schemeClr val="bg1"/>
+                </a:solidFill>
+                <a:latin typeface="Arial" panose="020B0604020202020204" pitchFamily="34" charset="0"/>
+                <a:cs typeface="Arial" panose="020B0604020202020204" pitchFamily="34" charset="0"/>
+              </a:rPr>
+              <a:t>CÁO THỰC TẬP</a:t>
+            </a:r>
+            <a:endParaRPr lang="en-US" sz="3600" b="1" dirty="0">
               <a:solidFill>
                 <a:schemeClr val="bg1"/>
               </a:solidFill>
@@ -4925,7 +4680,7 @@
         <p:spPr>
           <a:xfrm>
             <a:off x="736980" y="2196319"/>
-            <a:ext cx="7861110" cy="1655762"/>
+            <a:ext cx="7861110" cy="1065576"/>
           </a:xfrm>
         </p:spPr>
         <p:txBody>
@@ -4935,14 +4690,14 @@
           <a:lstStyle/>
           <a:p>
             <a:r>
-              <a:rPr lang="vi-VN" sz="3200" b="1" smtClean="0">
+              <a:rPr lang="vi-VN" sz="3200" b="1" dirty="0" smtClean="0">
                 <a:solidFill>
                   <a:srgbClr val="009900"/>
                 </a:solidFill>
               </a:rPr>
-              <a:t>Đề tài: Xây dựng phần mềm quản lý ảnh InstagramClone</a:t>
-            </a:r>
-            <a:endParaRPr lang="en-US" sz="3200" b="1">
+              <a:t>Đề tài: Xây dựng phần mềm chia sẻ ảnh InstagramClone</a:t>
+            </a:r>
+            <a:endParaRPr lang="en-US" sz="3200" b="1" dirty="0">
               <a:solidFill>
                 <a:srgbClr val="009900"/>
               </a:solidFill>
@@ -4973,8 +4728,12 @@
           <a:lstStyle/>
           <a:p>
             <a:r>
-              <a:rPr lang="vi-VN" i="1" smtClean="0"/>
-              <a:t>Học phần: Thực tập kỹ thuật</a:t>
+              <a:rPr lang="vi-VN" i="1" dirty="0" smtClean="0"/>
+              <a:t>                                              Học </a:t>
+            </a:r>
+            <a:r>
+              <a:rPr lang="vi-VN" i="1" dirty="0" smtClean="0"/>
+              <a:t>phần: Thực tập kỹ thuật</a:t>
             </a:r>
           </a:p>
         </p:txBody>
@@ -4987,8 +4746,8 @@
         </p:nvSpPr>
         <p:spPr>
           <a:xfrm>
-            <a:off x="3124200" y="4132664"/>
-            <a:ext cx="5631695" cy="1569660"/>
+            <a:off x="2687053" y="3597926"/>
+            <a:ext cx="2553368" cy="1477328"/>
           </a:xfrm>
           <a:prstGeom prst="rect">
             <a:avLst/>
@@ -5002,90 +4761,51 @@
           <a:lstStyle/>
           <a:p>
             <a:r>
-              <a:rPr lang="en-US" sz="2400" err="1" smtClean="0"/>
+              <a:rPr lang="en-US" sz="2400" dirty="0" err="1" smtClean="0"/>
               <a:t>Nhóm</a:t>
             </a:r>
             <a:r>
-              <a:rPr lang="en-US" sz="2400" smtClean="0"/>
+              <a:rPr lang="en-US" sz="2400" dirty="0" smtClean="0"/>
               <a:t> </a:t>
             </a:r>
             <a:r>
-              <a:rPr lang="en-US" sz="2400" err="1" smtClean="0"/>
+              <a:rPr lang="en-US" sz="2400" dirty="0" err="1" smtClean="0"/>
               <a:t>Thực</a:t>
             </a:r>
             <a:r>
-              <a:rPr lang="en-US" sz="2400" smtClean="0"/>
+              <a:rPr lang="en-US" sz="2400" dirty="0" smtClean="0"/>
               <a:t> </a:t>
             </a:r>
             <a:r>
-              <a:rPr lang="en-US" sz="2400" err="1" smtClean="0"/>
+              <a:rPr lang="en-US" sz="2400" dirty="0" err="1" smtClean="0"/>
               <a:t>Hiện</a:t>
             </a:r>
             <a:r>
-              <a:rPr lang="en-US" sz="2400" smtClean="0"/>
-              <a:t>: LTT_Team8</a:t>
-            </a:r>
-          </a:p>
-          <a:p>
-            <a:endParaRPr lang="en-US" sz="2400"/>
-          </a:p>
-          <a:p>
-            <a:r>
-              <a:rPr lang="en-US" sz="2400" err="1" smtClean="0"/>
-              <a:t>Hướng</a:t>
-            </a:r>
-            <a:r>
-              <a:rPr lang="en-US" sz="2400" smtClean="0"/>
-              <a:t> </a:t>
-            </a:r>
-            <a:r>
-              <a:rPr lang="en-US" sz="2400" err="1" smtClean="0"/>
-              <a:t>dẫn</a:t>
-            </a:r>
-            <a:r>
-              <a:rPr lang="en-US" sz="2400"/>
-              <a:t> </a:t>
-            </a:r>
-            <a:r>
-              <a:rPr lang="en-US" sz="2400" err="1" smtClean="0"/>
-              <a:t>viên</a:t>
-            </a:r>
-            <a:r>
-              <a:rPr lang="en-US" sz="2400" smtClean="0"/>
-              <a:t>: </a:t>
-            </a:r>
-            <a:r>
-              <a:rPr lang="en-US" sz="2400" err="1" smtClean="0"/>
-              <a:t>Nguyễn</a:t>
-            </a:r>
-            <a:r>
-              <a:rPr lang="en-US" sz="2400" smtClean="0"/>
-              <a:t> </a:t>
-            </a:r>
-            <a:r>
-              <a:rPr lang="en-US" sz="2400" err="1" smtClean="0"/>
-              <a:t>Thanh</a:t>
-            </a:r>
-            <a:r>
-              <a:rPr lang="en-US" sz="2400" smtClean="0"/>
-              <a:t> </a:t>
-            </a:r>
-            <a:r>
-              <a:rPr lang="en-US" sz="2400" err="1" smtClean="0"/>
-              <a:t>TùngB</a:t>
-            </a:r>
-            <a:endParaRPr lang="en-US" sz="2400" smtClean="0"/>
-          </a:p>
-          <a:p>
-            <a:r>
-              <a:rPr lang="en-US" sz="2400"/>
+              <a:rPr lang="en-US" sz="2400" dirty="0" smtClean="0"/>
+              <a:t>:</a:t>
+            </a:r>
+            <a:endParaRPr lang="en-US" sz="800" dirty="0" smtClean="0"/>
+          </a:p>
+          <a:p>
+            <a:pPr algn="ctr"/>
+            <a:r>
+              <a:rPr lang="en-US" dirty="0"/>
               <a:t>	</a:t>
             </a:r>
             <a:r>
-              <a:rPr lang="en-US" sz="2400" smtClean="0"/>
-              <a:t>	TungNT2</a:t>
-            </a:r>
-            <a:endParaRPr lang="en-US" sz="2400"/>
+              <a:rPr lang="en-US" dirty="0" smtClean="0"/>
+              <a:t>	</a:t>
+            </a:r>
+            <a:r>
+              <a:rPr lang="en-US" sz="800" dirty="0" smtClean="0"/>
+              <a:t>	</a:t>
+            </a:r>
+          </a:p>
+          <a:p>
+            <a:endParaRPr lang="en-US" sz="2400" dirty="0"/>
+          </a:p>
+          <a:p>
+            <a:endParaRPr lang="en-US" sz="2400" dirty="0"/>
           </a:p>
         </p:txBody>
       </p:sp>
@@ -5135,6 +4855,289 @@
           </a:p>
         </p:txBody>
       </p:sp>
+      <p:graphicFrame>
+        <p:nvGraphicFramePr>
+          <p:cNvPr id="4" name="Table 3"/>
+          <p:cNvGraphicFramePr>
+            <a:graphicFrameLocks noGrp="1"/>
+          </p:cNvGraphicFramePr>
+          <p:nvPr>
+            <p:extLst>
+              <p:ext uri="{D42A27DB-BD31-4B8C-83A1-F6EECF244321}">
+                <p14:modId xmlns:p14="http://schemas.microsoft.com/office/powerpoint/2010/main" val="3863406199"/>
+              </p:ext>
+            </p:extLst>
+          </p:nvPr>
+        </p:nvGraphicFramePr>
+        <p:xfrm>
+          <a:off x="5694946" y="3602787"/>
+          <a:ext cx="3154948" cy="2286000"/>
+        </p:xfrm>
+        <a:graphic>
+          <a:graphicData uri="http://schemas.openxmlformats.org/drawingml/2006/table">
+            <a:tbl>
+              <a:tblPr firstRow="1" bandRow="1">
+                <a:tableStyleId>{2D5ABB26-0587-4C30-8999-92F81FD0307C}</a:tableStyleId>
+              </a:tblPr>
+              <a:tblGrid>
+                <a:gridCol w="3154948"/>
+              </a:tblGrid>
+              <a:tr h="370840">
+                <a:tc>
+                  <a:txBody>
+                    <a:bodyPr/>
+                    <a:lstStyle/>
+                    <a:p>
+                      <a:pPr marL="285750" indent="-285750" algn="l">
+                        <a:buFontTx/>
+                        <a:buChar char="-"/>
+                      </a:pPr>
+                      <a:r>
+                        <a:rPr lang="en-US" sz="2400" dirty="0" smtClean="0"/>
+                        <a:t>Đào Văn Đương</a:t>
+                      </a:r>
+                    </a:p>
+                    <a:p>
+                      <a:pPr marL="285750" indent="-285750" algn="l">
+                        <a:buFontTx/>
+                        <a:buChar char="-"/>
+                      </a:pPr>
+                      <a:r>
+                        <a:rPr lang="en-US" sz="2400" dirty="0" err="1" smtClean="0"/>
+                        <a:t>Nguyễn</a:t>
+                      </a:r>
+                      <a:r>
+                        <a:rPr lang="en-US" sz="2400" dirty="0" smtClean="0"/>
+                        <a:t> </a:t>
+                      </a:r>
+                      <a:r>
+                        <a:rPr lang="en-US" sz="2400" dirty="0" err="1" smtClean="0"/>
+                        <a:t>Hải</a:t>
+                      </a:r>
+                      <a:r>
+                        <a:rPr lang="en-US" sz="2400" dirty="0" smtClean="0"/>
+                        <a:t> </a:t>
+                      </a:r>
+                      <a:r>
+                        <a:rPr lang="en-US" sz="2400" dirty="0" err="1" smtClean="0"/>
+                        <a:t>Dương</a:t>
+                      </a:r>
+                      <a:endParaRPr lang="en-US" sz="2400" dirty="0" smtClean="0"/>
+                    </a:p>
+                    <a:p>
+                      <a:pPr marL="285750" indent="-285750" algn="l">
+                        <a:buFontTx/>
+                        <a:buChar char="-"/>
+                      </a:pPr>
+                      <a:r>
+                        <a:rPr lang="en-US" sz="2400" dirty="0" err="1" smtClean="0"/>
+                        <a:t>Phan</a:t>
+                      </a:r>
+                      <a:r>
+                        <a:rPr lang="en-US" sz="2400" dirty="0" smtClean="0"/>
+                        <a:t> </a:t>
+                      </a:r>
+                      <a:r>
+                        <a:rPr lang="en-US" sz="2400" dirty="0" err="1" smtClean="0"/>
+                        <a:t>Đình</a:t>
+                      </a:r>
+                      <a:r>
+                        <a:rPr lang="en-US" sz="2400" dirty="0" smtClean="0"/>
+                        <a:t> </a:t>
+                      </a:r>
+                      <a:r>
+                        <a:rPr lang="en-US" sz="2400" dirty="0" err="1" smtClean="0"/>
+                        <a:t>Lương</a:t>
+                      </a:r>
+                      <a:endParaRPr lang="en-US" sz="2400" dirty="0" smtClean="0"/>
+                    </a:p>
+                    <a:p>
+                      <a:pPr marL="285750" indent="-285750" algn="l">
+                        <a:buFontTx/>
+                        <a:buChar char="-"/>
+                      </a:pPr>
+                      <a:r>
+                        <a:rPr lang="en-US" sz="2400" dirty="0" err="1" smtClean="0"/>
+                        <a:t>Vũ</a:t>
+                      </a:r>
+                      <a:r>
+                        <a:rPr lang="en-US" sz="2400" dirty="0" smtClean="0"/>
+                        <a:t> </a:t>
+                      </a:r>
+                      <a:r>
+                        <a:rPr lang="en-US" sz="2400" dirty="0" err="1" smtClean="0"/>
+                        <a:t>Thắng</a:t>
+                      </a:r>
+                      <a:r>
+                        <a:rPr lang="en-US" sz="2400" dirty="0" smtClean="0"/>
+                        <a:t> </a:t>
+                      </a:r>
+                      <a:r>
+                        <a:rPr lang="en-US" sz="2400" dirty="0" err="1" smtClean="0"/>
+                        <a:t>Lợi</a:t>
+                      </a:r>
+                      <a:endParaRPr lang="en-US" sz="2400" dirty="0" smtClean="0"/>
+                    </a:p>
+                    <a:p>
+                      <a:pPr marL="0" indent="0" algn="l">
+                        <a:buFontTx/>
+                        <a:buNone/>
+                      </a:pPr>
+                      <a:r>
+                        <a:rPr lang="en-US" sz="2400" dirty="0" smtClean="0"/>
+                        <a:t>-  </a:t>
+                      </a:r>
+                      <a:r>
+                        <a:rPr lang="en-US" sz="2400" dirty="0" err="1" smtClean="0"/>
+                        <a:t>Đậu</a:t>
+                      </a:r>
+                      <a:r>
+                        <a:rPr lang="en-US" sz="2400" dirty="0" smtClean="0"/>
+                        <a:t> Văn </a:t>
+                      </a:r>
+                      <a:r>
+                        <a:rPr lang="en-US" sz="2400" dirty="0" err="1" smtClean="0"/>
+                        <a:t>Thắng</a:t>
+                      </a:r>
+                      <a:endParaRPr lang="en-US" sz="2400" dirty="0" smtClean="0"/>
+                    </a:p>
+                    <a:p>
+                      <a:pPr algn="l"/>
+                      <a:r>
+                        <a:rPr lang="en-US" sz="2400" dirty="0" smtClean="0"/>
+                        <a:t>-  </a:t>
+                      </a:r>
+                      <a:r>
+                        <a:rPr lang="en-US" sz="2400" dirty="0" err="1" smtClean="0"/>
+                        <a:t>Khương</a:t>
+                      </a:r>
+                      <a:r>
+                        <a:rPr lang="en-US" sz="2400" dirty="0" smtClean="0"/>
+                        <a:t> </a:t>
+                      </a:r>
+                      <a:r>
+                        <a:rPr lang="en-US" sz="2400" dirty="0" err="1" smtClean="0"/>
+                        <a:t>Đình</a:t>
+                      </a:r>
+                      <a:r>
+                        <a:rPr lang="en-US" sz="2400" dirty="0" smtClean="0"/>
+                        <a:t> </a:t>
+                      </a:r>
+                      <a:r>
+                        <a:rPr lang="en-US" sz="2400" dirty="0" err="1" smtClean="0"/>
+                        <a:t>Tuấn</a:t>
+                      </a:r>
+                      <a:endParaRPr lang="en-US" sz="2400" dirty="0"/>
+                    </a:p>
+                  </a:txBody>
+                  <a:tcPr>
+                    <a:lnL>
+                      <a:noFill/>
+                    </a:lnL>
+                    <a:lnR>
+                      <a:noFill/>
+                    </a:lnR>
+                    <a:lnT>
+                      <a:noFill/>
+                    </a:lnT>
+                    <a:lnB>
+                      <a:noFill/>
+                    </a:lnB>
+                    <a:lnTlToBr w="12700" cmpd="sng">
+                      <a:noFill/>
+                      <a:prstDash val="solid"/>
+                    </a:lnTlToBr>
+                    <a:lnBlToTr w="12700" cmpd="sng">
+                      <a:noFill/>
+                      <a:prstDash val="solid"/>
+                    </a:lnBlToTr>
+                  </a:tcPr>
+                </a:tc>
+              </a:tr>
+            </a:tbl>
+          </a:graphicData>
+        </a:graphic>
+      </p:graphicFrame>
+      <p:sp>
+        <p:nvSpPr>
+          <p:cNvPr id="9" name="TextBox 8"/>
+          <p:cNvSpPr txBox="1"/>
+          <p:nvPr/>
+        </p:nvSpPr>
+        <p:spPr>
+          <a:xfrm>
+            <a:off x="2740526" y="5962317"/>
+            <a:ext cx="6109369" cy="461665"/>
+          </a:xfrm>
+          <a:prstGeom prst="rect">
+            <a:avLst/>
+          </a:prstGeom>
+          <a:noFill/>
+        </p:spPr>
+        <p:txBody>
+          <a:bodyPr wrap="square" rtlCol="0">
+            <a:spAutoFit/>
+          </a:bodyPr>
+          <a:lstStyle/>
+          <a:p>
+            <a:r>
+              <a:rPr lang="en-US" sz="2400" dirty="0" err="1" smtClean="0"/>
+              <a:t>Người</a:t>
+            </a:r>
+            <a:r>
+              <a:rPr lang="en-US" sz="2400" dirty="0" smtClean="0"/>
+              <a:t> </a:t>
+            </a:r>
+            <a:r>
+              <a:rPr lang="en-US" sz="2400" dirty="0" err="1" smtClean="0"/>
+              <a:t>Hướng</a:t>
+            </a:r>
+            <a:r>
+              <a:rPr lang="en-US" sz="2400" dirty="0" smtClean="0"/>
+              <a:t> </a:t>
+            </a:r>
+            <a:r>
+              <a:rPr lang="en-US" sz="2400" dirty="0" err="1" smtClean="0"/>
+              <a:t>Dẫn</a:t>
+            </a:r>
+            <a:r>
+              <a:rPr lang="en-US" sz="2400" dirty="0" smtClean="0"/>
+              <a:t>: </a:t>
+            </a:r>
+            <a:endParaRPr lang="en-US" sz="2400" dirty="0"/>
+          </a:p>
+        </p:txBody>
+      </p:sp>
+      <p:pic>
+        <p:nvPicPr>
+          <p:cNvPr id="10" name="Picture 9" descr="LTT_Logo.png"/>
+          <p:cNvPicPr>
+            <a:picLocks noChangeAspect="1"/>
+          </p:cNvPicPr>
+          <p:nvPr/>
+        </p:nvPicPr>
+        <p:blipFill>
+          <a:blip r:embed="rId3">
+            <a:extLst>
+              <a:ext uri="{28A0092B-C50C-407E-A947-70E740481C1C}">
+                <a14:useLocalDpi xmlns:a14="http://schemas.microsoft.com/office/drawing/2010/main" val="0"/>
+              </a:ext>
+            </a:extLst>
+          </a:blip>
+          <a:stretch>
+            <a:fillRect/>
+          </a:stretch>
+        </p:blipFill>
+        <p:spPr>
+          <a:xfrm>
+            <a:off x="0" y="366462"/>
+            <a:ext cx="4620596" cy="1408777"/>
+          </a:xfrm>
+          <a:prstGeom prst="rect">
+            <a:avLst/>
+          </a:prstGeom>
+        </p:spPr>
+      </p:pic>
     </p:spTree>
     <p:extLst>
       <p:ext uri="{BB962C8B-B14F-4D97-AF65-F5344CB8AC3E}">
@@ -5198,33 +5201,15 @@
           <a:lstStyle/>
           <a:p>
             <a:r>
-              <a:rPr lang="en-US" sz="3000" b="1" dirty="0" smtClean="0">
+              <a:rPr lang="en-US" sz="3000" b="1" smtClean="0">
                 <a:solidFill>
                   <a:schemeClr val="bg1"/>
                 </a:solidFill>
                 <a:latin typeface="Arial" panose="020B0604020202020204" pitchFamily="34" charset="0"/>
               </a:rPr>
-              <a:t>ĐỊNH HƯỚNG VÀ GIẢI PHÁP</a:t>
-            </a:r>
-            <a:r>
-              <a:rPr lang="en-US" sz="3000" b="1" dirty="0" smtClean="0">
-                <a:solidFill>
-                  <a:schemeClr val="bg1"/>
-                </a:solidFill>
-                <a:latin typeface="Arial" panose="020B0604020202020204" pitchFamily="34" charset="0"/>
-              </a:rPr>
-              <a:t>(5/</a:t>
-            </a:r>
-            <a:r>
-              <a:rPr lang="en-US" sz="3000" b="1" dirty="0" smtClean="0">
-                <a:solidFill>
-                  <a:schemeClr val="bg1"/>
-                </a:solidFill>
-                <a:latin typeface="Arial" panose="020B0604020202020204" pitchFamily="34" charset="0"/>
-              </a:rPr>
-              <a:t>)</a:t>
-            </a:r>
-            <a:endParaRPr lang="en-US" sz="3000" b="1" dirty="0">
+              <a:t>PHÂN TÍCH THIẾT KẾ VÀ TRIỂN KHAI</a:t>
+            </a:r>
+            <a:endParaRPr lang="en-US" sz="3000" b="1">
               <a:solidFill>
                 <a:schemeClr val="bg1"/>
               </a:solidFill>
@@ -5250,1183 +5235,33 @@
           </a:xfrm>
         </p:spPr>
         <p:txBody>
-          <a:bodyPr>
-            <a:normAutofit/>
-          </a:bodyPr>
-          <a:lstStyle/>
-          <a:p>
-            <a:r>
-              <a:rPr lang="en-US" dirty="0" err="1" smtClean="0">
+          <a:bodyPr/>
+          <a:lstStyle/>
+          <a:p>
+            <a:pPr>
+              <a:buFont typeface="Wingdings" panose="05000000000000000000" pitchFamily="2" charset="2"/>
+              <a:buChar char="§"/>
+            </a:pPr>
+            <a:r>
+              <a:rPr lang="vi-VN" smtClean="0">
                 <a:solidFill>
                   <a:srgbClr val="008000"/>
                 </a:solidFill>
-                <a:latin typeface="Arial (Body)"/>
-              </a:rPr>
-              <a:t>Giải</a:t>
-            </a:r>
-            <a:r>
-              <a:rPr lang="en-US" dirty="0" smtClean="0">
+              </a:rPr>
+              <a:t>Sơ</a:t>
+            </a:r>
+            <a:r>
+              <a:rPr lang="en-US" smtClean="0">
                 <a:solidFill>
                   <a:srgbClr val="008000"/>
                 </a:solidFill>
-                <a:latin typeface="Arial (Body)"/>
-              </a:rPr>
-              <a:t> </a:t>
-            </a:r>
-            <a:r>
-              <a:rPr lang="en-US" dirty="0" err="1" smtClean="0">
-                <a:solidFill>
-                  <a:srgbClr val="008000"/>
-                </a:solidFill>
-                <a:latin typeface="Arial (Body)"/>
-              </a:rPr>
-              <a:t>pháp</a:t>
-            </a:r>
-            <a:r>
-              <a:rPr lang="en-US" dirty="0" smtClean="0">
-                <a:solidFill>
-                  <a:srgbClr val="008000"/>
-                </a:solidFill>
-                <a:latin typeface="Arial (Body)"/>
-              </a:rPr>
-              <a:t> </a:t>
-            </a:r>
-            <a:r>
-              <a:rPr lang="en-US" dirty="0" err="1" smtClean="0">
-                <a:solidFill>
-                  <a:srgbClr val="008000"/>
-                </a:solidFill>
-                <a:latin typeface="Arial (Body)"/>
-              </a:rPr>
-              <a:t>lựa</a:t>
-            </a:r>
-            <a:r>
-              <a:rPr lang="en-US" dirty="0" smtClean="0">
-                <a:solidFill>
-                  <a:srgbClr val="008000"/>
-                </a:solidFill>
-                <a:latin typeface="Arial (Body)"/>
-              </a:rPr>
-              <a:t> </a:t>
-            </a:r>
-            <a:r>
-              <a:rPr lang="en-US" dirty="0" err="1" smtClean="0">
-                <a:solidFill>
-                  <a:srgbClr val="008000"/>
-                </a:solidFill>
-                <a:latin typeface="Arial (Body)"/>
-              </a:rPr>
-              <a:t>chọn</a:t>
-            </a:r>
-            <a:r>
-              <a:rPr lang="en-US" dirty="0" smtClean="0">
-                <a:solidFill>
-                  <a:srgbClr val="008000"/>
-                </a:solidFill>
-                <a:latin typeface="Arial (Body)"/>
-              </a:rPr>
-              <a:t>: </a:t>
-            </a:r>
-            <a:r>
-              <a:rPr lang="en-US" dirty="0" err="1" smtClean="0">
-                <a:solidFill>
-                  <a:srgbClr val="008000"/>
-                </a:solidFill>
-                <a:latin typeface="Arial (Body)"/>
-              </a:rPr>
-              <a:t>với</a:t>
-            </a:r>
-            <a:r>
-              <a:rPr lang="en-US" dirty="0" smtClean="0">
-                <a:solidFill>
-                  <a:srgbClr val="008000"/>
-                </a:solidFill>
-                <a:latin typeface="Arial (Body)"/>
-              </a:rPr>
-              <a:t> Android</a:t>
-            </a:r>
-            <a:endParaRPr lang="en-US" dirty="0">
+              </a:rPr>
+              <a:t> đồ UML</a:t>
+            </a:r>
+            <a:endParaRPr lang="vi-VN" smtClean="0">
               <a:solidFill>
                 <a:srgbClr val="008000"/>
               </a:solidFill>
-              <a:latin typeface="Arial (Body)"/>
-            </a:endParaRPr>
-          </a:p>
-          <a:p>
-            <a:r>
-              <a:rPr lang="en-US" dirty="0" err="1">
-                <a:solidFill>
-                  <a:srgbClr val="000000"/>
-                </a:solidFill>
-                <a:latin typeface="Arial (Body)"/>
-              </a:rPr>
-              <a:t>Sử</a:t>
-            </a:r>
-            <a:r>
-              <a:rPr lang="en-US" dirty="0">
-                <a:solidFill>
-                  <a:srgbClr val="000000"/>
-                </a:solidFill>
-                <a:latin typeface="Arial (Body)"/>
-              </a:rPr>
-              <a:t> </a:t>
-            </a:r>
-            <a:r>
-              <a:rPr lang="en-US" dirty="0" err="1">
-                <a:solidFill>
-                  <a:srgbClr val="000000"/>
-                </a:solidFill>
-                <a:latin typeface="Arial (Body)"/>
-              </a:rPr>
-              <a:t>dụng</a:t>
-            </a:r>
-            <a:r>
-              <a:rPr lang="en-US" dirty="0">
-                <a:solidFill>
-                  <a:srgbClr val="000000"/>
-                </a:solidFill>
-                <a:latin typeface="Arial (Body)"/>
-              </a:rPr>
-              <a:t> </a:t>
-            </a:r>
-            <a:r>
-              <a:rPr lang="en-US" dirty="0" err="1">
-                <a:solidFill>
-                  <a:srgbClr val="000000"/>
-                </a:solidFill>
-                <a:latin typeface="Arial (Body)"/>
-              </a:rPr>
-              <a:t>các</a:t>
-            </a:r>
-            <a:r>
-              <a:rPr lang="en-US" dirty="0">
-                <a:solidFill>
-                  <a:srgbClr val="000000"/>
-                </a:solidFill>
-                <a:latin typeface="Arial (Body)"/>
-              </a:rPr>
-              <a:t> </a:t>
-            </a:r>
-            <a:r>
-              <a:rPr lang="en-US" dirty="0" err="1">
-                <a:solidFill>
-                  <a:srgbClr val="000000"/>
-                </a:solidFill>
-                <a:latin typeface="Arial (Body)"/>
-              </a:rPr>
-              <a:t>thư</a:t>
-            </a:r>
-            <a:r>
-              <a:rPr lang="en-US" dirty="0">
-                <a:solidFill>
-                  <a:srgbClr val="000000"/>
-                </a:solidFill>
-                <a:latin typeface="Arial (Body)"/>
-              </a:rPr>
-              <a:t> </a:t>
-            </a:r>
-            <a:r>
-              <a:rPr lang="en-US" dirty="0" err="1">
-                <a:solidFill>
-                  <a:srgbClr val="000000"/>
-                </a:solidFill>
-                <a:latin typeface="Arial (Body)"/>
-              </a:rPr>
-              <a:t>viện</a:t>
-            </a:r>
-            <a:r>
-              <a:rPr lang="en-US" dirty="0">
-                <a:solidFill>
-                  <a:srgbClr val="000000"/>
-                </a:solidFill>
-                <a:latin typeface="Arial (Body)"/>
-              </a:rPr>
-              <a:t> </a:t>
-            </a:r>
-            <a:r>
-              <a:rPr lang="en-US" dirty="0" err="1">
-                <a:solidFill>
-                  <a:srgbClr val="000000"/>
-                </a:solidFill>
-                <a:latin typeface="Arial (Body)"/>
-              </a:rPr>
-              <a:t>của</a:t>
-            </a:r>
-            <a:r>
-              <a:rPr lang="en-US" dirty="0">
-                <a:solidFill>
-                  <a:srgbClr val="000000"/>
-                </a:solidFill>
-                <a:latin typeface="Arial (Body)"/>
-              </a:rPr>
-              <a:t> android (</a:t>
-            </a:r>
-            <a:r>
-              <a:rPr lang="en-US" dirty="0" err="1">
-                <a:solidFill>
-                  <a:srgbClr val="000000"/>
-                </a:solidFill>
-                <a:latin typeface="Arial (Body)"/>
-              </a:rPr>
-              <a:t>GPUImage</a:t>
-            </a:r>
-            <a:r>
-              <a:rPr lang="en-US" dirty="0">
-                <a:solidFill>
-                  <a:srgbClr val="000000"/>
-                </a:solidFill>
-                <a:latin typeface="Arial (Body)"/>
-              </a:rPr>
-              <a:t> </a:t>
-            </a:r>
-            <a:r>
-              <a:rPr lang="en-US" dirty="0" err="1">
-                <a:solidFill>
-                  <a:srgbClr val="000000"/>
-                </a:solidFill>
-                <a:latin typeface="Arial (Body)"/>
-              </a:rPr>
-              <a:t>để</a:t>
-            </a:r>
-            <a:r>
-              <a:rPr lang="en-US" dirty="0">
-                <a:solidFill>
-                  <a:srgbClr val="000000"/>
-                </a:solidFill>
-                <a:latin typeface="Arial (Body)"/>
-              </a:rPr>
-              <a:t> </a:t>
-            </a:r>
-            <a:r>
-              <a:rPr lang="en-US" dirty="0" err="1">
-                <a:solidFill>
-                  <a:srgbClr val="000000"/>
-                </a:solidFill>
-                <a:latin typeface="Arial (Body)"/>
-              </a:rPr>
-              <a:t>xử</a:t>
-            </a:r>
-            <a:r>
-              <a:rPr lang="en-US" dirty="0">
-                <a:solidFill>
-                  <a:srgbClr val="000000"/>
-                </a:solidFill>
-                <a:latin typeface="Arial (Body)"/>
-              </a:rPr>
-              <a:t> </a:t>
-            </a:r>
-            <a:r>
-              <a:rPr lang="en-US" dirty="0" err="1">
-                <a:solidFill>
-                  <a:srgbClr val="000000"/>
-                </a:solidFill>
-                <a:latin typeface="Arial (Body)"/>
-              </a:rPr>
-              <a:t>lý</a:t>
-            </a:r>
-            <a:r>
-              <a:rPr lang="en-US" dirty="0">
-                <a:solidFill>
-                  <a:srgbClr val="000000"/>
-                </a:solidFill>
-                <a:latin typeface="Arial (Body)"/>
-              </a:rPr>
-              <a:t> filter, </a:t>
-            </a:r>
-            <a:r>
-              <a:rPr lang="en-US" dirty="0" err="1">
-                <a:solidFill>
-                  <a:srgbClr val="000000"/>
-                </a:solidFill>
-                <a:latin typeface="Arial (Body)"/>
-              </a:rPr>
-              <a:t>sáng</a:t>
-            </a:r>
-            <a:r>
-              <a:rPr lang="en-US" dirty="0">
-                <a:solidFill>
-                  <a:srgbClr val="000000"/>
-                </a:solidFill>
-                <a:latin typeface="Arial (Body)"/>
-              </a:rPr>
-              <a:t> </a:t>
-            </a:r>
-            <a:r>
-              <a:rPr lang="en-US" dirty="0" err="1">
-                <a:solidFill>
-                  <a:srgbClr val="000000"/>
-                </a:solidFill>
-                <a:latin typeface="Arial (Body)"/>
-              </a:rPr>
-              <a:t>tối</a:t>
-            </a:r>
-            <a:r>
-              <a:rPr lang="en-US" dirty="0">
-                <a:solidFill>
-                  <a:srgbClr val="000000"/>
-                </a:solidFill>
-                <a:latin typeface="Arial (Body)"/>
-              </a:rPr>
-              <a:t>, </a:t>
-            </a:r>
-            <a:r>
-              <a:rPr lang="en-US" dirty="0" err="1">
-                <a:solidFill>
-                  <a:srgbClr val="000000"/>
-                </a:solidFill>
-                <a:latin typeface="Arial (Body)"/>
-              </a:rPr>
-              <a:t>và</a:t>
-            </a:r>
-            <a:r>
-              <a:rPr lang="en-US" dirty="0">
-                <a:solidFill>
-                  <a:srgbClr val="000000"/>
-                </a:solidFill>
-                <a:latin typeface="Arial (Body)"/>
-              </a:rPr>
-              <a:t> </a:t>
-            </a:r>
-            <a:r>
-              <a:rPr lang="en-US" dirty="0" err="1">
-                <a:solidFill>
-                  <a:srgbClr val="000000"/>
-                </a:solidFill>
-                <a:latin typeface="Arial (Body)"/>
-              </a:rPr>
-              <a:t>cropImage</a:t>
-            </a:r>
-            <a:r>
-              <a:rPr lang="en-US" dirty="0">
-                <a:solidFill>
-                  <a:srgbClr val="000000"/>
-                </a:solidFill>
-                <a:latin typeface="Arial (Body)"/>
-              </a:rPr>
-              <a:t> </a:t>
-            </a:r>
-            <a:r>
-              <a:rPr lang="en-US" dirty="0" err="1">
-                <a:solidFill>
-                  <a:srgbClr val="000000"/>
-                </a:solidFill>
-                <a:latin typeface="Arial (Body)"/>
-              </a:rPr>
-              <a:t>để</a:t>
-            </a:r>
-            <a:r>
-              <a:rPr lang="en-US" dirty="0">
-                <a:solidFill>
-                  <a:srgbClr val="000000"/>
-                </a:solidFill>
-                <a:latin typeface="Arial (Body)"/>
-              </a:rPr>
-              <a:t> crop </a:t>
-            </a:r>
-            <a:r>
-              <a:rPr lang="en-US" dirty="0" err="1">
-                <a:solidFill>
-                  <a:srgbClr val="000000"/>
-                </a:solidFill>
-                <a:latin typeface="Arial (Body)"/>
-              </a:rPr>
-              <a:t>ảnh</a:t>
-            </a:r>
-            <a:r>
-              <a:rPr lang="en-US" dirty="0">
-                <a:solidFill>
-                  <a:srgbClr val="000000"/>
-                </a:solidFill>
-                <a:latin typeface="Arial (Body)"/>
-              </a:rPr>
-              <a:t>)</a:t>
-            </a:r>
-            <a:r>
-              <a:rPr lang="en-US">
-                <a:solidFill>
-                  <a:srgbClr val="000000"/>
-                </a:solidFill>
-                <a:latin typeface="Arial (Body)"/>
-              </a:rPr>
-              <a:t>, </a:t>
-            </a:r>
-            <a:endParaRPr lang="en-US" dirty="0">
-              <a:solidFill>
-                <a:srgbClr val="000000"/>
-              </a:solidFill>
-              <a:latin typeface="Arial (Body)"/>
-            </a:endParaRPr>
-          </a:p>
-          <a:p>
-            <a:r>
-              <a:rPr lang="en-US" dirty="0" err="1">
-                <a:solidFill>
-                  <a:srgbClr val="000000"/>
-                </a:solidFill>
-                <a:latin typeface="Arial (Body)"/>
-              </a:rPr>
-              <a:t>Sử</a:t>
-            </a:r>
-            <a:r>
-              <a:rPr lang="en-US" dirty="0">
-                <a:solidFill>
-                  <a:srgbClr val="000000"/>
-                </a:solidFill>
-                <a:latin typeface="Arial (Body)"/>
-              </a:rPr>
-              <a:t> </a:t>
-            </a:r>
-            <a:r>
-              <a:rPr lang="en-US" dirty="0" err="1">
-                <a:solidFill>
-                  <a:srgbClr val="000000"/>
-                </a:solidFill>
-                <a:latin typeface="Arial (Body)"/>
-              </a:rPr>
-              <a:t>dụng</a:t>
-            </a:r>
-            <a:r>
-              <a:rPr lang="en-US" dirty="0">
-                <a:solidFill>
-                  <a:srgbClr val="000000"/>
-                </a:solidFill>
-                <a:latin typeface="Arial (Body)"/>
-              </a:rPr>
-              <a:t> Intent </a:t>
-            </a:r>
-            <a:r>
-              <a:rPr lang="en-US" dirty="0" err="1">
-                <a:solidFill>
-                  <a:srgbClr val="000000"/>
-                </a:solidFill>
-                <a:latin typeface="Arial (Body)"/>
-              </a:rPr>
-              <a:t>có</a:t>
-            </a:r>
-            <a:r>
-              <a:rPr lang="en-US" dirty="0">
-                <a:solidFill>
-                  <a:srgbClr val="000000"/>
-                </a:solidFill>
-                <a:latin typeface="Arial (Body)"/>
-              </a:rPr>
-              <a:t> </a:t>
-            </a:r>
-            <a:r>
-              <a:rPr lang="en-US" dirty="0" err="1">
-                <a:solidFill>
-                  <a:srgbClr val="000000"/>
-                </a:solidFill>
-                <a:latin typeface="Arial (Body)"/>
-              </a:rPr>
-              <a:t>sẵn</a:t>
-            </a:r>
-            <a:r>
-              <a:rPr lang="en-US" dirty="0">
-                <a:solidFill>
-                  <a:srgbClr val="000000"/>
-                </a:solidFill>
-                <a:latin typeface="Arial (Body)"/>
-              </a:rPr>
-              <a:t> </a:t>
-            </a:r>
-            <a:r>
-              <a:rPr lang="en-US" dirty="0" err="1">
-                <a:solidFill>
-                  <a:srgbClr val="000000"/>
-                </a:solidFill>
-                <a:latin typeface="Arial (Body)"/>
-              </a:rPr>
-              <a:t>của</a:t>
-            </a:r>
-            <a:r>
-              <a:rPr lang="en-US" dirty="0">
-                <a:solidFill>
-                  <a:srgbClr val="000000"/>
-                </a:solidFill>
-                <a:latin typeface="Arial (Body)"/>
-              </a:rPr>
-              <a:t> android </a:t>
-            </a:r>
-            <a:r>
-              <a:rPr lang="en-US" dirty="0" err="1">
-                <a:solidFill>
-                  <a:srgbClr val="000000"/>
-                </a:solidFill>
-                <a:latin typeface="Arial (Body)"/>
-              </a:rPr>
-              <a:t>như</a:t>
-            </a:r>
-            <a:r>
-              <a:rPr lang="en-US" dirty="0">
-                <a:solidFill>
-                  <a:srgbClr val="000000"/>
-                </a:solidFill>
-                <a:latin typeface="Arial (Body)"/>
-              </a:rPr>
-              <a:t>: </a:t>
-            </a:r>
-            <a:r>
-              <a:rPr lang="en-US" dirty="0" err="1">
-                <a:solidFill>
-                  <a:srgbClr val="000000"/>
-                </a:solidFill>
-                <a:latin typeface="Arial (Body)"/>
-              </a:rPr>
-              <a:t>MediaStore.ACTION_IMAGE_CAPTURE</a:t>
-            </a:r>
-            <a:r>
-              <a:rPr lang="en-US" dirty="0">
-                <a:solidFill>
-                  <a:srgbClr val="000000"/>
-                </a:solidFill>
-                <a:latin typeface="Arial (Body)"/>
-              </a:rPr>
-              <a:t>, </a:t>
-            </a:r>
-            <a:r>
-              <a:rPr lang="en-US" dirty="0" err="1">
-                <a:solidFill>
-                  <a:srgbClr val="000000"/>
-                </a:solidFill>
-                <a:latin typeface="Arial (Body)"/>
-              </a:rPr>
-              <a:t>Intent.ACTION_PICK</a:t>
-            </a:r>
-            <a:r>
-              <a:rPr lang="en-US" dirty="0">
-                <a:solidFill>
-                  <a:srgbClr val="000000"/>
-                </a:solidFill>
-                <a:latin typeface="Arial (Body)"/>
-              </a:rPr>
-              <a:t>, </a:t>
-            </a:r>
-            <a:r>
-              <a:rPr lang="en-US" dirty="0" err="1">
-                <a:solidFill>
-                  <a:srgbClr val="000000"/>
-                </a:solidFill>
-                <a:latin typeface="Arial (Body)"/>
-              </a:rPr>
-              <a:t>Intent.ACTION_SEND</a:t>
-            </a:r>
-            <a:endParaRPr lang="en-US" dirty="0">
-              <a:solidFill>
-                <a:srgbClr val="000000"/>
-              </a:solidFill>
-              <a:latin typeface="Arial (Body)"/>
-            </a:endParaRPr>
-          </a:p>
-          <a:p>
-            <a:r>
-              <a:rPr lang="en-US" dirty="0" err="1">
-                <a:solidFill>
-                  <a:srgbClr val="000000"/>
-                </a:solidFill>
-                <a:latin typeface="Arial (Body)"/>
-              </a:rPr>
-              <a:t>Vì</a:t>
-            </a:r>
-            <a:r>
-              <a:rPr lang="en-US" dirty="0">
-                <a:solidFill>
-                  <a:srgbClr val="000000"/>
-                </a:solidFill>
-                <a:latin typeface="Arial (Body)"/>
-              </a:rPr>
-              <a:t> </a:t>
-            </a:r>
-            <a:r>
-              <a:rPr lang="en-US" dirty="0" err="1">
-                <a:solidFill>
-                  <a:srgbClr val="000000"/>
-                </a:solidFill>
-                <a:latin typeface="Arial (Body)"/>
-              </a:rPr>
-              <a:t>bọn</a:t>
-            </a:r>
-            <a:r>
-              <a:rPr lang="en-US" dirty="0">
-                <a:solidFill>
-                  <a:srgbClr val="000000"/>
-                </a:solidFill>
-                <a:latin typeface="Arial (Body)"/>
-              </a:rPr>
-              <a:t> </a:t>
-            </a:r>
-            <a:r>
-              <a:rPr lang="en-US" dirty="0" err="1">
-                <a:solidFill>
-                  <a:srgbClr val="000000"/>
-                </a:solidFill>
-                <a:latin typeface="Arial (Body)"/>
-              </a:rPr>
-              <a:t>em</a:t>
-            </a:r>
-            <a:r>
-              <a:rPr lang="en-US" dirty="0">
-                <a:solidFill>
-                  <a:srgbClr val="000000"/>
-                </a:solidFill>
-                <a:latin typeface="Arial (Body)"/>
-              </a:rPr>
-              <a:t> </a:t>
-            </a:r>
-            <a:r>
-              <a:rPr lang="en-US" dirty="0" err="1">
-                <a:solidFill>
-                  <a:srgbClr val="000000"/>
-                </a:solidFill>
-                <a:latin typeface="Arial (Body)"/>
-              </a:rPr>
-              <a:t>mới</a:t>
-            </a:r>
-            <a:r>
-              <a:rPr lang="en-US" dirty="0">
-                <a:solidFill>
-                  <a:srgbClr val="000000"/>
-                </a:solidFill>
-                <a:latin typeface="Arial (Body)"/>
-              </a:rPr>
-              <a:t> </a:t>
-            </a:r>
-            <a:r>
-              <a:rPr lang="en-US" dirty="0" err="1">
-                <a:solidFill>
-                  <a:srgbClr val="000000"/>
-                </a:solidFill>
-                <a:latin typeface="Arial (Body)"/>
-              </a:rPr>
-              <a:t>tìm</a:t>
-            </a:r>
-            <a:r>
-              <a:rPr lang="en-US" dirty="0">
-                <a:solidFill>
-                  <a:srgbClr val="000000"/>
-                </a:solidFill>
-                <a:latin typeface="Arial (Body)"/>
-              </a:rPr>
-              <a:t> </a:t>
-            </a:r>
-            <a:r>
-              <a:rPr lang="en-US" dirty="0" err="1">
-                <a:solidFill>
-                  <a:srgbClr val="000000"/>
-                </a:solidFill>
-                <a:latin typeface="Arial (Body)"/>
-              </a:rPr>
-              <a:t>hiểu</a:t>
-            </a:r>
-            <a:r>
-              <a:rPr lang="en-US" dirty="0">
-                <a:solidFill>
-                  <a:srgbClr val="000000"/>
-                </a:solidFill>
-                <a:latin typeface="Arial (Body)"/>
-              </a:rPr>
-              <a:t> </a:t>
-            </a:r>
-            <a:r>
-              <a:rPr lang="en-US" dirty="0" err="1">
-                <a:solidFill>
-                  <a:srgbClr val="000000"/>
-                </a:solidFill>
-                <a:latin typeface="Arial (Body)"/>
-              </a:rPr>
-              <a:t>về</a:t>
-            </a:r>
-            <a:r>
-              <a:rPr lang="en-US" dirty="0">
-                <a:solidFill>
-                  <a:srgbClr val="000000"/>
-                </a:solidFill>
-                <a:latin typeface="Arial (Body)"/>
-              </a:rPr>
-              <a:t> android, </a:t>
-            </a:r>
-            <a:r>
-              <a:rPr lang="en-US" dirty="0" err="1">
-                <a:solidFill>
-                  <a:srgbClr val="000000"/>
-                </a:solidFill>
-                <a:latin typeface="Arial (Body)"/>
-              </a:rPr>
-              <a:t>nên</a:t>
-            </a:r>
-            <a:r>
-              <a:rPr lang="en-US" dirty="0">
-                <a:solidFill>
-                  <a:srgbClr val="000000"/>
-                </a:solidFill>
-                <a:latin typeface="Arial (Body)"/>
-              </a:rPr>
-              <a:t> </a:t>
-            </a:r>
-            <a:r>
-              <a:rPr lang="en-US" dirty="0" err="1">
-                <a:solidFill>
-                  <a:srgbClr val="000000"/>
-                </a:solidFill>
-                <a:latin typeface="Arial (Body)"/>
-              </a:rPr>
-              <a:t>chủ</a:t>
-            </a:r>
-            <a:r>
-              <a:rPr lang="en-US" dirty="0">
-                <a:solidFill>
-                  <a:srgbClr val="000000"/>
-                </a:solidFill>
-                <a:latin typeface="Arial (Body)"/>
-              </a:rPr>
-              <a:t> </a:t>
-            </a:r>
-            <a:r>
-              <a:rPr lang="en-US" dirty="0" err="1">
-                <a:solidFill>
-                  <a:srgbClr val="000000"/>
-                </a:solidFill>
-                <a:latin typeface="Arial (Body)"/>
-              </a:rPr>
-              <a:t>yếu</a:t>
-            </a:r>
-            <a:r>
-              <a:rPr lang="en-US" dirty="0">
-                <a:solidFill>
-                  <a:srgbClr val="000000"/>
-                </a:solidFill>
-                <a:latin typeface="Arial (Body)"/>
-              </a:rPr>
-              <a:t> </a:t>
-            </a:r>
-            <a:r>
-              <a:rPr lang="en-US" dirty="0" err="1">
-                <a:solidFill>
-                  <a:srgbClr val="000000"/>
-                </a:solidFill>
-                <a:latin typeface="Arial (Body)"/>
-              </a:rPr>
-              <a:t>bọn</a:t>
-            </a:r>
-            <a:r>
-              <a:rPr lang="en-US" dirty="0">
-                <a:solidFill>
-                  <a:srgbClr val="000000"/>
-                </a:solidFill>
-                <a:latin typeface="Arial (Body)"/>
-              </a:rPr>
-              <a:t> </a:t>
-            </a:r>
-            <a:r>
-              <a:rPr lang="en-US" dirty="0" err="1">
-                <a:solidFill>
-                  <a:srgbClr val="000000"/>
-                </a:solidFill>
-                <a:latin typeface="Arial (Body)"/>
-              </a:rPr>
-              <a:t>em</a:t>
-            </a:r>
-            <a:r>
-              <a:rPr lang="en-US" dirty="0">
-                <a:solidFill>
-                  <a:srgbClr val="000000"/>
-                </a:solidFill>
-                <a:latin typeface="Arial (Body)"/>
-              </a:rPr>
-              <a:t> </a:t>
-            </a:r>
-            <a:r>
-              <a:rPr lang="en-US" dirty="0" err="1">
-                <a:solidFill>
-                  <a:srgbClr val="000000"/>
-                </a:solidFill>
-                <a:latin typeface="Arial (Body)"/>
-              </a:rPr>
-              <a:t>tìm</a:t>
-            </a:r>
-            <a:r>
-              <a:rPr lang="en-US" dirty="0">
-                <a:solidFill>
-                  <a:srgbClr val="000000"/>
-                </a:solidFill>
-                <a:latin typeface="Arial (Body)"/>
-              </a:rPr>
-              <a:t> </a:t>
-            </a:r>
-            <a:r>
-              <a:rPr lang="en-US" dirty="0" err="1">
-                <a:solidFill>
-                  <a:srgbClr val="000000"/>
-                </a:solidFill>
-                <a:latin typeface="Arial (Body)"/>
-              </a:rPr>
-              <a:t>hiểu</a:t>
-            </a:r>
-            <a:r>
-              <a:rPr lang="en-US" dirty="0">
-                <a:solidFill>
-                  <a:srgbClr val="000000"/>
-                </a:solidFill>
-                <a:latin typeface="Arial (Body)"/>
-              </a:rPr>
-              <a:t> </a:t>
-            </a:r>
-            <a:r>
-              <a:rPr lang="en-US" dirty="0" err="1">
-                <a:solidFill>
-                  <a:srgbClr val="000000"/>
-                </a:solidFill>
-                <a:latin typeface="Arial (Body)"/>
-              </a:rPr>
-              <a:t>kiến</a:t>
-            </a:r>
-            <a:r>
-              <a:rPr lang="en-US" dirty="0">
-                <a:solidFill>
-                  <a:srgbClr val="000000"/>
-                </a:solidFill>
-                <a:latin typeface="Arial (Body)"/>
-              </a:rPr>
-              <a:t> </a:t>
-            </a:r>
-            <a:r>
-              <a:rPr lang="en-US" dirty="0" err="1">
-                <a:solidFill>
-                  <a:srgbClr val="000000"/>
-                </a:solidFill>
-                <a:latin typeface="Arial (Body)"/>
-              </a:rPr>
-              <a:t>thức</a:t>
-            </a:r>
-            <a:r>
-              <a:rPr lang="en-US" dirty="0">
-                <a:solidFill>
-                  <a:srgbClr val="000000"/>
-                </a:solidFill>
-                <a:latin typeface="Arial (Body)"/>
-              </a:rPr>
-              <a:t> </a:t>
-            </a:r>
-            <a:r>
-              <a:rPr lang="en-US" dirty="0" err="1">
-                <a:solidFill>
-                  <a:srgbClr val="000000"/>
-                </a:solidFill>
-                <a:latin typeface="Arial (Body)"/>
-              </a:rPr>
-              <a:t>trên</a:t>
-            </a:r>
-            <a:r>
-              <a:rPr lang="en-US" dirty="0">
-                <a:solidFill>
-                  <a:srgbClr val="000000"/>
-                </a:solidFill>
-                <a:latin typeface="Arial (Body)"/>
-              </a:rPr>
-              <a:t> </a:t>
-            </a:r>
-            <a:r>
-              <a:rPr lang="en-US" dirty="0" err="1">
-                <a:solidFill>
-                  <a:srgbClr val="000000"/>
-                </a:solidFill>
-                <a:latin typeface="Arial (Body)"/>
-              </a:rPr>
-              <a:t>mạng</a:t>
-            </a:r>
-            <a:r>
-              <a:rPr lang="en-US" dirty="0">
-                <a:solidFill>
-                  <a:srgbClr val="000000"/>
-                </a:solidFill>
-                <a:latin typeface="Arial (Body)"/>
-              </a:rPr>
-              <a:t>, </a:t>
-            </a:r>
-            <a:r>
-              <a:rPr lang="en-US" dirty="0" err="1">
-                <a:solidFill>
-                  <a:srgbClr val="000000"/>
-                </a:solidFill>
-                <a:latin typeface="Arial (Body)"/>
-              </a:rPr>
-              <a:t>nếu</a:t>
-            </a:r>
-            <a:r>
-              <a:rPr lang="en-US" dirty="0">
-                <a:solidFill>
-                  <a:srgbClr val="000000"/>
-                </a:solidFill>
-                <a:latin typeface="Arial (Body)"/>
-              </a:rPr>
-              <a:t> </a:t>
-            </a:r>
-            <a:r>
-              <a:rPr lang="en-US" dirty="0" err="1">
-                <a:solidFill>
-                  <a:srgbClr val="000000"/>
-                </a:solidFill>
-                <a:latin typeface="Arial (Body)"/>
-              </a:rPr>
-              <a:t>có</a:t>
-            </a:r>
-            <a:r>
-              <a:rPr lang="en-US" dirty="0">
-                <a:solidFill>
-                  <a:srgbClr val="000000"/>
-                </a:solidFill>
-                <a:latin typeface="Arial (Body)"/>
-              </a:rPr>
-              <a:t> </a:t>
-            </a:r>
-            <a:r>
-              <a:rPr lang="en-US" dirty="0" err="1">
-                <a:solidFill>
-                  <a:srgbClr val="000000"/>
-                </a:solidFill>
-                <a:latin typeface="Arial (Body)"/>
-              </a:rPr>
-              <a:t>gì</a:t>
-            </a:r>
-            <a:r>
-              <a:rPr lang="en-US" dirty="0">
-                <a:solidFill>
-                  <a:srgbClr val="000000"/>
-                </a:solidFill>
-                <a:latin typeface="Arial (Body)"/>
-              </a:rPr>
-              <a:t> </a:t>
-            </a:r>
-            <a:r>
-              <a:rPr lang="en-US" dirty="0" err="1">
-                <a:solidFill>
-                  <a:srgbClr val="000000"/>
-                </a:solidFill>
-                <a:latin typeface="Arial (Body)"/>
-              </a:rPr>
-              <a:t>không</a:t>
-            </a:r>
-            <a:r>
-              <a:rPr lang="en-US" dirty="0">
-                <a:solidFill>
-                  <a:srgbClr val="000000"/>
-                </a:solidFill>
-                <a:latin typeface="Arial (Body)"/>
-              </a:rPr>
-              <a:t> </a:t>
-            </a:r>
-            <a:r>
-              <a:rPr lang="en-US" dirty="0" err="1">
-                <a:solidFill>
-                  <a:srgbClr val="000000"/>
-                </a:solidFill>
-                <a:latin typeface="Arial (Body)"/>
-              </a:rPr>
-              <a:t>hiểu</a:t>
-            </a:r>
-            <a:r>
-              <a:rPr lang="en-US" dirty="0">
-                <a:solidFill>
-                  <a:srgbClr val="000000"/>
-                </a:solidFill>
-                <a:latin typeface="Arial (Body)"/>
-              </a:rPr>
-              <a:t> </a:t>
-            </a:r>
-            <a:r>
-              <a:rPr lang="en-US" dirty="0" err="1">
-                <a:solidFill>
-                  <a:srgbClr val="000000"/>
-                </a:solidFill>
-                <a:latin typeface="Arial (Body)"/>
-              </a:rPr>
-              <a:t>bọn</a:t>
-            </a:r>
-            <a:r>
-              <a:rPr lang="en-US" dirty="0">
-                <a:solidFill>
-                  <a:srgbClr val="000000"/>
-                </a:solidFill>
-                <a:latin typeface="Arial (Body)"/>
-              </a:rPr>
-              <a:t> </a:t>
-            </a:r>
-            <a:r>
-              <a:rPr lang="en-US" dirty="0" err="1">
-                <a:solidFill>
-                  <a:srgbClr val="000000"/>
-                </a:solidFill>
-                <a:latin typeface="Arial (Body)"/>
-              </a:rPr>
-              <a:t>em</a:t>
-            </a:r>
-            <a:r>
-              <a:rPr lang="en-US" dirty="0">
-                <a:solidFill>
-                  <a:srgbClr val="000000"/>
-                </a:solidFill>
-                <a:latin typeface="Arial (Body)"/>
-              </a:rPr>
-              <a:t> </a:t>
-            </a:r>
-            <a:r>
-              <a:rPr lang="en-US" dirty="0" err="1">
-                <a:solidFill>
-                  <a:srgbClr val="000000"/>
-                </a:solidFill>
-                <a:latin typeface="Arial (Body)"/>
-              </a:rPr>
-              <a:t>sẽ</a:t>
-            </a:r>
-            <a:r>
-              <a:rPr lang="en-US" dirty="0">
-                <a:solidFill>
-                  <a:srgbClr val="000000"/>
-                </a:solidFill>
-                <a:latin typeface="Arial (Body)"/>
-              </a:rPr>
-              <a:t> </a:t>
-            </a:r>
-            <a:r>
-              <a:rPr lang="en-US" dirty="0" err="1">
-                <a:solidFill>
-                  <a:srgbClr val="000000"/>
-                </a:solidFill>
-                <a:latin typeface="Arial (Body)"/>
-              </a:rPr>
-              <a:t>hỏi</a:t>
-            </a:r>
-            <a:r>
-              <a:rPr lang="en-US" dirty="0">
-                <a:solidFill>
-                  <a:srgbClr val="000000"/>
-                </a:solidFill>
-                <a:latin typeface="Arial (Body)"/>
-              </a:rPr>
-              <a:t> </a:t>
-            </a:r>
-            <a:r>
-              <a:rPr lang="en-US" dirty="0" err="1">
-                <a:solidFill>
-                  <a:srgbClr val="000000"/>
-                </a:solidFill>
-                <a:latin typeface="Arial (Body)"/>
-              </a:rPr>
-              <a:t>các</a:t>
-            </a:r>
-            <a:r>
-              <a:rPr lang="en-US" dirty="0">
-                <a:solidFill>
-                  <a:srgbClr val="000000"/>
-                </a:solidFill>
-                <a:latin typeface="Arial (Body)"/>
-              </a:rPr>
-              <a:t> </a:t>
-            </a:r>
-            <a:r>
-              <a:rPr lang="en-US" dirty="0" err="1">
-                <a:solidFill>
-                  <a:srgbClr val="000000"/>
-                </a:solidFill>
-                <a:latin typeface="Arial (Body)"/>
-              </a:rPr>
-              <a:t>anh</a:t>
-            </a:r>
-            <a:r>
-              <a:rPr lang="en-US" dirty="0">
-                <a:solidFill>
-                  <a:srgbClr val="000000"/>
-                </a:solidFill>
-                <a:latin typeface="Arial (Body)"/>
-              </a:rPr>
-              <a:t> </a:t>
-            </a:r>
-            <a:r>
-              <a:rPr lang="en-US" dirty="0" err="1">
-                <a:solidFill>
-                  <a:srgbClr val="000000"/>
-                </a:solidFill>
-                <a:latin typeface="Arial (Body)"/>
-              </a:rPr>
-              <a:t>hướng</a:t>
-            </a:r>
-            <a:r>
-              <a:rPr lang="en-US" dirty="0">
-                <a:solidFill>
-                  <a:srgbClr val="000000"/>
-                </a:solidFill>
-                <a:latin typeface="Arial (Body)"/>
-              </a:rPr>
-              <a:t> </a:t>
-            </a:r>
-            <a:r>
-              <a:rPr lang="en-US" dirty="0" err="1">
-                <a:solidFill>
-                  <a:srgbClr val="000000"/>
-                </a:solidFill>
-                <a:latin typeface="Arial (Body)"/>
-              </a:rPr>
-              <a:t>dẫn</a:t>
-            </a:r>
-            <a:r>
-              <a:rPr lang="en-US" dirty="0">
-                <a:solidFill>
-                  <a:srgbClr val="000000"/>
-                </a:solidFill>
-                <a:latin typeface="Arial (Body)"/>
-              </a:rPr>
-              <a:t> ( </a:t>
-            </a:r>
-            <a:r>
-              <a:rPr lang="en-US" dirty="0" err="1">
-                <a:solidFill>
-                  <a:srgbClr val="000000"/>
-                </a:solidFill>
-                <a:latin typeface="Arial (Body)"/>
-              </a:rPr>
-              <a:t>anh</a:t>
-            </a:r>
-            <a:r>
-              <a:rPr lang="en-US" dirty="0">
-                <a:solidFill>
-                  <a:srgbClr val="000000"/>
-                </a:solidFill>
-                <a:latin typeface="Arial (Body)"/>
-              </a:rPr>
-              <a:t> Du Du, </a:t>
-            </a:r>
-            <a:r>
-              <a:rPr lang="en-US" dirty="0" err="1">
-                <a:solidFill>
-                  <a:srgbClr val="000000"/>
-                </a:solidFill>
-                <a:latin typeface="Arial (Body)"/>
-              </a:rPr>
-              <a:t>anh</a:t>
-            </a:r>
-            <a:r>
-              <a:rPr lang="en-US" dirty="0">
-                <a:solidFill>
-                  <a:srgbClr val="000000"/>
-                </a:solidFill>
-                <a:latin typeface="Arial (Body)"/>
-              </a:rPr>
-              <a:t> Tony)</a:t>
-            </a:r>
-            <a:r>
-              <a:rPr lang="en-US" dirty="0" smtClean="0">
-                <a:solidFill>
-                  <a:srgbClr val="000000"/>
-                </a:solidFill>
-                <a:latin typeface="Arial (Body)"/>
-              </a:rPr>
-              <a:t>.</a:t>
-            </a:r>
-            <a:endParaRPr lang="vi-VN" dirty="0">
-              <a:solidFill>
-                <a:srgbClr val="000000"/>
-              </a:solidFill>
-              <a:latin typeface="Arial (Body)"/>
             </a:endParaRPr>
           </a:p>
         </p:txBody>
@@ -6482,618 +5317,6 @@
             <a:fld id="{1F2F577C-CE4A-45E0-8529-A0D5694FEE75}" type="slidenum">
               <a:rPr lang="en-US" sz="1600" smtClean="0"/>
               <a:t>10</a:t>
-            </a:fld>
-            <a:endParaRPr lang="en-US" sz="1600"/>
-          </a:p>
-        </p:txBody>
-      </p:sp>
-    </p:spTree>
-    <p:extLst>
-      <p:ext uri="{BB962C8B-B14F-4D97-AF65-F5344CB8AC3E}">
-        <p14:creationId xmlns:p14="http://schemas.microsoft.com/office/powerpoint/2010/main" val="1630109674"/>
-      </p:ext>
-    </p:extLst>
-  </p:cSld>
-  <p:clrMapOvr>
-    <a:masterClrMapping/>
-  </p:clrMapOvr>
-  <p:transition xmlns:p14="http://schemas.microsoft.com/office/powerpoint/2010/main" spd="slow">
-    <p:fade/>
-  </p:transition>
-  <p:timing>
-    <p:tnLst>
-      <p:par>
-        <p:cTn xmlns:p14="http://schemas.microsoft.com/office/powerpoint/2010/main" id="1" dur="indefinite" restart="never" nodeType="tmRoot"/>
-      </p:par>
-    </p:tnLst>
-  </p:timing>
-</p:sld>
-</file>
-
-<file path=ppt/slides/slide11.xml><?xml version="1.0" encoding="utf-8"?>
-<p:sld xmlns:a="http://schemas.openxmlformats.org/drawingml/2006/main" xmlns:r="http://schemas.openxmlformats.org/officeDocument/2006/relationships" xmlns:p="http://schemas.openxmlformats.org/presentationml/2006/main">
-  <p:cSld>
-    <p:spTree>
-      <p:nvGrpSpPr>
-        <p:cNvPr id="1" name=""/>
-        <p:cNvGrpSpPr/>
-        <p:nvPr/>
-      </p:nvGrpSpPr>
-      <p:grpSpPr>
-        <a:xfrm>
-          <a:off x="0" y="0"/>
-          <a:ext cx="0" cy="0"/>
-          <a:chOff x="0" y="0"/>
-          <a:chExt cx="0" cy="0"/>
-        </a:xfrm>
-      </p:grpSpPr>
-      <p:sp>
-        <p:nvSpPr>
-          <p:cNvPr id="2" name="Title 1"/>
-          <p:cNvSpPr>
-            <a:spLocks noGrp="1"/>
-          </p:cNvSpPr>
-          <p:nvPr>
-            <p:ph type="title"/>
-          </p:nvPr>
-        </p:nvSpPr>
-        <p:spPr>
-          <a:xfrm>
-            <a:off x="621399" y="232011"/>
-            <a:ext cx="8761862" cy="464024"/>
-          </a:xfrm>
-        </p:spPr>
-        <p:txBody>
-          <a:bodyPr>
-            <a:noAutofit/>
-          </a:bodyPr>
-          <a:lstStyle/>
-          <a:p>
-            <a:r>
-              <a:rPr lang="en-US" sz="3000" b="1" smtClean="0">
-                <a:solidFill>
-                  <a:schemeClr val="bg1"/>
-                </a:solidFill>
-                <a:latin typeface="Arial" panose="020B0604020202020204" pitchFamily="34" charset="0"/>
-              </a:rPr>
-              <a:t>PHÂN TÍCH THIẾT KẾ VÀ TRIỂN KHAI</a:t>
-            </a:r>
-            <a:endParaRPr lang="en-US" sz="3000" b="1">
-              <a:solidFill>
-                <a:schemeClr val="bg1"/>
-              </a:solidFill>
-              <a:latin typeface="Arial" panose="020B0604020202020204" pitchFamily="34" charset="0"/>
-            </a:endParaRPr>
-          </a:p>
-        </p:txBody>
-      </p:sp>
-      <p:sp>
-        <p:nvSpPr>
-          <p:cNvPr id="3" name="Content Placeholder 2"/>
-          <p:cNvSpPr>
-            <a:spLocks noGrp="1"/>
-          </p:cNvSpPr>
-          <p:nvPr>
-            <p:ph idx="1"/>
-          </p:nvPr>
-        </p:nvSpPr>
-        <p:spPr>
-          <a:xfrm>
-            <a:off x="368490" y="1323833"/>
-            <a:ext cx="8447963" cy="5131558"/>
-          </a:xfrm>
-        </p:spPr>
-        <p:txBody>
-          <a:bodyPr/>
-          <a:lstStyle/>
-          <a:p>
-            <a:pPr>
-              <a:buFont typeface="Wingdings" panose="05000000000000000000" pitchFamily="2" charset="2"/>
-              <a:buChar char="§"/>
-            </a:pPr>
-            <a:r>
-              <a:rPr lang="vi-VN" smtClean="0">
-                <a:solidFill>
-                  <a:srgbClr val="008000"/>
-                </a:solidFill>
-              </a:rPr>
-              <a:t>Sơ</a:t>
-            </a:r>
-            <a:r>
-              <a:rPr lang="en-US" smtClean="0">
-                <a:solidFill>
-                  <a:srgbClr val="008000"/>
-                </a:solidFill>
-              </a:rPr>
-              <a:t> đồ UseCase</a:t>
-            </a:r>
-            <a:endParaRPr lang="vi-VN" smtClean="0">
-              <a:solidFill>
-                <a:srgbClr val="008000"/>
-              </a:solidFill>
-            </a:endParaRPr>
-          </a:p>
-        </p:txBody>
-      </p:sp>
-      <p:sp>
-        <p:nvSpPr>
-          <p:cNvPr id="4" name="Footer Placeholder 3"/>
-          <p:cNvSpPr>
-            <a:spLocks noGrp="1"/>
-          </p:cNvSpPr>
-          <p:nvPr>
-            <p:ph type="ftr" sz="quarter" idx="11"/>
-          </p:nvPr>
-        </p:nvSpPr>
-        <p:spPr>
-          <a:xfrm>
-            <a:off x="0" y="6455389"/>
-            <a:ext cx="5132411" cy="365125"/>
-          </a:xfrm>
-        </p:spPr>
-        <p:txBody>
-          <a:bodyPr/>
-          <a:lstStyle/>
-          <a:p>
-            <a:r>
-              <a:rPr lang="en-US" sz="1600" smtClean="0"/>
-              <a:t>Thực tập kỹ thuật tại LifeTimeTechnology</a:t>
-            </a:r>
-            <a:endParaRPr lang="en-US" sz="1600"/>
-          </a:p>
-        </p:txBody>
-      </p:sp>
-      <p:sp>
-        <p:nvSpPr>
-          <p:cNvPr id="5" name="Slide Number Placeholder 4"/>
-          <p:cNvSpPr>
-            <a:spLocks noGrp="1"/>
-          </p:cNvSpPr>
-          <p:nvPr>
-            <p:ph type="sldNum" sz="quarter" idx="12"/>
-          </p:nvPr>
-        </p:nvSpPr>
-        <p:spPr>
-          <a:xfrm>
-            <a:off x="7133939" y="6455390"/>
-            <a:ext cx="1826241" cy="365125"/>
-          </a:xfrm>
-        </p:spPr>
-        <p:txBody>
-          <a:bodyPr/>
-          <a:lstStyle/>
-          <a:p>
-            <a:fld id="{1F2F577C-CE4A-45E0-8529-A0D5694FEE75}" type="slidenum">
-              <a:rPr lang="en-US" sz="1600" smtClean="0"/>
-              <a:t>11</a:t>
-            </a:fld>
-            <a:endParaRPr lang="en-US" sz="1600"/>
-          </a:p>
-        </p:txBody>
-      </p:sp>
-      <p:pic>
-        <p:nvPicPr>
-          <p:cNvPr id="6" name="Picture 5"/>
-          <p:cNvPicPr>
-            <a:picLocks noChangeAspect="1"/>
-          </p:cNvPicPr>
-          <p:nvPr/>
-        </p:nvPicPr>
-        <p:blipFill>
-          <a:blip r:embed="rId3">
-            <a:extLst>
-              <a:ext uri="{28A0092B-C50C-407E-A947-70E740481C1C}">
-                <a14:useLocalDpi xmlns:a14="http://schemas.microsoft.com/office/drawing/2010/main" val="0"/>
-              </a:ext>
-            </a:extLst>
-          </a:blip>
-          <a:stretch>
-            <a:fillRect/>
-          </a:stretch>
-        </p:blipFill>
-        <p:spPr>
-          <a:xfrm>
-            <a:off x="0" y="782456"/>
-            <a:ext cx="9144000" cy="6075544"/>
-          </a:xfrm>
-          <a:prstGeom prst="rect">
-            <a:avLst/>
-          </a:prstGeom>
-        </p:spPr>
-      </p:pic>
-    </p:spTree>
-    <p:extLst>
-      <p:ext uri="{BB962C8B-B14F-4D97-AF65-F5344CB8AC3E}">
-        <p14:creationId xmlns:p14="http://schemas.microsoft.com/office/powerpoint/2010/main" val="2809761952"/>
-      </p:ext>
-    </p:extLst>
-  </p:cSld>
-  <p:clrMapOvr>
-    <a:masterClrMapping/>
-  </p:clrMapOvr>
-  <p:transition xmlns:p14="http://schemas.microsoft.com/office/powerpoint/2010/main" spd="slow">
-    <p:fade/>
-  </p:transition>
-  <p:timing>
-    <p:tnLst>
-      <p:par>
-        <p:cTn xmlns:p14="http://schemas.microsoft.com/office/powerpoint/2010/main" id="1" dur="indefinite" restart="never" nodeType="tmRoot"/>
-      </p:par>
-    </p:tnLst>
-  </p:timing>
-</p:sld>
-</file>
-
-<file path=ppt/slides/slide12.xml><?xml version="1.0" encoding="utf-8"?>
-<p:sld xmlns:a="http://schemas.openxmlformats.org/drawingml/2006/main" xmlns:r="http://schemas.openxmlformats.org/officeDocument/2006/relationships" xmlns:p="http://schemas.openxmlformats.org/presentationml/2006/main">
-  <p:cSld>
-    <p:spTree>
-      <p:nvGrpSpPr>
-        <p:cNvPr id="1" name=""/>
-        <p:cNvGrpSpPr/>
-        <p:nvPr/>
-      </p:nvGrpSpPr>
-      <p:grpSpPr>
-        <a:xfrm>
-          <a:off x="0" y="0"/>
-          <a:ext cx="0" cy="0"/>
-          <a:chOff x="0" y="0"/>
-          <a:chExt cx="0" cy="0"/>
-        </a:xfrm>
-      </p:grpSpPr>
-      <p:sp>
-        <p:nvSpPr>
-          <p:cNvPr id="2" name="Title 1"/>
-          <p:cNvSpPr>
-            <a:spLocks noGrp="1"/>
-          </p:cNvSpPr>
-          <p:nvPr>
-            <p:ph type="title"/>
-          </p:nvPr>
-        </p:nvSpPr>
-        <p:spPr>
-          <a:xfrm>
-            <a:off x="621399" y="232011"/>
-            <a:ext cx="8761862" cy="464024"/>
-          </a:xfrm>
-        </p:spPr>
-        <p:txBody>
-          <a:bodyPr>
-            <a:noAutofit/>
-          </a:bodyPr>
-          <a:lstStyle/>
-          <a:p>
-            <a:r>
-              <a:rPr lang="en-US" sz="3000" b="1" smtClean="0">
-                <a:solidFill>
-                  <a:schemeClr val="bg1"/>
-                </a:solidFill>
-                <a:latin typeface="Arial" panose="020B0604020202020204" pitchFamily="34" charset="0"/>
-              </a:rPr>
-              <a:t>PHÂN TÍCH THIẾT KẾ VÀ TRIỂN KHAI</a:t>
-            </a:r>
-            <a:endParaRPr lang="en-US" sz="3000" b="1">
-              <a:solidFill>
-                <a:schemeClr val="bg1"/>
-              </a:solidFill>
-              <a:latin typeface="Arial" panose="020B0604020202020204" pitchFamily="34" charset="0"/>
-            </a:endParaRPr>
-          </a:p>
-        </p:txBody>
-      </p:sp>
-      <p:sp>
-        <p:nvSpPr>
-          <p:cNvPr id="3" name="Content Placeholder 2"/>
-          <p:cNvSpPr>
-            <a:spLocks noGrp="1"/>
-          </p:cNvSpPr>
-          <p:nvPr>
-            <p:ph idx="1"/>
-          </p:nvPr>
-        </p:nvSpPr>
-        <p:spPr>
-          <a:xfrm>
-            <a:off x="368490" y="1323833"/>
-            <a:ext cx="8447963" cy="5131558"/>
-          </a:xfrm>
-        </p:spPr>
-        <p:txBody>
-          <a:bodyPr/>
-          <a:lstStyle/>
-          <a:p>
-            <a:pPr>
-              <a:buFont typeface="Wingdings" panose="05000000000000000000" pitchFamily="2" charset="2"/>
-              <a:buChar char="§"/>
-            </a:pPr>
-            <a:r>
-              <a:rPr lang="vi-VN" smtClean="0">
-                <a:solidFill>
-                  <a:srgbClr val="008000"/>
-                </a:solidFill>
-              </a:rPr>
-              <a:t>Sơ</a:t>
-            </a:r>
-            <a:r>
-              <a:rPr lang="en-US" smtClean="0">
-                <a:solidFill>
-                  <a:srgbClr val="008000"/>
-                </a:solidFill>
-              </a:rPr>
-              <a:t> đồ hoạt động</a:t>
-            </a:r>
-            <a:endParaRPr lang="vi-VN" smtClean="0">
-              <a:solidFill>
-                <a:srgbClr val="008000"/>
-              </a:solidFill>
-            </a:endParaRPr>
-          </a:p>
-        </p:txBody>
-      </p:sp>
-      <p:sp>
-        <p:nvSpPr>
-          <p:cNvPr id="4" name="Footer Placeholder 3"/>
-          <p:cNvSpPr>
-            <a:spLocks noGrp="1"/>
-          </p:cNvSpPr>
-          <p:nvPr>
-            <p:ph type="ftr" sz="quarter" idx="11"/>
-          </p:nvPr>
-        </p:nvSpPr>
-        <p:spPr>
-          <a:xfrm>
-            <a:off x="0" y="6455389"/>
-            <a:ext cx="5132411" cy="365125"/>
-          </a:xfrm>
-        </p:spPr>
-        <p:txBody>
-          <a:bodyPr/>
-          <a:lstStyle/>
-          <a:p>
-            <a:r>
-              <a:rPr lang="en-US" sz="1600" smtClean="0"/>
-              <a:t>Thực tập kỹ thuật tại LifeTimeTechnology</a:t>
-            </a:r>
-            <a:endParaRPr lang="en-US" sz="1600"/>
-          </a:p>
-        </p:txBody>
-      </p:sp>
-      <p:sp>
-        <p:nvSpPr>
-          <p:cNvPr id="5" name="Slide Number Placeholder 4"/>
-          <p:cNvSpPr>
-            <a:spLocks noGrp="1"/>
-          </p:cNvSpPr>
-          <p:nvPr>
-            <p:ph type="sldNum" sz="quarter" idx="12"/>
-          </p:nvPr>
-        </p:nvSpPr>
-        <p:spPr>
-          <a:xfrm>
-            <a:off x="7133939" y="6455390"/>
-            <a:ext cx="1826241" cy="365125"/>
-          </a:xfrm>
-        </p:spPr>
-        <p:txBody>
-          <a:bodyPr/>
-          <a:lstStyle/>
-          <a:p>
-            <a:fld id="{1F2F577C-CE4A-45E0-8529-A0D5694FEE75}" type="slidenum">
-              <a:rPr lang="en-US" sz="1600" smtClean="0"/>
-              <a:t>12</a:t>
-            </a:fld>
-            <a:endParaRPr lang="en-US" sz="1600"/>
-          </a:p>
-        </p:txBody>
-      </p:sp>
-      <p:pic>
-        <p:nvPicPr>
-          <p:cNvPr id="6" name="Picture 5"/>
-          <p:cNvPicPr>
-            <a:picLocks noChangeAspect="1"/>
-          </p:cNvPicPr>
-          <p:nvPr/>
-        </p:nvPicPr>
-        <p:blipFill>
-          <a:blip r:embed="rId3">
-            <a:extLst>
-              <a:ext uri="{28A0092B-C50C-407E-A947-70E740481C1C}">
-                <a14:useLocalDpi xmlns:a14="http://schemas.microsoft.com/office/drawing/2010/main" val="0"/>
-              </a:ext>
-            </a:extLst>
-          </a:blip>
-          <a:stretch>
-            <a:fillRect/>
-          </a:stretch>
-        </p:blipFill>
-        <p:spPr>
-          <a:xfrm>
-            <a:off x="0" y="1780089"/>
-            <a:ext cx="9144000" cy="4219045"/>
-          </a:xfrm>
-          <a:prstGeom prst="rect">
-            <a:avLst/>
-          </a:prstGeom>
-        </p:spPr>
-      </p:pic>
-    </p:spTree>
-    <p:extLst>
-      <p:ext uri="{BB962C8B-B14F-4D97-AF65-F5344CB8AC3E}">
-        <p14:creationId xmlns:p14="http://schemas.microsoft.com/office/powerpoint/2010/main" val="780518641"/>
-      </p:ext>
-    </p:extLst>
-  </p:cSld>
-  <p:clrMapOvr>
-    <a:masterClrMapping/>
-  </p:clrMapOvr>
-  <p:transition xmlns:p14="http://schemas.microsoft.com/office/powerpoint/2010/main" spd="slow">
-    <p:fade/>
-  </p:transition>
-  <p:timing>
-    <p:tnLst>
-      <p:par>
-        <p:cTn xmlns:p14="http://schemas.microsoft.com/office/powerpoint/2010/main" id="1" dur="indefinite" restart="never" nodeType="tmRoot"/>
-      </p:par>
-    </p:tnLst>
-  </p:timing>
-</p:sld>
-</file>
-
-<file path=ppt/slides/slide13.xml><?xml version="1.0" encoding="utf-8"?>
-<p:sld xmlns:a="http://schemas.openxmlformats.org/drawingml/2006/main" xmlns:r="http://schemas.openxmlformats.org/officeDocument/2006/relationships" xmlns:p="http://schemas.openxmlformats.org/presentationml/2006/main">
-  <p:cSld>
-    <p:spTree>
-      <p:nvGrpSpPr>
-        <p:cNvPr id="1" name=""/>
-        <p:cNvGrpSpPr/>
-        <p:nvPr/>
-      </p:nvGrpSpPr>
-      <p:grpSpPr>
-        <a:xfrm>
-          <a:off x="0" y="0"/>
-          <a:ext cx="0" cy="0"/>
-          <a:chOff x="0" y="0"/>
-          <a:chExt cx="0" cy="0"/>
-        </a:xfrm>
-      </p:grpSpPr>
-      <p:sp>
-        <p:nvSpPr>
-          <p:cNvPr id="2" name="Title 1"/>
-          <p:cNvSpPr>
-            <a:spLocks noGrp="1"/>
-          </p:cNvSpPr>
-          <p:nvPr>
-            <p:ph type="title"/>
-          </p:nvPr>
-        </p:nvSpPr>
-        <p:spPr>
-          <a:xfrm>
-            <a:off x="621399" y="232011"/>
-            <a:ext cx="8761862" cy="464024"/>
-          </a:xfrm>
-        </p:spPr>
-        <p:txBody>
-          <a:bodyPr>
-            <a:noAutofit/>
-          </a:bodyPr>
-          <a:lstStyle/>
-          <a:p>
-            <a:r>
-              <a:rPr lang="en-US" sz="3000" b="1" smtClean="0">
-                <a:solidFill>
-                  <a:schemeClr val="bg1"/>
-                </a:solidFill>
-                <a:latin typeface="Arial" panose="020B0604020202020204" pitchFamily="34" charset="0"/>
-              </a:rPr>
-              <a:t>PHÂN TÍCH THIẾT KẾ VÀ TRIỂN KHAI</a:t>
-            </a:r>
-            <a:endParaRPr lang="en-US" sz="3000" b="1">
-              <a:solidFill>
-                <a:schemeClr val="bg1"/>
-              </a:solidFill>
-              <a:latin typeface="Arial" panose="020B0604020202020204" pitchFamily="34" charset="0"/>
-            </a:endParaRPr>
-          </a:p>
-        </p:txBody>
-      </p:sp>
-      <p:sp>
-        <p:nvSpPr>
-          <p:cNvPr id="3" name="Content Placeholder 2"/>
-          <p:cNvSpPr>
-            <a:spLocks noGrp="1"/>
-          </p:cNvSpPr>
-          <p:nvPr>
-            <p:ph idx="1"/>
-          </p:nvPr>
-        </p:nvSpPr>
-        <p:spPr>
-          <a:xfrm>
-            <a:off x="368490" y="1323833"/>
-            <a:ext cx="8447963" cy="5131558"/>
-          </a:xfrm>
-        </p:spPr>
-        <p:txBody>
-          <a:bodyPr/>
-          <a:lstStyle/>
-          <a:p>
-            <a:pPr>
-              <a:buFont typeface="Wingdings" panose="05000000000000000000" pitchFamily="2" charset="2"/>
-              <a:buChar char="§"/>
-            </a:pPr>
-            <a:r>
-              <a:rPr lang="vi-VN" smtClean="0">
-                <a:solidFill>
-                  <a:srgbClr val="008000"/>
-                </a:solidFill>
-              </a:rPr>
-              <a:t>Sơ</a:t>
-            </a:r>
-            <a:r>
-              <a:rPr lang="en-US" smtClean="0">
-                <a:solidFill>
-                  <a:srgbClr val="008000"/>
-                </a:solidFill>
-              </a:rPr>
-              <a:t> đồ UML</a:t>
-            </a:r>
-            <a:endParaRPr lang="vi-VN" smtClean="0">
-              <a:solidFill>
-                <a:srgbClr val="008000"/>
-              </a:solidFill>
-            </a:endParaRPr>
-          </a:p>
-        </p:txBody>
-      </p:sp>
-      <p:sp>
-        <p:nvSpPr>
-          <p:cNvPr id="4" name="Footer Placeholder 3"/>
-          <p:cNvSpPr>
-            <a:spLocks noGrp="1"/>
-          </p:cNvSpPr>
-          <p:nvPr>
-            <p:ph type="ftr" sz="quarter" idx="11"/>
-          </p:nvPr>
-        </p:nvSpPr>
-        <p:spPr>
-          <a:xfrm>
-            <a:off x="0" y="6455389"/>
-            <a:ext cx="5132411" cy="365125"/>
-          </a:xfrm>
-        </p:spPr>
-        <p:txBody>
-          <a:bodyPr/>
-          <a:lstStyle/>
-          <a:p>
-            <a:r>
-              <a:rPr lang="en-US" sz="1600" smtClean="0"/>
-              <a:t>Thực tập kỹ thuật tại LifeTimeTechnology</a:t>
-            </a:r>
-            <a:endParaRPr lang="en-US" sz="1600"/>
-          </a:p>
-        </p:txBody>
-      </p:sp>
-      <p:sp>
-        <p:nvSpPr>
-          <p:cNvPr id="5" name="Slide Number Placeholder 4"/>
-          <p:cNvSpPr>
-            <a:spLocks noGrp="1"/>
-          </p:cNvSpPr>
-          <p:nvPr>
-            <p:ph type="sldNum" sz="quarter" idx="12"/>
-          </p:nvPr>
-        </p:nvSpPr>
-        <p:spPr>
-          <a:xfrm>
-            <a:off x="7133939" y="6455390"/>
-            <a:ext cx="1826241" cy="365125"/>
-          </a:xfrm>
-        </p:spPr>
-        <p:txBody>
-          <a:bodyPr/>
-          <a:lstStyle/>
-          <a:p>
-            <a:fld id="{1F2F577C-CE4A-45E0-8529-A0D5694FEE75}" type="slidenum">
-              <a:rPr lang="en-US" sz="1600" smtClean="0"/>
-              <a:t>13</a:t>
             </a:fld>
             <a:endParaRPr lang="en-US" sz="1600"/>
           </a:p>
@@ -7152,7 +5375,7 @@
 </p:sld>
 </file>
 
-<file path=ppt/slides/slide14.xml><?xml version="1.0" encoding="utf-8"?>
+<file path=ppt/slides/slide11.xml><?xml version="1.0" encoding="utf-8"?>
 <p:sld xmlns:a="http://schemas.openxmlformats.org/drawingml/2006/main" xmlns:r="http://schemas.openxmlformats.org/officeDocument/2006/relationships" xmlns:p="http://schemas.openxmlformats.org/presentationml/2006/main">
   <p:cSld>
     <p:spTree>
@@ -7299,7 +5522,7 @@
           <a:p>
             <a:fld id="{1F2F577C-CE4A-45E0-8529-A0D5694FEE75}" type="slidenum">
               <a:rPr lang="en-US" sz="1600" smtClean="0"/>
-              <a:t>14</a:t>
+              <a:t>11</a:t>
             </a:fld>
             <a:endParaRPr lang="en-US" sz="1600"/>
           </a:p>
@@ -7328,7 +5551,7 @@
 </p:sld>
 </file>
 
-<file path=ppt/slides/slide15.xml><?xml version="1.0" encoding="utf-8"?>
+<file path=ppt/slides/slide12.xml><?xml version="1.0" encoding="utf-8"?>
 <p:sld xmlns:a="http://schemas.openxmlformats.org/drawingml/2006/main" xmlns:r="http://schemas.openxmlformats.org/officeDocument/2006/relationships" xmlns:p="http://schemas.openxmlformats.org/presentationml/2006/main">
   <p:cSld>
     <p:spTree>
@@ -7410,12 +5633,12 @@
               <a:buChar char="§"/>
             </a:pPr>
             <a:r>
-              <a:rPr lang="vi-VN" smtClean="0">
+              <a:rPr lang="vi-VN" dirty="0" smtClean="0">
                 <a:solidFill>
                   <a:srgbClr val="009900"/>
                 </a:solidFill>
               </a:rPr>
-              <a:t>Qua quá trình thực tập nhóm chúng em đã thu được nhiều kiến thức bổ ích, nắm chắc được công nghệ, rèn luyện nhiều kĩ năng quý giá...</a:t>
+              <a:t>Các kết quả đạt được:</a:t>
             </a:r>
           </a:p>
           <a:p>
@@ -7423,11 +5646,14 @@
               <a:buFont typeface="Wingdings" panose="05000000000000000000" pitchFamily="2" charset="2"/>
               <a:buChar char="§"/>
             </a:pPr>
-            <a:endParaRPr lang="vi-VN" smtClean="0">
-              <a:solidFill>
-                <a:srgbClr val="009900"/>
-              </a:solidFill>
-            </a:endParaRPr>
+            <a:r>
+              <a:rPr lang="vi-VN" dirty="0" smtClean="0">
+                <a:solidFill>
+                  <a:srgbClr val="009900"/>
+                </a:solidFill>
+              </a:rPr>
+              <a:t>Các vấn đề chưa đạt được:</a:t>
+            </a:r>
           </a:p>
           <a:p>
             <a:pPr>
@@ -7435,12 +5661,12 @@
               <a:buChar char="§"/>
             </a:pPr>
             <a:r>
-              <a:rPr lang="vi-VN" smtClean="0">
+              <a:rPr lang="vi-VN" dirty="0" smtClean="0">
                 <a:solidFill>
                   <a:srgbClr val="009900"/>
                 </a:solidFill>
               </a:rPr>
-              <a:t>Hướng phát triển của phần mềm là làm thêm các chức năng filter và chỉnh sửa ảnh mới lạ, thêm giao diện đẹp mắt và trực quan hơn nữa.</a:t>
+              <a:t>Hướng phát triển trong tương lai:</a:t>
             </a:r>
           </a:p>
         </p:txBody>
@@ -7514,7 +5740,7 @@
                 </a:solidFill>
               </a:rPr>
               <a:pPr/>
-              <a:t>15</a:t>
+              <a:t>12</a:t>
             </a:fld>
             <a:endParaRPr lang="en-US" sz="1600">
               <a:solidFill>
@@ -7549,7 +5775,7 @@
 </p:sld>
 </file>
 
-<file path=ppt/slides/slide16.xml><?xml version="1.0" encoding="utf-8"?>
+<file path=ppt/slides/slide13.xml><?xml version="1.0" encoding="utf-8"?>
 <p:sld xmlns:a="http://schemas.openxmlformats.org/drawingml/2006/main" xmlns:r="http://schemas.openxmlformats.org/officeDocument/2006/relationships" xmlns:p="http://schemas.openxmlformats.org/presentationml/2006/main">
   <p:cSld>
     <p:spTree>
@@ -7707,7 +5933,7 @@
                 </a:solidFill>
               </a:rPr>
               <a:pPr/>
-              <a:t>16</a:t>
+              <a:t>13</a:t>
             </a:fld>
             <a:endParaRPr lang="en-US" sz="1600">
               <a:solidFill>
@@ -7863,7 +6089,7 @@
               <a:buAutoNum type="arabicPeriod"/>
             </a:pPr>
             <a:r>
-              <a:rPr lang="vi-VN" smtClean="0">
+              <a:rPr lang="vi-VN" dirty="0" smtClean="0">
                 <a:solidFill>
                   <a:srgbClr val="009900"/>
                 </a:solidFill>
@@ -7878,7 +6104,7 @@
               <a:buAutoNum type="arabicPeriod"/>
             </a:pPr>
             <a:r>
-              <a:rPr lang="en-US" err="1" smtClean="0">
+              <a:rPr lang="en-US" dirty="0" err="1" smtClean="0">
                 <a:solidFill>
                   <a:srgbClr val="009900"/>
                 </a:solidFill>
@@ -7887,7 +6113,7 @@
               <a:t>Định</a:t>
             </a:r>
             <a:r>
-              <a:rPr lang="en-US" smtClean="0">
+              <a:rPr lang="en-US" dirty="0" smtClean="0">
                 <a:solidFill>
                   <a:srgbClr val="009900"/>
                 </a:solidFill>
@@ -7896,7 +6122,7 @@
               <a:t> </a:t>
             </a:r>
             <a:r>
-              <a:rPr lang="en-US" err="1" smtClean="0">
+              <a:rPr lang="en-US" dirty="0" err="1" smtClean="0">
                 <a:solidFill>
                   <a:srgbClr val="009900"/>
                 </a:solidFill>
@@ -7905,7 +6131,7 @@
               <a:t>hướng</a:t>
             </a:r>
             <a:r>
-              <a:rPr lang="en-US" smtClean="0">
+              <a:rPr lang="en-US" dirty="0" smtClean="0">
                 <a:solidFill>
                   <a:srgbClr val="009900"/>
                 </a:solidFill>
@@ -7914,7 +6140,7 @@
               <a:t> </a:t>
             </a:r>
             <a:r>
-              <a:rPr lang="en-US" err="1" smtClean="0">
+              <a:rPr lang="en-US" dirty="0" err="1" smtClean="0">
                 <a:solidFill>
                   <a:srgbClr val="009900"/>
                 </a:solidFill>
@@ -7923,7 +6149,7 @@
               <a:t>và</a:t>
             </a:r>
             <a:r>
-              <a:rPr lang="en-US" smtClean="0">
+              <a:rPr lang="en-US" dirty="0" smtClean="0">
                 <a:solidFill>
                   <a:srgbClr val="009900"/>
                 </a:solidFill>
@@ -7932,7 +6158,7 @@
               <a:t> </a:t>
             </a:r>
             <a:r>
-              <a:rPr lang="en-US" err="1" smtClean="0">
+              <a:rPr lang="en-US" dirty="0" err="1" smtClean="0">
                 <a:solidFill>
                   <a:srgbClr val="009900"/>
                 </a:solidFill>
@@ -7941,7 +6167,7 @@
               <a:t>giải</a:t>
             </a:r>
             <a:r>
-              <a:rPr lang="en-US" smtClean="0">
+              <a:rPr lang="en-US" dirty="0" smtClean="0">
                 <a:solidFill>
                   <a:srgbClr val="009900"/>
                 </a:solidFill>
@@ -7950,7 +6176,7 @@
               <a:t> </a:t>
             </a:r>
             <a:r>
-              <a:rPr lang="en-US" err="1" smtClean="0">
+              <a:rPr lang="en-US" dirty="0" err="1" smtClean="0">
                 <a:solidFill>
                   <a:srgbClr val="009900"/>
                 </a:solidFill>
@@ -7958,7 +6184,7 @@
               </a:rPr>
               <a:t>pháp</a:t>
             </a:r>
-            <a:endParaRPr lang="vi-VN" smtClean="0">
+            <a:endParaRPr lang="vi-VN" dirty="0" smtClean="0">
               <a:solidFill>
                 <a:srgbClr val="009900"/>
               </a:solidFill>
@@ -7971,7 +6197,7 @@
               <a:buAutoNum type="arabicPeriod"/>
             </a:pPr>
             <a:r>
-              <a:rPr lang="vi-VN" smtClean="0">
+              <a:rPr lang="vi-VN" dirty="0" smtClean="0">
                 <a:solidFill>
                   <a:srgbClr val="009900"/>
                 </a:solidFill>
@@ -7980,15 +6206,69 @@
               <a:t>Phân tích thiết </a:t>
             </a:r>
             <a:r>
-              <a:rPr lang="en-US" smtClean="0">
+              <a:rPr lang="en-US" dirty="0" err="1" smtClean="0">
                 <a:solidFill>
                   <a:srgbClr val="009900"/>
                 </a:solidFill>
                 <a:latin typeface="Arial (Body)"/>
               </a:rPr>
-              <a:t>kế và triển khai</a:t>
-            </a:r>
-            <a:endParaRPr lang="vi-VN" smtClean="0">
+              <a:t>kế</a:t>
+            </a:r>
+            <a:r>
+              <a:rPr lang="en-US" dirty="0" smtClean="0">
+                <a:solidFill>
+                  <a:srgbClr val="009900"/>
+                </a:solidFill>
+                <a:latin typeface="Arial (Body)"/>
+              </a:rPr>
+              <a:t> </a:t>
+            </a:r>
+            <a:r>
+              <a:rPr lang="en-US" dirty="0" err="1" smtClean="0">
+                <a:solidFill>
+                  <a:srgbClr val="009900"/>
+                </a:solidFill>
+                <a:latin typeface="Arial (Body)"/>
+              </a:rPr>
+              <a:t>và</a:t>
+            </a:r>
+            <a:r>
+              <a:rPr lang="en-US" dirty="0" smtClean="0">
+                <a:solidFill>
+                  <a:srgbClr val="009900"/>
+                </a:solidFill>
+                <a:latin typeface="Arial (Body)"/>
+              </a:rPr>
+              <a:t> </a:t>
+            </a:r>
+            <a:r>
+              <a:rPr lang="en-US" dirty="0" err="1" smtClean="0">
+                <a:solidFill>
+                  <a:srgbClr val="009900"/>
+                </a:solidFill>
+                <a:latin typeface="Arial (Body)"/>
+              </a:rPr>
+              <a:t>triển</a:t>
+            </a:r>
+            <a:r>
+              <a:rPr lang="en-US" dirty="0" smtClean="0">
+                <a:solidFill>
+                  <a:srgbClr val="009900"/>
+                </a:solidFill>
+                <a:latin typeface="Arial (Body)"/>
+              </a:rPr>
+              <a:t> </a:t>
+            </a:r>
+            <a:r>
+              <a:rPr lang="en-US" dirty="0" err="1" smtClean="0">
+                <a:solidFill>
+                  <a:srgbClr val="009900"/>
+                </a:solidFill>
+                <a:latin typeface="Arial (Body)"/>
+              </a:rPr>
+              <a:t>khai</a:t>
+            </a:r>
+            <a:endParaRPr lang="vi-VN" dirty="0" smtClean="0">
               <a:solidFill>
                 <a:srgbClr val="009900"/>
               </a:solidFill>
@@ -8001,7 +6281,7 @@
               <a:buAutoNum type="arabicPeriod"/>
             </a:pPr>
             <a:r>
-              <a:rPr lang="vi-VN" smtClean="0">
+              <a:rPr lang="vi-VN" dirty="0" smtClean="0">
                 <a:solidFill>
                   <a:srgbClr val="009900"/>
                 </a:solidFill>
@@ -8016,7 +6296,7 @@
               <a:buAutoNum type="arabicPeriod"/>
             </a:pPr>
             <a:r>
-              <a:rPr lang="vi-VN" smtClean="0">
+              <a:rPr lang="vi-VN" dirty="0" smtClean="0">
                 <a:solidFill>
                   <a:srgbClr val="009900"/>
                 </a:solidFill>
@@ -8213,33 +6493,15 @@
           <a:lstStyle/>
           <a:p>
             <a:r>
-              <a:rPr lang="vi-VN" sz="3000" b="1" smtClean="0">
+              <a:rPr lang="en-US" sz="3000" b="1" dirty="0" smtClean="0">
                 <a:solidFill>
                   <a:schemeClr val="bg1"/>
                 </a:solidFill>
                 <a:latin typeface="Arial" panose="020B0604020202020204" pitchFamily="34" charset="0"/>
               </a:rPr>
-              <a:t>ĐẶT VẤN ĐỀ(1/</a:t>
-            </a:r>
-            <a:r>
-              <a:rPr lang="en-US" sz="3000" b="1" smtClean="0">
-                <a:solidFill>
-                  <a:schemeClr val="bg1"/>
-                </a:solidFill>
-                <a:latin typeface="Arial" panose="020B0604020202020204" pitchFamily="34" charset="0"/>
-              </a:rPr>
-              <a:t>3</a:t>
-            </a:r>
-            <a:r>
-              <a:rPr lang="vi-VN" sz="3000" b="1" smtClean="0">
-                <a:solidFill>
-                  <a:schemeClr val="bg1"/>
-                </a:solidFill>
-                <a:latin typeface="Arial" panose="020B0604020202020204" pitchFamily="34" charset="0"/>
-              </a:rPr>
-              <a:t>)</a:t>
-            </a:r>
-            <a:endParaRPr lang="en-US" sz="3000" b="1">
+              <a:t>ĐẶT VẤN ĐỀ</a:t>
+            </a:r>
+            <a:endParaRPr lang="en-US" sz="3000" b="1" dirty="0">
               <a:solidFill>
                 <a:schemeClr val="bg1"/>
               </a:solidFill>
@@ -8268,98 +6530,556 @@
           <a:bodyPr/>
           <a:lstStyle/>
           <a:p>
-            <a:pPr>
-              <a:buFont typeface="Wingdings" panose="05000000000000000000" pitchFamily="2" charset="2"/>
-              <a:buChar char="§"/>
-            </a:pPr>
-            <a:r>
-              <a:rPr lang="en-US" smtClean="0">
-                <a:solidFill>
-                  <a:srgbClr val="009900"/>
-                </a:solidFill>
-                <a:latin typeface="Arial (Body)"/>
-              </a:rPr>
-              <a:t>Mạng xã hội</a:t>
-            </a:r>
-          </a:p>
-          <a:p>
-            <a:pPr>
-              <a:buFont typeface="Wingdings" panose="05000000000000000000" pitchFamily="2" charset="2"/>
-              <a:buChar char="§"/>
-            </a:pPr>
-            <a:r>
-              <a:rPr lang="en-US" smtClean="0">
-                <a:solidFill>
-                  <a:srgbClr val="009900"/>
-                </a:solidFill>
-                <a:latin typeface="Arial (Body)"/>
-              </a:rPr>
-              <a:t>Chụp ảnh</a:t>
-            </a:r>
-          </a:p>
-          <a:p>
-            <a:pPr>
-              <a:buFont typeface="Wingdings" panose="05000000000000000000" pitchFamily="2" charset="2"/>
-              <a:buChar char="§"/>
-            </a:pPr>
-            <a:r>
-              <a:rPr lang="en-US" smtClean="0">
-                <a:solidFill>
-                  <a:srgbClr val="009900"/>
-                </a:solidFill>
-                <a:latin typeface="Arial (Body)"/>
-              </a:rPr>
-              <a:t>Xử lý ảnh</a:t>
-            </a:r>
-          </a:p>
-          <a:p>
-            <a:pPr>
-              <a:buFont typeface="Wingdings" panose="05000000000000000000" pitchFamily="2" charset="2"/>
-              <a:buChar char="§"/>
-            </a:pPr>
-            <a:r>
-              <a:rPr lang="en-US" smtClean="0">
-                <a:solidFill>
-                  <a:srgbClr val="009900"/>
-                </a:solidFill>
-                <a:latin typeface="Arial (Body)"/>
-              </a:rPr>
-              <a:t>Chia sẻ ảnh</a:t>
-            </a:r>
-          </a:p>
-          <a:p>
-            <a:pPr>
-              <a:buFont typeface="Wingdings" panose="05000000000000000000" pitchFamily="2" charset="2"/>
-              <a:buChar char="§"/>
-            </a:pPr>
-            <a:r>
-              <a:rPr lang="en-US" smtClean="0">
-                <a:solidFill>
-                  <a:srgbClr val="009900"/>
-                </a:solidFill>
-                <a:latin typeface="Arial (Body)"/>
-              </a:rPr>
-              <a:t>Tham khảo theo: Instagram hoặc 360 camera</a:t>
-            </a:r>
-          </a:p>
-          <a:p>
-            <a:pPr marL="0" indent="0">
-              <a:buNone/>
-            </a:pPr>
-            <a:r>
-              <a:rPr lang="en-US" smtClean="0">
-                <a:latin typeface="Arial (Body)"/>
-                <a:sym typeface="Wingdings" panose="05000000000000000000" pitchFamily="2" charset="2"/>
-              </a:rPr>
-              <a:t> </a:t>
-            </a:r>
-            <a:r>
-              <a:rPr lang="vi-VN">
-                <a:latin typeface="Arial (Body)"/>
-              </a:rPr>
-              <a:t>Xây dựng phần mềm quản lý ảnh Instagram_Clone</a:t>
-            </a:r>
-            <a:endParaRPr lang="vi-VN" smtClean="0">
+            <a:r>
+              <a:rPr lang="en-US" dirty="0" err="1" smtClean="0">
+                <a:solidFill>
+                  <a:srgbClr val="008000"/>
+                </a:solidFill>
+                <a:latin typeface="Arial (Body)"/>
+              </a:rPr>
+              <a:t>Tạo</a:t>
+            </a:r>
+            <a:r>
+              <a:rPr lang="en-US" dirty="0" smtClean="0">
+                <a:solidFill>
+                  <a:srgbClr val="008000"/>
+                </a:solidFill>
+                <a:latin typeface="Arial (Body)"/>
+              </a:rPr>
+              <a:t> </a:t>
+            </a:r>
+            <a:r>
+              <a:rPr lang="en-US" dirty="0" err="1" smtClean="0">
+                <a:solidFill>
+                  <a:srgbClr val="008000"/>
+                </a:solidFill>
+                <a:latin typeface="Arial (Body)"/>
+              </a:rPr>
+              <a:t>Instagram_Clone</a:t>
+            </a:r>
+            <a:r>
+              <a:rPr lang="en-US" dirty="0" smtClean="0">
+                <a:solidFill>
+                  <a:srgbClr val="008000"/>
+                </a:solidFill>
+                <a:latin typeface="Arial (Body)"/>
+              </a:rPr>
+              <a:t> </a:t>
+            </a:r>
+            <a:r>
+              <a:rPr lang="en-US" dirty="0" err="1" smtClean="0">
+                <a:solidFill>
+                  <a:srgbClr val="008000"/>
+                </a:solidFill>
+                <a:latin typeface="Arial (Body)"/>
+              </a:rPr>
+              <a:t>đảm</a:t>
+            </a:r>
+            <a:r>
+              <a:rPr lang="en-US" dirty="0" smtClean="0">
+                <a:solidFill>
+                  <a:srgbClr val="008000"/>
+                </a:solidFill>
+                <a:latin typeface="Arial (Body)"/>
+              </a:rPr>
+              <a:t> </a:t>
+            </a:r>
+            <a:r>
+              <a:rPr lang="en-US" dirty="0" err="1" smtClean="0">
+                <a:solidFill>
+                  <a:srgbClr val="008000"/>
+                </a:solidFill>
+                <a:latin typeface="Arial (Body)"/>
+              </a:rPr>
+              <a:t>bảo</a:t>
+            </a:r>
+            <a:r>
+              <a:rPr lang="en-US" dirty="0" smtClean="0">
+                <a:solidFill>
+                  <a:srgbClr val="008000"/>
+                </a:solidFill>
+                <a:latin typeface="Arial (Body)"/>
+              </a:rPr>
+              <a:t> </a:t>
+            </a:r>
+            <a:r>
+              <a:rPr lang="en-US" dirty="0" err="1" smtClean="0">
+                <a:solidFill>
+                  <a:srgbClr val="008000"/>
+                </a:solidFill>
+                <a:latin typeface="Arial (Body)"/>
+              </a:rPr>
+              <a:t>các</a:t>
+            </a:r>
+            <a:r>
+              <a:rPr lang="en-US" dirty="0" smtClean="0">
+                <a:solidFill>
+                  <a:srgbClr val="008000"/>
+                </a:solidFill>
+                <a:latin typeface="Arial (Body)"/>
+              </a:rPr>
+              <a:t> </a:t>
+            </a:r>
+            <a:r>
+              <a:rPr lang="en-US" dirty="0" err="1" smtClean="0">
+                <a:solidFill>
+                  <a:srgbClr val="008000"/>
+                </a:solidFill>
+                <a:latin typeface="Arial (Body)"/>
+              </a:rPr>
+              <a:t>tính</a:t>
+            </a:r>
+            <a:r>
+              <a:rPr lang="en-US" dirty="0" smtClean="0">
+                <a:solidFill>
+                  <a:srgbClr val="008000"/>
+                </a:solidFill>
+                <a:latin typeface="Arial (Body)"/>
+              </a:rPr>
+              <a:t> </a:t>
+            </a:r>
+            <a:r>
+              <a:rPr lang="en-US" dirty="0" err="1" smtClean="0">
+                <a:solidFill>
+                  <a:srgbClr val="008000"/>
+                </a:solidFill>
+                <a:latin typeface="Arial (Body)"/>
+              </a:rPr>
+              <a:t>năng</a:t>
+            </a:r>
+            <a:r>
+              <a:rPr lang="en-US" dirty="0" smtClean="0">
+                <a:solidFill>
+                  <a:srgbClr val="008000"/>
+                </a:solidFill>
+                <a:latin typeface="Arial (Body)"/>
+              </a:rPr>
+              <a:t> </a:t>
+            </a:r>
+            <a:r>
+              <a:rPr lang="en-US" dirty="0" err="1" smtClean="0">
+                <a:solidFill>
+                  <a:srgbClr val="008000"/>
+                </a:solidFill>
+                <a:latin typeface="Arial (Body)"/>
+              </a:rPr>
+              <a:t>như</a:t>
+            </a:r>
+            <a:r>
+              <a:rPr lang="en-US" dirty="0" smtClean="0">
+                <a:solidFill>
+                  <a:srgbClr val="008000"/>
+                </a:solidFill>
+                <a:latin typeface="Arial (Body)"/>
+              </a:rPr>
+              <a:t>:</a:t>
+            </a:r>
+          </a:p>
+          <a:p>
+            <a:pPr lvl="1"/>
+            <a:r>
+              <a:rPr lang="en-US" dirty="0" smtClean="0">
+                <a:latin typeface="Arial (Body)"/>
+              </a:rPr>
+              <a:t>Cho </a:t>
+            </a:r>
+            <a:r>
+              <a:rPr lang="en-US" dirty="0" err="1" smtClean="0">
+                <a:latin typeface="Arial (Body)"/>
+              </a:rPr>
+              <a:t>phép</a:t>
+            </a:r>
+            <a:r>
+              <a:rPr lang="en-US" dirty="0" smtClean="0">
+                <a:latin typeface="Arial (Body)"/>
+              </a:rPr>
+              <a:t> </a:t>
+            </a:r>
+            <a:r>
+              <a:rPr lang="en-US" dirty="0" err="1" smtClean="0">
+                <a:latin typeface="Arial (Body)"/>
+              </a:rPr>
+              <a:t>chụp</a:t>
+            </a:r>
+            <a:r>
+              <a:rPr lang="en-US" dirty="0" smtClean="0">
+                <a:latin typeface="Arial (Body)"/>
+              </a:rPr>
+              <a:t> </a:t>
+            </a:r>
+            <a:r>
+              <a:rPr lang="en-US" dirty="0" err="1" smtClean="0">
+                <a:latin typeface="Arial (Body)"/>
+              </a:rPr>
+              <a:t>ảnh</a:t>
+            </a:r>
+            <a:r>
+              <a:rPr lang="en-US" dirty="0" smtClean="0">
+                <a:latin typeface="Arial (Body)"/>
+              </a:rPr>
+              <a:t> </a:t>
+            </a:r>
+            <a:r>
+              <a:rPr lang="en-US" dirty="0" err="1" smtClean="0">
+                <a:latin typeface="Arial (Body)"/>
+              </a:rPr>
+              <a:t>và</a:t>
+            </a:r>
+            <a:r>
+              <a:rPr lang="en-US" dirty="0" smtClean="0">
+                <a:latin typeface="Arial (Body)"/>
+              </a:rPr>
+              <a:t> </a:t>
+            </a:r>
+            <a:r>
+              <a:rPr lang="en-US" dirty="0" err="1" smtClean="0">
+                <a:latin typeface="Arial (Body)"/>
+              </a:rPr>
+              <a:t>chọn</a:t>
+            </a:r>
+            <a:r>
+              <a:rPr lang="en-US" dirty="0" smtClean="0">
+                <a:latin typeface="Arial (Body)"/>
+              </a:rPr>
+              <a:t> </a:t>
+            </a:r>
+            <a:r>
+              <a:rPr lang="en-US" dirty="0" err="1" smtClean="0">
+                <a:latin typeface="Arial (Body)"/>
+              </a:rPr>
+              <a:t>ảnh</a:t>
+            </a:r>
+            <a:r>
+              <a:rPr lang="en-US" dirty="0" smtClean="0">
+                <a:latin typeface="Arial (Body)"/>
+              </a:rPr>
+              <a:t> </a:t>
+            </a:r>
+            <a:r>
+              <a:rPr lang="en-US" dirty="0" err="1" smtClean="0">
+                <a:latin typeface="Arial (Body)"/>
+              </a:rPr>
+              <a:t>từ</a:t>
+            </a:r>
+            <a:r>
+              <a:rPr lang="en-US" dirty="0" smtClean="0">
+                <a:latin typeface="Arial (Body)"/>
+              </a:rPr>
+              <a:t> </a:t>
+            </a:r>
+            <a:r>
+              <a:rPr lang="en-US" dirty="0" err="1" smtClean="0">
+                <a:latin typeface="Arial (Body)"/>
+              </a:rPr>
+              <a:t>thư</a:t>
+            </a:r>
+            <a:r>
+              <a:rPr lang="en-US" dirty="0" smtClean="0">
+                <a:latin typeface="Arial (Body)"/>
+              </a:rPr>
+              <a:t> </a:t>
+            </a:r>
+            <a:r>
+              <a:rPr lang="en-US" dirty="0" err="1" smtClean="0">
+                <a:latin typeface="Arial (Body)"/>
+              </a:rPr>
+              <a:t>viện</a:t>
+            </a:r>
+            <a:r>
+              <a:rPr lang="en-US" dirty="0" smtClean="0">
+                <a:latin typeface="Arial (Body)"/>
+              </a:rPr>
+              <a:t> </a:t>
+            </a:r>
+            <a:r>
+              <a:rPr lang="en-US" dirty="0" err="1" smtClean="0">
+                <a:latin typeface="Arial (Body)"/>
+              </a:rPr>
+              <a:t>ảnh</a:t>
+            </a:r>
+            <a:r>
+              <a:rPr lang="en-US" dirty="0" smtClean="0">
+                <a:latin typeface="Arial (Body)"/>
+              </a:rPr>
+              <a:t>.</a:t>
+            </a:r>
+          </a:p>
+          <a:p>
+            <a:pPr lvl="1"/>
+            <a:endParaRPr lang="en-US" dirty="0" smtClean="0">
+              <a:latin typeface="Arial (Body)"/>
+            </a:endParaRPr>
+          </a:p>
+          <a:p>
+            <a:pPr lvl="1"/>
+            <a:r>
+              <a:rPr lang="vi-VN" dirty="0" smtClean="0">
+                <a:latin typeface="Arial (Body)"/>
+              </a:rPr>
+              <a:t>Cung </a:t>
+            </a:r>
+            <a:r>
+              <a:rPr lang="vi-VN" dirty="0">
+                <a:latin typeface="Arial (Body)"/>
+              </a:rPr>
+              <a:t>cấp các bộ lọc ảnh được thiết kế tùy chỉnh: bao </a:t>
+            </a:r>
+            <a:r>
+              <a:rPr lang="vi-VN" dirty="0" smtClean="0">
+                <a:latin typeface="Arial (Body)"/>
+              </a:rPr>
+              <a:t>gồm</a:t>
+            </a:r>
+            <a:r>
+              <a:rPr lang="en-US" dirty="0" smtClean="0">
+                <a:latin typeface="Arial (Body)"/>
+              </a:rPr>
+              <a:t> </a:t>
+            </a:r>
+            <a:r>
+              <a:rPr lang="en-US" dirty="0" err="1" smtClean="0">
+                <a:latin typeface="Arial (Body)"/>
+              </a:rPr>
+              <a:t>tùy</a:t>
+            </a:r>
+            <a:r>
+              <a:rPr lang="en-US" dirty="0" smtClean="0">
+                <a:latin typeface="Arial (Body)"/>
+              </a:rPr>
+              <a:t> </a:t>
+            </a:r>
+            <a:r>
+              <a:rPr lang="en-US" dirty="0" err="1" smtClean="0">
+                <a:latin typeface="Arial (Body)"/>
+              </a:rPr>
+              <a:t>chỉnh</a:t>
+            </a:r>
+            <a:r>
+              <a:rPr lang="en-US" dirty="0" smtClean="0">
+                <a:latin typeface="Arial (Body)"/>
+              </a:rPr>
+              <a:t> </a:t>
+            </a:r>
+            <a:r>
+              <a:rPr lang="en-US" dirty="0" err="1" smtClean="0">
+                <a:latin typeface="Arial (Body)"/>
+              </a:rPr>
+              <a:t>sáng</a:t>
+            </a:r>
+            <a:r>
+              <a:rPr lang="en-US" dirty="0" smtClean="0">
+                <a:latin typeface="Arial (Body)"/>
+              </a:rPr>
+              <a:t> </a:t>
+            </a:r>
+            <a:r>
+              <a:rPr lang="en-US" dirty="0" err="1" smtClean="0">
+                <a:latin typeface="Arial (Body)"/>
+              </a:rPr>
+              <a:t>tối</a:t>
+            </a:r>
+            <a:r>
+              <a:rPr lang="en-US" dirty="0" smtClean="0">
+                <a:latin typeface="Arial (Body)"/>
+              </a:rPr>
+              <a:t>, </a:t>
+            </a:r>
+            <a:r>
+              <a:rPr lang="en-US" dirty="0" err="1" smtClean="0">
+                <a:latin typeface="Arial (Body)"/>
+              </a:rPr>
+              <a:t>sắc</a:t>
+            </a:r>
+            <a:r>
+              <a:rPr lang="en-US" dirty="0" smtClean="0">
+                <a:latin typeface="Arial (Body)"/>
+              </a:rPr>
+              <a:t> </a:t>
+            </a:r>
+            <a:r>
+              <a:rPr lang="en-US" dirty="0" err="1" smtClean="0">
+                <a:latin typeface="Arial (Body)"/>
+              </a:rPr>
+              <a:t>nét,tương</a:t>
+            </a:r>
+            <a:r>
+              <a:rPr lang="en-US" dirty="0" smtClean="0">
+                <a:latin typeface="Arial (Body)"/>
+              </a:rPr>
+              <a:t> </a:t>
+            </a:r>
+            <a:r>
+              <a:rPr lang="en-US" dirty="0" err="1" smtClean="0">
+                <a:latin typeface="Arial (Body)"/>
+              </a:rPr>
+              <a:t>phản&amp;chỉnh</a:t>
+            </a:r>
+            <a:r>
+              <a:rPr lang="en-US" dirty="0" smtClean="0">
+                <a:latin typeface="Arial (Body)"/>
+              </a:rPr>
+              <a:t> </a:t>
+            </a:r>
+            <a:r>
+              <a:rPr lang="en-US" dirty="0" err="1" smtClean="0">
+                <a:latin typeface="Arial (Body)"/>
+              </a:rPr>
+              <a:t>màu</a:t>
+            </a:r>
+            <a:r>
+              <a:rPr lang="en-US" dirty="0" smtClean="0">
+                <a:latin typeface="Arial (Body)"/>
+              </a:rPr>
+              <a:t>…</a:t>
+            </a:r>
+          </a:p>
+          <a:p>
+            <a:pPr lvl="1"/>
+            <a:endParaRPr lang="vi-VN" dirty="0">
+              <a:latin typeface="Arial (Body)"/>
+            </a:endParaRPr>
+          </a:p>
+          <a:p>
+            <a:pPr lvl="1"/>
+            <a:r>
+              <a:rPr lang="vi-VN" dirty="0">
+                <a:latin typeface="Arial (Body)"/>
+              </a:rPr>
+              <a:t>Hỗ trợ chia sẻ ảnh và video tức thời lên các mạng xã hội phổ biến như Facebook, </a:t>
+            </a:r>
+            <a:r>
+              <a:rPr lang="vi-VN" dirty="0" smtClean="0">
+                <a:latin typeface="Arial (Body)"/>
+              </a:rPr>
+              <a:t>Twitter</a:t>
+            </a:r>
+            <a:r>
+              <a:rPr lang="en-US" dirty="0" smtClean="0">
+                <a:latin typeface="Arial (Body)"/>
+              </a:rPr>
+              <a:t>, server LTT_Team8 (</a:t>
+            </a:r>
+            <a:r>
+              <a:rPr lang="en-US" dirty="0" err="1" smtClean="0">
+                <a:latin typeface="Arial (Body)"/>
+              </a:rPr>
+              <a:t>tự</a:t>
+            </a:r>
+            <a:r>
+              <a:rPr lang="en-US" dirty="0" smtClean="0">
+                <a:latin typeface="Arial (Body)"/>
+              </a:rPr>
+              <a:t> </a:t>
+            </a:r>
+            <a:r>
+              <a:rPr lang="en-US" dirty="0" err="1" smtClean="0">
+                <a:latin typeface="Arial (Body)"/>
+              </a:rPr>
+              <a:t>xây</a:t>
+            </a:r>
+            <a:r>
+              <a:rPr lang="en-US" dirty="0" smtClean="0">
+                <a:latin typeface="Arial (Body)"/>
+              </a:rPr>
+              <a:t> </a:t>
+            </a:r>
+            <a:r>
+              <a:rPr lang="en-US" dirty="0" err="1" smtClean="0">
+                <a:latin typeface="Arial (Body)"/>
+              </a:rPr>
+              <a:t>dựng</a:t>
+            </a:r>
+            <a:r>
+              <a:rPr lang="en-US" dirty="0" smtClean="0">
+                <a:latin typeface="Arial (Body)"/>
+              </a:rPr>
+              <a:t>).</a:t>
+            </a:r>
+          </a:p>
+          <a:p>
+            <a:pPr lvl="1"/>
+            <a:endParaRPr lang="vi-VN" dirty="0">
+              <a:latin typeface="Arial (Body)"/>
+            </a:endParaRPr>
+          </a:p>
+          <a:p>
+            <a:pPr lvl="1"/>
+            <a:r>
+              <a:rPr lang="en-US" dirty="0" err="1" smtClean="0">
+                <a:latin typeface="Arial (Body)"/>
+              </a:rPr>
+              <a:t>Xem</a:t>
+            </a:r>
+            <a:r>
+              <a:rPr lang="en-US" dirty="0" smtClean="0">
+                <a:latin typeface="Arial (Body)"/>
+              </a:rPr>
+              <a:t> </a:t>
+            </a:r>
+            <a:r>
+              <a:rPr lang="en-US" dirty="0" err="1" smtClean="0">
+                <a:latin typeface="Arial (Body)"/>
+              </a:rPr>
+              <a:t>ảnh</a:t>
+            </a:r>
+            <a:r>
+              <a:rPr lang="en-US" dirty="0" smtClean="0">
+                <a:latin typeface="Arial (Body)"/>
+              </a:rPr>
+              <a:t> </a:t>
+            </a:r>
+            <a:r>
+              <a:rPr lang="en-US" dirty="0" err="1" smtClean="0">
+                <a:latin typeface="Arial (Body)"/>
+              </a:rPr>
+              <a:t>sử</a:t>
+            </a:r>
+            <a:r>
+              <a:rPr lang="en-US" dirty="0" smtClean="0">
+                <a:latin typeface="Arial (Body)"/>
+              </a:rPr>
+              <a:t> </a:t>
+            </a:r>
+            <a:r>
+              <a:rPr lang="en-US" dirty="0" err="1" smtClean="0">
+                <a:latin typeface="Arial (Body)"/>
+              </a:rPr>
+              <a:t>dụng</a:t>
+            </a:r>
+            <a:r>
+              <a:rPr lang="en-US" dirty="0" smtClean="0">
+                <a:latin typeface="Arial (Body)"/>
+              </a:rPr>
+              <a:t> API </a:t>
+            </a:r>
+            <a:r>
+              <a:rPr lang="en-US" dirty="0" err="1" smtClean="0">
+                <a:latin typeface="Arial (Body)"/>
+              </a:rPr>
+              <a:t>có</a:t>
+            </a:r>
+            <a:r>
+              <a:rPr lang="en-US" dirty="0" smtClean="0">
+                <a:latin typeface="Arial (Body)"/>
+              </a:rPr>
+              <a:t> </a:t>
+            </a:r>
+            <a:r>
+              <a:rPr lang="en-US" dirty="0" err="1" smtClean="0">
+                <a:latin typeface="Arial (Body)"/>
+              </a:rPr>
+              <a:t>sẵn</a:t>
+            </a:r>
+            <a:r>
+              <a:rPr lang="en-US" dirty="0" smtClean="0">
+                <a:latin typeface="Arial (Body)"/>
+              </a:rPr>
+              <a:t>.</a:t>
+            </a:r>
+            <a:endParaRPr lang="vi-VN" dirty="0" smtClean="0">
+              <a:solidFill>
+                <a:srgbClr val="008000"/>
+              </a:solidFill>
               <a:latin typeface="Arial (Body)"/>
             </a:endParaRPr>
           </a:p>
@@ -8429,7 +7149,7 @@
         </p:nvSpPr>
         <p:spPr>
           <a:xfrm>
-            <a:off x="4051300" y="4864100"/>
+            <a:off x="5585376" y="5305258"/>
             <a:ext cx="3558624" cy="1323439"/>
           </a:xfrm>
           <a:prstGeom prst="rect">
@@ -8444,62 +7164,62 @@
           <a:lstStyle/>
           <a:p>
             <a:r>
-              <a:rPr lang="en-US" sz="4400" smtClean="0"/>
+              <a:rPr lang="en-US" sz="4400" dirty="0" smtClean="0"/>
               <a:t>LTT_Team8</a:t>
             </a:r>
           </a:p>
           <a:p>
-            <a:endParaRPr lang="en-US" smtClean="0"/>
-          </a:p>
-          <a:p>
-            <a:r>
-              <a:rPr lang="en-US" err="1" smtClean="0"/>
+            <a:endParaRPr lang="en-US" dirty="0" smtClean="0"/>
+          </a:p>
+          <a:p>
+            <a:r>
+              <a:rPr lang="en-US" dirty="0" err="1" smtClean="0"/>
               <a:t>Học</a:t>
             </a:r>
             <a:r>
-              <a:rPr lang="en-US" smtClean="0"/>
+              <a:rPr lang="en-US" dirty="0" smtClean="0"/>
               <a:t> </a:t>
             </a:r>
             <a:r>
-              <a:rPr lang="en-US" err="1" smtClean="0"/>
+              <a:rPr lang="en-US" dirty="0" err="1" smtClean="0"/>
               <a:t>Lập</a:t>
             </a:r>
             <a:r>
-              <a:rPr lang="en-US" smtClean="0"/>
+              <a:rPr lang="en-US" dirty="0" smtClean="0"/>
               <a:t> </a:t>
             </a:r>
             <a:r>
-              <a:rPr lang="en-US" err="1" smtClean="0"/>
+              <a:rPr lang="en-US" dirty="0" err="1" smtClean="0"/>
               <a:t>Trình</a:t>
             </a:r>
             <a:r>
-              <a:rPr lang="en-US" smtClean="0"/>
+              <a:rPr lang="en-US" dirty="0" smtClean="0"/>
               <a:t> </a:t>
             </a:r>
             <a:r>
-              <a:rPr lang="en-US" err="1" smtClean="0"/>
+              <a:rPr lang="en-US" dirty="0" err="1" smtClean="0"/>
               <a:t>Trên</a:t>
             </a:r>
             <a:r>
-              <a:rPr lang="en-US" smtClean="0"/>
+              <a:rPr lang="en-US" dirty="0" smtClean="0"/>
               <a:t> Mobile</a:t>
             </a:r>
-            <a:endParaRPr lang="en-US"/>
+            <a:endParaRPr lang="en-US" dirty="0"/>
           </a:p>
         </p:txBody>
       </p:sp>
     </p:spTree>
     <p:extLst>
       <p:ext uri="{BB962C8B-B14F-4D97-AF65-F5344CB8AC3E}">
-        <p14:creationId xmlns:p14="http://schemas.microsoft.com/office/powerpoint/2010/main" val="248279597"/>
+        <p14:creationId xmlns:p14="http://schemas.microsoft.com/office/powerpoint/2010/main" val="3796118520"/>
       </p:ext>
     </p:extLst>
   </p:cSld>
   <p:clrMapOvr>
     <a:masterClrMapping/>
   </p:clrMapOvr>
-  <p:transition xmlns:p14="http://schemas.microsoft.com/office/powerpoint/2010/main" spd="med">
-    <p:pull/>
+  <p:transition xmlns:p14="http://schemas.microsoft.com/office/powerpoint/2010/main" spd="slow">
+    <p:fade/>
   </p:transition>
   <p:timing>
     <p:tnLst>
@@ -8551,51 +7271,15 @@
           <a:lstStyle/>
           <a:p>
             <a:r>
-              <a:rPr lang="vi-VN" sz="3000" b="1" smtClean="0">
+              <a:rPr lang="en-US" sz="3000" b="1" dirty="0" smtClean="0">
                 <a:solidFill>
                   <a:schemeClr val="bg1"/>
                 </a:solidFill>
                 <a:latin typeface="Arial" panose="020B0604020202020204" pitchFamily="34" charset="0"/>
               </a:rPr>
-              <a:t>ĐẶT VẤN ĐỀ(</a:t>
-            </a:r>
-            <a:r>
-              <a:rPr lang="en-US" sz="3000" b="1" smtClean="0">
-                <a:solidFill>
-                  <a:schemeClr val="bg1"/>
-                </a:solidFill>
-                <a:latin typeface="Arial" panose="020B0604020202020204" pitchFamily="34" charset="0"/>
-              </a:rPr>
-              <a:t>2</a:t>
-            </a:r>
-            <a:r>
-              <a:rPr lang="vi-VN" sz="3000" b="1" smtClean="0">
-                <a:solidFill>
-                  <a:schemeClr val="bg1"/>
-                </a:solidFill>
-                <a:latin typeface="Arial" panose="020B0604020202020204" pitchFamily="34" charset="0"/>
-              </a:rPr>
-              <a:t>/</a:t>
-            </a:r>
-            <a:r>
-              <a:rPr lang="en-US" sz="3000" b="1" smtClean="0">
-                <a:solidFill>
-                  <a:schemeClr val="bg1"/>
-                </a:solidFill>
-                <a:latin typeface="Arial" panose="020B0604020202020204" pitchFamily="34" charset="0"/>
-              </a:rPr>
-              <a:t>3</a:t>
-            </a:r>
-            <a:r>
-              <a:rPr lang="vi-VN" sz="3000" b="1" smtClean="0">
-                <a:solidFill>
-                  <a:schemeClr val="bg1"/>
-                </a:solidFill>
-                <a:latin typeface="Arial" panose="020B0604020202020204" pitchFamily="34" charset="0"/>
-              </a:rPr>
-              <a:t>)</a:t>
-            </a:r>
-            <a:endParaRPr lang="en-US" sz="3000" b="1">
+              <a:t>ĐỊNH HƯỚNG VÀ GIẢI PHÁP(1/)</a:t>
+            </a:r>
+            <a:endParaRPr lang="en-US" sz="3000" b="1" dirty="0">
               <a:solidFill>
                 <a:schemeClr val="bg1"/>
               </a:solidFill>
@@ -8621,158 +7305,208 @@
           </a:xfrm>
         </p:spPr>
         <p:txBody>
-          <a:bodyPr>
-            <a:normAutofit lnSpcReduction="10000"/>
-          </a:bodyPr>
-          <a:lstStyle/>
-          <a:p>
-            <a:pPr>
-              <a:buFont typeface="Wingdings" panose="05000000000000000000" pitchFamily="2" charset="2"/>
-              <a:buChar char="§"/>
+          <a:bodyPr/>
+          <a:lstStyle/>
+          <a:p>
+            <a:pPr marL="0" indent="0">
+              <a:buNone/>
             </a:pPr>
             <a:r>
-              <a:rPr lang="vi-VN" smtClean="0">
+              <a:rPr lang="vi-VN" dirty="0" smtClean="0">
                 <a:solidFill>
                   <a:srgbClr val="009900"/>
                 </a:solidFill>
                 <a:latin typeface="Arial (Body)"/>
               </a:rPr>
-              <a:t>Đề tài: Xây dựng phần mềm quản lý ảnh Instagram_Clone</a:t>
-            </a:r>
-            <a:endParaRPr lang="vi-VN" smtClean="0">
+              <a:t>Môi </a:t>
+            </a:r>
+            <a:r>
+              <a:rPr lang="vi-VN" dirty="0">
+                <a:solidFill>
+                  <a:srgbClr val="009900"/>
+                </a:solidFill>
+                <a:latin typeface="Arial (Body)"/>
+              </a:rPr>
+              <a:t>trường phát triển: </a:t>
+            </a:r>
+            <a:endParaRPr lang="en-US" dirty="0" smtClean="0">
               <a:solidFill>
-                <a:srgbClr val="FF0000"/>
+                <a:srgbClr val="009900"/>
               </a:solidFill>
               <a:latin typeface="Arial (Body)"/>
             </a:endParaRPr>
           </a:p>
           <a:p>
-            <a:pPr>
-              <a:buFont typeface="Wingdings" panose="05000000000000000000" pitchFamily="2" charset="2"/>
-              <a:buChar char="§"/>
+            <a:pPr lvl="1"/>
+            <a:r>
+              <a:rPr lang="vi-VN" dirty="0" smtClean="0">
+                <a:latin typeface="Arial (Body)"/>
+              </a:rPr>
+              <a:t>Mac </a:t>
+            </a:r>
+            <a:r>
+              <a:rPr lang="vi-VN" dirty="0">
+                <a:latin typeface="Arial (Body)"/>
+              </a:rPr>
+              <a:t>OS </a:t>
+            </a:r>
+            <a:r>
+              <a:rPr lang="en-US" dirty="0" smtClean="0">
+                <a:latin typeface="Arial (Body)"/>
+              </a:rPr>
+              <a:t>X 10.8.4+</a:t>
+            </a:r>
+            <a:r>
+              <a:rPr lang="vi-VN" dirty="0" smtClean="0">
+                <a:latin typeface="Arial (Body)"/>
+              </a:rPr>
+              <a:t>, </a:t>
+            </a:r>
+            <a:r>
+              <a:rPr lang="vi-VN" dirty="0">
+                <a:latin typeface="Arial (Body)"/>
+              </a:rPr>
+              <a:t>Xcode </a:t>
+            </a:r>
+            <a:r>
+              <a:rPr lang="vi-VN" dirty="0" smtClean="0">
+                <a:latin typeface="Arial (Body)"/>
+              </a:rPr>
+              <a:t>5.</a:t>
+            </a:r>
+            <a:r>
+              <a:rPr lang="en-US" dirty="0" smtClean="0">
+                <a:latin typeface="Arial (Body)"/>
+              </a:rPr>
+              <a:t>1</a:t>
+            </a:r>
+          </a:p>
+          <a:p>
+            <a:pPr lvl="1"/>
+            <a:r>
+              <a:rPr lang="en-US" dirty="0" smtClean="0">
+                <a:latin typeface="Arial (Body)"/>
+              </a:rPr>
+              <a:t>Android 4.2+ , Eclipse </a:t>
+            </a:r>
+            <a:r>
+              <a:rPr lang="en-US" dirty="0" err="1" smtClean="0">
+                <a:latin typeface="Arial (Body)"/>
+              </a:rPr>
+              <a:t>và</a:t>
+            </a:r>
+            <a:r>
+              <a:rPr lang="en-US" dirty="0" smtClean="0">
+                <a:latin typeface="Arial (Body)"/>
+              </a:rPr>
+              <a:t> Android SDK</a:t>
+            </a:r>
+          </a:p>
+          <a:p>
+            <a:pPr lvl="1"/>
+            <a:r>
+              <a:rPr lang="en-US" dirty="0" smtClean="0">
+                <a:latin typeface="Arial (Body)"/>
+              </a:rPr>
+              <a:t>Ruby on Rails, Ubuntu.</a:t>
+            </a:r>
+            <a:endParaRPr lang="vi-VN" dirty="0">
+              <a:latin typeface="Arial (Body)"/>
+            </a:endParaRPr>
+          </a:p>
+          <a:p>
+            <a:pPr marL="0" indent="0">
+              <a:buNone/>
             </a:pPr>
             <a:r>
-              <a:rPr lang="vi-VN" smtClean="0">
+              <a:rPr lang="vi-VN" dirty="0">
                 <a:solidFill>
                   <a:srgbClr val="009900"/>
                 </a:solidFill>
                 <a:latin typeface="Arial (Body)"/>
               </a:rPr>
-              <a:t>Lý do chọn đề tài:</a:t>
-            </a:r>
-            <a:r>
-              <a:rPr lang="vi-VN" smtClean="0">
-                <a:solidFill>
-                  <a:srgbClr val="009900"/>
-                </a:solidFill>
-                <a:latin typeface="Arial (Body)"/>
-                <a:sym typeface="Wingdings"/>
-              </a:rPr>
-              <a:t>(Khách quan)</a:t>
-            </a:r>
-            <a:endParaRPr lang="vi-VN" smtClean="0">
+              <a:t>­ Ngôn ngữ: </a:t>
+            </a:r>
+            <a:endParaRPr lang="en-US" dirty="0" smtClean="0">
               <a:solidFill>
-                <a:srgbClr val="FFC000"/>
+                <a:srgbClr val="009900"/>
               </a:solidFill>
               <a:latin typeface="Arial (Body)"/>
             </a:endParaRPr>
           </a:p>
           <a:p>
-            <a:pPr lvl="1" algn="just">
-              <a:buFont typeface="Wingdings" panose="05000000000000000000" pitchFamily="2" charset="2"/>
-              <a:buChar char="§"/>
-            </a:pPr>
-            <a:r>
-              <a:rPr lang="vi-VN" smtClean="0">
-                <a:latin typeface="Arial (Body)"/>
-              </a:rPr>
-              <a:t>Các sản phẩm </a:t>
-            </a:r>
-            <a:r>
-              <a:rPr lang="en-US" smtClean="0">
-                <a:latin typeface="Arial (Body)"/>
-              </a:rPr>
-              <a:t>Mobile công nghệ cao đang</a:t>
-            </a:r>
-            <a:r>
-              <a:rPr lang="vi-VN" smtClean="0">
-                <a:latin typeface="Arial (Body)"/>
-              </a:rPr>
-              <a:t> </a:t>
-            </a:r>
-            <a:r>
-              <a:rPr lang="en-US" smtClean="0">
-                <a:latin typeface="Arial (Body)"/>
-              </a:rPr>
-              <a:t>không ngừng phát triển, nhu cầu về phần mềm ứng dụng khai thác triệt để các thiết bị công nghệ đó cũng được đòi hỏi cao.</a:t>
-            </a:r>
-          </a:p>
-          <a:p>
-            <a:pPr lvl="1" algn="just">
-              <a:buFont typeface="Wingdings" panose="05000000000000000000" pitchFamily="2" charset="2"/>
-              <a:buChar char="§"/>
-            </a:pPr>
-            <a:endParaRPr lang="en-US" smtClean="0">
+            <a:pPr lvl="1"/>
+            <a:r>
+              <a:rPr lang="vi-VN" dirty="0" smtClean="0">
+                <a:latin typeface="Arial (Body)"/>
+              </a:rPr>
+              <a:t>Objective­C.  </a:t>
+            </a:r>
+            <a:endParaRPr lang="en-US" dirty="0" smtClean="0">
               <a:latin typeface="Arial (Body)"/>
             </a:endParaRPr>
           </a:p>
           <a:p>
-            <a:pPr lvl="1" algn="just">
-              <a:buFont typeface="Wingdings" panose="05000000000000000000" pitchFamily="2" charset="2"/>
-              <a:buChar char="§"/>
-            </a:pPr>
-            <a:r>
-              <a:rPr lang="en-US" smtClean="0">
-                <a:latin typeface="Arial (Body)"/>
-              </a:rPr>
-              <a:t>Đặc biệt Android và iPhone/iPad cũng đã có</a:t>
-            </a:r>
-            <a:r>
-              <a:rPr lang="vi-VN" smtClean="0">
-                <a:latin typeface="Arial (Body)"/>
-              </a:rPr>
-              <a:t> thiết bị chụp ảnh tốt nhất</a:t>
-            </a:r>
-            <a:r>
-              <a:rPr lang="en-US" smtClean="0">
-                <a:latin typeface="Arial (Body)"/>
-              </a:rPr>
-              <a:t> nên việc </a:t>
-            </a:r>
-            <a:r>
-              <a:rPr lang="vi-VN" smtClean="0">
-                <a:latin typeface="Arial (Body)"/>
-              </a:rPr>
-              <a:t>phát triển ứng dụng xử lý ảnh và lưu lại những khoảnh khắc đáng nhớ trong cuộc sống với những phong cách riêng</a:t>
-            </a:r>
-            <a:r>
-              <a:rPr lang="en-US" smtClean="0">
-                <a:latin typeface="Arial (Body)"/>
-              </a:rPr>
-              <a:t> được chú trọng hơn.</a:t>
-            </a:r>
-          </a:p>
-          <a:p>
-            <a:pPr lvl="1" algn="just">
-              <a:buFont typeface="Wingdings" panose="05000000000000000000" pitchFamily="2" charset="2"/>
-              <a:buChar char="§"/>
-            </a:pPr>
-            <a:endParaRPr lang="en-US" smtClean="0">
+            <a:pPr lvl="1"/>
+            <a:r>
+              <a:rPr lang="en-US" dirty="0" smtClean="0">
+                <a:latin typeface="Arial (Body)"/>
+              </a:rPr>
+              <a:t>Java</a:t>
+            </a:r>
+          </a:p>
+          <a:p>
+            <a:pPr lvl="1"/>
+            <a:r>
+              <a:rPr lang="en-US" dirty="0" smtClean="0">
+                <a:latin typeface="Arial (Body)"/>
+              </a:rPr>
+              <a:t>Ruby</a:t>
+            </a:r>
+            <a:endParaRPr lang="vi-VN" dirty="0">
               <a:latin typeface="Arial (Body)"/>
             </a:endParaRPr>
           </a:p>
           <a:p>
-            <a:pPr marL="457200" lvl="1" indent="0" algn="just">
+            <a:pPr marL="0" indent="0">
               <a:buNone/>
             </a:pPr>
             <a:r>
-              <a:rPr lang="en-US" smtClean="0">
-                <a:latin typeface="Arial (Body)"/>
-                <a:sym typeface="Wingdings" panose="05000000000000000000" pitchFamily="2" charset="2"/>
-              </a:rPr>
-              <a:t>quyết định xây dựng phần mềm Instagram_Clone</a:t>
-            </a:r>
-            <a:endParaRPr lang="vi-VN" smtClean="0">
+              <a:rPr lang="vi-VN" dirty="0">
+                <a:solidFill>
+                  <a:srgbClr val="009900"/>
+                </a:solidFill>
+                <a:latin typeface="Arial (Body)"/>
+              </a:rPr>
+              <a:t>­ Thư </a:t>
+            </a:r>
+            <a:r>
+              <a:rPr lang="vi-VN" dirty="0" smtClean="0">
+                <a:solidFill>
+                  <a:srgbClr val="009900"/>
+                </a:solidFill>
+                <a:latin typeface="Arial (Body)"/>
+              </a:rPr>
+              <a:t>viện: </a:t>
+            </a:r>
+            <a:r>
+              <a:rPr lang="en-US" dirty="0" smtClean="0">
+                <a:solidFill>
+                  <a:srgbClr val="009900"/>
+                </a:solidFill>
+                <a:latin typeface="Arial (Body)"/>
+              </a:rPr>
+              <a:t>open source.</a:t>
+            </a:r>
+          </a:p>
+          <a:p>
+            <a:pPr marL="0" indent="0">
+              <a:buNone/>
+            </a:pPr>
+            <a:endParaRPr lang="vi-VN" dirty="0" smtClean="0">
+              <a:solidFill>
+                <a:srgbClr val="008000"/>
+              </a:solidFill>
               <a:latin typeface="Arial (Body)"/>
             </a:endParaRPr>
           </a:p>
@@ -8837,7 +7571,7 @@
     </p:spTree>
     <p:extLst>
       <p:ext uri="{BB962C8B-B14F-4D97-AF65-F5344CB8AC3E}">
-        <p14:creationId xmlns:p14="http://schemas.microsoft.com/office/powerpoint/2010/main" val="260689800"/>
+        <p14:creationId xmlns:p14="http://schemas.microsoft.com/office/powerpoint/2010/main" val="3113774399"/>
       </p:ext>
     </p:extLst>
   </p:cSld>
@@ -8897,33 +7631,15 @@
           <a:lstStyle/>
           <a:p>
             <a:r>
-              <a:rPr lang="vi-VN" sz="3000" b="1" smtClean="0">
+              <a:rPr lang="en-US" sz="3000" b="1" dirty="0" smtClean="0">
                 <a:solidFill>
                   <a:schemeClr val="bg1"/>
                 </a:solidFill>
                 <a:latin typeface="Arial" panose="020B0604020202020204" pitchFamily="34" charset="0"/>
               </a:rPr>
-              <a:t>ĐẶT VẤN ĐỀ(2/</a:t>
-            </a:r>
-            <a:r>
-              <a:rPr lang="en-US" sz="3000" b="1" smtClean="0">
-                <a:solidFill>
-                  <a:schemeClr val="bg1"/>
-                </a:solidFill>
-                <a:latin typeface="Arial" panose="020B0604020202020204" pitchFamily="34" charset="0"/>
-              </a:rPr>
-              <a:t>3</a:t>
-            </a:r>
-            <a:r>
-              <a:rPr lang="vi-VN" sz="3000" b="1" smtClean="0">
-                <a:solidFill>
-                  <a:schemeClr val="bg1"/>
-                </a:solidFill>
-                <a:latin typeface="Arial" panose="020B0604020202020204" pitchFamily="34" charset="0"/>
-              </a:rPr>
-              <a:t>)</a:t>
-            </a:r>
-            <a:endParaRPr lang="en-US" sz="3000" b="1">
+              <a:t>ĐỊNH HƯỚNG VÀ GIẢI PHÁP(4/)</a:t>
+            </a:r>
+            <a:endParaRPr lang="en-US" sz="3000" b="1" dirty="0">
               <a:solidFill>
                 <a:schemeClr val="bg1"/>
               </a:solidFill>
@@ -8944,28 +7660,423 @@
         </p:nvSpPr>
         <p:spPr>
           <a:xfrm>
-            <a:off x="368490" y="1323833"/>
-            <a:ext cx="8447963" cy="5131558"/>
+            <a:off x="315016" y="1043095"/>
+            <a:ext cx="8447963" cy="5534167"/>
           </a:xfrm>
         </p:spPr>
         <p:txBody>
-          <a:bodyPr/>
-          <a:lstStyle/>
-          <a:p>
-            <a:pPr>
-              <a:buFont typeface="Wingdings" panose="05000000000000000000" pitchFamily="2" charset="2"/>
-              <a:buChar char="§"/>
+          <a:bodyPr>
+            <a:normAutofit fontScale="77500" lnSpcReduction="20000"/>
+          </a:bodyPr>
+          <a:lstStyle/>
+          <a:p>
+            <a:pPr marL="0" indent="0">
+              <a:buNone/>
             </a:pPr>
             <a:r>
-              <a:rPr lang="vi-VN" smtClean="0">
-                <a:solidFill>
-                  <a:srgbClr val="009900"/>
-                </a:solidFill>
-                <a:latin typeface="Arial (Body)"/>
-              </a:rPr>
-              <a:t>Đề tài: Xây dựng phần mềm quản lý ảnh Instagram_Clone</a:t>
-            </a:r>
-            <a:endParaRPr lang="vi-VN" smtClean="0">
+              <a:rPr lang="en-US" dirty="0" err="1" smtClean="0">
+                <a:solidFill>
+                  <a:srgbClr val="008000"/>
+                </a:solidFill>
+                <a:latin typeface="Arial (Body)"/>
+              </a:rPr>
+              <a:t>iOS</a:t>
+            </a:r>
+            <a:r>
+              <a:rPr lang="en-US" dirty="0" smtClean="0">
+                <a:solidFill>
+                  <a:srgbClr val="008000"/>
+                </a:solidFill>
+                <a:latin typeface="Arial (Body)"/>
+              </a:rPr>
+              <a:t>:</a:t>
+            </a:r>
+          </a:p>
+          <a:p>
+            <a:r>
+              <a:rPr lang="en-US" dirty="0" err="1" smtClean="0">
+                <a:latin typeface="Arial (Body)"/>
+              </a:rPr>
+              <a:t>Xem</a:t>
+            </a:r>
+            <a:r>
+              <a:rPr lang="en-US" dirty="0" smtClean="0">
+                <a:latin typeface="Arial (Body)"/>
+              </a:rPr>
+              <a:t> </a:t>
+            </a:r>
+            <a:r>
+              <a:rPr lang="en-US" dirty="0" err="1" smtClean="0">
+                <a:latin typeface="Arial (Body)"/>
+              </a:rPr>
+              <a:t>ảnh</a:t>
+            </a:r>
+            <a:r>
+              <a:rPr lang="en-US" dirty="0" smtClean="0">
+                <a:latin typeface="Arial (Body)"/>
+              </a:rPr>
+              <a:t> </a:t>
+            </a:r>
+            <a:r>
+              <a:rPr lang="en-US" dirty="0" err="1" smtClean="0">
+                <a:latin typeface="Arial (Body)"/>
+              </a:rPr>
+              <a:t>sử</a:t>
+            </a:r>
+            <a:r>
+              <a:rPr lang="en-US" dirty="0" smtClean="0">
+                <a:latin typeface="Arial (Body)"/>
+              </a:rPr>
+              <a:t> </a:t>
+            </a:r>
+            <a:r>
+              <a:rPr lang="en-US" dirty="0" err="1" smtClean="0">
+                <a:latin typeface="Arial (Body)"/>
+              </a:rPr>
+              <a:t>dụng</a:t>
+            </a:r>
+            <a:r>
+              <a:rPr lang="en-US" dirty="0" smtClean="0">
+                <a:latin typeface="Arial (Body)"/>
+              </a:rPr>
+              <a:t> API </a:t>
+            </a:r>
+            <a:r>
+              <a:rPr lang="en-US" dirty="0" err="1" smtClean="0">
+                <a:latin typeface="Arial (Body)"/>
+              </a:rPr>
+              <a:t>được</a:t>
+            </a:r>
+            <a:r>
+              <a:rPr lang="en-US" dirty="0" smtClean="0">
+                <a:latin typeface="Arial (Body)"/>
+              </a:rPr>
+              <a:t> </a:t>
+            </a:r>
+            <a:r>
+              <a:rPr lang="en-US" dirty="0" err="1" smtClean="0">
+                <a:latin typeface="Arial (Body)"/>
+              </a:rPr>
+              <a:t>cung</a:t>
+            </a:r>
+            <a:r>
+              <a:rPr lang="en-US" dirty="0" smtClean="0">
+                <a:latin typeface="Arial (Body)"/>
+              </a:rPr>
+              <a:t> </a:t>
+            </a:r>
+            <a:r>
+              <a:rPr lang="en-US" dirty="0" err="1" smtClean="0">
+                <a:latin typeface="Arial (Body)"/>
+              </a:rPr>
+              <a:t>cấp</a:t>
+            </a:r>
+            <a:r>
+              <a:rPr lang="en-US" dirty="0" smtClean="0">
+                <a:latin typeface="Arial (Body)"/>
+              </a:rPr>
+              <a:t> </a:t>
+            </a:r>
+            <a:r>
+              <a:rPr lang="en-US" dirty="0" err="1" smtClean="0">
+                <a:latin typeface="Arial (Body)"/>
+              </a:rPr>
+              <a:t>sẵn</a:t>
+            </a:r>
+            <a:r>
+              <a:rPr lang="en-US" dirty="0" smtClean="0">
+                <a:latin typeface="Arial (Body)"/>
+              </a:rPr>
+              <a:t>: …</a:t>
+            </a:r>
+            <a:r>
+              <a:rPr lang="en-US" dirty="0" err="1" smtClean="0">
+                <a:latin typeface="Arial (Body)"/>
+              </a:rPr>
+              <a:t>Lương</a:t>
+            </a:r>
+            <a:endParaRPr lang="en-US" dirty="0" smtClean="0">
+              <a:latin typeface="Arial (Body)"/>
+            </a:endParaRPr>
+          </a:p>
+          <a:p>
+            <a:endParaRPr lang="en-US" dirty="0" smtClean="0">
+              <a:latin typeface="Arial (Body)"/>
+            </a:endParaRPr>
+          </a:p>
+          <a:p>
+            <a:r>
+              <a:rPr lang="en-US" dirty="0" err="1" smtClean="0">
+                <a:latin typeface="Arial (Body)"/>
+              </a:rPr>
+              <a:t>Chụp</a:t>
+            </a:r>
+            <a:r>
+              <a:rPr lang="en-US" dirty="0" smtClean="0">
+                <a:latin typeface="Arial (Body)"/>
+              </a:rPr>
+              <a:t> </a:t>
+            </a:r>
+            <a:r>
+              <a:rPr lang="en-US" dirty="0" err="1" smtClean="0">
+                <a:latin typeface="Arial (Body)"/>
+              </a:rPr>
+              <a:t>ảnh</a:t>
+            </a:r>
+            <a:r>
+              <a:rPr lang="en-US" dirty="0" smtClean="0">
+                <a:latin typeface="Arial (Body)"/>
+              </a:rPr>
+              <a:t>, </a:t>
+            </a:r>
+            <a:r>
+              <a:rPr lang="en-US" dirty="0" err="1" smtClean="0">
+                <a:latin typeface="Arial (Body)"/>
+              </a:rPr>
+              <a:t>chọn</a:t>
+            </a:r>
+            <a:r>
+              <a:rPr lang="en-US" dirty="0" smtClean="0">
+                <a:latin typeface="Arial (Body)"/>
+              </a:rPr>
+              <a:t> </a:t>
+            </a:r>
+            <a:r>
+              <a:rPr lang="en-US" dirty="0" err="1" smtClean="0">
+                <a:latin typeface="Arial (Body)"/>
+              </a:rPr>
+              <a:t>ảnh</a:t>
+            </a:r>
+            <a:r>
+              <a:rPr lang="en-US" dirty="0" smtClean="0">
+                <a:latin typeface="Arial (Body)"/>
+              </a:rPr>
+              <a:t>: </a:t>
+            </a:r>
+            <a:r>
+              <a:rPr lang="en-US" dirty="0" err="1" smtClean="0">
+                <a:solidFill>
+                  <a:srgbClr val="FF0000"/>
+                </a:solidFill>
+                <a:latin typeface="Arial (Body)"/>
+              </a:rPr>
+              <a:t>UIImagePicker</a:t>
+            </a:r>
+            <a:r>
+              <a:rPr lang="en-US" dirty="0">
+                <a:latin typeface="Arial (Body)"/>
+              </a:rPr>
+              <a:t>, </a:t>
+            </a:r>
+            <a:r>
+              <a:rPr lang="en-US" dirty="0" err="1" smtClean="0">
+                <a:latin typeface="Arial (Body)"/>
+              </a:rPr>
+              <a:t>AVFoundation.framework</a:t>
+            </a:r>
+            <a:r>
+              <a:rPr lang="en-US" dirty="0">
+                <a:latin typeface="Arial (Body)"/>
+              </a:rPr>
+              <a:t> (camera), </a:t>
+            </a:r>
+            <a:r>
+              <a:rPr lang="en-US" dirty="0" err="1" smtClean="0">
+                <a:latin typeface="Arial (Body)"/>
+              </a:rPr>
+              <a:t>AssetsLibrary.framework</a:t>
+            </a:r>
+            <a:r>
+              <a:rPr lang="en-US" dirty="0" smtClean="0">
+                <a:latin typeface="Arial (Body)"/>
+              </a:rPr>
+              <a:t> (choose image).</a:t>
+            </a:r>
+          </a:p>
+          <a:p>
+            <a:endParaRPr lang="en-US" dirty="0" smtClean="0">
+              <a:latin typeface="Arial (Body)"/>
+            </a:endParaRPr>
+          </a:p>
+          <a:p>
+            <a:r>
+              <a:rPr lang="en-US" dirty="0" smtClean="0">
+                <a:latin typeface="Arial (Body)"/>
+              </a:rPr>
+              <a:t>Crop </a:t>
+            </a:r>
+            <a:r>
+              <a:rPr lang="en-US" dirty="0" err="1" smtClean="0">
+                <a:latin typeface="Arial (Body)"/>
+              </a:rPr>
+              <a:t>và</a:t>
+            </a:r>
+            <a:r>
+              <a:rPr lang="en-US" dirty="0" smtClean="0">
+                <a:latin typeface="Arial (Body)"/>
+              </a:rPr>
+              <a:t> resize </a:t>
+            </a:r>
+            <a:r>
+              <a:rPr lang="en-US" dirty="0" err="1" smtClean="0">
+                <a:latin typeface="Arial (Body)"/>
+              </a:rPr>
+              <a:t>ảnh</a:t>
+            </a:r>
+            <a:r>
+              <a:rPr lang="en-US" dirty="0" smtClean="0">
+                <a:latin typeface="Arial (Body)"/>
+              </a:rPr>
+              <a:t>:</a:t>
+            </a:r>
+          </a:p>
+          <a:p>
+            <a:pPr lvl="1"/>
+            <a:r>
+              <a:rPr lang="en-US" dirty="0" err="1" smtClean="0">
+                <a:solidFill>
+                  <a:srgbClr val="000000"/>
+                </a:solidFill>
+                <a:sym typeface="Wingdings"/>
+              </a:rPr>
+              <a:t>BJImageCroper</a:t>
+            </a:r>
+            <a:r>
+              <a:rPr lang="en-US" dirty="0" smtClean="0">
+                <a:solidFill>
+                  <a:srgbClr val="000000"/>
+                </a:solidFill>
+                <a:sym typeface="Wingdings"/>
+              </a:rPr>
+              <a:t> </a:t>
+            </a:r>
+            <a:r>
+              <a:rPr lang="en-US" dirty="0">
+                <a:solidFill>
+                  <a:srgbClr val="000000"/>
+                </a:solidFill>
+                <a:sym typeface="Wingdings"/>
+              </a:rPr>
+              <a:t>(Barrett Jacobsen), </a:t>
+            </a:r>
+            <a:r>
+              <a:rPr lang="en-US" dirty="0" err="1">
+                <a:solidFill>
+                  <a:srgbClr val="000000"/>
+                </a:solidFill>
+                <a:sym typeface="Wingdings"/>
+              </a:rPr>
+              <a:t>NYXImagesKit</a:t>
+            </a:r>
+            <a:r>
+              <a:rPr lang="en-US" dirty="0">
+                <a:solidFill>
+                  <a:srgbClr val="000000"/>
+                </a:solidFill>
+                <a:sym typeface="Wingdings"/>
+              </a:rPr>
+              <a:t>(Benjamin Godard-2011</a:t>
+            </a:r>
+            <a:r>
+              <a:rPr lang="en-US" dirty="0" smtClean="0">
+                <a:solidFill>
+                  <a:srgbClr val="000000"/>
+                </a:solidFill>
+                <a:sym typeface="Wingdings"/>
+              </a:rPr>
+              <a:t>).</a:t>
+            </a:r>
+            <a:endParaRPr lang="en-US" dirty="0">
+              <a:solidFill>
+                <a:srgbClr val="FF0000"/>
+              </a:solidFill>
+              <a:latin typeface="Arial (Body)"/>
+              <a:sym typeface="Wingdings"/>
+            </a:endParaRPr>
+          </a:p>
+          <a:p>
+            <a:pPr lvl="1"/>
+            <a:r>
+              <a:rPr lang="en-US" dirty="0" err="1" smtClean="0">
+                <a:solidFill>
+                  <a:srgbClr val="FF0000"/>
+                </a:solidFill>
+                <a:sym typeface="Wingdings"/>
+              </a:rPr>
+              <a:t>CGImageRef</a:t>
+            </a:r>
+            <a:r>
+              <a:rPr lang="en-US" dirty="0">
+                <a:sym typeface="Wingdings"/>
+              </a:rPr>
+              <a:t>(crop logic</a:t>
+            </a:r>
+            <a:r>
+              <a:rPr lang="en-US" dirty="0" smtClean="0">
+                <a:sym typeface="Wingdings"/>
+              </a:rPr>
+              <a:t>),</a:t>
+            </a:r>
+            <a:r>
+              <a:rPr lang="en-US" dirty="0" smtClean="0">
+                <a:solidFill>
+                  <a:srgbClr val="FF0000"/>
+                </a:solidFill>
+              </a:rPr>
+              <a:t> </a:t>
+            </a:r>
+            <a:r>
+              <a:rPr lang="en-US" dirty="0" err="1" smtClean="0">
+                <a:solidFill>
+                  <a:srgbClr val="FF0000"/>
+                </a:solidFill>
+              </a:rPr>
+              <a:t>drawInRect</a:t>
+            </a:r>
+            <a:r>
+              <a:rPr lang="en-US" dirty="0" smtClean="0">
+                <a:solidFill>
+                  <a:srgbClr val="000000"/>
+                </a:solidFill>
+              </a:rPr>
+              <a:t> (method of </a:t>
+            </a:r>
+            <a:r>
+              <a:rPr lang="en-US" dirty="0" err="1" smtClean="0">
+                <a:solidFill>
+                  <a:srgbClr val="000000"/>
+                </a:solidFill>
+              </a:rPr>
+              <a:t>UIImage</a:t>
+            </a:r>
+            <a:r>
+              <a:rPr lang="en-US" dirty="0" smtClean="0">
+                <a:solidFill>
+                  <a:srgbClr val="000000"/>
+                </a:solidFill>
+              </a:rPr>
+              <a:t>)-resize.</a:t>
+            </a:r>
+          </a:p>
+          <a:p>
+            <a:pPr lvl="1"/>
+            <a:endParaRPr lang="en-US" dirty="0" smtClean="0">
+              <a:solidFill>
+                <a:srgbClr val="000000"/>
+              </a:solidFill>
+              <a:sym typeface="Wingdings"/>
+            </a:endParaRPr>
+          </a:p>
+          <a:p>
+            <a:r>
+              <a:rPr lang="vi-VN" dirty="0" smtClean="0">
+                <a:latin typeface="Arial (Body)"/>
+              </a:rPr>
+              <a:t>Xử lý ảnh: ...Dương</a:t>
+            </a:r>
+          </a:p>
+          <a:p>
+            <a:endParaRPr lang="vi-VN" dirty="0">
               <a:solidFill>
                 <a:srgbClr val="FF0000"/>
               </a:solidFill>
@@ -8973,112 +8084,250 @@
             </a:endParaRPr>
           </a:p>
           <a:p>
-            <a:pPr>
-              <a:buFont typeface="Wingdings" panose="05000000000000000000" pitchFamily="2" charset="2"/>
-              <a:buChar char="§"/>
-            </a:pPr>
-            <a:r>
-              <a:rPr lang="vi-VN" smtClean="0">
-                <a:solidFill>
-                  <a:srgbClr val="009900"/>
-                </a:solidFill>
-                <a:latin typeface="Arial (Body)"/>
-              </a:rPr>
-              <a:t>Lý do chọn đề tài:(Chủ quan)</a:t>
-            </a:r>
-          </a:p>
-          <a:p>
-            <a:pPr lvl="1">
-              <a:buFont typeface="Wingdings" panose="05000000000000000000" pitchFamily="2" charset="2"/>
-              <a:buChar char="§"/>
-            </a:pPr>
-            <a:r>
-              <a:rPr lang="vi-VN" smtClean="0">
-                <a:latin typeface="Arial (Body)"/>
-              </a:rPr>
-              <a:t>Tìm hiểu ObjectiveC </a:t>
-            </a:r>
-            <a:r>
-              <a:rPr lang="en-US" smtClean="0">
-                <a:latin typeface="Arial (Body)"/>
-              </a:rPr>
-              <a:t>với</a:t>
-            </a:r>
-            <a:r>
-              <a:rPr lang="vi-VN" smtClean="0">
-                <a:latin typeface="Arial (Body)"/>
-              </a:rPr>
-              <a:t> Xcode</a:t>
-            </a:r>
-            <a:r>
-              <a:rPr lang="en-US">
+            <a:r>
+              <a:rPr lang="en-US" dirty="0" smtClean="0">
+                <a:latin typeface="Arial (Body)"/>
+              </a:rPr>
+              <a:t>Chia </a:t>
+            </a:r>
+            <a:r>
+              <a:rPr lang="en-US" dirty="0" err="1" smtClean="0">
+                <a:latin typeface="Arial (Body)"/>
+              </a:rPr>
+              <a:t>sẻ</a:t>
+            </a:r>
+            <a:r>
+              <a:rPr lang="en-US" dirty="0" smtClean="0">
                 <a:latin typeface="Arial (Body)"/>
               </a:rPr>
               <a:t> </a:t>
             </a:r>
             <a:r>
-              <a:rPr lang="en-US" smtClean="0">
-                <a:latin typeface="Arial (Body)"/>
-              </a:rPr>
-              <a:t>&amp; Android với Android SDK &amp; RailsAPI, Ruby on rails …</a:t>
-            </a:r>
-            <a:endParaRPr lang="vi-VN" smtClean="0">
+              <a:rPr lang="en-US" dirty="0" err="1" smtClean="0">
+                <a:latin typeface="Arial (Body)"/>
+              </a:rPr>
+              <a:t>lên</a:t>
+            </a:r>
+            <a:r>
+              <a:rPr lang="en-US" dirty="0" smtClean="0">
+                <a:latin typeface="Arial (Body)"/>
+              </a:rPr>
+              <a:t> </a:t>
+            </a:r>
+            <a:r>
+              <a:rPr lang="en-US" dirty="0" err="1" smtClean="0">
+                <a:latin typeface="Arial (Body)"/>
+              </a:rPr>
+              <a:t>mạng</a:t>
+            </a:r>
+            <a:r>
+              <a:rPr lang="en-US" dirty="0" smtClean="0">
+                <a:latin typeface="Arial (Body)"/>
+              </a:rPr>
+              <a:t> </a:t>
+            </a:r>
+            <a:r>
+              <a:rPr lang="en-US" dirty="0" err="1" smtClean="0">
+                <a:latin typeface="Arial (Body)"/>
+              </a:rPr>
+              <a:t>xã</a:t>
+            </a:r>
+            <a:r>
+              <a:rPr lang="en-US" dirty="0" smtClean="0">
+                <a:latin typeface="Arial (Body)"/>
+              </a:rPr>
+              <a:t> </a:t>
+            </a:r>
+            <a:r>
+              <a:rPr lang="en-US" dirty="0" err="1" smtClean="0">
+                <a:latin typeface="Arial (Body)"/>
+              </a:rPr>
+              <a:t>hội</a:t>
+            </a:r>
+            <a:r>
+              <a:rPr lang="en-US" dirty="0" smtClean="0">
+                <a:latin typeface="Arial (Body)"/>
+              </a:rPr>
+              <a:t>:</a:t>
+            </a:r>
+          </a:p>
+          <a:p>
+            <a:pPr lvl="1"/>
+            <a:r>
+              <a:rPr lang="en-US" dirty="0" smtClean="0">
+                <a:latin typeface="Arial (Body)"/>
+              </a:rPr>
+              <a:t>Facebook SDK. </a:t>
+            </a:r>
+          </a:p>
+          <a:p>
+            <a:pPr lvl="1"/>
+            <a:r>
+              <a:rPr lang="en-US" dirty="0" smtClean="0">
+                <a:latin typeface="Arial (Body)"/>
+              </a:rPr>
+              <a:t>Twitter Framework.</a:t>
+            </a:r>
+          </a:p>
+          <a:p>
+            <a:pPr lvl="1"/>
+            <a:r>
+              <a:rPr lang="en-US" dirty="0" err="1">
+                <a:solidFill>
+                  <a:srgbClr val="FF0000"/>
+                </a:solidFill>
+                <a:latin typeface="Arial (Body)"/>
+              </a:rPr>
+              <a:t>Social.framework</a:t>
+            </a:r>
+            <a:r>
+              <a:rPr lang="en-US" dirty="0">
+                <a:latin typeface="Arial (Body)"/>
+              </a:rPr>
+              <a:t>, </a:t>
+            </a:r>
+            <a:r>
+              <a:rPr lang="en-US" dirty="0">
+                <a:latin typeface="Arial (Body)"/>
+                <a:sym typeface="Wingdings"/>
+              </a:rPr>
+              <a:t></a:t>
+            </a:r>
+            <a:r>
+              <a:rPr lang="en-US" dirty="0" err="1">
+                <a:latin typeface="Arial (Body)"/>
+                <a:sym typeface="Wingdings"/>
+              </a:rPr>
+              <a:t>dễ</a:t>
+            </a:r>
+            <a:r>
+              <a:rPr lang="en-US" dirty="0">
+                <a:latin typeface="Arial (Body)"/>
+                <a:sym typeface="Wingdings"/>
+              </a:rPr>
+              <a:t> </a:t>
+            </a:r>
+            <a:r>
+              <a:rPr lang="en-US" dirty="0" err="1">
+                <a:latin typeface="Arial (Body)"/>
+                <a:sym typeface="Wingdings"/>
+              </a:rPr>
+              <a:t>tích</a:t>
+            </a:r>
+            <a:r>
+              <a:rPr lang="en-US" dirty="0">
+                <a:latin typeface="Arial (Body)"/>
+                <a:sym typeface="Wingdings"/>
+              </a:rPr>
+              <a:t> </a:t>
+            </a:r>
+            <a:r>
+              <a:rPr lang="en-US" dirty="0" err="1">
+                <a:latin typeface="Arial (Body)"/>
+                <a:sym typeface="Wingdings"/>
+              </a:rPr>
+              <a:t>hợp</a:t>
+            </a:r>
+            <a:r>
+              <a:rPr lang="en-US" dirty="0">
+                <a:latin typeface="Arial (Body)"/>
+                <a:sym typeface="Wingdings"/>
+              </a:rPr>
+              <a:t>, </a:t>
+            </a:r>
+            <a:r>
+              <a:rPr lang="en-US" dirty="0" err="1">
+                <a:latin typeface="Arial (Body)"/>
+                <a:sym typeface="Wingdings"/>
+              </a:rPr>
+              <a:t>phù</a:t>
+            </a:r>
+            <a:r>
+              <a:rPr lang="en-US" dirty="0">
+                <a:latin typeface="Arial (Body)"/>
+                <a:sym typeface="Wingdings"/>
+              </a:rPr>
+              <a:t> </a:t>
+            </a:r>
+            <a:r>
+              <a:rPr lang="en-US" dirty="0" err="1">
+                <a:latin typeface="Arial (Body)"/>
+                <a:sym typeface="Wingdings"/>
+              </a:rPr>
+              <a:t>hợp</a:t>
+            </a:r>
+            <a:r>
+              <a:rPr lang="en-US" dirty="0">
+                <a:latin typeface="Arial (Body)"/>
+                <a:sym typeface="Wingdings"/>
+              </a:rPr>
+              <a:t> </a:t>
+            </a:r>
+            <a:r>
+              <a:rPr lang="en-US" dirty="0" err="1">
+                <a:latin typeface="Arial (Body)"/>
+                <a:sym typeface="Wingdings"/>
+              </a:rPr>
+              <a:t>yêu</a:t>
+            </a:r>
+            <a:r>
+              <a:rPr lang="en-US" dirty="0">
+                <a:latin typeface="Arial (Body)"/>
+                <a:sym typeface="Wingdings"/>
+              </a:rPr>
+              <a:t> </a:t>
+            </a:r>
+            <a:r>
+              <a:rPr lang="en-US" dirty="0" err="1">
+                <a:latin typeface="Arial (Body)"/>
+                <a:sym typeface="Wingdings"/>
+              </a:rPr>
+              <a:t>cầu</a:t>
+            </a:r>
+            <a:r>
+              <a:rPr lang="en-US" dirty="0">
+                <a:latin typeface="Arial (Body)"/>
+                <a:sym typeface="Wingdings"/>
+              </a:rPr>
+              <a:t> </a:t>
+            </a:r>
+            <a:r>
+              <a:rPr lang="en-US" dirty="0" err="1">
+                <a:latin typeface="Arial (Body)"/>
+                <a:sym typeface="Wingdings"/>
+              </a:rPr>
+              <a:t>bài</a:t>
+            </a:r>
+            <a:r>
+              <a:rPr lang="en-US" dirty="0">
+                <a:latin typeface="Arial (Body)"/>
+                <a:sym typeface="Wingdings"/>
+              </a:rPr>
+              <a:t> </a:t>
+            </a:r>
+            <a:r>
+              <a:rPr lang="en-US" dirty="0" err="1" smtClean="0">
+                <a:latin typeface="Arial (Body)"/>
+                <a:sym typeface="Wingdings"/>
+              </a:rPr>
+              <a:t>toán</a:t>
+            </a:r>
+            <a:r>
+              <a:rPr lang="en-US" dirty="0" smtClean="0">
+                <a:latin typeface="Arial (Body)"/>
+                <a:sym typeface="Wingdings"/>
+              </a:rPr>
+              <a:t>.</a:t>
+            </a:r>
+            <a:endParaRPr lang="en-US" dirty="0" smtClean="0">
               <a:latin typeface="Arial (Body)"/>
             </a:endParaRPr>
           </a:p>
           <a:p>
-            <a:pPr lvl="1">
-              <a:buFont typeface="Wingdings" panose="05000000000000000000" pitchFamily="2" charset="2"/>
-              <a:buChar char="§"/>
-            </a:pPr>
-            <a:r>
-              <a:rPr lang="vi-VN" smtClean="0">
-                <a:latin typeface="Arial (Body)"/>
-              </a:rPr>
-              <a:t>Tìm hiểu một số công nghệ hỗ trợ làm ứng dụng trên </a:t>
-            </a:r>
-            <a:r>
-              <a:rPr lang="en-US" smtClean="0">
-                <a:latin typeface="Arial (Body)"/>
-              </a:rPr>
-              <a:t>Mobile</a:t>
-            </a:r>
-            <a:endParaRPr lang="vi-VN" smtClean="0">
+            <a:pPr lvl="1"/>
+            <a:endParaRPr lang="en-US" dirty="0" smtClean="0">
               <a:latin typeface="Arial (Body)"/>
             </a:endParaRPr>
-          </a:p>
-          <a:p>
-            <a:pPr lvl="1">
-              <a:buFont typeface="Wingdings" panose="05000000000000000000" pitchFamily="2" charset="2"/>
-              <a:buChar char="§"/>
-            </a:pPr>
-            <a:r>
-              <a:rPr lang="vi-VN" smtClean="0">
-                <a:latin typeface="Arial (Body)"/>
-              </a:rPr>
-              <a:t>Biết cách xây dựng ứng dụng thực tế trên </a:t>
-            </a:r>
-            <a:r>
-              <a:rPr lang="en-US" smtClean="0">
-                <a:latin typeface="Arial (Body)"/>
-              </a:rPr>
-              <a:t>Mobile</a:t>
-            </a:r>
-            <a:endParaRPr lang="vi-VN" smtClean="0">
-              <a:latin typeface="Arial (Body)"/>
-            </a:endParaRPr>
-          </a:p>
-          <a:p>
-            <a:pPr lvl="1">
-              <a:buFont typeface="Wingdings" panose="05000000000000000000" pitchFamily="2" charset="2"/>
-              <a:buChar char="§"/>
-            </a:pPr>
-            <a:r>
-              <a:rPr lang="vi-VN" smtClean="0">
-                <a:latin typeface="Arial (Body)"/>
-              </a:rPr>
-              <a:t>Rèn luyện các kĩ năng TeamWork</a:t>
-            </a:r>
           </a:p>
         </p:txBody>
       </p:sp>
@@ -9138,77 +8387,10 @@
           </a:p>
         </p:txBody>
       </p:sp>
-      <p:sp>
-        <p:nvSpPr>
-          <p:cNvPr id="7" name="TextBox 6"/>
-          <p:cNvSpPr txBox="1"/>
-          <p:nvPr/>
-        </p:nvSpPr>
-        <p:spPr>
-          <a:xfrm>
-            <a:off x="4051300" y="4864100"/>
-            <a:ext cx="3558624" cy="1323439"/>
-          </a:xfrm>
-          <a:prstGeom prst="rect">
-            <a:avLst/>
-          </a:prstGeom>
-          <a:noFill/>
-        </p:spPr>
-        <p:txBody>
-          <a:bodyPr wrap="square" rtlCol="0">
-            <a:spAutoFit/>
-          </a:bodyPr>
-          <a:lstStyle/>
-          <a:p>
-            <a:r>
-              <a:rPr lang="en-US" sz="4400" smtClean="0"/>
-              <a:t>LTT_Team8</a:t>
-            </a:r>
-          </a:p>
-          <a:p>
-            <a:endParaRPr lang="en-US" smtClean="0"/>
-          </a:p>
-          <a:p>
-            <a:r>
-              <a:rPr lang="en-US" err="1" smtClean="0"/>
-              <a:t>Học</a:t>
-            </a:r>
-            <a:r>
-              <a:rPr lang="en-US" smtClean="0"/>
-              <a:t> </a:t>
-            </a:r>
-            <a:r>
-              <a:rPr lang="en-US" err="1" smtClean="0"/>
-              <a:t>Lập</a:t>
-            </a:r>
-            <a:r>
-              <a:rPr lang="en-US" smtClean="0"/>
-              <a:t> </a:t>
-            </a:r>
-            <a:r>
-              <a:rPr lang="en-US" err="1" smtClean="0"/>
-              <a:t>Trình</a:t>
-            </a:r>
-            <a:r>
-              <a:rPr lang="en-US" smtClean="0"/>
-              <a:t> </a:t>
-            </a:r>
-            <a:r>
-              <a:rPr lang="en-US" err="1" smtClean="0"/>
-              <a:t>Trên</a:t>
-            </a:r>
-            <a:r>
-              <a:rPr lang="en-US" smtClean="0"/>
-              <a:t> Mobile</a:t>
-            </a:r>
-            <a:endParaRPr lang="en-US"/>
-          </a:p>
-        </p:txBody>
-      </p:sp>
     </p:spTree>
     <p:extLst>
       <p:ext uri="{BB962C8B-B14F-4D97-AF65-F5344CB8AC3E}">
-        <p14:creationId xmlns:p14="http://schemas.microsoft.com/office/powerpoint/2010/main" val="3783422814"/>
+        <p14:creationId xmlns:p14="http://schemas.microsoft.com/office/powerpoint/2010/main" val="1006764191"/>
       </p:ext>
     </p:extLst>
   </p:cSld>
@@ -9274,7 +8456,7 @@
                 </a:solidFill>
                 <a:latin typeface="Arial" panose="020B0604020202020204" pitchFamily="34" charset="0"/>
               </a:rPr>
-              <a:t>ĐỊNH HƯỚNG VÀ GIẢI PHÁP(1/)</a:t>
+              <a:t>ĐỊNH HƯỚNG VÀ GIẢI PHÁP(4/)</a:t>
             </a:r>
             <a:endParaRPr lang="en-US" sz="3000" b="1" dirty="0">
               <a:solidFill>
@@ -9297,147 +8479,210 @@
         </p:nvSpPr>
         <p:spPr>
           <a:xfrm>
-            <a:off x="368490" y="1323833"/>
+            <a:off x="315016" y="1043096"/>
             <a:ext cx="8447963" cy="5131558"/>
           </a:xfrm>
         </p:spPr>
         <p:txBody>
-          <a:bodyPr/>
+          <a:bodyPr>
+            <a:normAutofit/>
+          </a:bodyPr>
           <a:lstStyle/>
           <a:p>
             <a:pPr marL="0" indent="0">
               <a:buNone/>
             </a:pPr>
             <a:r>
-              <a:rPr lang="vi-VN" dirty="0" smtClean="0">
-                <a:solidFill>
-                  <a:srgbClr val="009900"/>
-                </a:solidFill>
-                <a:latin typeface="Arial (Body)"/>
-              </a:rPr>
-              <a:t>Môi </a:t>
-            </a:r>
-            <a:r>
-              <a:rPr lang="vi-VN" dirty="0">
-                <a:solidFill>
-                  <a:srgbClr val="009900"/>
-                </a:solidFill>
-                <a:latin typeface="Arial (Body)"/>
-              </a:rPr>
-              <a:t>trường phát triển: </a:t>
+              <a:rPr lang="en-US" dirty="0" smtClean="0">
+                <a:solidFill>
+                  <a:srgbClr val="008000"/>
+                </a:solidFill>
+                <a:latin typeface="Arial (Body)"/>
+              </a:rPr>
+              <a:t>Android: </a:t>
+            </a:r>
+          </a:p>
+          <a:p>
+            <a:pPr lvl="2"/>
+            <a:r>
+              <a:rPr lang="en-US" dirty="0" err="1" smtClean="0">
+                <a:latin typeface="Arial (Body)"/>
+              </a:rPr>
+              <a:t>Chụp</a:t>
+            </a:r>
+            <a:r>
+              <a:rPr lang="en-US" dirty="0" smtClean="0">
+                <a:latin typeface="Arial (Body)"/>
+              </a:rPr>
+              <a:t> </a:t>
+            </a:r>
+            <a:r>
+              <a:rPr lang="en-US" dirty="0" err="1" smtClean="0">
+                <a:latin typeface="Arial (Body)"/>
+              </a:rPr>
+              <a:t>ảnh</a:t>
+            </a:r>
+            <a:r>
+              <a:rPr lang="en-US" dirty="0" smtClean="0">
+                <a:latin typeface="Arial (Body)"/>
+              </a:rPr>
+              <a:t>, </a:t>
+            </a:r>
+            <a:r>
+              <a:rPr lang="en-US" dirty="0" err="1" smtClean="0">
+                <a:latin typeface="Arial (Body)"/>
+              </a:rPr>
+              <a:t>chọn</a:t>
+            </a:r>
+            <a:r>
+              <a:rPr lang="en-US" dirty="0" smtClean="0">
+                <a:latin typeface="Arial (Body)"/>
+              </a:rPr>
+              <a:t> </a:t>
+            </a:r>
+            <a:r>
+              <a:rPr lang="en-US" dirty="0" err="1" smtClean="0">
+                <a:latin typeface="Arial (Body)"/>
+              </a:rPr>
+              <a:t>ảnh</a:t>
+            </a:r>
+            <a:r>
+              <a:rPr lang="en-US" dirty="0" smtClean="0">
+                <a:latin typeface="Arial (Body)"/>
+              </a:rPr>
+              <a:t>: </a:t>
+            </a:r>
+            <a:r>
+              <a:rPr lang="en-US" dirty="0" err="1" smtClean="0">
+                <a:latin typeface="Arial (Body)"/>
+              </a:rPr>
+              <a:t>Thắng</a:t>
+            </a:r>
+            <a:endParaRPr lang="en-US" dirty="0" smtClean="0">
+              <a:latin typeface="Arial (Body)"/>
+            </a:endParaRPr>
+          </a:p>
+          <a:p>
+            <a:pPr lvl="1"/>
+            <a:endParaRPr lang="en-US" dirty="0" smtClean="0">
+              <a:latin typeface="Arial (Body)"/>
+            </a:endParaRPr>
+          </a:p>
+          <a:p>
+            <a:pPr lvl="2"/>
+            <a:r>
+              <a:rPr lang="en-US" dirty="0" smtClean="0">
+                <a:latin typeface="Arial (Body)"/>
+              </a:rPr>
+              <a:t>Crop </a:t>
+            </a:r>
+            <a:r>
+              <a:rPr lang="en-US" dirty="0" err="1" smtClean="0">
+                <a:latin typeface="Arial (Body)"/>
+              </a:rPr>
+              <a:t>và</a:t>
+            </a:r>
+            <a:r>
+              <a:rPr lang="en-US" dirty="0" smtClean="0">
+                <a:latin typeface="Arial (Body)"/>
+              </a:rPr>
+              <a:t> resize </a:t>
+            </a:r>
+            <a:r>
+              <a:rPr lang="en-US" dirty="0" err="1" smtClean="0">
+                <a:latin typeface="Arial (Body)"/>
+              </a:rPr>
+              <a:t>ảnh:Thắng</a:t>
             </a:r>
             <a:endParaRPr lang="en-US" dirty="0" smtClean="0">
               <a:solidFill>
-                <a:srgbClr val="009900"/>
+                <a:srgbClr val="000000"/>
+              </a:solidFill>
+              <a:sym typeface="Wingdings"/>
+            </a:endParaRPr>
+          </a:p>
+          <a:p>
+            <a:pPr lvl="2"/>
+            <a:r>
+              <a:rPr lang="vi-VN" dirty="0" smtClean="0">
+                <a:solidFill>
+                  <a:srgbClr val="FF0000"/>
+                </a:solidFill>
+                <a:latin typeface="Arial (Body)"/>
+              </a:rPr>
+              <a:t>Xử lý ảnh: ...Tuấn</a:t>
+            </a:r>
+          </a:p>
+          <a:p>
+            <a:pPr lvl="2"/>
+            <a:endParaRPr lang="vi-VN" dirty="0">
+              <a:solidFill>
+                <a:srgbClr val="FF0000"/>
               </a:solidFill>
               <a:latin typeface="Arial (Body)"/>
             </a:endParaRPr>
           </a:p>
           <a:p>
-            <a:pPr lvl="1"/>
-            <a:r>
-              <a:rPr lang="vi-VN" dirty="0" smtClean="0">
-                <a:latin typeface="Arial (Body)"/>
-              </a:rPr>
-              <a:t>Mac </a:t>
-            </a:r>
-            <a:r>
-              <a:rPr lang="vi-VN" dirty="0">
-                <a:latin typeface="Arial (Body)"/>
-              </a:rPr>
-              <a:t>OS </a:t>
-            </a:r>
+            <a:pPr lvl="2"/>
             <a:r>
               <a:rPr lang="en-US" dirty="0" smtClean="0">
                 <a:latin typeface="Arial (Body)"/>
               </a:rPr>
-              <a:t>X 10.8+</a:t>
-            </a:r>
-            <a:r>
-              <a:rPr lang="vi-VN" dirty="0" smtClean="0">
-                <a:latin typeface="Arial (Body)"/>
-              </a:rPr>
-              <a:t>, </a:t>
-            </a:r>
-            <a:r>
-              <a:rPr lang="vi-VN" dirty="0">
-                <a:latin typeface="Arial (Body)"/>
-              </a:rPr>
-              <a:t>Xcode </a:t>
-            </a:r>
-            <a:r>
-              <a:rPr lang="vi-VN" dirty="0" smtClean="0">
-                <a:latin typeface="Arial (Body)"/>
-              </a:rPr>
-              <a:t>5.</a:t>
+              <a:t>Chia </a:t>
+            </a:r>
+            <a:r>
+              <a:rPr lang="en-US" dirty="0" err="1" smtClean="0">
+                <a:latin typeface="Arial (Body)"/>
+              </a:rPr>
+              <a:t>sẻ</a:t>
             </a:r>
             <a:r>
               <a:rPr lang="en-US" dirty="0" smtClean="0">
                 <a:latin typeface="Arial (Body)"/>
               </a:rPr>
-              <a:t>1</a:t>
-            </a:r>
-          </a:p>
-          <a:p>
-            <a:pPr lvl="1"/>
+              <a:t> </a:t>
+            </a:r>
+            <a:r>
+              <a:rPr lang="en-US" dirty="0" err="1" smtClean="0">
+                <a:latin typeface="Arial (Body)"/>
+              </a:rPr>
+              <a:t>lên</a:t>
+            </a:r>
             <a:r>
               <a:rPr lang="en-US" dirty="0" smtClean="0">
                 <a:latin typeface="Arial (Body)"/>
               </a:rPr>
-              <a:t>Android 4.0+ , Eclipse </a:t>
+              <a:t> </a:t>
             </a:r>
             <a:r>
               <a:rPr lang="en-US" dirty="0" err="1" smtClean="0">
                 <a:latin typeface="Arial (Body)"/>
               </a:rPr>
-              <a:t>và</a:t>
+              <a:t>mạng</a:t>
             </a:r>
             <a:r>
               <a:rPr lang="en-US" dirty="0" smtClean="0">
                 <a:latin typeface="Arial (Body)"/>
               </a:rPr>
-              <a:t> Android SDK</a:t>
-            </a:r>
-          </a:p>
-          <a:p>
-            <a:pPr lvl="1"/>
+              <a:t> </a:t>
+            </a:r>
+            <a:r>
+              <a:rPr lang="en-US" dirty="0" err="1" smtClean="0">
+                <a:latin typeface="Arial (Body)"/>
+              </a:rPr>
+              <a:t>xã</a:t>
+            </a:r>
             <a:r>
               <a:rPr lang="en-US" dirty="0" smtClean="0">
                 <a:latin typeface="Arial (Body)"/>
               </a:rPr>
-              <a:t>Ruby on Rails, Ubuntu.</a:t>
-            </a:r>
-            <a:endParaRPr lang="vi-VN" dirty="0">
-              <a:latin typeface="Arial (Body)"/>
-            </a:endParaRPr>
-          </a:p>
-          <a:p>
-            <a:pPr marL="0" indent="0">
-              <a:buNone/>
-            </a:pPr>
-            <a:r>
-              <a:rPr lang="vi-VN" dirty="0">
-                <a:solidFill>
-                  <a:srgbClr val="009900"/>
-                </a:solidFill>
-                <a:latin typeface="Arial (Body)"/>
-              </a:rPr>
-              <a:t>­ Ngôn ngữ: </a:t>
-            </a:r>
-            <a:endParaRPr lang="en-US" dirty="0" smtClean="0">
-              <a:solidFill>
-                <a:srgbClr val="009900"/>
-              </a:solidFill>
-              <a:latin typeface="Arial (Body)"/>
-            </a:endParaRPr>
-          </a:p>
-          <a:p>
-            <a:pPr lvl="1"/>
-            <a:r>
-              <a:rPr lang="vi-VN" dirty="0" smtClean="0">
-                <a:latin typeface="Arial (Body)"/>
-              </a:rPr>
-              <a:t>Objective­C.  </a:t>
+              <a:t> </a:t>
+            </a:r>
+            <a:r>
+              <a:rPr lang="en-US" dirty="0" err="1" smtClean="0">
+                <a:latin typeface="Arial (Body)"/>
+              </a:rPr>
+              <a:t>hội:Thắng</a:t>
             </a:r>
             <a:endParaRPr lang="en-US" dirty="0" smtClean="0">
               <a:latin typeface="Arial (Body)"/>
@@ -9446,155 +8691,329 @@
           <a:p>
             <a:pPr lvl="1"/>
             <a:r>
-              <a:rPr lang="en-US" dirty="0" smtClean="0">
-                <a:latin typeface="Arial (Body)"/>
-              </a:rPr>
-              <a:t>Java</a:t>
-            </a:r>
-          </a:p>
-          <a:p>
-            <a:pPr lvl="1"/>
-            <a:r>
-              <a:rPr lang="en-US" dirty="0" smtClean="0">
-                <a:latin typeface="Arial (Body)"/>
-              </a:rPr>
-              <a:t>Ruby</a:t>
-            </a:r>
-            <a:endParaRPr lang="vi-VN" dirty="0">
-              <a:latin typeface="Arial (Body)"/>
-            </a:endParaRPr>
-          </a:p>
-          <a:p>
-            <a:pPr marL="0" indent="0">
-              <a:buNone/>
-            </a:pPr>
-            <a:r>
-              <a:rPr lang="vi-VN" dirty="0">
-                <a:solidFill>
-                  <a:srgbClr val="009900"/>
-                </a:solidFill>
-                <a:latin typeface="Arial (Body)"/>
-              </a:rPr>
-              <a:t>­ Thư </a:t>
-            </a:r>
-            <a:r>
-              <a:rPr lang="vi-VN" dirty="0" smtClean="0">
-                <a:solidFill>
-                  <a:srgbClr val="009900"/>
-                </a:solidFill>
-                <a:latin typeface="Arial (Body)"/>
-              </a:rPr>
-              <a:t>viện: GPUImage</a:t>
-            </a:r>
-            <a:r>
-              <a:rPr lang="en-US" dirty="0" smtClean="0">
-                <a:solidFill>
-                  <a:srgbClr val="009900"/>
-                </a:solidFill>
-                <a:latin typeface="Arial (Body)"/>
-              </a:rPr>
-              <a:t>, </a:t>
-            </a:r>
-            <a:r>
-              <a:rPr lang="en-US" dirty="0" err="1" smtClean="0">
-                <a:solidFill>
-                  <a:srgbClr val="009900"/>
-                </a:solidFill>
-                <a:latin typeface="Arial (Body)"/>
-              </a:rPr>
-              <a:t>CoreImage</a:t>
-            </a:r>
-            <a:r>
-              <a:rPr lang="en-US" dirty="0" smtClean="0">
-                <a:solidFill>
-                  <a:srgbClr val="009900"/>
-                </a:solidFill>
-                <a:latin typeface="Arial (Body)"/>
-              </a:rPr>
-              <a:t>,</a:t>
-            </a:r>
-            <a:r>
-              <a:rPr lang="vi-VN" dirty="0" smtClean="0">
-                <a:solidFill>
-                  <a:srgbClr val="009900"/>
+              <a:rPr lang="en-US" sz="1600" dirty="0" err="1" smtClean="0">
+                <a:solidFill>
+                  <a:srgbClr val="FF0000"/>
+                </a:solidFill>
+                <a:latin typeface="Arial (Body)"/>
+              </a:rPr>
+              <a:t>Mỗi</a:t>
+            </a:r>
+            <a:r>
+              <a:rPr lang="en-US" sz="1600" dirty="0" smtClean="0">
+                <a:solidFill>
+                  <a:srgbClr val="FF0000"/>
                 </a:solidFill>
                 <a:latin typeface="Arial (Body)"/>
               </a:rPr>
               <a:t> </a:t>
             </a:r>
-            <a:endParaRPr lang="vi-VN" dirty="0">
-              <a:solidFill>
-                <a:srgbClr val="009900"/>
-              </a:solidFill>
-              <a:latin typeface="Arial (Body)"/>
-            </a:endParaRPr>
-          </a:p>
-          <a:p>
-            <a:pPr marL="0" indent="0">
-              <a:buNone/>
-            </a:pPr>
-            <a:r>
-              <a:rPr lang="vi-VN" dirty="0">
-                <a:solidFill>
-                  <a:srgbClr val="009900"/>
-                </a:solidFill>
-                <a:latin typeface="Arial (Body)"/>
-              </a:rPr>
-              <a:t>­ Facebook SDK, Twitter Framework </a:t>
-            </a:r>
-            <a:r>
-              <a:rPr lang="vi-VN" dirty="0" smtClean="0">
-                <a:solidFill>
-                  <a:srgbClr val="009900"/>
-                </a:solidFill>
-                <a:latin typeface="Arial (Body)"/>
-              </a:rPr>
-              <a:t>iOS</a:t>
-            </a:r>
-            <a:r>
-              <a:rPr lang="en-US" dirty="0">
-                <a:solidFill>
-                  <a:srgbClr val="009900"/>
-                </a:solidFill>
-                <a:latin typeface="Arial (Body)"/>
-              </a:rPr>
-              <a:t>, </a:t>
-            </a:r>
-            <a:r>
-              <a:rPr lang="en-US" dirty="0" err="1">
-                <a:solidFill>
-                  <a:srgbClr val="009900"/>
-                </a:solidFill>
-                <a:latin typeface="Arial (Body)"/>
-              </a:rPr>
-              <a:t>RailsAPI</a:t>
-            </a:r>
-            <a:r>
-              <a:rPr lang="en-US" dirty="0">
-                <a:solidFill>
-                  <a:srgbClr val="009900"/>
-                </a:solidFill>
-                <a:latin typeface="Arial (Body)"/>
-              </a:rPr>
-              <a:t>…</a:t>
-            </a:r>
-            <a:endParaRPr lang="en-US" dirty="0" smtClean="0">
-              <a:solidFill>
-                <a:srgbClr val="009900"/>
-              </a:solidFill>
-              <a:latin typeface="Arial (Body)"/>
-            </a:endParaRPr>
-          </a:p>
-          <a:p>
-            <a:pPr marL="0" indent="0">
-              <a:buNone/>
-            </a:pPr>
-            <a:endParaRPr lang="vi-VN" dirty="0" smtClean="0">
-              <a:solidFill>
-                <a:srgbClr val="008000"/>
-              </a:solidFill>
-              <a:latin typeface="Arial (Body)"/>
-            </a:endParaRPr>
+            <a:r>
+              <a:rPr lang="en-US" sz="1600" dirty="0" err="1" smtClean="0">
+                <a:solidFill>
+                  <a:srgbClr val="FF0000"/>
+                </a:solidFill>
+                <a:latin typeface="Arial (Body)"/>
+              </a:rPr>
+              <a:t>vấn</a:t>
+            </a:r>
+            <a:r>
+              <a:rPr lang="en-US" sz="1600" dirty="0" smtClean="0">
+                <a:solidFill>
+                  <a:srgbClr val="FF0000"/>
+                </a:solidFill>
+                <a:latin typeface="Arial (Body)"/>
+              </a:rPr>
+              <a:t> </a:t>
+            </a:r>
+            <a:r>
+              <a:rPr lang="en-US" sz="1600" dirty="0" err="1" smtClean="0">
+                <a:solidFill>
+                  <a:srgbClr val="FF0000"/>
+                </a:solidFill>
+                <a:latin typeface="Arial (Body)"/>
+              </a:rPr>
+              <a:t>đề</a:t>
+            </a:r>
+            <a:r>
+              <a:rPr lang="en-US" sz="1600" dirty="0" smtClean="0">
+                <a:solidFill>
+                  <a:srgbClr val="FF0000"/>
+                </a:solidFill>
+                <a:latin typeface="Arial (Body)"/>
+              </a:rPr>
+              <a:t> </a:t>
+            </a:r>
+            <a:r>
+              <a:rPr lang="en-US" sz="1600" dirty="0" err="1" smtClean="0">
+                <a:solidFill>
+                  <a:srgbClr val="FF0000"/>
+                </a:solidFill>
+                <a:latin typeface="Arial (Body)"/>
+              </a:rPr>
+              <a:t>cần</a:t>
+            </a:r>
+            <a:r>
+              <a:rPr lang="en-US" sz="1600" dirty="0" smtClean="0">
+                <a:solidFill>
+                  <a:srgbClr val="FF0000"/>
+                </a:solidFill>
+                <a:latin typeface="Arial (Body)"/>
+              </a:rPr>
+              <a:t> </a:t>
+            </a:r>
+            <a:r>
+              <a:rPr lang="en-US" sz="1600" dirty="0" err="1" smtClean="0">
+                <a:solidFill>
+                  <a:srgbClr val="FF0000"/>
+                </a:solidFill>
+                <a:latin typeface="Arial (Body)"/>
+              </a:rPr>
+              <a:t>đưa</a:t>
+            </a:r>
+            <a:r>
+              <a:rPr lang="en-US" sz="1600" dirty="0" smtClean="0">
+                <a:solidFill>
+                  <a:srgbClr val="FF0000"/>
+                </a:solidFill>
+                <a:latin typeface="Arial (Body)"/>
+              </a:rPr>
+              <a:t> </a:t>
+            </a:r>
+            <a:r>
+              <a:rPr lang="en-US" sz="1600" dirty="0" err="1" smtClean="0">
+                <a:solidFill>
+                  <a:srgbClr val="FF0000"/>
+                </a:solidFill>
+                <a:latin typeface="Arial (Body)"/>
+              </a:rPr>
+              <a:t>ra</a:t>
+            </a:r>
+            <a:r>
+              <a:rPr lang="en-US" sz="1600" dirty="0" smtClean="0">
+                <a:solidFill>
+                  <a:srgbClr val="FF0000"/>
+                </a:solidFill>
+                <a:latin typeface="Arial (Body)"/>
+              </a:rPr>
+              <a:t> </a:t>
+            </a:r>
+            <a:r>
+              <a:rPr lang="en-US" sz="1600" dirty="0" err="1" smtClean="0">
+                <a:solidFill>
+                  <a:srgbClr val="FF0000"/>
+                </a:solidFill>
+                <a:latin typeface="Arial (Body)"/>
+              </a:rPr>
+              <a:t>ít</a:t>
+            </a:r>
+            <a:r>
+              <a:rPr lang="en-US" sz="1600" dirty="0" smtClean="0">
+                <a:solidFill>
+                  <a:srgbClr val="FF0000"/>
+                </a:solidFill>
+                <a:latin typeface="Arial (Body)"/>
+              </a:rPr>
+              <a:t> </a:t>
+            </a:r>
+            <a:r>
+              <a:rPr lang="en-US" sz="1600" dirty="0" err="1" smtClean="0">
+                <a:solidFill>
+                  <a:srgbClr val="FF0000"/>
+                </a:solidFill>
+                <a:latin typeface="Arial (Body)"/>
+              </a:rPr>
+              <a:t>nhất</a:t>
+            </a:r>
+            <a:r>
+              <a:rPr lang="en-US" sz="1600" dirty="0" smtClean="0">
+                <a:solidFill>
+                  <a:srgbClr val="FF0000"/>
+                </a:solidFill>
+                <a:latin typeface="Arial (Body)"/>
+              </a:rPr>
+              <a:t> 2 </a:t>
+            </a:r>
+            <a:r>
+              <a:rPr lang="en-US" sz="1600" dirty="0" err="1" smtClean="0">
+                <a:solidFill>
+                  <a:srgbClr val="FF0000"/>
+                </a:solidFill>
+                <a:latin typeface="Arial (Body)"/>
+              </a:rPr>
+              <a:t>giải</a:t>
+            </a:r>
+            <a:r>
+              <a:rPr lang="en-US" sz="1600" dirty="0" smtClean="0">
+                <a:solidFill>
+                  <a:srgbClr val="FF0000"/>
+                </a:solidFill>
+                <a:latin typeface="Arial (Body)"/>
+              </a:rPr>
+              <a:t> </a:t>
+            </a:r>
+            <a:r>
+              <a:rPr lang="en-US" sz="1600" dirty="0" err="1" smtClean="0">
+                <a:solidFill>
+                  <a:srgbClr val="FF0000"/>
+                </a:solidFill>
+                <a:latin typeface="Arial (Body)"/>
+              </a:rPr>
+              <a:t>pháp</a:t>
+            </a:r>
+            <a:r>
+              <a:rPr lang="en-US" sz="1600" dirty="0" smtClean="0">
+                <a:solidFill>
+                  <a:srgbClr val="FF0000"/>
+                </a:solidFill>
+                <a:latin typeface="Arial (Body)"/>
+              </a:rPr>
+              <a:t> </a:t>
+            </a:r>
+            <a:r>
+              <a:rPr lang="en-US" sz="1600" dirty="0" err="1" smtClean="0">
+                <a:solidFill>
+                  <a:srgbClr val="FF0000"/>
+                </a:solidFill>
+                <a:latin typeface="Arial (Body)"/>
+              </a:rPr>
+              <a:t>và</a:t>
+            </a:r>
+            <a:r>
+              <a:rPr lang="en-US" sz="1600" dirty="0" smtClean="0">
+                <a:solidFill>
+                  <a:srgbClr val="FF0000"/>
+                </a:solidFill>
+                <a:latin typeface="Arial (Body)"/>
+              </a:rPr>
+              <a:t> </a:t>
+            </a:r>
+            <a:r>
+              <a:rPr lang="en-US" sz="1600" dirty="0" err="1" smtClean="0">
+                <a:solidFill>
+                  <a:srgbClr val="FF0000"/>
+                </a:solidFill>
+                <a:latin typeface="Arial (Body)"/>
+              </a:rPr>
+              <a:t>giải</a:t>
+            </a:r>
+            <a:r>
+              <a:rPr lang="en-US" sz="1600" dirty="0" smtClean="0">
+                <a:solidFill>
+                  <a:srgbClr val="FF0000"/>
+                </a:solidFill>
+                <a:latin typeface="Arial (Body)"/>
+              </a:rPr>
+              <a:t> </a:t>
+            </a:r>
+            <a:r>
+              <a:rPr lang="en-US" sz="1600" dirty="0" err="1" smtClean="0">
+                <a:solidFill>
+                  <a:srgbClr val="FF0000"/>
+                </a:solidFill>
+                <a:latin typeface="Arial (Body)"/>
+              </a:rPr>
+              <a:t>thích</a:t>
+            </a:r>
+            <a:r>
+              <a:rPr lang="en-US" sz="1600" dirty="0" smtClean="0">
+                <a:solidFill>
+                  <a:srgbClr val="FF0000"/>
+                </a:solidFill>
+                <a:latin typeface="Arial (Body)"/>
+              </a:rPr>
+              <a:t> </a:t>
+            </a:r>
+            <a:r>
+              <a:rPr lang="en-US" sz="1600" dirty="0" err="1" smtClean="0">
+                <a:solidFill>
+                  <a:srgbClr val="FF0000"/>
+                </a:solidFill>
+                <a:latin typeface="Arial (Body)"/>
+              </a:rPr>
+              <a:t>lý</a:t>
+            </a:r>
+            <a:r>
+              <a:rPr lang="en-US" sz="1600" dirty="0" smtClean="0">
+                <a:solidFill>
+                  <a:srgbClr val="FF0000"/>
+                </a:solidFill>
+                <a:latin typeface="Arial (Body)"/>
+              </a:rPr>
+              <a:t> do </a:t>
+            </a:r>
+            <a:r>
+              <a:rPr lang="en-US" sz="1600" dirty="0" err="1" smtClean="0">
+                <a:solidFill>
+                  <a:srgbClr val="FF0000"/>
+                </a:solidFill>
+                <a:latin typeface="Arial (Body)"/>
+              </a:rPr>
+              <a:t>lựa</a:t>
+            </a:r>
+            <a:r>
+              <a:rPr lang="en-US" sz="1600" dirty="0" smtClean="0">
+                <a:solidFill>
+                  <a:srgbClr val="FF0000"/>
+                </a:solidFill>
+                <a:latin typeface="Arial (Body)"/>
+              </a:rPr>
+              <a:t> </a:t>
+            </a:r>
+            <a:r>
+              <a:rPr lang="en-US" sz="1600" dirty="0" err="1" smtClean="0">
+                <a:solidFill>
+                  <a:srgbClr val="FF0000"/>
+                </a:solidFill>
+                <a:latin typeface="Arial (Body)"/>
+              </a:rPr>
+              <a:t>chọn</a:t>
+            </a:r>
+            <a:r>
+              <a:rPr lang="en-US" sz="1600" dirty="0" smtClean="0">
+                <a:solidFill>
+                  <a:srgbClr val="FF0000"/>
+                </a:solidFill>
+                <a:latin typeface="Arial (Body)"/>
+              </a:rPr>
+              <a:t> </a:t>
+            </a:r>
+            <a:r>
+              <a:rPr lang="en-US" sz="1600" dirty="0" err="1" smtClean="0">
+                <a:solidFill>
+                  <a:srgbClr val="FF0000"/>
+                </a:solidFill>
+                <a:latin typeface="Arial (Body)"/>
+              </a:rPr>
+              <a:t>giải</a:t>
+            </a:r>
+            <a:r>
+              <a:rPr lang="en-US" sz="1600" dirty="0" smtClean="0">
+                <a:solidFill>
+                  <a:srgbClr val="FF0000"/>
+                </a:solidFill>
+                <a:latin typeface="Arial (Body)"/>
+              </a:rPr>
+              <a:t> </a:t>
+            </a:r>
+            <a:r>
+              <a:rPr lang="en-US" sz="1600" dirty="0" err="1" smtClean="0">
+                <a:solidFill>
+                  <a:srgbClr val="FF0000"/>
+                </a:solidFill>
+                <a:latin typeface="Arial (Body)"/>
+              </a:rPr>
+              <a:t>pháp</a:t>
+            </a:r>
+            <a:r>
+              <a:rPr lang="en-US" sz="1600" dirty="0" smtClean="0">
+                <a:solidFill>
+                  <a:srgbClr val="FF0000"/>
+                </a:solidFill>
+                <a:latin typeface="Arial (Body)"/>
+              </a:rPr>
+              <a:t> </a:t>
+            </a:r>
           </a:p>
         </p:txBody>
       </p:sp>
@@ -9657,7 +9076,7 @@
     </p:spTree>
     <p:extLst>
       <p:ext uri="{BB962C8B-B14F-4D97-AF65-F5344CB8AC3E}">
-        <p14:creationId xmlns:p14="http://schemas.microsoft.com/office/powerpoint/2010/main" val="3113774399"/>
+        <p14:creationId xmlns:p14="http://schemas.microsoft.com/office/powerpoint/2010/main" val="3067850486"/>
       </p:ext>
     </p:extLst>
   </p:cSld>
@@ -9723,7 +9142,7 @@
                 </a:solidFill>
                 <a:latin typeface="Arial" panose="020B0604020202020204" pitchFamily="34" charset="0"/>
               </a:rPr>
-              <a:t>ĐỊNH HƯỚNG VÀ GIẢI PHÁP(2/)</a:t>
+              <a:t>ĐỊNH HƯỚNG VÀ GIẢI PHÁP(5/)</a:t>
             </a:r>
             <a:endParaRPr lang="en-US" sz="3000" b="1" dirty="0">
               <a:solidFill>
@@ -9757,375 +9176,27 @@
           <a:lstStyle/>
           <a:p>
             <a:r>
-              <a:rPr lang="en-US" sz="3200" dirty="0" err="1" smtClean="0">
+              <a:rPr lang="en-US" dirty="0" smtClean="0">
                 <a:solidFill>
                   <a:srgbClr val="008000"/>
                 </a:solidFill>
                 <a:latin typeface="Arial (Body)"/>
               </a:rPr>
-              <a:t>Tham</a:t>
-            </a:r>
-            <a:r>
-              <a:rPr lang="en-US" sz="3200" dirty="0" smtClean="0">
+              <a:t>Ruby: </a:t>
+            </a:r>
+            <a:r>
+              <a:rPr lang="en-US" dirty="0" err="1" smtClean="0">
                 <a:solidFill>
                   <a:srgbClr val="008000"/>
                 </a:solidFill>
                 <a:latin typeface="Arial (Body)"/>
               </a:rPr>
-              <a:t> </a:t>
-            </a:r>
-            <a:r>
-              <a:rPr lang="en-US" sz="3200" dirty="0" err="1" smtClean="0">
-                <a:solidFill>
-                  <a:srgbClr val="008000"/>
-                </a:solidFill>
-                <a:latin typeface="Arial (Body)"/>
-              </a:rPr>
-              <a:t>khảo</a:t>
-            </a:r>
-            <a:r>
-              <a:rPr lang="en-US" sz="3200" dirty="0" smtClean="0">
-                <a:solidFill>
-                  <a:srgbClr val="008000"/>
-                </a:solidFill>
-                <a:latin typeface="Arial (Body)"/>
-              </a:rPr>
-              <a:t> </a:t>
-            </a:r>
-            <a:r>
-              <a:rPr lang="en-US" sz="3200" dirty="0" err="1" smtClean="0">
-                <a:solidFill>
-                  <a:srgbClr val="008000"/>
-                </a:solidFill>
-                <a:latin typeface="Arial (Body)"/>
-              </a:rPr>
-              <a:t>và</a:t>
-            </a:r>
-            <a:r>
-              <a:rPr lang="en-US" sz="3200" dirty="0" smtClean="0">
-                <a:solidFill>
-                  <a:srgbClr val="008000"/>
-                </a:solidFill>
-                <a:latin typeface="Arial (Body)"/>
-              </a:rPr>
-              <a:t> </a:t>
-            </a:r>
-            <a:r>
-              <a:rPr lang="en-US" sz="3200" dirty="0" err="1" smtClean="0">
-                <a:solidFill>
-                  <a:srgbClr val="008000"/>
-                </a:solidFill>
-                <a:latin typeface="Arial (Body)"/>
-              </a:rPr>
-              <a:t>vận</a:t>
-            </a:r>
-            <a:r>
-              <a:rPr lang="en-US" sz="3200" dirty="0" smtClean="0">
-                <a:solidFill>
-                  <a:srgbClr val="008000"/>
-                </a:solidFill>
-                <a:latin typeface="Arial (Body)"/>
-              </a:rPr>
-              <a:t> </a:t>
-            </a:r>
-            <a:r>
-              <a:rPr lang="en-US" sz="3200" dirty="0" err="1" smtClean="0">
-                <a:solidFill>
-                  <a:srgbClr val="008000"/>
-                </a:solidFill>
-                <a:latin typeface="Arial (Body)"/>
-              </a:rPr>
-              <a:t>dụng</a:t>
-            </a:r>
-            <a:r>
-              <a:rPr lang="en-US" sz="3200" dirty="0" smtClean="0">
-                <a:solidFill>
-                  <a:srgbClr val="008000"/>
-                </a:solidFill>
-                <a:latin typeface="Arial (Body)"/>
-              </a:rPr>
-              <a:t> </a:t>
-            </a:r>
-            <a:r>
-              <a:rPr lang="en-US" sz="3200" dirty="0" err="1" smtClean="0">
-                <a:solidFill>
-                  <a:srgbClr val="008000"/>
-                </a:solidFill>
-                <a:latin typeface="Arial (Body)"/>
-              </a:rPr>
-              <a:t>theo</a:t>
-            </a:r>
-            <a:r>
-              <a:rPr lang="en-US" sz="3200" dirty="0" smtClean="0">
-                <a:solidFill>
-                  <a:srgbClr val="008000"/>
-                </a:solidFill>
-                <a:latin typeface="Arial (Body)"/>
-              </a:rPr>
-              <a:t> </a:t>
-            </a:r>
-            <a:r>
-              <a:rPr lang="en-US" sz="3200" dirty="0" err="1" smtClean="0">
-                <a:solidFill>
-                  <a:srgbClr val="008000"/>
-                </a:solidFill>
-                <a:latin typeface="Arial (Body)"/>
-              </a:rPr>
-              <a:t>phần</a:t>
-            </a:r>
-            <a:r>
-              <a:rPr lang="en-US" sz="3200" dirty="0" smtClean="0">
-                <a:solidFill>
-                  <a:srgbClr val="008000"/>
-                </a:solidFill>
-                <a:latin typeface="Arial (Body)"/>
-              </a:rPr>
-              <a:t> </a:t>
-            </a:r>
-            <a:r>
-              <a:rPr lang="en-US" sz="3200" dirty="0" err="1" smtClean="0">
-                <a:solidFill>
-                  <a:srgbClr val="008000"/>
-                </a:solidFill>
-                <a:latin typeface="Arial (Body)"/>
-              </a:rPr>
-              <a:t>mềm</a:t>
-            </a:r>
-            <a:r>
-              <a:rPr lang="en-US" sz="3200" dirty="0" smtClean="0">
-                <a:solidFill>
-                  <a:srgbClr val="008000"/>
-                </a:solidFill>
-                <a:latin typeface="Arial (Body)"/>
-              </a:rPr>
-              <a:t> INSTAGRAM </a:t>
-            </a:r>
-          </a:p>
-          <a:p>
-            <a:pPr algn="just"/>
-            <a:r>
-              <a:rPr lang="en-US" dirty="0" err="1" smtClean="0">
-                <a:latin typeface="Arial (Body)"/>
-              </a:rPr>
-              <a:t>Instagram</a:t>
-            </a:r>
-            <a:r>
-              <a:rPr lang="en-US" dirty="0" smtClean="0">
-                <a:latin typeface="Arial (Body)"/>
-              </a:rPr>
-              <a:t>: </a:t>
-            </a:r>
-          </a:p>
-          <a:p>
-            <a:pPr lvl="1" algn="just"/>
-            <a:r>
-              <a:rPr lang="en-US" sz="2800" dirty="0" err="1" smtClean="0">
-                <a:latin typeface="Arial (Body)"/>
-              </a:rPr>
-              <a:t>Miễn</a:t>
-            </a:r>
-            <a:r>
-              <a:rPr lang="en-US" sz="2800" dirty="0" smtClean="0">
-                <a:latin typeface="Arial (Body)"/>
-              </a:rPr>
-              <a:t> </a:t>
-            </a:r>
-            <a:r>
-              <a:rPr lang="en-US" sz="2800" dirty="0" err="1" smtClean="0">
-                <a:latin typeface="Arial (Body)"/>
-              </a:rPr>
-              <a:t>phí</a:t>
-            </a:r>
-            <a:endParaRPr lang="en-US" sz="2800" dirty="0" smtClean="0">
-              <a:latin typeface="Arial (Body)"/>
-            </a:endParaRPr>
-          </a:p>
-          <a:p>
-            <a:pPr lvl="1" algn="just"/>
-            <a:r>
-              <a:rPr lang="en-US" sz="2800" dirty="0" err="1" smtClean="0">
-                <a:latin typeface="Arial (Body)"/>
-              </a:rPr>
-              <a:t>Hấp</a:t>
-            </a:r>
-            <a:r>
-              <a:rPr lang="en-US" sz="2800" dirty="0" smtClean="0">
-                <a:latin typeface="Arial (Body)"/>
-              </a:rPr>
-              <a:t> </a:t>
-            </a:r>
-            <a:r>
-              <a:rPr lang="en-US" sz="2800" dirty="0" err="1" smtClean="0">
-                <a:latin typeface="Arial (Body)"/>
-              </a:rPr>
-              <a:t>dẫn</a:t>
-            </a:r>
-            <a:r>
-              <a:rPr lang="en-US" sz="2800" dirty="0" smtClean="0">
-                <a:latin typeface="Arial (Body)"/>
-              </a:rPr>
-              <a:t>: </a:t>
-            </a:r>
-            <a:r>
-              <a:rPr lang="en-US" sz="2800" dirty="0" err="1" smtClean="0">
-                <a:latin typeface="Arial (Body)"/>
-              </a:rPr>
-              <a:t>chỉnh</a:t>
-            </a:r>
-            <a:r>
-              <a:rPr lang="en-US" sz="2800" dirty="0" smtClean="0">
-                <a:latin typeface="Arial (Body)"/>
-              </a:rPr>
-              <a:t> </a:t>
-            </a:r>
-            <a:r>
-              <a:rPr lang="en-US" sz="2800" dirty="0" err="1" smtClean="0">
-                <a:latin typeface="Arial (Body)"/>
-              </a:rPr>
-              <a:t>sửa</a:t>
-            </a:r>
-            <a:r>
-              <a:rPr lang="en-US" sz="2800" dirty="0" smtClean="0">
-                <a:latin typeface="Arial (Body)"/>
-              </a:rPr>
-              <a:t> </a:t>
-            </a:r>
-            <a:r>
-              <a:rPr lang="en-US" sz="2800" dirty="0" err="1" smtClean="0">
-                <a:latin typeface="Arial (Body)"/>
-              </a:rPr>
-              <a:t>ảnh</a:t>
-            </a:r>
-            <a:r>
-              <a:rPr lang="en-US" sz="2800" dirty="0" smtClean="0">
-                <a:latin typeface="Arial (Body)"/>
-              </a:rPr>
-              <a:t>, </a:t>
-            </a:r>
-            <a:r>
-              <a:rPr lang="en-US" sz="2800" dirty="0" err="1" smtClean="0">
-                <a:latin typeface="Arial (Body)"/>
-              </a:rPr>
-              <a:t>lưu</a:t>
-            </a:r>
-            <a:r>
-              <a:rPr lang="en-US" sz="2800" dirty="0" smtClean="0">
-                <a:latin typeface="Arial (Body)"/>
-              </a:rPr>
-              <a:t> </a:t>
-            </a:r>
-            <a:r>
-              <a:rPr lang="en-US" sz="2800" dirty="0" err="1" smtClean="0">
-                <a:latin typeface="Arial (Body)"/>
-              </a:rPr>
-              <a:t>ảnh</a:t>
-            </a:r>
-            <a:r>
-              <a:rPr lang="en-US" sz="2800" dirty="0" smtClean="0">
-                <a:latin typeface="Arial (Body)"/>
-              </a:rPr>
-              <a:t>, chia </a:t>
-            </a:r>
-            <a:r>
-              <a:rPr lang="en-US" sz="2800" dirty="0" err="1" smtClean="0">
-                <a:latin typeface="Arial (Body)"/>
-              </a:rPr>
-              <a:t>sẻ</a:t>
-            </a:r>
-            <a:r>
-              <a:rPr lang="en-US" sz="2800" dirty="0" smtClean="0">
-                <a:latin typeface="Arial (Body)"/>
-              </a:rPr>
-              <a:t> </a:t>
-            </a:r>
-            <a:r>
-              <a:rPr lang="en-US" sz="2800" dirty="0" err="1" smtClean="0">
-                <a:latin typeface="Arial (Body)"/>
-              </a:rPr>
-              <a:t>với</a:t>
-            </a:r>
-            <a:r>
-              <a:rPr lang="en-US" sz="2800" dirty="0" smtClean="0">
-                <a:latin typeface="Arial (Body)"/>
-              </a:rPr>
-              <a:t> </a:t>
-            </a:r>
-            <a:r>
-              <a:rPr lang="en-US" sz="2800" dirty="0" err="1" smtClean="0">
-                <a:latin typeface="Arial (Body)"/>
-              </a:rPr>
-              <a:t>bạn</a:t>
-            </a:r>
-            <a:r>
-              <a:rPr lang="en-US" sz="2800" dirty="0" smtClean="0">
-                <a:latin typeface="Arial (Body)"/>
-              </a:rPr>
-              <a:t> </a:t>
-            </a:r>
-            <a:r>
-              <a:rPr lang="en-US" sz="2800" dirty="0" err="1" smtClean="0">
-                <a:latin typeface="Arial (Body)"/>
-              </a:rPr>
-              <a:t>bè</a:t>
-            </a:r>
-            <a:r>
-              <a:rPr lang="en-US" sz="2800" dirty="0" smtClean="0">
-                <a:latin typeface="Arial (Body)"/>
-              </a:rPr>
-              <a:t>.</a:t>
-            </a:r>
-          </a:p>
-          <a:p>
-            <a:pPr lvl="1" algn="just"/>
-            <a:r>
-              <a:rPr lang="en-US" sz="2800" dirty="0" smtClean="0">
-                <a:latin typeface="Arial (Body)"/>
-              </a:rPr>
-              <a:t>Upload </a:t>
-            </a:r>
-            <a:r>
-              <a:rPr lang="en-US" sz="2800" dirty="0" err="1" smtClean="0">
-                <a:latin typeface="Arial (Body)"/>
-              </a:rPr>
-              <a:t>ảnh</a:t>
-            </a:r>
-            <a:r>
-              <a:rPr lang="en-US" sz="2800" dirty="0" smtClean="0">
-                <a:latin typeface="Arial (Body)"/>
-              </a:rPr>
-              <a:t> </a:t>
-            </a:r>
-            <a:r>
-              <a:rPr lang="en-US" sz="2800" dirty="0" err="1" smtClean="0">
-                <a:latin typeface="Arial (Body)"/>
-              </a:rPr>
-              <a:t>không</a:t>
-            </a:r>
-            <a:r>
-              <a:rPr lang="en-US" sz="2800" dirty="0" smtClean="0">
-                <a:latin typeface="Arial (Body)"/>
-              </a:rPr>
-              <a:t> </a:t>
-            </a:r>
-            <a:r>
-              <a:rPr lang="en-US" sz="2800" dirty="0" err="1" smtClean="0">
-                <a:latin typeface="Arial (Body)"/>
-              </a:rPr>
-              <a:t>giới</a:t>
-            </a:r>
-            <a:r>
-              <a:rPr lang="en-US" sz="2800" dirty="0" smtClean="0">
-                <a:latin typeface="Arial (Body)"/>
-              </a:rPr>
-              <a:t> </a:t>
-            </a:r>
-            <a:r>
-              <a:rPr lang="en-US" sz="2800" dirty="0" err="1" smtClean="0">
-                <a:latin typeface="Arial (Body)"/>
-              </a:rPr>
-              <a:t>hạn</a:t>
-            </a:r>
-            <a:endParaRPr lang="vi-VN" sz="2800" dirty="0" smtClean="0">
+              <a:t>Lợi</a:t>
+            </a:r>
+            <a:endParaRPr lang="vi-VN" dirty="0">
+              <a:solidFill>
+                <a:srgbClr val="000000"/>
+              </a:solidFill>
               <a:latin typeface="Arial (Body)"/>
             </a:endParaRPr>
           </a:p>
@@ -10190,7 +9261,7 @@
     </p:spTree>
     <p:extLst>
       <p:ext uri="{BB962C8B-B14F-4D97-AF65-F5344CB8AC3E}">
-        <p14:creationId xmlns:p14="http://schemas.microsoft.com/office/powerpoint/2010/main" val="4100855962"/>
+        <p14:creationId xmlns:p14="http://schemas.microsoft.com/office/powerpoint/2010/main" val="1630109674"/>
       </p:ext>
     </p:extLst>
   </p:cSld>
@@ -10250,15 +9321,15 @@
           <a:lstStyle/>
           <a:p>
             <a:r>
-              <a:rPr lang="en-US" sz="3000" b="1" dirty="0" smtClean="0">
+              <a:rPr lang="en-US" sz="3000" b="1" smtClean="0">
                 <a:solidFill>
                   <a:schemeClr val="bg1"/>
                 </a:solidFill>
                 <a:latin typeface="Arial" panose="020B0604020202020204" pitchFamily="34" charset="0"/>
               </a:rPr>
-              <a:t>ĐỊNH HƯỚNG VÀ GIẢI PHÁP(3/)</a:t>
-            </a:r>
-            <a:endParaRPr lang="en-US" sz="3000" b="1" dirty="0">
+              <a:t>PHÂN TÍCH THIẾT KẾ VÀ TRIỂN KHAI</a:t>
+            </a:r>
+            <a:endParaRPr lang="en-US" sz="3000" b="1">
               <a:solidFill>
                 <a:schemeClr val="bg1"/>
               </a:solidFill>
@@ -10287,700 +9358,30 @@
           <a:bodyPr/>
           <a:lstStyle/>
           <a:p>
-            <a:r>
-              <a:rPr lang="en-US" dirty="0" err="1" smtClean="0">
+            <a:pPr>
+              <a:buFont typeface="Wingdings" panose="05000000000000000000" pitchFamily="2" charset="2"/>
+              <a:buChar char="§"/>
+            </a:pPr>
+            <a:r>
+              <a:rPr lang="vi-VN" smtClean="0">
                 <a:solidFill>
                   <a:srgbClr val="008000"/>
                 </a:solidFill>
-                <a:latin typeface="Arial (Body)"/>
-              </a:rPr>
-              <a:t>Tạo</a:t>
-            </a:r>
-            <a:r>
-              <a:rPr lang="en-US" dirty="0" smtClean="0">
+              </a:rPr>
+              <a:t>Sơ</a:t>
+            </a:r>
+            <a:r>
+              <a:rPr lang="en-US" smtClean="0">
                 <a:solidFill>
                   <a:srgbClr val="008000"/>
                 </a:solidFill>
-                <a:latin typeface="Arial (Body)"/>
-              </a:rPr>
-              <a:t> </a:t>
-            </a:r>
-            <a:r>
-              <a:rPr lang="en-US" dirty="0" err="1" smtClean="0">
-                <a:solidFill>
-                  <a:srgbClr val="008000"/>
-                </a:solidFill>
-                <a:latin typeface="Arial (Body)"/>
-              </a:rPr>
-              <a:t>một</a:t>
-            </a:r>
-            <a:r>
-              <a:rPr lang="en-US" dirty="0" smtClean="0">
-                <a:solidFill>
-                  <a:srgbClr val="008000"/>
-                </a:solidFill>
-                <a:latin typeface="Arial (Body)"/>
-              </a:rPr>
-              <a:t> </a:t>
-            </a:r>
-            <a:r>
-              <a:rPr lang="en-US" dirty="0" err="1" smtClean="0">
-                <a:solidFill>
-                  <a:srgbClr val="008000"/>
-                </a:solidFill>
-                <a:latin typeface="Arial (Body)"/>
-              </a:rPr>
-              <a:t>ứng</a:t>
-            </a:r>
-            <a:r>
-              <a:rPr lang="en-US" dirty="0" smtClean="0">
-                <a:solidFill>
-                  <a:srgbClr val="008000"/>
-                </a:solidFill>
-                <a:latin typeface="Arial (Body)"/>
-              </a:rPr>
-              <a:t> </a:t>
-            </a:r>
-            <a:r>
-              <a:rPr lang="en-US" dirty="0" err="1" smtClean="0">
-                <a:solidFill>
-                  <a:srgbClr val="008000"/>
-                </a:solidFill>
-                <a:latin typeface="Arial (Body)"/>
-              </a:rPr>
-              <a:t>dụng</a:t>
-            </a:r>
-            <a:r>
-              <a:rPr lang="en-US" dirty="0" smtClean="0">
-                <a:solidFill>
-                  <a:srgbClr val="008000"/>
-                </a:solidFill>
-                <a:latin typeface="Arial (Body)"/>
-              </a:rPr>
-              <a:t> </a:t>
-            </a:r>
-            <a:r>
-              <a:rPr lang="en-US" dirty="0" err="1" smtClean="0">
-                <a:solidFill>
-                  <a:srgbClr val="008000"/>
-                </a:solidFill>
-                <a:latin typeface="Arial (Body)"/>
-              </a:rPr>
-              <a:t>Instagram_Clone</a:t>
-            </a:r>
-            <a:r>
-              <a:rPr lang="en-US" dirty="0" smtClean="0">
-                <a:solidFill>
-                  <a:srgbClr val="008000"/>
-                </a:solidFill>
-                <a:latin typeface="Arial (Body)"/>
-              </a:rPr>
-              <a:t> </a:t>
-            </a:r>
-            <a:r>
-              <a:rPr lang="en-US" dirty="0" err="1" smtClean="0">
-                <a:solidFill>
-                  <a:srgbClr val="008000"/>
-                </a:solidFill>
-                <a:latin typeface="Arial (Body)"/>
-              </a:rPr>
-              <a:t>đảm</a:t>
-            </a:r>
-            <a:r>
-              <a:rPr lang="en-US" dirty="0" smtClean="0">
-                <a:solidFill>
-                  <a:srgbClr val="008000"/>
-                </a:solidFill>
-                <a:latin typeface="Arial (Body)"/>
-              </a:rPr>
-              <a:t> </a:t>
-            </a:r>
-            <a:r>
-              <a:rPr lang="en-US" dirty="0" err="1" smtClean="0">
-                <a:solidFill>
-                  <a:srgbClr val="008000"/>
-                </a:solidFill>
-                <a:latin typeface="Arial (Body)"/>
-              </a:rPr>
-              <a:t>bảo</a:t>
-            </a:r>
-            <a:r>
-              <a:rPr lang="en-US" dirty="0" smtClean="0">
-                <a:solidFill>
-                  <a:srgbClr val="008000"/>
-                </a:solidFill>
-                <a:latin typeface="Arial (Body)"/>
-              </a:rPr>
-              <a:t> </a:t>
-            </a:r>
-            <a:r>
-              <a:rPr lang="en-US" dirty="0" err="1" smtClean="0">
-                <a:solidFill>
-                  <a:srgbClr val="008000"/>
-                </a:solidFill>
-                <a:latin typeface="Arial (Body)"/>
-              </a:rPr>
-              <a:t>các</a:t>
-            </a:r>
-            <a:r>
-              <a:rPr lang="en-US" dirty="0" smtClean="0">
-                <a:solidFill>
-                  <a:srgbClr val="008000"/>
-                </a:solidFill>
-                <a:latin typeface="Arial (Body)"/>
-              </a:rPr>
-              <a:t> </a:t>
-            </a:r>
-            <a:r>
-              <a:rPr lang="en-US" dirty="0" err="1" smtClean="0">
-                <a:solidFill>
-                  <a:srgbClr val="008000"/>
-                </a:solidFill>
-                <a:latin typeface="Arial (Body)"/>
-              </a:rPr>
-              <a:t>tính</a:t>
-            </a:r>
-            <a:r>
-              <a:rPr lang="en-US" dirty="0" smtClean="0">
-                <a:solidFill>
-                  <a:srgbClr val="008000"/>
-                </a:solidFill>
-                <a:latin typeface="Arial (Body)"/>
-              </a:rPr>
-              <a:t> </a:t>
-            </a:r>
-            <a:r>
-              <a:rPr lang="en-US" dirty="0" err="1" smtClean="0">
-                <a:solidFill>
-                  <a:srgbClr val="008000"/>
-                </a:solidFill>
-                <a:latin typeface="Arial (Body)"/>
-              </a:rPr>
-              <a:t>năng</a:t>
-            </a:r>
-            <a:r>
-              <a:rPr lang="en-US" dirty="0" smtClean="0">
-                <a:solidFill>
-                  <a:srgbClr val="008000"/>
-                </a:solidFill>
-                <a:latin typeface="Arial (Body)"/>
-              </a:rPr>
-              <a:t> </a:t>
-            </a:r>
-            <a:r>
-              <a:rPr lang="en-US" dirty="0" err="1" smtClean="0">
-                <a:solidFill>
-                  <a:srgbClr val="008000"/>
-                </a:solidFill>
-                <a:latin typeface="Arial (Body)"/>
-              </a:rPr>
-              <a:t>như</a:t>
-            </a:r>
-            <a:r>
-              <a:rPr lang="en-US" dirty="0" smtClean="0">
-                <a:solidFill>
-                  <a:srgbClr val="008000"/>
-                </a:solidFill>
-                <a:latin typeface="Arial (Body)"/>
-              </a:rPr>
-              <a:t>:</a:t>
-            </a:r>
-          </a:p>
-          <a:p>
-            <a:pPr lvl="1"/>
-            <a:r>
-              <a:rPr lang="en-US" dirty="0" smtClean="0">
-                <a:latin typeface="Arial (Body)"/>
-              </a:rPr>
-              <a:t>Cho </a:t>
-            </a:r>
-            <a:r>
-              <a:rPr lang="en-US" dirty="0" err="1" smtClean="0">
-                <a:latin typeface="Arial (Body)"/>
-              </a:rPr>
-              <a:t>phép</a:t>
-            </a:r>
-            <a:r>
-              <a:rPr lang="en-US" dirty="0" smtClean="0">
-                <a:latin typeface="Arial (Body)"/>
-              </a:rPr>
-              <a:t> </a:t>
-            </a:r>
-            <a:r>
-              <a:rPr lang="en-US" dirty="0" err="1" smtClean="0">
-                <a:latin typeface="Arial (Body)"/>
-              </a:rPr>
-              <a:t>chụp</a:t>
-            </a:r>
-            <a:r>
-              <a:rPr lang="en-US" dirty="0" smtClean="0">
-                <a:latin typeface="Arial (Body)"/>
-              </a:rPr>
-              <a:t> </a:t>
-            </a:r>
-            <a:r>
-              <a:rPr lang="en-US" dirty="0" err="1" smtClean="0">
-                <a:latin typeface="Arial (Body)"/>
-              </a:rPr>
-              <a:t>ảnh</a:t>
-            </a:r>
-            <a:r>
-              <a:rPr lang="en-US" dirty="0" smtClean="0">
-                <a:latin typeface="Arial (Body)"/>
-              </a:rPr>
-              <a:t> </a:t>
-            </a:r>
-            <a:r>
-              <a:rPr lang="en-US" dirty="0" err="1" smtClean="0">
-                <a:latin typeface="Arial (Body)"/>
-              </a:rPr>
-              <a:t>và</a:t>
-            </a:r>
-            <a:r>
-              <a:rPr lang="en-US" dirty="0" smtClean="0">
-                <a:latin typeface="Arial (Body)"/>
-              </a:rPr>
-              <a:t> </a:t>
-            </a:r>
-            <a:r>
-              <a:rPr lang="en-US" dirty="0" err="1" smtClean="0">
-                <a:latin typeface="Arial (Body)"/>
-              </a:rPr>
-              <a:t>chọn</a:t>
-            </a:r>
-            <a:r>
-              <a:rPr lang="en-US" dirty="0" smtClean="0">
-                <a:latin typeface="Arial (Body)"/>
-              </a:rPr>
-              <a:t> </a:t>
-            </a:r>
-            <a:r>
-              <a:rPr lang="en-US" dirty="0" err="1" smtClean="0">
-                <a:latin typeface="Arial (Body)"/>
-              </a:rPr>
-              <a:t>ảnh</a:t>
-            </a:r>
-            <a:r>
-              <a:rPr lang="en-US" dirty="0" smtClean="0">
-                <a:latin typeface="Arial (Body)"/>
-              </a:rPr>
-              <a:t> </a:t>
-            </a:r>
-            <a:r>
-              <a:rPr lang="en-US" dirty="0" err="1" smtClean="0">
-                <a:latin typeface="Arial (Body)"/>
-              </a:rPr>
-              <a:t>từ</a:t>
-            </a:r>
-            <a:r>
-              <a:rPr lang="en-US" dirty="0" smtClean="0">
-                <a:latin typeface="Arial (Body)"/>
-              </a:rPr>
-              <a:t> </a:t>
-            </a:r>
-            <a:r>
-              <a:rPr lang="en-US" dirty="0" err="1" smtClean="0">
-                <a:latin typeface="Arial (Body)"/>
-              </a:rPr>
-              <a:t>thư</a:t>
-            </a:r>
-            <a:r>
-              <a:rPr lang="en-US" dirty="0" smtClean="0">
-                <a:latin typeface="Arial (Body)"/>
-              </a:rPr>
-              <a:t> </a:t>
-            </a:r>
-            <a:r>
-              <a:rPr lang="en-US" dirty="0" err="1" smtClean="0">
-                <a:latin typeface="Arial (Body)"/>
-              </a:rPr>
-              <a:t>viện</a:t>
-            </a:r>
-            <a:r>
-              <a:rPr lang="en-US" dirty="0" smtClean="0">
-                <a:latin typeface="Arial (Body)"/>
-              </a:rPr>
-              <a:t> </a:t>
-            </a:r>
-            <a:r>
-              <a:rPr lang="en-US" dirty="0" err="1" smtClean="0">
-                <a:latin typeface="Arial (Body)"/>
-              </a:rPr>
-              <a:t>ảnh</a:t>
-            </a:r>
-            <a:r>
-              <a:rPr lang="en-US" dirty="0" smtClean="0">
-                <a:latin typeface="Arial (Body)"/>
-              </a:rPr>
-              <a:t>.</a:t>
-            </a:r>
-          </a:p>
-          <a:p>
-            <a:pPr lvl="1"/>
-            <a:r>
-              <a:rPr lang="vi-VN" dirty="0" smtClean="0">
-                <a:latin typeface="Arial (Body)"/>
-              </a:rPr>
-              <a:t>Cung </a:t>
-            </a:r>
-            <a:r>
-              <a:rPr lang="vi-VN" dirty="0">
-                <a:latin typeface="Arial (Body)"/>
-              </a:rPr>
-              <a:t>cấp các bộ lọc ảnh được thiết kế tùy chỉnh: bao </a:t>
-            </a:r>
-            <a:r>
-              <a:rPr lang="vi-VN" dirty="0" smtClean="0">
-                <a:latin typeface="Arial (Body)"/>
-              </a:rPr>
-              <a:t>gồm</a:t>
-            </a:r>
-            <a:r>
-              <a:rPr lang="en-US" dirty="0" smtClean="0">
-                <a:latin typeface="Arial (Body)"/>
-              </a:rPr>
-              <a:t> </a:t>
-            </a:r>
-            <a:r>
-              <a:rPr lang="en-US" dirty="0" err="1" smtClean="0">
-                <a:latin typeface="Arial (Body)"/>
-              </a:rPr>
-              <a:t>tùy</a:t>
-            </a:r>
-            <a:r>
-              <a:rPr lang="en-US" dirty="0" smtClean="0">
-                <a:latin typeface="Arial (Body)"/>
-              </a:rPr>
-              <a:t> </a:t>
-            </a:r>
-            <a:r>
-              <a:rPr lang="en-US" dirty="0" err="1" smtClean="0">
-                <a:latin typeface="Arial (Body)"/>
-              </a:rPr>
-              <a:t>chỉnh</a:t>
-            </a:r>
-            <a:r>
-              <a:rPr lang="en-US" dirty="0" smtClean="0">
-                <a:latin typeface="Arial (Body)"/>
-              </a:rPr>
-              <a:t> </a:t>
-            </a:r>
-            <a:r>
-              <a:rPr lang="en-US" dirty="0" err="1" smtClean="0">
-                <a:latin typeface="Arial (Body)"/>
-              </a:rPr>
-              <a:t>sáng</a:t>
-            </a:r>
-            <a:r>
-              <a:rPr lang="en-US" dirty="0" smtClean="0">
-                <a:latin typeface="Arial (Body)"/>
-              </a:rPr>
-              <a:t> </a:t>
-            </a:r>
-            <a:r>
-              <a:rPr lang="en-US" dirty="0" err="1" smtClean="0">
-                <a:latin typeface="Arial (Body)"/>
-              </a:rPr>
-              <a:t>tối</a:t>
-            </a:r>
-            <a:r>
-              <a:rPr lang="en-US" dirty="0" smtClean="0">
-                <a:latin typeface="Arial (Body)"/>
-              </a:rPr>
-              <a:t>, </a:t>
-            </a:r>
-            <a:r>
-              <a:rPr lang="en-US" dirty="0" err="1" smtClean="0">
-                <a:latin typeface="Arial (Body)"/>
-              </a:rPr>
-              <a:t>sắc</a:t>
-            </a:r>
-            <a:r>
-              <a:rPr lang="en-US" dirty="0" smtClean="0">
-                <a:latin typeface="Arial (Body)"/>
-              </a:rPr>
-              <a:t> </a:t>
-            </a:r>
-            <a:r>
-              <a:rPr lang="en-US" dirty="0" err="1" smtClean="0">
-                <a:latin typeface="Arial (Body)"/>
-              </a:rPr>
-              <a:t>nét,tương</a:t>
-            </a:r>
-            <a:r>
-              <a:rPr lang="en-US" dirty="0" smtClean="0">
-                <a:latin typeface="Arial (Body)"/>
-              </a:rPr>
-              <a:t> </a:t>
-            </a:r>
-            <a:r>
-              <a:rPr lang="en-US" dirty="0" err="1" smtClean="0">
-                <a:latin typeface="Arial (Body)"/>
-              </a:rPr>
-              <a:t>phản&amp;chỉnh</a:t>
-            </a:r>
-            <a:r>
-              <a:rPr lang="en-US" dirty="0" smtClean="0">
-                <a:latin typeface="Arial (Body)"/>
-              </a:rPr>
-              <a:t> </a:t>
-            </a:r>
-            <a:r>
-              <a:rPr lang="en-US" dirty="0" err="1" smtClean="0">
-                <a:latin typeface="Arial (Body)"/>
-              </a:rPr>
-              <a:t>màu</a:t>
-            </a:r>
-            <a:r>
-              <a:rPr lang="en-US" dirty="0" smtClean="0">
-                <a:latin typeface="Arial (Body)"/>
-              </a:rPr>
-              <a:t>…</a:t>
-            </a:r>
-            <a:endParaRPr lang="vi-VN" dirty="0">
-              <a:latin typeface="Arial (Body)"/>
-            </a:endParaRPr>
-          </a:p>
-          <a:p>
-            <a:pPr lvl="1"/>
-            <a:r>
-              <a:rPr lang="vi-VN" dirty="0">
-                <a:latin typeface="Arial (Body)"/>
-              </a:rPr>
-              <a:t>Hỗ trợ chia sẻ ảnh và video tức thời lên các mạng xã hội phổ biến như Facebook, </a:t>
-            </a:r>
-            <a:r>
-              <a:rPr lang="vi-VN" dirty="0" smtClean="0">
-                <a:latin typeface="Arial (Body)"/>
-              </a:rPr>
-              <a:t>Twitter</a:t>
-            </a:r>
-            <a:r>
-              <a:rPr lang="en-US" dirty="0" smtClean="0">
-                <a:latin typeface="Arial (Body)"/>
-              </a:rPr>
-              <a:t>, server LTT_Team8 (</a:t>
-            </a:r>
-            <a:r>
-              <a:rPr lang="en-US" dirty="0" err="1" smtClean="0">
-                <a:latin typeface="Arial (Body)"/>
-              </a:rPr>
-              <a:t>tự</a:t>
-            </a:r>
-            <a:r>
-              <a:rPr lang="en-US" dirty="0" smtClean="0">
-                <a:latin typeface="Arial (Body)"/>
-              </a:rPr>
-              <a:t> </a:t>
-            </a:r>
-            <a:r>
-              <a:rPr lang="en-US" dirty="0" err="1" smtClean="0">
-                <a:latin typeface="Arial (Body)"/>
-              </a:rPr>
-              <a:t>xây</a:t>
-            </a:r>
-            <a:r>
-              <a:rPr lang="en-US" dirty="0" smtClean="0">
-                <a:latin typeface="Arial (Body)"/>
-              </a:rPr>
-              <a:t> </a:t>
-            </a:r>
-            <a:r>
-              <a:rPr lang="en-US" dirty="0" err="1" smtClean="0">
-                <a:latin typeface="Arial (Body)"/>
-              </a:rPr>
-              <a:t>dựng</a:t>
-            </a:r>
-            <a:r>
-              <a:rPr lang="en-US" dirty="0" smtClean="0">
-                <a:latin typeface="Arial (Body)"/>
-              </a:rPr>
-              <a:t>).</a:t>
-            </a:r>
-            <a:endParaRPr lang="vi-VN" dirty="0">
-              <a:latin typeface="Arial (Body)"/>
-            </a:endParaRPr>
-          </a:p>
-          <a:p>
-            <a:pPr lvl="1"/>
-            <a:r>
-              <a:rPr lang="vi-VN" dirty="0">
-                <a:latin typeface="Arial (Body)"/>
-              </a:rPr>
-              <a:t>Cho phép </a:t>
-            </a:r>
-            <a:r>
-              <a:rPr lang="en-US" dirty="0" smtClean="0">
-                <a:latin typeface="Arial (Body)"/>
-              </a:rPr>
-              <a:t>upload</a:t>
-            </a:r>
-            <a:r>
-              <a:rPr lang="vi-VN" dirty="0" smtClean="0">
-                <a:latin typeface="Arial (Body)"/>
-              </a:rPr>
-              <a:t> </a:t>
-            </a:r>
-            <a:r>
-              <a:rPr lang="vi-VN" dirty="0">
-                <a:latin typeface="Arial (Body)"/>
-              </a:rPr>
-              <a:t>không giới hạn.</a:t>
-            </a:r>
-          </a:p>
-          <a:p>
-            <a:pPr lvl="1"/>
-            <a:r>
-              <a:rPr lang="vi-VN" dirty="0">
-                <a:latin typeface="Arial (Body)"/>
-              </a:rPr>
-              <a:t>Hỗ trợ camera </a:t>
-            </a:r>
-            <a:r>
-              <a:rPr lang="en-US" dirty="0" err="1" smtClean="0">
-                <a:latin typeface="Arial (Body)"/>
-              </a:rPr>
-              <a:t>trước</a:t>
-            </a:r>
-            <a:r>
-              <a:rPr lang="en-US" dirty="0" smtClean="0">
-                <a:latin typeface="Arial (Body)"/>
-              </a:rPr>
-              <a:t> </a:t>
-            </a:r>
-            <a:r>
-              <a:rPr lang="en-US" dirty="0" err="1" smtClean="0">
-                <a:latin typeface="Arial (Body)"/>
-              </a:rPr>
-              <a:t>và</a:t>
-            </a:r>
-            <a:r>
-              <a:rPr lang="en-US" dirty="0" smtClean="0">
-                <a:latin typeface="Arial (Body)"/>
-              </a:rPr>
-              <a:t> </a:t>
-            </a:r>
-            <a:r>
-              <a:rPr lang="en-US" dirty="0" err="1" smtClean="0">
-                <a:latin typeface="Arial (Body)"/>
-              </a:rPr>
-              <a:t>sau</a:t>
-            </a:r>
-            <a:r>
-              <a:rPr lang="en-US" dirty="0" smtClean="0">
-                <a:latin typeface="Arial (Body)"/>
-              </a:rPr>
-              <a:t>.</a:t>
-            </a:r>
-          </a:p>
-          <a:p>
-            <a:pPr lvl="1"/>
-            <a:r>
-              <a:rPr lang="en-US" dirty="0" err="1" smtClean="0">
-                <a:latin typeface="Arial (Body)"/>
-              </a:rPr>
-              <a:t>Hỗ</a:t>
-            </a:r>
-            <a:r>
-              <a:rPr lang="en-US" dirty="0" smtClean="0">
-                <a:latin typeface="Arial (Body)"/>
-              </a:rPr>
-              <a:t> </a:t>
-            </a:r>
-            <a:r>
-              <a:rPr lang="en-US" dirty="0" err="1" smtClean="0">
-                <a:latin typeface="Arial (Body)"/>
-              </a:rPr>
-              <a:t>trợ</a:t>
-            </a:r>
-            <a:r>
-              <a:rPr lang="en-US" dirty="0" smtClean="0">
-                <a:latin typeface="Arial (Body)"/>
-              </a:rPr>
-              <a:t> flash.</a:t>
-            </a:r>
-          </a:p>
-          <a:p>
-            <a:pPr lvl="1"/>
-            <a:r>
-              <a:rPr lang="en-US" dirty="0" err="1" smtClean="0">
-                <a:latin typeface="Arial (Body)"/>
-              </a:rPr>
-              <a:t>Tham</a:t>
-            </a:r>
-            <a:r>
-              <a:rPr lang="en-US" dirty="0" smtClean="0">
-                <a:latin typeface="Arial (Body)"/>
-              </a:rPr>
-              <a:t> </a:t>
-            </a:r>
-            <a:r>
-              <a:rPr lang="en-US" dirty="0" err="1" smtClean="0">
-                <a:latin typeface="Arial (Body)"/>
-              </a:rPr>
-              <a:t>gia</a:t>
-            </a:r>
-            <a:r>
-              <a:rPr lang="en-US" dirty="0" smtClean="0">
-                <a:latin typeface="Arial (Body)"/>
-              </a:rPr>
-              <a:t> </a:t>
-            </a:r>
-            <a:r>
-              <a:rPr lang="en-US" dirty="0" err="1" smtClean="0">
-                <a:latin typeface="Arial (Body)"/>
-              </a:rPr>
-              <a:t>vào</a:t>
-            </a:r>
-            <a:r>
-              <a:rPr lang="en-US" dirty="0" smtClean="0">
-                <a:latin typeface="Arial (Body)"/>
-              </a:rPr>
-              <a:t> </a:t>
-            </a:r>
-            <a:r>
-              <a:rPr lang="en-US" dirty="0" err="1" smtClean="0">
-                <a:latin typeface="Arial (Body)"/>
-              </a:rPr>
-              <a:t>mạng</a:t>
-            </a:r>
-            <a:r>
-              <a:rPr lang="en-US" dirty="0" smtClean="0">
-                <a:latin typeface="Arial (Body)"/>
-              </a:rPr>
-              <a:t> </a:t>
-            </a:r>
-            <a:r>
-              <a:rPr lang="en-US" dirty="0" err="1" smtClean="0">
-                <a:latin typeface="Arial (Body)"/>
-              </a:rPr>
-              <a:t>xã</a:t>
-            </a:r>
-            <a:r>
-              <a:rPr lang="en-US" dirty="0" smtClean="0">
-                <a:latin typeface="Arial (Body)"/>
-              </a:rPr>
-              <a:t> </a:t>
-            </a:r>
-            <a:r>
-              <a:rPr lang="en-US" dirty="0" err="1" smtClean="0">
-                <a:latin typeface="Arial (Body)"/>
-              </a:rPr>
-              <a:t>hội</a:t>
-            </a:r>
-            <a:endParaRPr lang="en-US" dirty="0" smtClean="0">
-              <a:latin typeface="Arial (Body)"/>
-            </a:endParaRPr>
-          </a:p>
-          <a:p>
-            <a:pPr marL="0" indent="0">
-              <a:buNone/>
-            </a:pPr>
-            <a:endParaRPr lang="vi-VN" dirty="0" smtClean="0">
+              </a:rPr>
+              <a:t> đồ UseCase</a:t>
+            </a:r>
+            <a:endParaRPr lang="vi-VN" smtClean="0">
               <a:solidFill>
                 <a:srgbClr val="008000"/>
               </a:solidFill>
-              <a:latin typeface="Arial (Body)"/>
             </a:endParaRPr>
           </a:p>
         </p:txBody>
@@ -11041,10 +9442,40 @@
           </a:p>
         </p:txBody>
       </p:sp>
+      <p:pic>
+        <p:nvPicPr>
+          <p:cNvPr id="7" name="Picture 6" descr="userCase.png"/>
+          <p:cNvPicPr>
+            <a:picLocks noChangeAspect="1"/>
+          </p:cNvPicPr>
+          <p:nvPr/>
+        </p:nvPicPr>
+        <p:blipFill>
+          <a:blip r:embed="rId3">
+            <a:extLst>
+              <a:ext uri="{28A0092B-C50C-407E-A947-70E740481C1C}">
+                <a14:useLocalDpi xmlns:a14="http://schemas.microsoft.com/office/drawing/2010/main" val="0"/>
+              </a:ext>
+            </a:extLst>
+          </a:blip>
+          <a:stretch>
+            <a:fillRect/>
+          </a:stretch>
+        </p:blipFill>
+        <p:spPr>
+          <a:xfrm>
+            <a:off x="0" y="782456"/>
+            <a:ext cx="9144000" cy="6075544"/>
+          </a:xfrm>
+          <a:prstGeom prst="rect">
+            <a:avLst/>
+          </a:prstGeom>
+        </p:spPr>
+      </p:pic>
     </p:spTree>
     <p:extLst>
       <p:ext uri="{BB962C8B-B14F-4D97-AF65-F5344CB8AC3E}">
-        <p14:creationId xmlns:p14="http://schemas.microsoft.com/office/powerpoint/2010/main" val="3796118520"/>
+        <p14:creationId xmlns:p14="http://schemas.microsoft.com/office/powerpoint/2010/main" val="2809761952"/>
       </p:ext>
     </p:extLst>
   </p:cSld>
@@ -11104,15 +9535,15 @@
           <a:lstStyle/>
           <a:p>
             <a:r>
-              <a:rPr lang="en-US" sz="3000" b="1" dirty="0" smtClean="0">
+              <a:rPr lang="en-US" sz="3000" b="1" smtClean="0">
                 <a:solidFill>
                   <a:schemeClr val="bg1"/>
                 </a:solidFill>
                 <a:latin typeface="Arial" panose="020B0604020202020204" pitchFamily="34" charset="0"/>
               </a:rPr>
-              <a:t>ĐỊNH HƯỚNG VÀ GIẢI PHÁP(4/)</a:t>
-            </a:r>
-            <a:endParaRPr lang="en-US" sz="3000" b="1" dirty="0">
+              <a:t>PHÂN TÍCH THIẾT KẾ VÀ TRIỂN KHAI</a:t>
+            </a:r>
+            <a:endParaRPr lang="en-US" sz="3000" b="1">
               <a:solidFill>
                 <a:schemeClr val="bg1"/>
               </a:solidFill>
@@ -11141,664 +9572,30 @@
           <a:bodyPr/>
           <a:lstStyle/>
           <a:p>
-            <a:r>
-              <a:rPr lang="en-US" dirty="0" err="1" smtClean="0">
+            <a:pPr>
+              <a:buFont typeface="Wingdings" panose="05000000000000000000" pitchFamily="2" charset="2"/>
+              <a:buChar char="§"/>
+            </a:pPr>
+            <a:r>
+              <a:rPr lang="vi-VN" smtClean="0">
                 <a:solidFill>
                   <a:srgbClr val="008000"/>
                 </a:solidFill>
-                <a:latin typeface="Arial (Body)"/>
-              </a:rPr>
-              <a:t>Giải</a:t>
-            </a:r>
-            <a:r>
-              <a:rPr lang="en-US" dirty="0" smtClean="0">
+              </a:rPr>
+              <a:t>Sơ</a:t>
+            </a:r>
+            <a:r>
+              <a:rPr lang="en-US" smtClean="0">
                 <a:solidFill>
                   <a:srgbClr val="008000"/>
                 </a:solidFill>
-                <a:latin typeface="Arial (Body)"/>
-              </a:rPr>
-              <a:t> </a:t>
-            </a:r>
-            <a:r>
-              <a:rPr lang="en-US" dirty="0" err="1" smtClean="0">
-                <a:solidFill>
-                  <a:srgbClr val="008000"/>
-                </a:solidFill>
-                <a:latin typeface="Arial (Body)"/>
-              </a:rPr>
-              <a:t>pháp</a:t>
-            </a:r>
-            <a:r>
-              <a:rPr lang="en-US" dirty="0" smtClean="0">
-                <a:solidFill>
-                  <a:srgbClr val="008000"/>
-                </a:solidFill>
-                <a:latin typeface="Arial (Body)"/>
-              </a:rPr>
-              <a:t> </a:t>
-            </a:r>
-            <a:r>
-              <a:rPr lang="en-US" dirty="0" err="1" smtClean="0">
-                <a:solidFill>
-                  <a:srgbClr val="008000"/>
-                </a:solidFill>
-                <a:latin typeface="Arial (Body)"/>
-              </a:rPr>
-              <a:t>lựa</a:t>
-            </a:r>
-            <a:r>
-              <a:rPr lang="en-US" dirty="0" smtClean="0">
-                <a:solidFill>
-                  <a:srgbClr val="008000"/>
-                </a:solidFill>
-                <a:latin typeface="Arial (Body)"/>
-              </a:rPr>
-              <a:t> </a:t>
-            </a:r>
-            <a:r>
-              <a:rPr lang="en-US" dirty="0" err="1" smtClean="0">
-                <a:solidFill>
-                  <a:srgbClr val="008000"/>
-                </a:solidFill>
-                <a:latin typeface="Arial (Body)"/>
-              </a:rPr>
-              <a:t>chọn</a:t>
-            </a:r>
-            <a:r>
-              <a:rPr lang="en-US" dirty="0" smtClean="0">
-                <a:solidFill>
-                  <a:srgbClr val="008000"/>
-                </a:solidFill>
-                <a:latin typeface="Arial (Body)"/>
-              </a:rPr>
-              <a:t>: </a:t>
-            </a:r>
-            <a:r>
-              <a:rPr lang="en-US" dirty="0" err="1" smtClean="0">
-                <a:solidFill>
-                  <a:srgbClr val="008000"/>
-                </a:solidFill>
-                <a:latin typeface="Arial (Body)"/>
-              </a:rPr>
-              <a:t>với</a:t>
-            </a:r>
-            <a:r>
-              <a:rPr lang="en-US" dirty="0" smtClean="0">
-                <a:solidFill>
-                  <a:srgbClr val="008000"/>
-                </a:solidFill>
-                <a:latin typeface="Arial (Body)"/>
-              </a:rPr>
-              <a:t> </a:t>
-            </a:r>
-            <a:r>
-              <a:rPr lang="en-US" dirty="0" err="1" smtClean="0">
-                <a:solidFill>
-                  <a:srgbClr val="008000"/>
-                </a:solidFill>
-                <a:latin typeface="Arial (Body)"/>
-              </a:rPr>
-              <a:t>iOS</a:t>
-            </a:r>
-            <a:endParaRPr lang="en-US" dirty="0" smtClean="0">
+              </a:rPr>
+              <a:t> đồ hoạt động</a:t>
+            </a:r>
+            <a:endParaRPr lang="vi-VN" smtClean="0">
               <a:solidFill>
                 <a:srgbClr val="008000"/>
               </a:solidFill>
-              <a:latin typeface="Arial (Body)"/>
-            </a:endParaRPr>
-          </a:p>
-          <a:p>
-            <a:pPr lvl="1"/>
-            <a:r>
-              <a:rPr lang="en-US" dirty="0" err="1" smtClean="0">
-                <a:latin typeface="Arial (Body)"/>
-              </a:rPr>
-              <a:t>Chụp</a:t>
-            </a:r>
-            <a:r>
-              <a:rPr lang="en-US" dirty="0" smtClean="0">
-                <a:latin typeface="Arial (Body)"/>
-              </a:rPr>
-              <a:t> </a:t>
-            </a:r>
-            <a:r>
-              <a:rPr lang="en-US" dirty="0" err="1" smtClean="0">
-                <a:latin typeface="Arial (Body)"/>
-              </a:rPr>
-              <a:t>ảnh</a:t>
-            </a:r>
-            <a:r>
-              <a:rPr lang="en-US" dirty="0" smtClean="0">
-                <a:latin typeface="Arial (Body)"/>
-              </a:rPr>
-              <a:t>, </a:t>
-            </a:r>
-            <a:r>
-              <a:rPr lang="en-US" dirty="0" err="1" smtClean="0">
-                <a:latin typeface="Arial (Body)"/>
-              </a:rPr>
-              <a:t>chọn</a:t>
-            </a:r>
-            <a:r>
-              <a:rPr lang="en-US" dirty="0" smtClean="0">
-                <a:latin typeface="Arial (Body)"/>
-              </a:rPr>
-              <a:t> </a:t>
-            </a:r>
-            <a:r>
-              <a:rPr lang="en-US" dirty="0" err="1" smtClean="0">
-                <a:latin typeface="Arial (Body)"/>
-              </a:rPr>
-              <a:t>ảnh</a:t>
-            </a:r>
-            <a:r>
-              <a:rPr lang="en-US" dirty="0" smtClean="0">
-                <a:latin typeface="Arial (Body)"/>
-              </a:rPr>
-              <a:t>: </a:t>
-            </a:r>
-            <a:r>
-              <a:rPr lang="en-US" dirty="0" err="1" smtClean="0">
-                <a:solidFill>
-                  <a:srgbClr val="FF0000"/>
-                </a:solidFill>
-                <a:latin typeface="Arial (Body)"/>
-              </a:rPr>
-              <a:t>UIImagePicker</a:t>
-            </a:r>
-            <a:r>
-              <a:rPr lang="en-US" dirty="0">
-                <a:latin typeface="Arial (Body)"/>
-              </a:rPr>
-              <a:t>, </a:t>
-            </a:r>
-            <a:r>
-              <a:rPr lang="en-US" dirty="0" err="1" smtClean="0">
-                <a:latin typeface="Arial (Body)"/>
-              </a:rPr>
-              <a:t>AVFoundation.framework</a:t>
-            </a:r>
-            <a:r>
-              <a:rPr lang="en-US" dirty="0">
-                <a:latin typeface="Arial (Body)"/>
-              </a:rPr>
-              <a:t> (camera), </a:t>
-            </a:r>
-            <a:r>
-              <a:rPr lang="en-US" dirty="0" err="1" smtClean="0">
-                <a:latin typeface="Arial (Body)"/>
-              </a:rPr>
-              <a:t>AssetsLibrary.framework</a:t>
-            </a:r>
-            <a:r>
-              <a:rPr lang="en-US" dirty="0" smtClean="0">
-                <a:latin typeface="Arial (Body)"/>
-              </a:rPr>
-              <a:t> (choose image).</a:t>
-            </a:r>
-          </a:p>
-          <a:p>
-            <a:pPr lvl="1"/>
-            <a:r>
-              <a:rPr lang="en-US" dirty="0" smtClean="0">
-                <a:latin typeface="Arial (Body)"/>
-              </a:rPr>
-              <a:t>Crop </a:t>
-            </a:r>
-            <a:r>
-              <a:rPr lang="en-US" dirty="0" err="1" smtClean="0">
-                <a:latin typeface="Arial (Body)"/>
-              </a:rPr>
-              <a:t>và</a:t>
-            </a:r>
-            <a:r>
-              <a:rPr lang="en-US" dirty="0" smtClean="0">
-                <a:latin typeface="Arial (Body)"/>
-              </a:rPr>
-              <a:t> resize </a:t>
-            </a:r>
-            <a:r>
-              <a:rPr lang="en-US" dirty="0" err="1" smtClean="0">
-                <a:latin typeface="Arial (Body)"/>
-              </a:rPr>
-              <a:t>ảnh:</a:t>
-            </a:r>
-            <a:r>
-              <a:rPr lang="en-US" dirty="0" err="1">
-                <a:solidFill>
-                  <a:srgbClr val="FF0000"/>
-                </a:solidFill>
-                <a:sym typeface="Wingdings"/>
-              </a:rPr>
-              <a:t>CGImageRef</a:t>
-            </a:r>
-            <a:r>
-              <a:rPr lang="en-US" dirty="0">
-                <a:sym typeface="Wingdings"/>
-              </a:rPr>
-              <a:t>(crop logic)</a:t>
-            </a:r>
-            <a:r>
-              <a:rPr lang="en-US" dirty="0" smtClean="0">
-                <a:latin typeface="Arial (Body)"/>
-              </a:rPr>
-              <a:t> &lt;=&gt;</a:t>
-            </a:r>
-            <a:r>
-              <a:rPr lang="en-US" dirty="0" err="1" smtClean="0">
-                <a:solidFill>
-                  <a:srgbClr val="FF0000"/>
-                </a:solidFill>
-              </a:rPr>
-              <a:t>CGImageCreateWithImageInRect</a:t>
-            </a:r>
-            <a:r>
-              <a:rPr lang="en-US" dirty="0" smtClean="0">
-                <a:solidFill>
-                  <a:srgbClr val="FF0000"/>
-                </a:solidFill>
-              </a:rPr>
-              <a:t> </a:t>
-            </a:r>
-            <a:r>
-              <a:rPr lang="en-US" dirty="0" smtClean="0">
-                <a:solidFill>
-                  <a:srgbClr val="000000"/>
-                </a:solidFill>
-              </a:rPr>
-              <a:t>(crop)</a:t>
-            </a:r>
-            <a:r>
-              <a:rPr lang="en-US" dirty="0" smtClean="0">
-                <a:solidFill>
-                  <a:srgbClr val="FF0000"/>
-                </a:solidFill>
-              </a:rPr>
-              <a:t> , </a:t>
-            </a:r>
-            <a:r>
-              <a:rPr lang="en-US" dirty="0" err="1" smtClean="0">
-                <a:solidFill>
-                  <a:srgbClr val="FF0000"/>
-                </a:solidFill>
-              </a:rPr>
-              <a:t>drawInRect</a:t>
-            </a:r>
-            <a:r>
-              <a:rPr lang="en-US" dirty="0" smtClean="0">
-                <a:solidFill>
-                  <a:srgbClr val="000000"/>
-                </a:solidFill>
-              </a:rPr>
-              <a:t> (method of </a:t>
-            </a:r>
-            <a:r>
-              <a:rPr lang="en-US" dirty="0" err="1" smtClean="0">
-                <a:solidFill>
-                  <a:srgbClr val="000000"/>
-                </a:solidFill>
-              </a:rPr>
-              <a:t>UIImage</a:t>
-            </a:r>
-            <a:r>
-              <a:rPr lang="en-US" dirty="0" smtClean="0">
-                <a:solidFill>
-                  <a:srgbClr val="000000"/>
-                </a:solidFill>
-              </a:rPr>
-              <a:t>)-resize,</a:t>
-            </a:r>
-            <a:r>
-              <a:rPr lang="en-US" dirty="0"/>
-              <a:t> </a:t>
-            </a:r>
-            <a:r>
-              <a:rPr lang="en-US" dirty="0" err="1" smtClean="0">
-                <a:solidFill>
-                  <a:srgbClr val="FF0000"/>
-                </a:solidFill>
-              </a:rPr>
-              <a:t>UIGraphics</a:t>
-            </a:r>
-            <a:r>
-              <a:rPr lang="en-US" dirty="0" smtClean="0">
-                <a:solidFill>
-                  <a:srgbClr val="000000"/>
-                </a:solidFill>
-              </a:rPr>
-              <a:t>, </a:t>
-            </a:r>
-            <a:r>
-              <a:rPr lang="en-US" dirty="0" err="1" smtClean="0">
-                <a:solidFill>
-                  <a:srgbClr val="000000"/>
-                </a:solidFill>
-              </a:rPr>
-              <a:t>CGBitmapContext</a:t>
-            </a:r>
-            <a:r>
-              <a:rPr lang="en-US" dirty="0" smtClean="0">
-                <a:solidFill>
-                  <a:srgbClr val="000000"/>
-                </a:solidFill>
-              </a:rPr>
-              <a:t>, </a:t>
-            </a:r>
-            <a:r>
-              <a:rPr lang="en-US" dirty="0" err="1" smtClean="0">
-                <a:solidFill>
-                  <a:srgbClr val="000000"/>
-                </a:solidFill>
-              </a:rPr>
-              <a:t>CGContextDrawImage</a:t>
-            </a:r>
-            <a:r>
-              <a:rPr lang="en-US" dirty="0">
-                <a:solidFill>
-                  <a:srgbClr val="000000"/>
-                </a:solidFill>
-              </a:rPr>
-              <a:t> </a:t>
-            </a:r>
-            <a:r>
-              <a:rPr lang="en-US" dirty="0" smtClean="0">
-                <a:solidFill>
-                  <a:srgbClr val="000000"/>
-                </a:solidFill>
-                <a:sym typeface="Wingdings"/>
-              </a:rPr>
-              <a:t>scale and resize , </a:t>
-            </a:r>
-            <a:r>
-              <a:rPr lang="en-US" dirty="0" err="1" smtClean="0">
-                <a:solidFill>
-                  <a:srgbClr val="000000"/>
-                </a:solidFill>
-                <a:sym typeface="Wingdings"/>
-              </a:rPr>
-              <a:t>BJImageCroper</a:t>
-            </a:r>
-            <a:r>
-              <a:rPr lang="en-US" dirty="0">
-                <a:solidFill>
-                  <a:srgbClr val="000000"/>
-                </a:solidFill>
-                <a:sym typeface="Wingdings"/>
-              </a:rPr>
-              <a:t> (Barrett Jacobsen), </a:t>
-            </a:r>
-            <a:r>
-              <a:rPr lang="en-US" dirty="0" err="1" smtClean="0">
-                <a:solidFill>
-                  <a:srgbClr val="000000"/>
-                </a:solidFill>
-                <a:sym typeface="Wingdings"/>
-              </a:rPr>
-              <a:t>NYXImagesKit</a:t>
-            </a:r>
-            <a:r>
-              <a:rPr lang="en-US" smtClean="0">
-                <a:solidFill>
-                  <a:srgbClr val="000000"/>
-                </a:solidFill>
-                <a:sym typeface="Wingdings"/>
-              </a:rPr>
-              <a:t>(Benjamin Godard-2011)</a:t>
-            </a:r>
-            <a:endParaRPr lang="vi-VN" dirty="0">
-              <a:solidFill>
-                <a:srgbClr val="FF0000"/>
-              </a:solidFill>
-              <a:latin typeface="Arial (Body)"/>
-            </a:endParaRPr>
-          </a:p>
-          <a:p>
-            <a:pPr lvl="1"/>
-            <a:r>
-              <a:rPr lang="en-US" dirty="0" smtClean="0">
-                <a:latin typeface="Arial (Body)"/>
-              </a:rPr>
-              <a:t>Chia </a:t>
-            </a:r>
-            <a:r>
-              <a:rPr lang="en-US" dirty="0" err="1" smtClean="0">
-                <a:latin typeface="Arial (Body)"/>
-              </a:rPr>
-              <a:t>sẻ</a:t>
-            </a:r>
-            <a:r>
-              <a:rPr lang="en-US" dirty="0" smtClean="0">
-                <a:latin typeface="Arial (Body)"/>
-              </a:rPr>
-              <a:t> </a:t>
-            </a:r>
-            <a:r>
-              <a:rPr lang="en-US" dirty="0" err="1" smtClean="0">
-                <a:latin typeface="Arial (Body)"/>
-              </a:rPr>
-              <a:t>lên</a:t>
-            </a:r>
-            <a:r>
-              <a:rPr lang="en-US" dirty="0" smtClean="0">
-                <a:latin typeface="Arial (Body)"/>
-              </a:rPr>
-              <a:t> </a:t>
-            </a:r>
-            <a:r>
-              <a:rPr lang="en-US" dirty="0" err="1" smtClean="0">
-                <a:latin typeface="Arial (Body)"/>
-              </a:rPr>
-              <a:t>mạng</a:t>
-            </a:r>
-            <a:r>
-              <a:rPr lang="en-US" dirty="0" smtClean="0">
-                <a:latin typeface="Arial (Body)"/>
-              </a:rPr>
-              <a:t> </a:t>
-            </a:r>
-            <a:r>
-              <a:rPr lang="en-US" dirty="0" err="1" smtClean="0">
-                <a:latin typeface="Arial (Body)"/>
-              </a:rPr>
-              <a:t>xã</a:t>
-            </a:r>
-            <a:r>
-              <a:rPr lang="en-US" dirty="0" smtClean="0">
-                <a:latin typeface="Arial (Body)"/>
-              </a:rPr>
-              <a:t> </a:t>
-            </a:r>
-            <a:r>
-              <a:rPr lang="en-US" dirty="0" err="1" smtClean="0">
-                <a:latin typeface="Arial (Body)"/>
-              </a:rPr>
-              <a:t>hội</a:t>
-            </a:r>
-            <a:r>
-              <a:rPr lang="en-US" dirty="0">
-                <a:latin typeface="Arial (Body)"/>
-              </a:rPr>
-              <a:t>: </a:t>
-            </a:r>
-            <a:r>
-              <a:rPr lang="en-US" dirty="0" err="1" smtClean="0">
-                <a:solidFill>
-                  <a:srgbClr val="FF0000"/>
-                </a:solidFill>
-                <a:latin typeface="Arial (Body)"/>
-              </a:rPr>
-              <a:t>Social.framework</a:t>
-            </a:r>
-            <a:r>
-              <a:rPr lang="en-US" dirty="0" smtClean="0">
-                <a:latin typeface="Arial (Body)"/>
-              </a:rPr>
-              <a:t>, Facebook SDK, Twitter </a:t>
-            </a:r>
-            <a:r>
-              <a:rPr lang="en-US" dirty="0" err="1" smtClean="0">
-                <a:latin typeface="Arial (Body)"/>
-              </a:rPr>
-              <a:t>Framwork</a:t>
-            </a:r>
-            <a:r>
-              <a:rPr lang="en-US" dirty="0" smtClean="0">
-                <a:latin typeface="Arial (Body)"/>
-              </a:rPr>
-              <a:t>,…</a:t>
-            </a:r>
-          </a:p>
-          <a:p>
-            <a:pPr lvl="1"/>
-            <a:r>
-              <a:rPr lang="en-US" dirty="0" err="1" smtClean="0">
-                <a:solidFill>
-                  <a:srgbClr val="000000"/>
-                </a:solidFill>
-                <a:latin typeface="Arial (Body)"/>
-              </a:rPr>
-              <a:t>Giao</a:t>
-            </a:r>
-            <a:r>
-              <a:rPr lang="en-US" dirty="0" smtClean="0">
-                <a:solidFill>
-                  <a:srgbClr val="000000"/>
-                </a:solidFill>
-                <a:latin typeface="Arial (Body)"/>
-              </a:rPr>
-              <a:t> </a:t>
-            </a:r>
-            <a:r>
-              <a:rPr lang="en-US" dirty="0" err="1" smtClean="0">
-                <a:solidFill>
-                  <a:srgbClr val="000000"/>
-                </a:solidFill>
-                <a:latin typeface="Arial (Body)"/>
-              </a:rPr>
-              <a:t>diện</a:t>
-            </a:r>
-            <a:r>
-              <a:rPr lang="en-US" dirty="0" smtClean="0">
-                <a:solidFill>
-                  <a:srgbClr val="000000"/>
-                </a:solidFill>
-                <a:latin typeface="Arial (Body)"/>
-              </a:rPr>
-              <a:t> </a:t>
-            </a:r>
-            <a:r>
-              <a:rPr lang="en-US" dirty="0" err="1" smtClean="0">
-                <a:solidFill>
-                  <a:srgbClr val="000000"/>
-                </a:solidFill>
-                <a:latin typeface="Arial (Body)"/>
-              </a:rPr>
-              <a:t>càng</a:t>
-            </a:r>
-            <a:r>
-              <a:rPr lang="en-US" dirty="0" smtClean="0">
-                <a:solidFill>
-                  <a:srgbClr val="000000"/>
-                </a:solidFill>
-                <a:latin typeface="Arial (Body)"/>
-              </a:rPr>
-              <a:t> </a:t>
-            </a:r>
-            <a:r>
-              <a:rPr lang="en-US" dirty="0" err="1" smtClean="0">
-                <a:solidFill>
-                  <a:srgbClr val="000000"/>
-                </a:solidFill>
-                <a:latin typeface="Arial (Body)"/>
-              </a:rPr>
-              <a:t>giống</a:t>
-            </a:r>
-            <a:r>
-              <a:rPr lang="en-US" dirty="0" smtClean="0">
-                <a:solidFill>
-                  <a:srgbClr val="000000"/>
-                </a:solidFill>
-                <a:latin typeface="Arial (Body)"/>
-              </a:rPr>
-              <a:t> </a:t>
-            </a:r>
-            <a:r>
-              <a:rPr lang="en-US" dirty="0" err="1" smtClean="0">
-                <a:solidFill>
-                  <a:srgbClr val="000000"/>
-                </a:solidFill>
-                <a:latin typeface="Arial (Body)"/>
-              </a:rPr>
-              <a:t>với</a:t>
-            </a:r>
-            <a:r>
-              <a:rPr lang="en-US" dirty="0" smtClean="0">
-                <a:solidFill>
-                  <a:srgbClr val="000000"/>
-                </a:solidFill>
-                <a:latin typeface="Arial (Body)"/>
-              </a:rPr>
-              <a:t> </a:t>
-            </a:r>
-            <a:r>
-              <a:rPr lang="en-US" dirty="0" err="1" smtClean="0">
-                <a:solidFill>
-                  <a:srgbClr val="000000"/>
-                </a:solidFill>
-                <a:latin typeface="Arial (Body)"/>
-              </a:rPr>
-              <a:t>instagram</a:t>
-            </a:r>
-            <a:r>
-              <a:rPr lang="en-US" dirty="0" smtClean="0">
-                <a:solidFill>
-                  <a:srgbClr val="000000"/>
-                </a:solidFill>
-                <a:latin typeface="Arial (Body)"/>
-              </a:rPr>
-              <a:t> </a:t>
-            </a:r>
-            <a:r>
-              <a:rPr lang="en-US" dirty="0" err="1" smtClean="0">
-                <a:solidFill>
-                  <a:srgbClr val="000000"/>
-                </a:solidFill>
-                <a:latin typeface="Arial (Body)"/>
-              </a:rPr>
-              <a:t>càng</a:t>
-            </a:r>
-            <a:r>
-              <a:rPr lang="en-US" dirty="0" smtClean="0">
-                <a:solidFill>
-                  <a:srgbClr val="000000"/>
-                </a:solidFill>
-                <a:latin typeface="Arial (Body)"/>
-              </a:rPr>
-              <a:t> </a:t>
-            </a:r>
-            <a:r>
-              <a:rPr lang="en-US" dirty="0" err="1" smtClean="0">
-                <a:solidFill>
-                  <a:srgbClr val="000000"/>
-                </a:solidFill>
-                <a:latin typeface="Arial (Body)"/>
-              </a:rPr>
-              <a:t>tốt</a:t>
-            </a:r>
-            <a:r>
-              <a:rPr lang="en-US" dirty="0" smtClean="0">
-                <a:solidFill>
-                  <a:srgbClr val="000000"/>
-                </a:solidFill>
-                <a:latin typeface="Arial (Body)"/>
-              </a:rPr>
-              <a:t>.</a:t>
-            </a:r>
-            <a:endParaRPr lang="vi-VN" dirty="0" smtClean="0">
-              <a:solidFill>
-                <a:srgbClr val="000000"/>
-              </a:solidFill>
-              <a:latin typeface="Arial (Body)"/>
             </a:endParaRPr>
           </a:p>
         </p:txBody>
@@ -11859,10 +9656,40 @@
           </a:p>
         </p:txBody>
       </p:sp>
+      <p:pic>
+        <p:nvPicPr>
+          <p:cNvPr id="6" name="Picture 5"/>
+          <p:cNvPicPr>
+            <a:picLocks noChangeAspect="1"/>
+          </p:cNvPicPr>
+          <p:nvPr/>
+        </p:nvPicPr>
+        <p:blipFill>
+          <a:blip r:embed="rId3">
+            <a:extLst>
+              <a:ext uri="{28A0092B-C50C-407E-A947-70E740481C1C}">
+                <a14:useLocalDpi xmlns:a14="http://schemas.microsoft.com/office/drawing/2010/main" val="0"/>
+              </a:ext>
+            </a:extLst>
+          </a:blip>
+          <a:stretch>
+            <a:fillRect/>
+          </a:stretch>
+        </p:blipFill>
+        <p:spPr>
+          <a:xfrm>
+            <a:off x="0" y="1780089"/>
+            <a:ext cx="9144000" cy="4219045"/>
+          </a:xfrm>
+          <a:prstGeom prst="rect">
+            <a:avLst/>
+          </a:prstGeom>
+        </p:spPr>
+      </p:pic>
     </p:spTree>
     <p:extLst>
       <p:ext uri="{BB962C8B-B14F-4D97-AF65-F5344CB8AC3E}">
-        <p14:creationId xmlns:p14="http://schemas.microsoft.com/office/powerpoint/2010/main" val="1006764191"/>
+        <p14:creationId xmlns:p14="http://schemas.microsoft.com/office/powerpoint/2010/main" val="780518641"/>
       </p:ext>
     </p:extLst>
   </p:cSld>
